--- a/Presentations/LGC_ADP_OCVR_walkthrough.pptx
+++ b/Presentations/LGC_ADP_OCVR_walkthrough.pptx
@@ -1,17 +1,26 @@
 
 <file path=ppt/presentation.xml><?xml version="1.0" encoding="utf-8"?>
-<p:presentation xmlns:a="http://schemas.openxmlformats.org/drawingml/2006/main" xmlns:r="http://schemas.openxmlformats.org/officeDocument/2006/relationships" xmlns:p="http://schemas.openxmlformats.org/presentationml/2006/main" saveSubsetFonts="1">
+<p:presentation xmlns:a="http://schemas.openxmlformats.org/drawingml/2006/main" xmlns:r="http://schemas.openxmlformats.org/officeDocument/2006/relationships" xmlns:p="http://schemas.openxmlformats.org/presentationml/2006/main" showSpecialPlsOnTitleSld="0" saveSubsetFonts="1">
   <p:sldMasterIdLst>
     <p:sldMasterId id="2147483648" r:id="rId1"/>
   </p:sldMasterIdLst>
   <p:notesMasterIdLst>
-    <p:notesMasterId r:id="rId6"/>
+    <p:notesMasterId r:id="rId15"/>
   </p:notesMasterIdLst>
   <p:sldIdLst>
     <p:sldId id="425" r:id="rId2"/>
     <p:sldId id="427" r:id="rId3"/>
-    <p:sldId id="424" r:id="rId4"/>
-    <p:sldId id="263" r:id="rId5"/>
+    <p:sldId id="264" r:id="rId4"/>
+    <p:sldId id="265" r:id="rId5"/>
+    <p:sldId id="266" r:id="rId6"/>
+    <p:sldId id="428" r:id="rId7"/>
+    <p:sldId id="263" r:id="rId8"/>
+    <p:sldId id="270" r:id="rId9"/>
+    <p:sldId id="432" r:id="rId10"/>
+    <p:sldId id="429" r:id="rId11"/>
+    <p:sldId id="431" r:id="rId12"/>
+    <p:sldId id="434" r:id="rId13"/>
+    <p:sldId id="435" r:id="rId14"/>
   </p:sldIdLst>
   <p:sldSz cx="12192000" cy="6858000"/>
   <p:notesSz cx="6858000" cy="9144000"/>
@@ -111,6 +120,35 @@
     </a:lvl9pPr>
   </p:defaultTextStyle>
   <p:extLst>
+    <p:ext uri="{521415D9-36F7-43E2-AB2F-B90AF26B5E84}">
+      <p14:sectionLst xmlns:p14="http://schemas.microsoft.com/office/powerpoint/2010/main">
+        <p14:section name="Default Section" id="{74F6925B-4897-4372-8583-EDBEFE7BF6C3}">
+          <p14:sldIdLst>
+            <p14:sldId id="425"/>
+            <p14:sldId id="427"/>
+          </p14:sldIdLst>
+        </p14:section>
+        <p14:section name="Background" id="{B72B6729-33E8-44CE-A4BB-9D278E35C41D}">
+          <p14:sldIdLst>
+            <p14:sldId id="264"/>
+            <p14:sldId id="265"/>
+            <p14:sldId id="266"/>
+            <p14:sldId id="428"/>
+            <p14:sldId id="263"/>
+            <p14:sldId id="270"/>
+            <p14:sldId id="432"/>
+          </p14:sldIdLst>
+        </p14:section>
+        <p14:section name="Backup" id="{EB07C867-70D3-441C-AC5E-401A10DC00A0}">
+          <p14:sldIdLst>
+            <p14:sldId id="429"/>
+            <p14:sldId id="431"/>
+            <p14:sldId id="434"/>
+            <p14:sldId id="435"/>
+          </p14:sldIdLst>
+        </p14:section>
+      </p14:sectionLst>
+    </p:ext>
     <p:ext uri="{EFAFB233-063F-42B5-8137-9DF3F51BA10A}">
       <p15:sldGuideLst xmlns:p15="http://schemas.microsoft.com/office/powerpoint/2012/main"/>
     </p:ext>
@@ -200,7 +238,7 @@
           <a:p>
             <a:fld id="{559570E1-CA16-4C46-9175-F70CBC0C9EA0}" type="datetimeFigureOut">
               <a:rPr lang="en-US" smtClean="0"/>
-              <a:t>7/31/2018</a:t>
+              <a:t>8/9/2018</a:t>
             </a:fld>
             <a:endParaRPr lang="en-US"/>
           </a:p>
@@ -468,11 +506,11 @@
 </file>
 
 <file path=ppt/notesSlides/notesSlide1.xml><?xml version="1.0" encoding="utf-8"?>
-<p:notes xmlns:a="http://schemas.openxmlformats.org/drawingml/2006/main" xmlns:r="http://schemas.openxmlformats.org/officeDocument/2006/relationships" xmlns:p="http://schemas.openxmlformats.org/presentationml/2006/main" showMasterSp="0" showMasterPhAnim="0">
+<p:notes xmlns:a="http://schemas.openxmlformats.org/drawingml/2006/main" xmlns:r="http://schemas.openxmlformats.org/officeDocument/2006/relationships" xmlns:p="http://schemas.openxmlformats.org/presentationml/2006/main">
   <p:cSld>
     <p:spTree>
       <p:nvGrpSpPr>
-        <p:cNvPr id="1" name="Shape 50"/>
+        <p:cNvPr id="1" name=""/>
         <p:cNvGrpSpPr/>
         <p:nvPr/>
       </p:nvGrpSpPr>
@@ -486,87 +524,116 @@
       </p:grpSpPr>
       <p:sp>
         <p:nvSpPr>
-          <p:cNvPr id="51" name="Shape 51"/>
+          <p:cNvPr id="2" name="Slide Image Placeholder 1"/>
           <p:cNvSpPr>
             <a:spLocks noGrp="1" noRot="1" noChangeAspect="1"/>
           </p:cNvSpPr>
           <p:nvPr>
-            <p:ph type="sldImg" idx="2"/>
+            <p:ph type="sldImg"/>
           </p:nvPr>
         </p:nvSpPr>
-        <p:spPr>
-          <a:xfrm>
-            <a:off x="381000" y="685800"/>
-            <a:ext cx="6096000" cy="3429000"/>
-          </a:xfrm>
-          <a:custGeom>
-            <a:avLst/>
-            <a:gdLst/>
-            <a:ahLst/>
-            <a:cxnLst/>
-            <a:rect l="0" t="0" r="0" b="0"/>
-            <a:pathLst>
-              <a:path w="120000" h="120000" extrusionOk="0">
-                <a:moveTo>
-                  <a:pt x="0" y="0"/>
-                </a:moveTo>
-                <a:lnTo>
-                  <a:pt x="120000" y="0"/>
-                </a:lnTo>
-                <a:lnTo>
-                  <a:pt x="120000" y="120000"/>
-                </a:lnTo>
-                <a:lnTo>
-                  <a:pt x="0" y="120000"/>
-                </a:lnTo>
-                <a:close/>
-              </a:path>
-            </a:pathLst>
-          </a:custGeom>
-        </p:spPr>
-      </p:sp>
-      <p:sp>
-        <p:nvSpPr>
-          <p:cNvPr id="52" name="Shape 52"/>
-          <p:cNvSpPr txBox="1">
+        <p:spPr/>
+      </p:sp>
+      <p:sp>
+        <p:nvSpPr>
+          <p:cNvPr id="3" name="Notes Placeholder 2"/>
+          <p:cNvSpPr>
             <a:spLocks noGrp="1"/>
           </p:cNvSpPr>
           <p:nvPr>
             <p:ph type="body" idx="1"/>
           </p:nvPr>
         </p:nvSpPr>
-        <p:spPr>
-          <a:xfrm>
-            <a:off x="685800" y="4343400"/>
-            <a:ext cx="5486400" cy="4114800"/>
-          </a:xfrm>
-          <a:prstGeom prst="rect">
-            <a:avLst/>
-          </a:prstGeom>
-        </p:spPr>
-        <p:txBody>
-          <a:bodyPr spcFirstLastPara="1" wrap="square" lIns="91425" tIns="91425" rIns="91425" bIns="91425" anchor="t" anchorCtr="0">
-            <a:noAutofit/>
-          </a:bodyPr>
+        <p:spPr/>
+        <p:txBody>
+          <a:bodyPr/>
           <a:lstStyle/>
           <a:p>
-            <a:pPr marL="0" lvl="0" indent="0">
-              <a:spcBef>
-                <a:spcPts val="0"/>
-              </a:spcBef>
-              <a:spcAft>
-                <a:spcPts val="0"/>
-              </a:spcAft>
-              <a:buNone/>
-            </a:pPr>
-            <a:endParaRPr/>
+            <a:r>
+              <a:rPr lang="en-US" dirty="0"/>
+              <a:t>We find optimal solutions to the subproblems using a value or policy iteration in order to find an optimal solution to the larger problem. DP is subject to the curses of dimensionality: mainly the size of the state, action, and outcome space causing significant increases in complexity.</a:t>
+            </a:r>
+          </a:p>
+          <a:p>
+            <a:r>
+              <a:rPr lang="en-US" dirty="0"/>
+              <a:t>Notation: c</a:t>
+            </a:r>
+            <a:r>
+              <a:rPr lang="en-US" baseline="-25000" dirty="0"/>
+              <a:t>k</a:t>
+            </a:r>
+            <a:r>
+              <a:rPr lang="en-US" baseline="0" dirty="0"/>
+              <a:t> is the cost function while </a:t>
+            </a:r>
+            <a:r>
+              <a:rPr lang="en-US" baseline="0" dirty="0" err="1"/>
+              <a:t>V</a:t>
+            </a:r>
+            <a:r>
+              <a:rPr lang="en-US" baseline="-25000" dirty="0" err="1"/>
+              <a:t>k</a:t>
+            </a:r>
+            <a:r>
+              <a:rPr lang="en-US" baseline="0" dirty="0"/>
+              <a:t> is the value function. </a:t>
+            </a:r>
+            <a:r>
+              <a:rPr lang="en-US" baseline="0" dirty="0" err="1"/>
+              <a:t>X</a:t>
+            </a:r>
+            <a:r>
+              <a:rPr lang="en-US" baseline="-25000" dirty="0" err="1"/>
+              <a:t>k</a:t>
+            </a:r>
+            <a:r>
+              <a:rPr lang="en-US" baseline="0" dirty="0"/>
+              <a:t> is the state vector while </a:t>
+            </a:r>
+            <a:r>
+              <a:rPr lang="en-US" baseline="0" dirty="0" err="1"/>
+              <a:t>u</a:t>
+            </a:r>
+            <a:r>
+              <a:rPr lang="en-US" baseline="-25000" dirty="0" err="1"/>
+              <a:t>k</a:t>
+            </a:r>
+            <a:r>
+              <a:rPr lang="en-US" baseline="0" dirty="0"/>
+              <a:t> is the input vector.</a:t>
+            </a:r>
+            <a:endParaRPr lang="en-US" dirty="0"/>
+          </a:p>
+        </p:txBody>
+      </p:sp>
+      <p:sp>
+        <p:nvSpPr>
+          <p:cNvPr id="4" name="Slide Number Placeholder 3"/>
+          <p:cNvSpPr>
+            <a:spLocks noGrp="1"/>
+          </p:cNvSpPr>
+          <p:nvPr>
+            <p:ph type="sldNum" sz="quarter" idx="10"/>
+          </p:nvPr>
+        </p:nvSpPr>
+        <p:spPr/>
+        <p:txBody>
+          <a:bodyPr/>
+          <a:lstStyle/>
+          <a:p>
+            <a:fld id="{2A6D1CCD-34FB-4AA2-8867-D4664D5A989B}" type="slidenum">
+              <a:rPr lang="en-US" smtClean="0"/>
+              <a:t>3</a:t>
+            </a:fld>
+            <a:endParaRPr lang="en-US"/>
           </a:p>
         </p:txBody>
       </p:sp>
     </p:spTree>
     <p:extLst>
       <p:ext uri="{BB962C8B-B14F-4D97-AF65-F5344CB8AC3E}">
-        <p14:creationId xmlns:p14="http://schemas.microsoft.com/office/powerpoint/2010/main" val="3273496974"/>
+        <p14:creationId xmlns:p14="http://schemas.microsoft.com/office/powerpoint/2010/main" val="2556644753"/>
       </p:ext>
     </p:extLst>
   </p:cSld>
@@ -622,27 +689,7 @@
           <a:p>
             <a:r>
               <a:rPr lang="en-US" dirty="0"/>
-              <a:t>k denotes each individual time step</a:t>
-            </a:r>
-          </a:p>
-          <a:p>
-            <a:r>
-              <a:rPr lang="en-US" dirty="0"/>
-              <a:t>ADP assess how good the function approximation is close to the desired reward</a:t>
-            </a:r>
-          </a:p>
-          <a:p>
-            <a:r>
-              <a:rPr lang="en-US" dirty="0"/>
-              <a:t>We provide the state space and initial control from DFN/other </a:t>
-            </a:r>
-            <a:r>
-              <a:rPr lang="en-US" dirty="0" err="1"/>
-              <a:t>echem</a:t>
-            </a:r>
-            <a:r>
-              <a:rPr lang="en-US" dirty="0"/>
-              <a:t> model results. Find optimal control to use in experimental controller</a:t>
+              <a:t>Model-free framework is used where an actor obtains a reward from external stimulus with the environment. It subsequently adapts the decision-making process to maximize/minimize the reward.</a:t>
             </a:r>
           </a:p>
         </p:txBody>
@@ -662,7 +709,7 @@
           <a:bodyPr/>
           <a:lstStyle/>
           <a:p>
-            <a:fld id="{676CD7A3-3DB4-49EE-8F53-C481137EB6A6}" type="slidenum">
+            <a:fld id="{2A6D1CCD-34FB-4AA2-8867-D4664D5A989B}" type="slidenum">
               <a:rPr lang="en-US" smtClean="0"/>
               <a:t>4</a:t>
             </a:fld>
@@ -673,7 +720,328 @@
     </p:spTree>
     <p:extLst>
       <p:ext uri="{BB962C8B-B14F-4D97-AF65-F5344CB8AC3E}">
+        <p14:creationId xmlns:p14="http://schemas.microsoft.com/office/powerpoint/2010/main" val="465910214"/>
+      </p:ext>
+    </p:extLst>
+  </p:cSld>
+  <p:clrMapOvr>
+    <a:masterClrMapping/>
+  </p:clrMapOvr>
+</p:notes>
+</file>
+
+<file path=ppt/notesSlides/notesSlide3.xml><?xml version="1.0" encoding="utf-8"?>
+<p:notes xmlns:a="http://schemas.openxmlformats.org/drawingml/2006/main" xmlns:r="http://schemas.openxmlformats.org/officeDocument/2006/relationships" xmlns:p="http://schemas.openxmlformats.org/presentationml/2006/main">
+  <p:cSld>
+    <p:spTree>
+      <p:nvGrpSpPr>
+        <p:cNvPr id="1" name=""/>
+        <p:cNvGrpSpPr/>
+        <p:nvPr/>
+      </p:nvGrpSpPr>
+      <p:grpSpPr>
+        <a:xfrm>
+          <a:off x="0" y="0"/>
+          <a:ext cx="0" cy="0"/>
+          <a:chOff x="0" y="0"/>
+          <a:chExt cx="0" cy="0"/>
+        </a:xfrm>
+      </p:grpSpPr>
+      <p:sp>
+        <p:nvSpPr>
+          <p:cNvPr id="2" name="Slide Image Placeholder 1"/>
+          <p:cNvSpPr>
+            <a:spLocks noGrp="1" noRot="1" noChangeAspect="1"/>
+          </p:cNvSpPr>
+          <p:nvPr>
+            <p:ph type="sldImg"/>
+          </p:nvPr>
+        </p:nvSpPr>
+        <p:spPr/>
+      </p:sp>
+      <p:sp>
+        <p:nvSpPr>
+          <p:cNvPr id="3" name="Notes Placeholder 2"/>
+          <p:cNvSpPr>
+            <a:spLocks noGrp="1"/>
+          </p:cNvSpPr>
+          <p:nvPr>
+            <p:ph type="body" idx="1"/>
+          </p:nvPr>
+        </p:nvSpPr>
+        <p:spPr/>
+        <p:txBody>
+          <a:bodyPr/>
+          <a:lstStyle/>
+          <a:p>
+            <a:r>
+              <a:rPr lang="en-US" dirty="0"/>
+              <a:t>k denotes each individual time step</a:t>
+            </a:r>
+          </a:p>
+          <a:p>
+            <a:r>
+              <a:rPr lang="en-US" dirty="0"/>
+              <a:t>ADP assess how good the function approximation is close to the desired reward</a:t>
+            </a:r>
+          </a:p>
+          <a:p>
+            <a:r>
+              <a:rPr lang="en-US" dirty="0"/>
+              <a:t>We provide the state space and initial control from DFN/other </a:t>
+            </a:r>
+            <a:r>
+              <a:rPr lang="en-US" dirty="0" err="1"/>
+              <a:t>echem</a:t>
+            </a:r>
+            <a:r>
+              <a:rPr lang="en-US" dirty="0"/>
+              <a:t> model results. Find optimal control to use in experimental controller</a:t>
+            </a:r>
+          </a:p>
+        </p:txBody>
+      </p:sp>
+      <p:sp>
+        <p:nvSpPr>
+          <p:cNvPr id="4" name="Slide Number Placeholder 3"/>
+          <p:cNvSpPr>
+            <a:spLocks noGrp="1"/>
+          </p:cNvSpPr>
+          <p:nvPr>
+            <p:ph type="sldNum" sz="quarter" idx="10"/>
+          </p:nvPr>
+        </p:nvSpPr>
+        <p:spPr/>
+        <p:txBody>
+          <a:bodyPr/>
+          <a:lstStyle/>
+          <a:p>
+            <a:fld id="{676CD7A3-3DB4-49EE-8F53-C481137EB6A6}" type="slidenum">
+              <a:rPr lang="en-US" smtClean="0"/>
+              <a:t>7</a:t>
+            </a:fld>
+            <a:endParaRPr lang="en-US"/>
+          </a:p>
+        </p:txBody>
+      </p:sp>
+    </p:spTree>
+    <p:extLst>
+      <p:ext uri="{BB962C8B-B14F-4D97-AF65-F5344CB8AC3E}">
         <p14:creationId xmlns:p14="http://schemas.microsoft.com/office/powerpoint/2010/main" val="2814027338"/>
+      </p:ext>
+    </p:extLst>
+  </p:cSld>
+  <p:clrMapOvr>
+    <a:masterClrMapping/>
+  </p:clrMapOvr>
+</p:notes>
+</file>
+
+<file path=ppt/notesSlides/notesSlide4.xml><?xml version="1.0" encoding="utf-8"?>
+<p:notes xmlns:a="http://schemas.openxmlformats.org/drawingml/2006/main" xmlns:r="http://schemas.openxmlformats.org/officeDocument/2006/relationships" xmlns:p="http://schemas.openxmlformats.org/presentationml/2006/main">
+  <p:cSld>
+    <p:spTree>
+      <p:nvGrpSpPr>
+        <p:cNvPr id="1" name=""/>
+        <p:cNvGrpSpPr/>
+        <p:nvPr/>
+      </p:nvGrpSpPr>
+      <p:grpSpPr>
+        <a:xfrm>
+          <a:off x="0" y="0"/>
+          <a:ext cx="0" cy="0"/>
+          <a:chOff x="0" y="0"/>
+          <a:chExt cx="0" cy="0"/>
+        </a:xfrm>
+      </p:grpSpPr>
+      <p:sp>
+        <p:nvSpPr>
+          <p:cNvPr id="2" name="Slide Image Placeholder 1"/>
+          <p:cNvSpPr>
+            <a:spLocks noGrp="1" noRot="1" noChangeAspect="1"/>
+          </p:cNvSpPr>
+          <p:nvPr>
+            <p:ph type="sldImg"/>
+          </p:nvPr>
+        </p:nvSpPr>
+        <p:spPr/>
+      </p:sp>
+      <p:sp>
+        <p:nvSpPr>
+          <p:cNvPr id="3" name="Notes Placeholder 2"/>
+          <p:cNvSpPr>
+            <a:spLocks noGrp="1"/>
+          </p:cNvSpPr>
+          <p:nvPr>
+            <p:ph type="body" idx="1"/>
+          </p:nvPr>
+        </p:nvSpPr>
+        <p:spPr/>
+        <p:txBody>
+          <a:bodyPr/>
+          <a:lstStyle/>
+          <a:p>
+            <a:r>
+              <a:rPr lang="en-US" dirty="0"/>
+              <a:t>k denotes each individual time step</a:t>
+            </a:r>
+          </a:p>
+          <a:p>
+            <a:r>
+              <a:rPr lang="en-US" dirty="0"/>
+              <a:t>ADP assess how good the function approximation is close to the desired reward</a:t>
+            </a:r>
+          </a:p>
+          <a:p>
+            <a:r>
+              <a:rPr lang="en-US" dirty="0"/>
+              <a:t>We provide the state space and initial control from DFN/other </a:t>
+            </a:r>
+            <a:r>
+              <a:rPr lang="en-US" dirty="0" err="1"/>
+              <a:t>echem</a:t>
+            </a:r>
+            <a:r>
+              <a:rPr lang="en-US" dirty="0"/>
+              <a:t> model results. Find optimal control to use in experimental controller</a:t>
+            </a:r>
+          </a:p>
+        </p:txBody>
+      </p:sp>
+      <p:sp>
+        <p:nvSpPr>
+          <p:cNvPr id="4" name="Slide Number Placeholder 3"/>
+          <p:cNvSpPr>
+            <a:spLocks noGrp="1"/>
+          </p:cNvSpPr>
+          <p:nvPr>
+            <p:ph type="sldNum" sz="quarter" idx="10"/>
+          </p:nvPr>
+        </p:nvSpPr>
+        <p:spPr/>
+        <p:txBody>
+          <a:bodyPr/>
+          <a:lstStyle/>
+          <a:p>
+            <a:fld id="{676CD7A3-3DB4-49EE-8F53-C481137EB6A6}" type="slidenum">
+              <a:rPr lang="en-US" smtClean="0"/>
+              <a:t>12</a:t>
+            </a:fld>
+            <a:endParaRPr lang="en-US"/>
+          </a:p>
+        </p:txBody>
+      </p:sp>
+    </p:spTree>
+    <p:extLst>
+      <p:ext uri="{BB962C8B-B14F-4D97-AF65-F5344CB8AC3E}">
+        <p14:creationId xmlns:p14="http://schemas.microsoft.com/office/powerpoint/2010/main" val="3409088383"/>
+      </p:ext>
+    </p:extLst>
+  </p:cSld>
+  <p:clrMapOvr>
+    <a:masterClrMapping/>
+  </p:clrMapOvr>
+</p:notes>
+</file>
+
+<file path=ppt/notesSlides/notesSlide5.xml><?xml version="1.0" encoding="utf-8"?>
+<p:notes xmlns:a="http://schemas.openxmlformats.org/drawingml/2006/main" xmlns:r="http://schemas.openxmlformats.org/officeDocument/2006/relationships" xmlns:p="http://schemas.openxmlformats.org/presentationml/2006/main">
+  <p:cSld>
+    <p:spTree>
+      <p:nvGrpSpPr>
+        <p:cNvPr id="1" name=""/>
+        <p:cNvGrpSpPr/>
+        <p:nvPr/>
+      </p:nvGrpSpPr>
+      <p:grpSpPr>
+        <a:xfrm>
+          <a:off x="0" y="0"/>
+          <a:ext cx="0" cy="0"/>
+          <a:chOff x="0" y="0"/>
+          <a:chExt cx="0" cy="0"/>
+        </a:xfrm>
+      </p:grpSpPr>
+      <p:sp>
+        <p:nvSpPr>
+          <p:cNvPr id="2" name="Slide Image Placeholder 1"/>
+          <p:cNvSpPr>
+            <a:spLocks noGrp="1" noRot="1" noChangeAspect="1"/>
+          </p:cNvSpPr>
+          <p:nvPr>
+            <p:ph type="sldImg"/>
+          </p:nvPr>
+        </p:nvSpPr>
+        <p:spPr/>
+      </p:sp>
+      <p:sp>
+        <p:nvSpPr>
+          <p:cNvPr id="3" name="Notes Placeholder 2"/>
+          <p:cNvSpPr>
+            <a:spLocks noGrp="1"/>
+          </p:cNvSpPr>
+          <p:nvPr>
+            <p:ph type="body" idx="1"/>
+          </p:nvPr>
+        </p:nvSpPr>
+        <p:spPr/>
+        <p:txBody>
+          <a:bodyPr/>
+          <a:lstStyle/>
+          <a:p>
+            <a:r>
+              <a:rPr lang="en-US" dirty="0"/>
+              <a:t>k denotes each individual time step</a:t>
+            </a:r>
+          </a:p>
+          <a:p>
+            <a:r>
+              <a:rPr lang="en-US" dirty="0"/>
+              <a:t>ADP assess how good the function approximation is close to the desired reward</a:t>
+            </a:r>
+          </a:p>
+          <a:p>
+            <a:r>
+              <a:rPr lang="en-US" dirty="0"/>
+              <a:t>We provide the state space and initial control from DFN/other </a:t>
+            </a:r>
+            <a:r>
+              <a:rPr lang="en-US" dirty="0" err="1"/>
+              <a:t>echem</a:t>
+            </a:r>
+            <a:r>
+              <a:rPr lang="en-US" dirty="0"/>
+              <a:t> model results. Find optimal control to use in experimental controller</a:t>
+            </a:r>
+          </a:p>
+        </p:txBody>
+      </p:sp>
+      <p:sp>
+        <p:nvSpPr>
+          <p:cNvPr id="4" name="Slide Number Placeholder 3"/>
+          <p:cNvSpPr>
+            <a:spLocks noGrp="1"/>
+          </p:cNvSpPr>
+          <p:nvPr>
+            <p:ph type="sldNum" sz="quarter" idx="10"/>
+          </p:nvPr>
+        </p:nvSpPr>
+        <p:spPr/>
+        <p:txBody>
+          <a:bodyPr/>
+          <a:lstStyle/>
+          <a:p>
+            <a:fld id="{676CD7A3-3DB4-49EE-8F53-C481137EB6A6}" type="slidenum">
+              <a:rPr lang="en-US" smtClean="0"/>
+              <a:t>13</a:t>
+            </a:fld>
+            <a:endParaRPr lang="en-US"/>
+          </a:p>
+        </p:txBody>
+      </p:sp>
+    </p:spTree>
+    <p:extLst>
+      <p:ext uri="{BB962C8B-B14F-4D97-AF65-F5344CB8AC3E}">
+        <p14:creationId xmlns:p14="http://schemas.microsoft.com/office/powerpoint/2010/main" val="685856530"/>
       </p:ext>
     </p:extLst>
   </p:cSld>
@@ -828,10 +1196,11 @@
           <a:bodyPr/>
           <a:lstStyle/>
           <a:p>
-            <a:r>
-              <a:rPr lang="en-US"/>
-              <a:t>7/26/2018</a:t>
-            </a:r>
+            <a:fld id="{1C14C3EF-5B16-4AEF-B802-32C00E1085F9}" type="datetime1">
+              <a:rPr lang="en-US" smtClean="0"/>
+              <a:t>8/9/2018</a:t>
+            </a:fld>
+            <a:endParaRPr lang="en-US"/>
           </a:p>
         </p:txBody>
       </p:sp>
@@ -1025,10 +1394,11 @@
           <a:bodyPr/>
           <a:lstStyle/>
           <a:p>
-            <a:r>
-              <a:rPr lang="en-US"/>
-              <a:t>7/26/2018</a:t>
-            </a:r>
+            <a:fld id="{FB4E9CC4-955F-4F9F-BF5A-F525E8F31311}" type="datetime1">
+              <a:rPr lang="en-US" smtClean="0"/>
+              <a:t>8/9/2018</a:t>
+            </a:fld>
+            <a:endParaRPr lang="en-US"/>
           </a:p>
         </p:txBody>
       </p:sp>
@@ -1232,10 +1602,11 @@
           <a:bodyPr/>
           <a:lstStyle/>
           <a:p>
-            <a:r>
-              <a:rPr lang="en-US"/>
-              <a:t>7/26/2018</a:t>
-            </a:r>
+            <a:fld id="{EF3E9781-ADE2-49C8-B9B0-968A54219619}" type="datetime1">
+              <a:rPr lang="en-US" smtClean="0"/>
+              <a:t>8/9/2018</a:t>
+            </a:fld>
+            <a:endParaRPr lang="en-US"/>
           </a:p>
         </p:txBody>
       </p:sp>
@@ -1297,361 +1668,6 @@
     <p:extLst>
       <p:ext uri="{BB962C8B-B14F-4D97-AF65-F5344CB8AC3E}">
         <p14:creationId xmlns:p14="http://schemas.microsoft.com/office/powerpoint/2010/main" val="190144537"/>
-      </p:ext>
-    </p:extLst>
-  </p:cSld>
-  <p:clrMapOvr>
-    <a:masterClrMapping/>
-  </p:clrMapOvr>
-</p:sldLayout>
-</file>
-
-<file path=ppt/slideLayouts/slideLayout12.xml><?xml version="1.0" encoding="utf-8"?>
-<p:sldLayout xmlns:a="http://schemas.openxmlformats.org/drawingml/2006/main" xmlns:r="http://schemas.openxmlformats.org/officeDocument/2006/relationships" xmlns:p="http://schemas.openxmlformats.org/presentationml/2006/main" matchingName="Title and body" type="tx">
-  <p:cSld name="Title and body">
-    <p:spTree>
-      <p:nvGrpSpPr>
-        <p:cNvPr id="1" name="Shape 16"/>
-        <p:cNvGrpSpPr/>
-        <p:nvPr/>
-      </p:nvGrpSpPr>
-      <p:grpSpPr>
-        <a:xfrm>
-          <a:off x="0" y="0"/>
-          <a:ext cx="0" cy="0"/>
-          <a:chOff x="0" y="0"/>
-          <a:chExt cx="0" cy="0"/>
-        </a:xfrm>
-      </p:grpSpPr>
-      <p:sp>
-        <p:nvSpPr>
-          <p:cNvPr id="17" name="Shape 17"/>
-          <p:cNvSpPr txBox="1">
-            <a:spLocks noGrp="1"/>
-          </p:cNvSpPr>
-          <p:nvPr>
-            <p:ph type="title"/>
-          </p:nvPr>
-        </p:nvSpPr>
-        <p:spPr>
-          <a:xfrm>
-            <a:off x="415600" y="593367"/>
-            <a:ext cx="11360800" cy="763600"/>
-          </a:xfrm>
-          <a:prstGeom prst="rect">
-            <a:avLst/>
-          </a:prstGeom>
-        </p:spPr>
-        <p:txBody>
-          <a:bodyPr spcFirstLastPara="1" wrap="square" lIns="91425" tIns="91425" rIns="91425" bIns="91425" anchor="t" anchorCtr="0"/>
-          <a:lstStyle>
-            <a:lvl1pPr lvl="0">
-              <a:spcBef>
-                <a:spcPts val="0"/>
-              </a:spcBef>
-              <a:spcAft>
-                <a:spcPts val="0"/>
-              </a:spcAft>
-              <a:buSzPts val="2800"/>
-              <a:buNone/>
-              <a:defRPr/>
-            </a:lvl1pPr>
-            <a:lvl2pPr lvl="1">
-              <a:spcBef>
-                <a:spcPts val="0"/>
-              </a:spcBef>
-              <a:spcAft>
-                <a:spcPts val="0"/>
-              </a:spcAft>
-              <a:buSzPts val="2800"/>
-              <a:buNone/>
-              <a:defRPr/>
-            </a:lvl2pPr>
-            <a:lvl3pPr lvl="2">
-              <a:spcBef>
-                <a:spcPts val="0"/>
-              </a:spcBef>
-              <a:spcAft>
-                <a:spcPts val="0"/>
-              </a:spcAft>
-              <a:buSzPts val="2800"/>
-              <a:buNone/>
-              <a:defRPr/>
-            </a:lvl3pPr>
-            <a:lvl4pPr lvl="3">
-              <a:spcBef>
-                <a:spcPts val="0"/>
-              </a:spcBef>
-              <a:spcAft>
-                <a:spcPts val="0"/>
-              </a:spcAft>
-              <a:buSzPts val="2800"/>
-              <a:buNone/>
-              <a:defRPr/>
-            </a:lvl4pPr>
-            <a:lvl5pPr lvl="4">
-              <a:spcBef>
-                <a:spcPts val="0"/>
-              </a:spcBef>
-              <a:spcAft>
-                <a:spcPts val="0"/>
-              </a:spcAft>
-              <a:buSzPts val="2800"/>
-              <a:buNone/>
-              <a:defRPr/>
-            </a:lvl5pPr>
-            <a:lvl6pPr lvl="5">
-              <a:spcBef>
-                <a:spcPts val="0"/>
-              </a:spcBef>
-              <a:spcAft>
-                <a:spcPts val="0"/>
-              </a:spcAft>
-              <a:buSzPts val="2800"/>
-              <a:buNone/>
-              <a:defRPr/>
-            </a:lvl6pPr>
-            <a:lvl7pPr lvl="6">
-              <a:spcBef>
-                <a:spcPts val="0"/>
-              </a:spcBef>
-              <a:spcAft>
-                <a:spcPts val="0"/>
-              </a:spcAft>
-              <a:buSzPts val="2800"/>
-              <a:buNone/>
-              <a:defRPr/>
-            </a:lvl7pPr>
-            <a:lvl8pPr lvl="7">
-              <a:spcBef>
-                <a:spcPts val="0"/>
-              </a:spcBef>
-              <a:spcAft>
-                <a:spcPts val="0"/>
-              </a:spcAft>
-              <a:buSzPts val="2800"/>
-              <a:buNone/>
-              <a:defRPr/>
-            </a:lvl8pPr>
-            <a:lvl9pPr lvl="8">
-              <a:spcBef>
-                <a:spcPts val="0"/>
-              </a:spcBef>
-              <a:spcAft>
-                <a:spcPts val="0"/>
-              </a:spcAft>
-              <a:buSzPts val="2800"/>
-              <a:buNone/>
-              <a:defRPr/>
-            </a:lvl9pPr>
-          </a:lstStyle>
-          <a:p>
-            <a:endParaRPr/>
-          </a:p>
-        </p:txBody>
-      </p:sp>
-      <p:sp>
-        <p:nvSpPr>
-          <p:cNvPr id="18" name="Shape 18"/>
-          <p:cNvSpPr txBox="1">
-            <a:spLocks noGrp="1"/>
-          </p:cNvSpPr>
-          <p:nvPr>
-            <p:ph type="body" idx="1"/>
-          </p:nvPr>
-        </p:nvSpPr>
-        <p:spPr>
-          <a:xfrm>
-            <a:off x="415600" y="1536633"/>
-            <a:ext cx="11360800" cy="4555200"/>
-          </a:xfrm>
-          <a:prstGeom prst="rect">
-            <a:avLst/>
-          </a:prstGeom>
-        </p:spPr>
-        <p:txBody>
-          <a:bodyPr spcFirstLastPara="1" wrap="square" lIns="91425" tIns="91425" rIns="91425" bIns="91425" anchor="t" anchorCtr="0"/>
-          <a:lstStyle>
-            <a:lvl1pPr marL="609585" lvl="0" indent="-457189">
-              <a:spcBef>
-                <a:spcPts val="0"/>
-              </a:spcBef>
-              <a:spcAft>
-                <a:spcPts val="0"/>
-              </a:spcAft>
-              <a:buSzPts val="1800"/>
-              <a:buChar char="●"/>
-              <a:defRPr/>
-            </a:lvl1pPr>
-            <a:lvl2pPr marL="1219170" lvl="1" indent="-423323">
-              <a:spcBef>
-                <a:spcPts val="2133"/>
-              </a:spcBef>
-              <a:spcAft>
-                <a:spcPts val="0"/>
-              </a:spcAft>
-              <a:buSzPts val="1400"/>
-              <a:buChar char="○"/>
-              <a:defRPr/>
-            </a:lvl2pPr>
-            <a:lvl3pPr marL="1828754" lvl="2" indent="-423323">
-              <a:spcBef>
-                <a:spcPts val="2133"/>
-              </a:spcBef>
-              <a:spcAft>
-                <a:spcPts val="0"/>
-              </a:spcAft>
-              <a:buSzPts val="1400"/>
-              <a:buChar char="■"/>
-              <a:defRPr/>
-            </a:lvl3pPr>
-            <a:lvl4pPr marL="2438339" lvl="3" indent="-423323">
-              <a:spcBef>
-                <a:spcPts val="2133"/>
-              </a:spcBef>
-              <a:spcAft>
-                <a:spcPts val="0"/>
-              </a:spcAft>
-              <a:buSzPts val="1400"/>
-              <a:buChar char="●"/>
-              <a:defRPr/>
-            </a:lvl4pPr>
-            <a:lvl5pPr marL="3047924" lvl="4" indent="-423323">
-              <a:spcBef>
-                <a:spcPts val="2133"/>
-              </a:spcBef>
-              <a:spcAft>
-                <a:spcPts val="0"/>
-              </a:spcAft>
-              <a:buSzPts val="1400"/>
-              <a:buChar char="○"/>
-              <a:defRPr/>
-            </a:lvl5pPr>
-            <a:lvl6pPr marL="3657509" lvl="5" indent="-423323">
-              <a:spcBef>
-                <a:spcPts val="2133"/>
-              </a:spcBef>
-              <a:spcAft>
-                <a:spcPts val="0"/>
-              </a:spcAft>
-              <a:buSzPts val="1400"/>
-              <a:buChar char="■"/>
-              <a:defRPr/>
-            </a:lvl6pPr>
-            <a:lvl7pPr marL="4267093" lvl="6" indent="-423323">
-              <a:spcBef>
-                <a:spcPts val="2133"/>
-              </a:spcBef>
-              <a:spcAft>
-                <a:spcPts val="0"/>
-              </a:spcAft>
-              <a:buSzPts val="1400"/>
-              <a:buChar char="●"/>
-              <a:defRPr/>
-            </a:lvl7pPr>
-            <a:lvl8pPr marL="4876678" lvl="7" indent="-423323">
-              <a:spcBef>
-                <a:spcPts val="2133"/>
-              </a:spcBef>
-              <a:spcAft>
-                <a:spcPts val="0"/>
-              </a:spcAft>
-              <a:buSzPts val="1400"/>
-              <a:buChar char="○"/>
-              <a:defRPr/>
-            </a:lvl8pPr>
-            <a:lvl9pPr marL="5486263" lvl="8" indent="-423323">
-              <a:spcBef>
-                <a:spcPts val="2133"/>
-              </a:spcBef>
-              <a:spcAft>
-                <a:spcPts val="2133"/>
-              </a:spcAft>
-              <a:buSzPts val="1400"/>
-              <a:buChar char="■"/>
-              <a:defRPr/>
-            </a:lvl9pPr>
-          </a:lstStyle>
-          <a:p>
-            <a:endParaRPr/>
-          </a:p>
-        </p:txBody>
-      </p:sp>
-      <p:sp>
-        <p:nvSpPr>
-          <p:cNvPr id="19" name="Shape 19"/>
-          <p:cNvSpPr txBox="1">
-            <a:spLocks noGrp="1"/>
-          </p:cNvSpPr>
-          <p:nvPr>
-            <p:ph type="sldNum" idx="12"/>
-          </p:nvPr>
-        </p:nvSpPr>
-        <p:spPr>
-          <a:xfrm>
-            <a:off x="11296611" y="6217623"/>
-            <a:ext cx="731600" cy="524800"/>
-          </a:xfrm>
-          <a:prstGeom prst="rect">
-            <a:avLst/>
-          </a:prstGeom>
-        </p:spPr>
-        <p:txBody>
-          <a:bodyPr spcFirstLastPara="1" wrap="square" lIns="91425" tIns="91425" rIns="91425" bIns="91425" anchor="ctr" anchorCtr="0">
-            <a:noAutofit/>
-          </a:bodyPr>
-          <a:lstStyle>
-            <a:lvl1pPr lvl="0">
-              <a:buNone/>
-              <a:defRPr/>
-            </a:lvl1pPr>
-            <a:lvl2pPr lvl="1">
-              <a:buNone/>
-              <a:defRPr/>
-            </a:lvl2pPr>
-            <a:lvl3pPr lvl="2">
-              <a:buNone/>
-              <a:defRPr/>
-            </a:lvl3pPr>
-            <a:lvl4pPr lvl="3">
-              <a:buNone/>
-              <a:defRPr/>
-            </a:lvl4pPr>
-            <a:lvl5pPr lvl="4">
-              <a:buNone/>
-              <a:defRPr/>
-            </a:lvl5pPr>
-            <a:lvl6pPr lvl="5">
-              <a:buNone/>
-              <a:defRPr/>
-            </a:lvl6pPr>
-            <a:lvl7pPr lvl="6">
-              <a:buNone/>
-              <a:defRPr/>
-            </a:lvl7pPr>
-            <a:lvl8pPr lvl="7">
-              <a:buNone/>
-              <a:defRPr/>
-            </a:lvl8pPr>
-            <a:lvl9pPr lvl="8">
-              <a:buNone/>
-              <a:defRPr/>
-            </a:lvl9pPr>
-          </a:lstStyle>
-          <a:p>
-            <a:fld id="{00000000-1234-1234-1234-123412341234}" type="slidenum">
-              <a:rPr lang="en" smtClean="0"/>
-              <a:pPr/>
-              <a:t>‹#›</a:t>
-            </a:fld>
-            <a:endParaRPr lang="en"/>
-          </a:p>
-        </p:txBody>
-      </p:sp>
-    </p:spTree>
-    <p:extLst>
-      <p:ext uri="{BB962C8B-B14F-4D97-AF65-F5344CB8AC3E}">
-        <p14:creationId xmlns:p14="http://schemas.microsoft.com/office/powerpoint/2010/main" val="555969569"/>
       </p:ext>
     </p:extLst>
   </p:cSld>
@@ -1784,10 +1800,11 @@
           <a:bodyPr/>
           <a:lstStyle/>
           <a:p>
-            <a:r>
-              <a:rPr lang="en-US"/>
-              <a:t>7/26/2018</a:t>
-            </a:r>
+            <a:fld id="{3B49BB28-32F4-47AC-8858-B0E3906D33F9}" type="datetime1">
+              <a:rPr lang="en-US" smtClean="0"/>
+              <a:t>8/9/2018</a:t>
+            </a:fld>
+            <a:endParaRPr lang="en-US"/>
           </a:p>
         </p:txBody>
       </p:sp>
@@ -2058,10 +2075,11 @@
           <a:bodyPr/>
           <a:lstStyle/>
           <a:p>
-            <a:r>
-              <a:rPr lang="en-US"/>
-              <a:t>7/26/2018</a:t>
-            </a:r>
+            <a:fld id="{31B484CD-9A1A-43C9-B656-228D7A31FD3F}" type="datetime1">
+              <a:rPr lang="en-US" smtClean="0"/>
+              <a:t>8/9/2018</a:t>
+            </a:fld>
+            <a:endParaRPr lang="en-US"/>
           </a:p>
         </p:txBody>
       </p:sp>
@@ -2322,10 +2340,11 @@
           <a:bodyPr/>
           <a:lstStyle/>
           <a:p>
-            <a:r>
-              <a:rPr lang="en-US"/>
-              <a:t>7/26/2018</a:t>
-            </a:r>
+            <a:fld id="{D1D2F74B-72FD-4885-A956-8F9F05111C48}" type="datetime1">
+              <a:rPr lang="en-US" smtClean="0"/>
+              <a:t>8/9/2018</a:t>
+            </a:fld>
+            <a:endParaRPr lang="en-US"/>
           </a:p>
         </p:txBody>
       </p:sp>
@@ -2733,10 +2752,11 @@
           <a:bodyPr/>
           <a:lstStyle/>
           <a:p>
-            <a:r>
-              <a:rPr lang="en-US"/>
-              <a:t>7/26/2018</a:t>
-            </a:r>
+            <a:fld id="{17D6141E-0264-497D-91DB-9CB86CF3C0BA}" type="datetime1">
+              <a:rPr lang="en-US" smtClean="0"/>
+              <a:t>8/9/2018</a:t>
+            </a:fld>
+            <a:endParaRPr lang="en-US"/>
           </a:p>
         </p:txBody>
       </p:sp>
@@ -2873,10 +2893,11 @@
           <a:bodyPr/>
           <a:lstStyle/>
           <a:p>
-            <a:r>
-              <a:rPr lang="en-US"/>
-              <a:t>7/26/2018</a:t>
-            </a:r>
+            <a:fld id="{F5559DA7-FCB6-4A76-B5B2-5829C73F3C0D}" type="datetime1">
+              <a:rPr lang="en-US" smtClean="0"/>
+              <a:t>8/9/2018</a:t>
+            </a:fld>
+            <a:endParaRPr lang="en-US"/>
           </a:p>
         </p:txBody>
       </p:sp>
@@ -2985,10 +3006,11 @@
           <a:bodyPr/>
           <a:lstStyle/>
           <a:p>
-            <a:r>
-              <a:rPr lang="en-US"/>
-              <a:t>7/26/2018</a:t>
-            </a:r>
+            <a:fld id="{9F7496CC-94C7-4612-81F5-FE410340B301}" type="datetime1">
+              <a:rPr lang="en-US" smtClean="0"/>
+              <a:t>8/9/2018</a:t>
+            </a:fld>
+            <a:endParaRPr lang="en-US"/>
           </a:p>
         </p:txBody>
       </p:sp>
@@ -3295,10 +3317,11 @@
           <a:bodyPr/>
           <a:lstStyle/>
           <a:p>
-            <a:r>
-              <a:rPr lang="en-US"/>
-              <a:t>7/26/2018</a:t>
-            </a:r>
+            <a:fld id="{917334D1-C834-4A84-81DB-F877B0133B2F}" type="datetime1">
+              <a:rPr lang="en-US" smtClean="0"/>
+              <a:t>8/9/2018</a:t>
+            </a:fld>
+            <a:endParaRPr lang="en-US"/>
           </a:p>
         </p:txBody>
       </p:sp>
@@ -3582,10 +3605,11 @@
           <a:bodyPr/>
           <a:lstStyle/>
           <a:p>
-            <a:r>
-              <a:rPr lang="en-US"/>
-              <a:t>7/26/2018</a:t>
-            </a:r>
+            <a:fld id="{1A4E8DAA-5ECB-4CA0-8670-1DF49411A50B}" type="datetime1">
+              <a:rPr lang="en-US" smtClean="0"/>
+              <a:t>8/9/2018</a:t>
+            </a:fld>
+            <a:endParaRPr lang="en-US"/>
           </a:p>
         </p:txBody>
       </p:sp>
@@ -3822,10 +3846,11 @@
             </a:lvl1pPr>
           </a:lstStyle>
           <a:p>
-            <a:r>
-              <a:rPr lang="en-US"/>
-              <a:t>7/26/2018</a:t>
-            </a:r>
+            <a:fld id="{7C49A067-282D-44F8-B457-1C68DDC65FFF}" type="datetime1">
+              <a:rPr lang="en-US" smtClean="0"/>
+              <a:t>8/9/2018</a:t>
+            </a:fld>
+            <a:endParaRPr lang="en-US"/>
           </a:p>
         </p:txBody>
       </p:sp>
@@ -3939,9 +3964,8 @@
     <p:sldLayoutId id="2147483657" r:id="rId9"/>
     <p:sldLayoutId id="2147483658" r:id="rId10"/>
     <p:sldLayoutId id="2147483659" r:id="rId11"/>
-    <p:sldLayoutId id="2147483660" r:id="rId12"/>
   </p:sldLayoutIdLst>
-  <p:hf sldNum="0" hdr="0" ftr="0" dt="0"/>
+  <p:hf hdr="0" ftr="0"/>
   <p:txStyles>
     <p:titleStyle>
       <a:lvl1pPr algn="l" defTabSz="914400" rtl="0" eaLnBrk="1" latinLnBrk="0" hangingPunct="1">
@@ -4258,7 +4282,12 @@
             <p:ph type="ctrTitle"/>
           </p:nvPr>
         </p:nvSpPr>
-        <p:spPr/>
+        <p:spPr>
+          <a:xfrm>
+            <a:off x="1524000" y="1618474"/>
+            <a:ext cx="9144000" cy="2387600"/>
+          </a:xfrm>
+        </p:spPr>
         <p:txBody>
           <a:bodyPr>
             <a:normAutofit fontScale="90000"/>
@@ -4267,7 +4296,7 @@
           <a:p>
             <a:r>
               <a:rPr lang="en-US" dirty="0"/>
-              <a:t>[LGC] Understanding the difference between DP and ADP + an example implementation</a:t>
+              <a:t>[LGC] Understanding the importance of model-free approach + an example implementation</a:t>
             </a:r>
           </a:p>
         </p:txBody>
@@ -4288,7 +4317,12 @@
             <p:ph type="subTitle" idx="1"/>
           </p:nvPr>
         </p:nvSpPr>
-        <p:spPr/>
+        <p:spPr>
+          <a:xfrm>
+            <a:off x="1524000" y="4351068"/>
+            <a:ext cx="9144000" cy="1655762"/>
+          </a:xfrm>
+        </p:spPr>
         <p:txBody>
           <a:bodyPr/>
           <a:lstStyle/>
@@ -4308,7 +4342,7 @@
           <a:p>
             <a:r>
               <a:rPr lang="en-US" dirty="0"/>
-              <a:t>[xx/xx]/18</a:t>
+              <a:t>08/09/18</a:t>
             </a:r>
           </a:p>
         </p:txBody>
@@ -4317,6 +4351,3393 @@
     <p:extLst>
       <p:ext uri="{BB962C8B-B14F-4D97-AF65-F5344CB8AC3E}">
         <p14:creationId xmlns:p14="http://schemas.microsoft.com/office/powerpoint/2010/main" val="3484531131"/>
+      </p:ext>
+    </p:extLst>
+  </p:cSld>
+  <p:clrMapOvr>
+    <a:masterClrMapping/>
+  </p:clrMapOvr>
+</p:sld>
+</file>
+
+<file path=ppt/slides/slide10.xml><?xml version="1.0" encoding="utf-8"?>
+<p:sld xmlns:a="http://schemas.openxmlformats.org/drawingml/2006/main" xmlns:r="http://schemas.openxmlformats.org/officeDocument/2006/relationships" xmlns:p="http://schemas.openxmlformats.org/presentationml/2006/main">
+  <p:cSld>
+    <p:spTree>
+      <p:nvGrpSpPr>
+        <p:cNvPr id="1" name=""/>
+        <p:cNvGrpSpPr/>
+        <p:nvPr/>
+      </p:nvGrpSpPr>
+      <p:grpSpPr>
+        <a:xfrm>
+          <a:off x="0" y="0"/>
+          <a:ext cx="0" cy="0"/>
+          <a:chOff x="0" y="0"/>
+          <a:chExt cx="0" cy="0"/>
+        </a:xfrm>
+      </p:grpSpPr>
+      <p:sp>
+        <p:nvSpPr>
+          <p:cNvPr id="2" name="Title 1">
+            <a:extLst>
+              <a:ext uri="{FF2B5EF4-FFF2-40B4-BE49-F238E27FC236}">
+                <a16:creationId xmlns:a16="http://schemas.microsoft.com/office/drawing/2014/main" id="{990CD525-A9C0-4A04-9FDC-2AEAF9443D0E}"/>
+              </a:ext>
+            </a:extLst>
+          </p:cNvPr>
+          <p:cNvSpPr>
+            <a:spLocks noGrp="1"/>
+          </p:cNvSpPr>
+          <p:nvPr>
+            <p:ph type="title"/>
+          </p:nvPr>
+        </p:nvSpPr>
+        <p:spPr/>
+        <p:txBody>
+          <a:bodyPr/>
+          <a:lstStyle/>
+          <a:p>
+            <a:r>
+              <a:rPr lang="en-US" dirty="0"/>
+              <a:t>Dynamic programming: algorithm</a:t>
+            </a:r>
+          </a:p>
+        </p:txBody>
+      </p:sp>
+      <p:sp>
+        <p:nvSpPr>
+          <p:cNvPr id="3" name="Content Placeholder 2">
+            <a:extLst>
+              <a:ext uri="{FF2B5EF4-FFF2-40B4-BE49-F238E27FC236}">
+                <a16:creationId xmlns:a16="http://schemas.microsoft.com/office/drawing/2014/main" id="{0660ED64-1E40-4E5C-AD35-E335702006F9}"/>
+              </a:ext>
+            </a:extLst>
+          </p:cNvPr>
+          <p:cNvSpPr>
+            <a:spLocks noGrp="1"/>
+          </p:cNvSpPr>
+          <p:nvPr>
+            <p:ph idx="1"/>
+          </p:nvPr>
+        </p:nvSpPr>
+        <p:spPr/>
+        <p:txBody>
+          <a:bodyPr>
+            <a:normAutofit/>
+          </a:bodyPr>
+          <a:lstStyle/>
+          <a:p>
+            <a:pPr marL="0" indent="0">
+              <a:buNone/>
+            </a:pPr>
+            <a:r>
+              <a:rPr lang="en-US" sz="2400" dirty="0"/>
+              <a:t>Step 1: Load parameters and discretized state space</a:t>
+            </a:r>
+          </a:p>
+          <a:p>
+            <a:pPr marL="0" indent="0">
+              <a:buNone/>
+            </a:pPr>
+            <a:r>
+              <a:rPr lang="en-US" sz="2400" dirty="0"/>
+              <a:t>Step 2: Iterate backwards in discretized time</a:t>
+            </a:r>
+          </a:p>
+          <a:p>
+            <a:pPr marL="0" indent="0">
+              <a:buNone/>
+            </a:pPr>
+            <a:r>
+              <a:rPr lang="en-US" sz="2400" dirty="0"/>
+              <a:t>Step 3: Create ‘for’ loops for each state</a:t>
+            </a:r>
+          </a:p>
+          <a:p>
+            <a:pPr marL="0" indent="0">
+              <a:buNone/>
+            </a:pPr>
+            <a:r>
+              <a:rPr lang="en-US" sz="2400" dirty="0"/>
+              <a:t>Step 4: Set bounds on control space based on min/max formulation</a:t>
+            </a:r>
+          </a:p>
+          <a:p>
+            <a:pPr marL="0" indent="0">
+              <a:buNone/>
+            </a:pPr>
+            <a:r>
+              <a:rPr lang="en-US" sz="2400" dirty="0"/>
+              <a:t>	</a:t>
+            </a:r>
+            <a:r>
+              <a:rPr lang="en-US" sz="2400" i="1" dirty="0"/>
+              <a:t>e.g.</a:t>
+            </a:r>
+          </a:p>
+          <a:p>
+            <a:pPr marL="0" indent="0">
+              <a:buNone/>
+            </a:pPr>
+            <a:r>
+              <a:rPr lang="en-US" sz="2400" dirty="0"/>
+              <a:t>Step 5: Solve Bellman equation at each time point</a:t>
+            </a:r>
+          </a:p>
+          <a:p>
+            <a:pPr marL="0" indent="0">
+              <a:buNone/>
+            </a:pPr>
+            <a:r>
+              <a:rPr lang="en-US" sz="2400" dirty="0"/>
+              <a:t>	</a:t>
+            </a:r>
+            <a:r>
+              <a:rPr lang="en-US" sz="2400" i="1" dirty="0"/>
+              <a:t>e.g.</a:t>
+            </a:r>
+          </a:p>
+          <a:p>
+            <a:pPr marL="0" indent="0">
+              <a:buNone/>
+            </a:pPr>
+            <a:r>
+              <a:rPr lang="en-US" sz="2400" dirty="0"/>
+              <a:t>Step 6: Repeat</a:t>
+            </a:r>
+          </a:p>
+          <a:p>
+            <a:pPr marL="0" indent="0">
+              <a:buNone/>
+            </a:pPr>
+            <a:r>
+              <a:rPr lang="en-US" sz="2400" dirty="0"/>
+              <a:t>Step 7: Simulate over control matrix given initial state values</a:t>
+            </a:r>
+          </a:p>
+        </p:txBody>
+      </p:sp>
+      <p:sp>
+        <p:nvSpPr>
+          <p:cNvPr id="4" name="Date Placeholder 3">
+            <a:extLst>
+              <a:ext uri="{FF2B5EF4-FFF2-40B4-BE49-F238E27FC236}">
+                <a16:creationId xmlns:a16="http://schemas.microsoft.com/office/drawing/2014/main" id="{AB508F34-F4E8-42AB-BF26-84849E6942D7}"/>
+              </a:ext>
+            </a:extLst>
+          </p:cNvPr>
+          <p:cNvSpPr>
+            <a:spLocks noGrp="1"/>
+          </p:cNvSpPr>
+          <p:nvPr>
+            <p:ph type="dt" sz="half" idx="10"/>
+          </p:nvPr>
+        </p:nvSpPr>
+        <p:spPr/>
+        <p:txBody>
+          <a:bodyPr/>
+          <a:lstStyle/>
+          <a:p>
+            <a:fld id="{999F3B8A-CCA7-4791-AE1B-A837FF803237}" type="datetime1">
+              <a:rPr lang="en-US" smtClean="0"/>
+              <a:t>8/9/2018</a:t>
+            </a:fld>
+            <a:endParaRPr lang="en-US"/>
+          </a:p>
+        </p:txBody>
+      </p:sp>
+      <p:sp>
+        <p:nvSpPr>
+          <p:cNvPr id="5" name="Slide Number Placeholder 4">
+            <a:extLst>
+              <a:ext uri="{FF2B5EF4-FFF2-40B4-BE49-F238E27FC236}">
+                <a16:creationId xmlns:a16="http://schemas.microsoft.com/office/drawing/2014/main" id="{AA2CF228-7EEE-44E6-9572-B5A0C917D960}"/>
+              </a:ext>
+            </a:extLst>
+          </p:cNvPr>
+          <p:cNvSpPr>
+            <a:spLocks noGrp="1"/>
+          </p:cNvSpPr>
+          <p:nvPr>
+            <p:ph type="sldNum" sz="quarter" idx="12"/>
+          </p:nvPr>
+        </p:nvSpPr>
+        <p:spPr/>
+        <p:txBody>
+          <a:bodyPr/>
+          <a:lstStyle/>
+          <a:p>
+            <a:fld id="{12B64F94-5F67-4FCA-BA0B-D89417276E46}" type="slidenum">
+              <a:rPr lang="en-US" smtClean="0"/>
+              <a:t>10</a:t>
+            </a:fld>
+            <a:endParaRPr lang="en-US"/>
+          </a:p>
+        </p:txBody>
+      </p:sp>
+      <p:pic>
+        <p:nvPicPr>
+          <p:cNvPr id="6" name="Picture 5">
+            <a:extLst>
+              <a:ext uri="{FF2B5EF4-FFF2-40B4-BE49-F238E27FC236}">
+                <a16:creationId xmlns:a16="http://schemas.microsoft.com/office/drawing/2014/main" id="{B80DCFF7-2069-4777-B9D5-4332DAAB312C}"/>
+              </a:ext>
+            </a:extLst>
+          </p:cNvPr>
+          <p:cNvPicPr>
+            <a:picLocks noChangeAspect="1"/>
+          </p:cNvPicPr>
+          <p:nvPr/>
+        </p:nvPicPr>
+        <p:blipFill>
+          <a:blip r:embed="rId2"/>
+          <a:stretch>
+            <a:fillRect/>
+          </a:stretch>
+        </p:blipFill>
+        <p:spPr>
+          <a:xfrm>
+            <a:off x="3352800" y="3614534"/>
+            <a:ext cx="5486400" cy="523875"/>
+          </a:xfrm>
+          <a:prstGeom prst="rect">
+            <a:avLst/>
+          </a:prstGeom>
+        </p:spPr>
+      </p:pic>
+      <p:pic>
+        <p:nvPicPr>
+          <p:cNvPr id="7" name="Picture 6">
+            <a:extLst>
+              <a:ext uri="{FF2B5EF4-FFF2-40B4-BE49-F238E27FC236}">
+                <a16:creationId xmlns:a16="http://schemas.microsoft.com/office/drawing/2014/main" id="{AFFDA03D-0CBD-4CF3-9C94-2ED693C07EC6}"/>
+              </a:ext>
+            </a:extLst>
+          </p:cNvPr>
+          <p:cNvPicPr>
+            <a:picLocks noChangeAspect="1"/>
+          </p:cNvPicPr>
+          <p:nvPr/>
+        </p:nvPicPr>
+        <p:blipFill>
+          <a:blip r:embed="rId3"/>
+          <a:stretch>
+            <a:fillRect/>
+          </a:stretch>
+        </p:blipFill>
+        <p:spPr>
+          <a:xfrm>
+            <a:off x="4020706" y="4470272"/>
+            <a:ext cx="4150587" cy="687414"/>
+          </a:xfrm>
+          <a:prstGeom prst="rect">
+            <a:avLst/>
+          </a:prstGeom>
+          <a:ln>
+            <a:solidFill>
+              <a:schemeClr val="tx1"/>
+            </a:solidFill>
+          </a:ln>
+        </p:spPr>
+      </p:pic>
+      <p:grpSp>
+        <p:nvGrpSpPr>
+          <p:cNvPr id="8" name="Shape 100">
+            <a:extLst>
+              <a:ext uri="{FF2B5EF4-FFF2-40B4-BE49-F238E27FC236}">
+                <a16:creationId xmlns:a16="http://schemas.microsoft.com/office/drawing/2014/main" id="{83AA83D6-78CA-49C2-9CF0-A630EFDE96A3}"/>
+              </a:ext>
+            </a:extLst>
+          </p:cNvPr>
+          <p:cNvGrpSpPr/>
+          <p:nvPr/>
+        </p:nvGrpSpPr>
+        <p:grpSpPr>
+          <a:xfrm>
+            <a:off x="4276091" y="6219280"/>
+            <a:ext cx="3639818" cy="639267"/>
+            <a:chOff x="-230050" y="2601291"/>
+            <a:chExt cx="9882756" cy="1935414"/>
+          </a:xfrm>
+        </p:grpSpPr>
+        <p:sp>
+          <p:nvSpPr>
+            <p:cNvPr id="9" name="Shape 101">
+              <a:extLst>
+                <a:ext uri="{FF2B5EF4-FFF2-40B4-BE49-F238E27FC236}">
+                  <a16:creationId xmlns:a16="http://schemas.microsoft.com/office/drawing/2014/main" id="{0E1D7ADB-DF53-4FE4-9006-8DA38F277C74}"/>
+                </a:ext>
+              </a:extLst>
+            </p:cNvPr>
+            <p:cNvSpPr/>
+            <p:nvPr/>
+          </p:nvSpPr>
+          <p:spPr>
+            <a:xfrm>
+              <a:off x="2886617" y="2997483"/>
+              <a:ext cx="792300" cy="49200"/>
+            </a:xfrm>
+            <a:prstGeom prst="roundRect">
+              <a:avLst>
+                <a:gd name="adj" fmla="val 50000"/>
+              </a:avLst>
+            </a:prstGeom>
+            <a:solidFill>
+              <a:srgbClr val="D9D9D9"/>
+            </a:solidFill>
+            <a:ln w="9525" cap="flat" cmpd="sng">
+              <a:solidFill>
+                <a:srgbClr val="EFEFEF"/>
+              </a:solidFill>
+              <a:prstDash val="solid"/>
+              <a:round/>
+              <a:headEnd type="none" w="med" len="med"/>
+              <a:tailEnd type="none" w="med" len="med"/>
+            </a:ln>
+          </p:spPr>
+          <p:txBody>
+            <a:bodyPr wrap="square" lIns="121900" tIns="121900" rIns="121900" bIns="121900" anchor="ctr" anchorCtr="0">
+              <a:noAutofit/>
+            </a:bodyPr>
+            <a:lstStyle/>
+            <a:p>
+              <a:endParaRPr sz="1200">
+                <a:latin typeface="+mj-lt"/>
+              </a:endParaRPr>
+            </a:p>
+          </p:txBody>
+        </p:sp>
+        <p:grpSp>
+          <p:nvGrpSpPr>
+            <p:cNvPr id="10" name="Shape 102">
+              <a:extLst>
+                <a:ext uri="{FF2B5EF4-FFF2-40B4-BE49-F238E27FC236}">
+                  <a16:creationId xmlns:a16="http://schemas.microsoft.com/office/drawing/2014/main" id="{CAD70CF4-F37D-4635-991E-56AFE7B78A2D}"/>
+                </a:ext>
+              </a:extLst>
+            </p:cNvPr>
+            <p:cNvGrpSpPr/>
+            <p:nvPr/>
+          </p:nvGrpSpPr>
+          <p:grpSpPr>
+            <a:xfrm>
+              <a:off x="-230050" y="2650491"/>
+              <a:ext cx="3361333" cy="1886214"/>
+              <a:chOff x="-172542" y="1987918"/>
+              <a:chExt cx="2521063" cy="1414696"/>
+            </a:xfrm>
+          </p:grpSpPr>
+          <p:sp>
+            <p:nvSpPr>
+              <p:cNvPr id="18" name="Shape 103">
+                <a:extLst>
+                  <a:ext uri="{FF2B5EF4-FFF2-40B4-BE49-F238E27FC236}">
+                    <a16:creationId xmlns:a16="http://schemas.microsoft.com/office/drawing/2014/main" id="{20808034-F5E8-4192-96E6-8C61A488C2E1}"/>
+                  </a:ext>
+                </a:extLst>
+              </p:cNvPr>
+              <p:cNvSpPr/>
+              <p:nvPr/>
+            </p:nvSpPr>
+            <p:spPr>
+              <a:xfrm>
+                <a:off x="790838" y="1987918"/>
+                <a:ext cx="594301" cy="594300"/>
+              </a:xfrm>
+              <a:prstGeom prst="ellipse">
+                <a:avLst/>
+              </a:prstGeom>
+              <a:solidFill>
+                <a:srgbClr val="6D9EEB"/>
+              </a:solidFill>
+              <a:ln w="38100" cap="flat" cmpd="sng">
+                <a:solidFill>
+                  <a:srgbClr val="4285F4"/>
+                </a:solidFill>
+                <a:prstDash val="solid"/>
+                <a:round/>
+                <a:headEnd type="none" w="med" len="med"/>
+                <a:tailEnd type="none" w="med" len="med"/>
+              </a:ln>
+            </p:spPr>
+            <p:txBody>
+              <a:bodyPr wrap="square" lIns="121900" tIns="121900" rIns="121900" bIns="121900" anchor="ctr" anchorCtr="0">
+                <a:noAutofit/>
+              </a:bodyPr>
+              <a:lstStyle/>
+              <a:p>
+                <a:endParaRPr sz="1200">
+                  <a:latin typeface="+mj-lt"/>
+                </a:endParaRPr>
+              </a:p>
+            </p:txBody>
+          </p:sp>
+          <p:sp>
+            <p:nvSpPr>
+              <p:cNvPr id="19" name="Shape 104">
+                <a:extLst>
+                  <a:ext uri="{FF2B5EF4-FFF2-40B4-BE49-F238E27FC236}">
+                    <a16:creationId xmlns:a16="http://schemas.microsoft.com/office/drawing/2014/main" id="{210CFA14-6904-4D47-B75B-241CE834837C}"/>
+                  </a:ext>
+                </a:extLst>
+              </p:cNvPr>
+              <p:cNvSpPr txBox="1"/>
+              <p:nvPr/>
+            </p:nvSpPr>
+            <p:spPr>
+              <a:xfrm>
+                <a:off x="-172542" y="2845215"/>
+                <a:ext cx="2521063" cy="557399"/>
+              </a:xfrm>
+              <a:prstGeom prst="rect">
+                <a:avLst/>
+              </a:prstGeom>
+              <a:noFill/>
+              <a:ln>
+                <a:noFill/>
+              </a:ln>
+            </p:spPr>
+            <p:txBody>
+              <a:bodyPr wrap="square" lIns="121900" tIns="121900" rIns="121900" bIns="121900" anchor="b" anchorCtr="0">
+                <a:noAutofit/>
+              </a:bodyPr>
+              <a:lstStyle/>
+              <a:p>
+                <a:pPr algn="ctr">
+                  <a:lnSpc>
+                    <a:spcPct val="115000"/>
+                  </a:lnSpc>
+                </a:pPr>
+                <a:r>
+                  <a:rPr lang="en-US" sz="1200" b="1" dirty="0">
+                    <a:solidFill>
+                      <a:srgbClr val="4285F4"/>
+                    </a:solidFill>
+                    <a:latin typeface="+mj-lt"/>
+                    <a:ea typeface="Roboto"/>
+                    <a:cs typeface="Roboto"/>
+                    <a:sym typeface="Roboto"/>
+                  </a:rPr>
+                  <a:t>Background</a:t>
+                </a:r>
+              </a:p>
+            </p:txBody>
+          </p:sp>
+        </p:grpSp>
+        <p:grpSp>
+          <p:nvGrpSpPr>
+            <p:cNvPr id="11" name="Shape 105">
+              <a:extLst>
+                <a:ext uri="{FF2B5EF4-FFF2-40B4-BE49-F238E27FC236}">
+                  <a16:creationId xmlns:a16="http://schemas.microsoft.com/office/drawing/2014/main" id="{E5F48889-5A9D-4DA8-8B4E-5E9825BC6413}"/>
+                </a:ext>
+              </a:extLst>
+            </p:cNvPr>
+            <p:cNvGrpSpPr/>
+            <p:nvPr/>
+          </p:nvGrpSpPr>
+          <p:grpSpPr>
+            <a:xfrm>
+              <a:off x="3342936" y="2638476"/>
+              <a:ext cx="2775931" cy="1824233"/>
+              <a:chOff x="2507265" y="1978906"/>
+              <a:chExt cx="2082000" cy="1368209"/>
+            </a:xfrm>
+          </p:grpSpPr>
+          <p:sp>
+            <p:nvSpPr>
+              <p:cNvPr id="16" name="Shape 106">
+                <a:extLst>
+                  <a:ext uri="{FF2B5EF4-FFF2-40B4-BE49-F238E27FC236}">
+                    <a16:creationId xmlns:a16="http://schemas.microsoft.com/office/drawing/2014/main" id="{1DA9F086-541B-47F7-8371-3D83C1D81A47}"/>
+                  </a:ext>
+                </a:extLst>
+              </p:cNvPr>
+              <p:cNvSpPr/>
+              <p:nvPr/>
+            </p:nvSpPr>
+            <p:spPr>
+              <a:xfrm>
+                <a:off x="3251116" y="1978906"/>
+                <a:ext cx="594301" cy="594300"/>
+              </a:xfrm>
+              <a:prstGeom prst="ellipse">
+                <a:avLst/>
+              </a:prstGeom>
+              <a:noFill/>
+              <a:ln w="38100" cap="flat" cmpd="sng">
+                <a:solidFill>
+                  <a:srgbClr val="D9D9D9"/>
+                </a:solidFill>
+                <a:prstDash val="solid"/>
+                <a:round/>
+                <a:headEnd type="none" w="med" len="med"/>
+                <a:tailEnd type="none" w="med" len="med"/>
+              </a:ln>
+            </p:spPr>
+            <p:txBody>
+              <a:bodyPr wrap="square" lIns="121900" tIns="121900" rIns="121900" bIns="121900" anchor="ctr" anchorCtr="0">
+                <a:noAutofit/>
+              </a:bodyPr>
+              <a:lstStyle/>
+              <a:p>
+                <a:endParaRPr sz="1200">
+                  <a:latin typeface="+mj-lt"/>
+                </a:endParaRPr>
+              </a:p>
+            </p:txBody>
+          </p:sp>
+          <p:sp>
+            <p:nvSpPr>
+              <p:cNvPr id="17" name="Shape 107">
+                <a:extLst>
+                  <a:ext uri="{FF2B5EF4-FFF2-40B4-BE49-F238E27FC236}">
+                    <a16:creationId xmlns:a16="http://schemas.microsoft.com/office/drawing/2014/main" id="{16157991-F17D-4B8E-A751-46B80C1EAD3A}"/>
+                  </a:ext>
+                </a:extLst>
+              </p:cNvPr>
+              <p:cNvSpPr txBox="1"/>
+              <p:nvPr/>
+            </p:nvSpPr>
+            <p:spPr>
+              <a:xfrm>
+                <a:off x="2507265" y="2900714"/>
+                <a:ext cx="2082000" cy="446401"/>
+              </a:xfrm>
+              <a:prstGeom prst="rect">
+                <a:avLst/>
+              </a:prstGeom>
+              <a:noFill/>
+              <a:ln>
+                <a:noFill/>
+              </a:ln>
+            </p:spPr>
+            <p:txBody>
+              <a:bodyPr wrap="square" lIns="121900" tIns="121900" rIns="121900" bIns="121900" anchor="b" anchorCtr="0">
+                <a:noAutofit/>
+              </a:bodyPr>
+              <a:lstStyle/>
+              <a:p>
+                <a:pPr algn="ctr">
+                  <a:lnSpc>
+                    <a:spcPct val="115000"/>
+                  </a:lnSpc>
+                </a:pPr>
+                <a:r>
+                  <a:rPr lang="en-US" sz="1200" b="1" dirty="0">
+                    <a:solidFill>
+                      <a:srgbClr val="B7B7B7"/>
+                    </a:solidFill>
+                    <a:latin typeface="+mj-lt"/>
+                    <a:ea typeface="Roboto"/>
+                    <a:cs typeface="Roboto"/>
+                    <a:sym typeface="Roboto"/>
+                  </a:rPr>
+                  <a:t>Example</a:t>
+                </a:r>
+              </a:p>
+            </p:txBody>
+          </p:sp>
+        </p:grpSp>
+        <p:grpSp>
+          <p:nvGrpSpPr>
+            <p:cNvPr id="12" name="Shape 108">
+              <a:extLst>
+                <a:ext uri="{FF2B5EF4-FFF2-40B4-BE49-F238E27FC236}">
+                  <a16:creationId xmlns:a16="http://schemas.microsoft.com/office/drawing/2014/main" id="{BDEBF7A8-A5D1-41D6-A924-208B0A97D452}"/>
+                </a:ext>
+              </a:extLst>
+            </p:cNvPr>
+            <p:cNvGrpSpPr/>
+            <p:nvPr/>
+          </p:nvGrpSpPr>
+          <p:grpSpPr>
+            <a:xfrm>
+              <a:off x="5975910" y="2601291"/>
+              <a:ext cx="3676796" cy="1887216"/>
+              <a:chOff x="4482044" y="1951017"/>
+              <a:chExt cx="2757666" cy="1415448"/>
+            </a:xfrm>
+          </p:grpSpPr>
+          <p:sp>
+            <p:nvSpPr>
+              <p:cNvPr id="14" name="Shape 109">
+                <a:extLst>
+                  <a:ext uri="{FF2B5EF4-FFF2-40B4-BE49-F238E27FC236}">
+                    <a16:creationId xmlns:a16="http://schemas.microsoft.com/office/drawing/2014/main" id="{4ED2EEFD-5999-4AAC-938D-6BA93955DF29}"/>
+                  </a:ext>
+                </a:extLst>
+              </p:cNvPr>
+              <p:cNvSpPr/>
+              <p:nvPr/>
+            </p:nvSpPr>
+            <p:spPr>
+              <a:xfrm>
+                <a:off x="5563726" y="1951017"/>
+                <a:ext cx="594301" cy="594300"/>
+              </a:xfrm>
+              <a:prstGeom prst="ellipse">
+                <a:avLst/>
+              </a:prstGeom>
+              <a:noFill/>
+              <a:ln w="38100" cap="flat" cmpd="sng">
+                <a:solidFill>
+                  <a:srgbClr val="D9D9D9"/>
+                </a:solidFill>
+                <a:prstDash val="solid"/>
+                <a:round/>
+                <a:headEnd type="none" w="med" len="med"/>
+                <a:tailEnd type="none" w="med" len="med"/>
+              </a:ln>
+            </p:spPr>
+            <p:txBody>
+              <a:bodyPr wrap="square" lIns="121900" tIns="121900" rIns="121900" bIns="121900" anchor="ctr" anchorCtr="0">
+                <a:noAutofit/>
+              </a:bodyPr>
+              <a:lstStyle/>
+              <a:p>
+                <a:endParaRPr sz="1200">
+                  <a:latin typeface="+mj-lt"/>
+                </a:endParaRPr>
+              </a:p>
+            </p:txBody>
+          </p:sp>
+          <p:sp>
+            <p:nvSpPr>
+              <p:cNvPr id="15" name="Shape 110">
+                <a:extLst>
+                  <a:ext uri="{FF2B5EF4-FFF2-40B4-BE49-F238E27FC236}">
+                    <a16:creationId xmlns:a16="http://schemas.microsoft.com/office/drawing/2014/main" id="{478ED692-1693-4104-924D-8AEB6DE95071}"/>
+                  </a:ext>
+                </a:extLst>
+              </p:cNvPr>
+              <p:cNvSpPr txBox="1"/>
+              <p:nvPr/>
+            </p:nvSpPr>
+            <p:spPr>
+              <a:xfrm>
+                <a:off x="4482044" y="2907284"/>
+                <a:ext cx="2757666" cy="459181"/>
+              </a:xfrm>
+              <a:prstGeom prst="rect">
+                <a:avLst/>
+              </a:prstGeom>
+              <a:noFill/>
+              <a:ln>
+                <a:noFill/>
+              </a:ln>
+            </p:spPr>
+            <p:txBody>
+              <a:bodyPr wrap="square" lIns="121900" tIns="121900" rIns="121900" bIns="121900" anchor="b" anchorCtr="0">
+                <a:noAutofit/>
+              </a:bodyPr>
+              <a:lstStyle/>
+              <a:p>
+                <a:pPr algn="ctr">
+                  <a:lnSpc>
+                    <a:spcPct val="115000"/>
+                  </a:lnSpc>
+                </a:pPr>
+                <a:r>
+                  <a:rPr lang="en-US" sz="1200" b="1" dirty="0">
+                    <a:solidFill>
+                      <a:srgbClr val="B7B7B7"/>
+                    </a:solidFill>
+                    <a:latin typeface="+mj-lt"/>
+                    <a:ea typeface="Roboto"/>
+                    <a:cs typeface="Roboto"/>
+                    <a:sym typeface="Roboto"/>
+                  </a:rPr>
+                  <a:t>Next Steps</a:t>
+                </a:r>
+              </a:p>
+            </p:txBody>
+          </p:sp>
+        </p:grpSp>
+        <p:sp>
+          <p:nvSpPr>
+            <p:cNvPr id="13" name="Shape 114">
+              <a:extLst>
+                <a:ext uri="{FF2B5EF4-FFF2-40B4-BE49-F238E27FC236}">
+                  <a16:creationId xmlns:a16="http://schemas.microsoft.com/office/drawing/2014/main" id="{D9419CCA-A5D0-4834-8150-F9C670BF26CA}"/>
+                </a:ext>
+              </a:extLst>
+            </p:cNvPr>
+            <p:cNvSpPr/>
+            <p:nvPr/>
+          </p:nvSpPr>
+          <p:spPr>
+            <a:xfrm>
+              <a:off x="5782900" y="2997483"/>
+              <a:ext cx="792300" cy="49200"/>
+            </a:xfrm>
+            <a:prstGeom prst="roundRect">
+              <a:avLst>
+                <a:gd name="adj" fmla="val 50000"/>
+              </a:avLst>
+            </a:prstGeom>
+            <a:solidFill>
+              <a:srgbClr val="D9D9D9"/>
+            </a:solidFill>
+            <a:ln>
+              <a:noFill/>
+            </a:ln>
+          </p:spPr>
+          <p:txBody>
+            <a:bodyPr wrap="square" lIns="121900" tIns="121900" rIns="121900" bIns="121900" anchor="ctr" anchorCtr="0">
+              <a:noAutofit/>
+            </a:bodyPr>
+            <a:lstStyle/>
+            <a:p>
+              <a:endParaRPr sz="1200">
+                <a:latin typeface="+mj-lt"/>
+              </a:endParaRPr>
+            </a:p>
+          </p:txBody>
+        </p:sp>
+      </p:grpSp>
+    </p:spTree>
+    <p:extLst>
+      <p:ext uri="{BB962C8B-B14F-4D97-AF65-F5344CB8AC3E}">
+        <p14:creationId xmlns:p14="http://schemas.microsoft.com/office/powerpoint/2010/main" val="1463853784"/>
+      </p:ext>
+    </p:extLst>
+  </p:cSld>
+  <p:clrMapOvr>
+    <a:masterClrMapping/>
+  </p:clrMapOvr>
+</p:sld>
+</file>
+
+<file path=ppt/slides/slide11.xml><?xml version="1.0" encoding="utf-8"?>
+<p:sld xmlns:a="http://schemas.openxmlformats.org/drawingml/2006/main" xmlns:r="http://schemas.openxmlformats.org/officeDocument/2006/relationships" xmlns:p="http://schemas.openxmlformats.org/presentationml/2006/main">
+  <p:cSld>
+    <p:spTree>
+      <p:nvGrpSpPr>
+        <p:cNvPr id="1" name=""/>
+        <p:cNvGrpSpPr/>
+        <p:nvPr/>
+      </p:nvGrpSpPr>
+      <p:grpSpPr>
+        <a:xfrm>
+          <a:off x="0" y="0"/>
+          <a:ext cx="0" cy="0"/>
+          <a:chOff x="0" y="0"/>
+          <a:chExt cx="0" cy="0"/>
+        </a:xfrm>
+      </p:grpSpPr>
+      <p:sp>
+        <p:nvSpPr>
+          <p:cNvPr id="2" name="Title 1">
+            <a:extLst>
+              <a:ext uri="{FF2B5EF4-FFF2-40B4-BE49-F238E27FC236}">
+                <a16:creationId xmlns:a16="http://schemas.microsoft.com/office/drawing/2014/main" id="{990CD525-A9C0-4A04-9FDC-2AEAF9443D0E}"/>
+              </a:ext>
+            </a:extLst>
+          </p:cNvPr>
+          <p:cNvSpPr>
+            <a:spLocks noGrp="1"/>
+          </p:cNvSpPr>
+          <p:nvPr>
+            <p:ph type="title"/>
+          </p:nvPr>
+        </p:nvSpPr>
+        <p:spPr/>
+        <p:txBody>
+          <a:bodyPr/>
+          <a:lstStyle/>
+          <a:p>
+            <a:r>
+              <a:rPr lang="en-US" dirty="0"/>
+              <a:t>Model-based RL: algorithm</a:t>
+            </a:r>
+          </a:p>
+        </p:txBody>
+      </p:sp>
+      <p:sp>
+        <p:nvSpPr>
+          <p:cNvPr id="3" name="Content Placeholder 2">
+            <a:extLst>
+              <a:ext uri="{FF2B5EF4-FFF2-40B4-BE49-F238E27FC236}">
+                <a16:creationId xmlns:a16="http://schemas.microsoft.com/office/drawing/2014/main" id="{0660ED64-1E40-4E5C-AD35-E335702006F9}"/>
+              </a:ext>
+            </a:extLst>
+          </p:cNvPr>
+          <p:cNvSpPr>
+            <a:spLocks noGrp="1"/>
+          </p:cNvSpPr>
+          <p:nvPr>
+            <p:ph idx="1"/>
+          </p:nvPr>
+        </p:nvSpPr>
+        <p:spPr>
+          <a:xfrm>
+            <a:off x="838199" y="1606208"/>
+            <a:ext cx="10515600" cy="4351338"/>
+          </a:xfrm>
+        </p:spPr>
+        <p:txBody>
+          <a:bodyPr>
+            <a:normAutofit/>
+          </a:bodyPr>
+          <a:lstStyle/>
+          <a:p>
+            <a:pPr marL="0" indent="0">
+              <a:buNone/>
+            </a:pPr>
+            <a:r>
+              <a:rPr lang="en-US" sz="2400" dirty="0"/>
+              <a:t>Step 1: Load parameters and discretized state space</a:t>
+            </a:r>
+          </a:p>
+          <a:p>
+            <a:pPr marL="0" indent="0">
+              <a:buNone/>
+            </a:pPr>
+            <a:r>
+              <a:rPr lang="en-US" sz="2400" dirty="0"/>
+              <a:t>Step 2: Iterate forwards in discretized time</a:t>
+            </a:r>
+          </a:p>
+          <a:p>
+            <a:pPr marL="0" indent="0">
+              <a:buNone/>
+            </a:pPr>
+            <a:r>
+              <a:rPr lang="en-US" sz="2400" dirty="0"/>
+              <a:t>Step 3: Create ‘Actor’ instance, obtain </a:t>
+            </a:r>
+          </a:p>
+          <a:p>
+            <a:pPr marL="0" indent="0">
+              <a:buNone/>
+            </a:pPr>
+            <a:r>
+              <a:rPr lang="en-US" sz="2400" dirty="0"/>
+              <a:t>Step 4: Set bounds on control space based on min/max formulation</a:t>
+            </a:r>
+          </a:p>
+          <a:p>
+            <a:pPr marL="0" indent="0">
+              <a:buNone/>
+            </a:pPr>
+            <a:r>
+              <a:rPr lang="en-US" sz="2400" dirty="0"/>
+              <a:t>	</a:t>
+            </a:r>
+            <a:r>
+              <a:rPr lang="en-US" sz="2400" i="1" dirty="0"/>
+              <a:t>e.g.</a:t>
+            </a:r>
+          </a:p>
+          <a:p>
+            <a:pPr marL="0" indent="0">
+              <a:buNone/>
+            </a:pPr>
+            <a:r>
+              <a:rPr lang="en-US" sz="2400" dirty="0"/>
+              <a:t>Step 5: Solve Bellman equation at each time point</a:t>
+            </a:r>
+          </a:p>
+          <a:p>
+            <a:pPr marL="0" indent="0">
+              <a:buNone/>
+            </a:pPr>
+            <a:r>
+              <a:rPr lang="en-US" sz="2400" dirty="0"/>
+              <a:t>	</a:t>
+            </a:r>
+            <a:r>
+              <a:rPr lang="en-US" sz="2400" i="1" dirty="0"/>
+              <a:t>e.g.</a:t>
+            </a:r>
+          </a:p>
+          <a:p>
+            <a:pPr marL="0" indent="0">
+              <a:buNone/>
+            </a:pPr>
+            <a:r>
+              <a:rPr lang="en-US" sz="2400" dirty="0"/>
+              <a:t>Step 6: Repeat</a:t>
+            </a:r>
+          </a:p>
+          <a:p>
+            <a:pPr marL="0" indent="0">
+              <a:buNone/>
+            </a:pPr>
+            <a:r>
+              <a:rPr lang="en-US" sz="2400" dirty="0"/>
+              <a:t>Step 7: Simulate over control matrix given initial state values</a:t>
+            </a:r>
+          </a:p>
+        </p:txBody>
+      </p:sp>
+      <p:sp>
+        <p:nvSpPr>
+          <p:cNvPr id="4" name="Date Placeholder 3">
+            <a:extLst>
+              <a:ext uri="{FF2B5EF4-FFF2-40B4-BE49-F238E27FC236}">
+                <a16:creationId xmlns:a16="http://schemas.microsoft.com/office/drawing/2014/main" id="{AB508F34-F4E8-42AB-BF26-84849E6942D7}"/>
+              </a:ext>
+            </a:extLst>
+          </p:cNvPr>
+          <p:cNvSpPr>
+            <a:spLocks noGrp="1"/>
+          </p:cNvSpPr>
+          <p:nvPr>
+            <p:ph type="dt" sz="half" idx="10"/>
+          </p:nvPr>
+        </p:nvSpPr>
+        <p:spPr/>
+        <p:txBody>
+          <a:bodyPr/>
+          <a:lstStyle/>
+          <a:p>
+            <a:fld id="{046A5065-3788-499F-B83A-71C7C9E85630}" type="datetime1">
+              <a:rPr lang="en-US" smtClean="0"/>
+              <a:t>8/9/2018</a:t>
+            </a:fld>
+            <a:endParaRPr lang="en-US"/>
+          </a:p>
+        </p:txBody>
+      </p:sp>
+      <p:sp>
+        <p:nvSpPr>
+          <p:cNvPr id="5" name="Slide Number Placeholder 4">
+            <a:extLst>
+              <a:ext uri="{FF2B5EF4-FFF2-40B4-BE49-F238E27FC236}">
+                <a16:creationId xmlns:a16="http://schemas.microsoft.com/office/drawing/2014/main" id="{AA2CF228-7EEE-44E6-9572-B5A0C917D960}"/>
+              </a:ext>
+            </a:extLst>
+          </p:cNvPr>
+          <p:cNvSpPr>
+            <a:spLocks noGrp="1"/>
+          </p:cNvSpPr>
+          <p:nvPr>
+            <p:ph type="sldNum" sz="quarter" idx="12"/>
+          </p:nvPr>
+        </p:nvSpPr>
+        <p:spPr/>
+        <p:txBody>
+          <a:bodyPr/>
+          <a:lstStyle/>
+          <a:p>
+            <a:fld id="{12B64F94-5F67-4FCA-BA0B-D89417276E46}" type="slidenum">
+              <a:rPr lang="en-US" smtClean="0"/>
+              <a:t>11</a:t>
+            </a:fld>
+            <a:endParaRPr lang="en-US"/>
+          </a:p>
+        </p:txBody>
+      </p:sp>
+      <p:pic>
+        <p:nvPicPr>
+          <p:cNvPr id="6" name="Picture 5">
+            <a:extLst>
+              <a:ext uri="{FF2B5EF4-FFF2-40B4-BE49-F238E27FC236}">
+                <a16:creationId xmlns:a16="http://schemas.microsoft.com/office/drawing/2014/main" id="{B80DCFF7-2069-4777-B9D5-4332DAAB312C}"/>
+              </a:ext>
+            </a:extLst>
+          </p:cNvPr>
+          <p:cNvPicPr>
+            <a:picLocks noChangeAspect="1"/>
+          </p:cNvPicPr>
+          <p:nvPr/>
+        </p:nvPicPr>
+        <p:blipFill>
+          <a:blip r:embed="rId2"/>
+          <a:stretch>
+            <a:fillRect/>
+          </a:stretch>
+        </p:blipFill>
+        <p:spPr>
+          <a:xfrm>
+            <a:off x="3352800" y="3614534"/>
+            <a:ext cx="5486400" cy="523875"/>
+          </a:xfrm>
+          <a:prstGeom prst="rect">
+            <a:avLst/>
+          </a:prstGeom>
+        </p:spPr>
+      </p:pic>
+      <p:pic>
+        <p:nvPicPr>
+          <p:cNvPr id="7" name="Picture 6">
+            <a:extLst>
+              <a:ext uri="{FF2B5EF4-FFF2-40B4-BE49-F238E27FC236}">
+                <a16:creationId xmlns:a16="http://schemas.microsoft.com/office/drawing/2014/main" id="{AFFDA03D-0CBD-4CF3-9C94-2ED693C07EC6}"/>
+              </a:ext>
+            </a:extLst>
+          </p:cNvPr>
+          <p:cNvPicPr>
+            <a:picLocks noChangeAspect="1"/>
+          </p:cNvPicPr>
+          <p:nvPr/>
+        </p:nvPicPr>
+        <p:blipFill>
+          <a:blip r:embed="rId3"/>
+          <a:stretch>
+            <a:fillRect/>
+          </a:stretch>
+        </p:blipFill>
+        <p:spPr>
+          <a:xfrm>
+            <a:off x="4020706" y="4470272"/>
+            <a:ext cx="4150587" cy="687414"/>
+          </a:xfrm>
+          <a:prstGeom prst="rect">
+            <a:avLst/>
+          </a:prstGeom>
+          <a:ln>
+            <a:solidFill>
+              <a:schemeClr val="tx1"/>
+            </a:solidFill>
+          </a:ln>
+        </p:spPr>
+      </p:pic>
+      <p:grpSp>
+        <p:nvGrpSpPr>
+          <p:cNvPr id="8" name="Shape 100">
+            <a:extLst>
+              <a:ext uri="{FF2B5EF4-FFF2-40B4-BE49-F238E27FC236}">
+                <a16:creationId xmlns:a16="http://schemas.microsoft.com/office/drawing/2014/main" id="{83AA83D6-78CA-49C2-9CF0-A630EFDE96A3}"/>
+              </a:ext>
+            </a:extLst>
+          </p:cNvPr>
+          <p:cNvGrpSpPr/>
+          <p:nvPr/>
+        </p:nvGrpSpPr>
+        <p:grpSpPr>
+          <a:xfrm>
+            <a:off x="4276091" y="6219280"/>
+            <a:ext cx="3639818" cy="639267"/>
+            <a:chOff x="-230050" y="2601291"/>
+            <a:chExt cx="9882756" cy="1935414"/>
+          </a:xfrm>
+        </p:grpSpPr>
+        <p:sp>
+          <p:nvSpPr>
+            <p:cNvPr id="9" name="Shape 101">
+              <a:extLst>
+                <a:ext uri="{FF2B5EF4-FFF2-40B4-BE49-F238E27FC236}">
+                  <a16:creationId xmlns:a16="http://schemas.microsoft.com/office/drawing/2014/main" id="{0E1D7ADB-DF53-4FE4-9006-8DA38F277C74}"/>
+                </a:ext>
+              </a:extLst>
+            </p:cNvPr>
+            <p:cNvSpPr/>
+            <p:nvPr/>
+          </p:nvSpPr>
+          <p:spPr>
+            <a:xfrm>
+              <a:off x="2886617" y="2997483"/>
+              <a:ext cx="792300" cy="49200"/>
+            </a:xfrm>
+            <a:prstGeom prst="roundRect">
+              <a:avLst>
+                <a:gd name="adj" fmla="val 50000"/>
+              </a:avLst>
+            </a:prstGeom>
+            <a:solidFill>
+              <a:srgbClr val="D9D9D9"/>
+            </a:solidFill>
+            <a:ln w="9525" cap="flat" cmpd="sng">
+              <a:solidFill>
+                <a:srgbClr val="EFEFEF"/>
+              </a:solidFill>
+              <a:prstDash val="solid"/>
+              <a:round/>
+              <a:headEnd type="none" w="med" len="med"/>
+              <a:tailEnd type="none" w="med" len="med"/>
+            </a:ln>
+          </p:spPr>
+          <p:txBody>
+            <a:bodyPr wrap="square" lIns="121900" tIns="121900" rIns="121900" bIns="121900" anchor="ctr" anchorCtr="0">
+              <a:noAutofit/>
+            </a:bodyPr>
+            <a:lstStyle/>
+            <a:p>
+              <a:endParaRPr sz="1200">
+                <a:latin typeface="+mj-lt"/>
+              </a:endParaRPr>
+            </a:p>
+          </p:txBody>
+        </p:sp>
+        <p:grpSp>
+          <p:nvGrpSpPr>
+            <p:cNvPr id="10" name="Shape 102">
+              <a:extLst>
+                <a:ext uri="{FF2B5EF4-FFF2-40B4-BE49-F238E27FC236}">
+                  <a16:creationId xmlns:a16="http://schemas.microsoft.com/office/drawing/2014/main" id="{CAD70CF4-F37D-4635-991E-56AFE7B78A2D}"/>
+                </a:ext>
+              </a:extLst>
+            </p:cNvPr>
+            <p:cNvGrpSpPr/>
+            <p:nvPr/>
+          </p:nvGrpSpPr>
+          <p:grpSpPr>
+            <a:xfrm>
+              <a:off x="-230050" y="2650491"/>
+              <a:ext cx="3361333" cy="1886214"/>
+              <a:chOff x="-172542" y="1987918"/>
+              <a:chExt cx="2521063" cy="1414696"/>
+            </a:xfrm>
+          </p:grpSpPr>
+          <p:sp>
+            <p:nvSpPr>
+              <p:cNvPr id="18" name="Shape 103">
+                <a:extLst>
+                  <a:ext uri="{FF2B5EF4-FFF2-40B4-BE49-F238E27FC236}">
+                    <a16:creationId xmlns:a16="http://schemas.microsoft.com/office/drawing/2014/main" id="{20808034-F5E8-4192-96E6-8C61A488C2E1}"/>
+                  </a:ext>
+                </a:extLst>
+              </p:cNvPr>
+              <p:cNvSpPr/>
+              <p:nvPr/>
+            </p:nvSpPr>
+            <p:spPr>
+              <a:xfrm>
+                <a:off x="790838" y="1987918"/>
+                <a:ext cx="594301" cy="594300"/>
+              </a:xfrm>
+              <a:prstGeom prst="ellipse">
+                <a:avLst/>
+              </a:prstGeom>
+              <a:solidFill>
+                <a:srgbClr val="6D9EEB"/>
+              </a:solidFill>
+              <a:ln w="38100" cap="flat" cmpd="sng">
+                <a:solidFill>
+                  <a:srgbClr val="4285F4"/>
+                </a:solidFill>
+                <a:prstDash val="solid"/>
+                <a:round/>
+                <a:headEnd type="none" w="med" len="med"/>
+                <a:tailEnd type="none" w="med" len="med"/>
+              </a:ln>
+            </p:spPr>
+            <p:txBody>
+              <a:bodyPr wrap="square" lIns="121900" tIns="121900" rIns="121900" bIns="121900" anchor="ctr" anchorCtr="0">
+                <a:noAutofit/>
+              </a:bodyPr>
+              <a:lstStyle/>
+              <a:p>
+                <a:endParaRPr sz="1200">
+                  <a:latin typeface="+mj-lt"/>
+                </a:endParaRPr>
+              </a:p>
+            </p:txBody>
+          </p:sp>
+          <p:sp>
+            <p:nvSpPr>
+              <p:cNvPr id="19" name="Shape 104">
+                <a:extLst>
+                  <a:ext uri="{FF2B5EF4-FFF2-40B4-BE49-F238E27FC236}">
+                    <a16:creationId xmlns:a16="http://schemas.microsoft.com/office/drawing/2014/main" id="{210CFA14-6904-4D47-B75B-241CE834837C}"/>
+                  </a:ext>
+                </a:extLst>
+              </p:cNvPr>
+              <p:cNvSpPr txBox="1"/>
+              <p:nvPr/>
+            </p:nvSpPr>
+            <p:spPr>
+              <a:xfrm>
+                <a:off x="-172542" y="2845215"/>
+                <a:ext cx="2521063" cy="557399"/>
+              </a:xfrm>
+              <a:prstGeom prst="rect">
+                <a:avLst/>
+              </a:prstGeom>
+              <a:noFill/>
+              <a:ln>
+                <a:noFill/>
+              </a:ln>
+            </p:spPr>
+            <p:txBody>
+              <a:bodyPr wrap="square" lIns="121900" tIns="121900" rIns="121900" bIns="121900" anchor="b" anchorCtr="0">
+                <a:noAutofit/>
+              </a:bodyPr>
+              <a:lstStyle/>
+              <a:p>
+                <a:pPr algn="ctr">
+                  <a:lnSpc>
+                    <a:spcPct val="115000"/>
+                  </a:lnSpc>
+                </a:pPr>
+                <a:r>
+                  <a:rPr lang="en-US" sz="1200" b="1" dirty="0">
+                    <a:solidFill>
+                      <a:srgbClr val="4285F4"/>
+                    </a:solidFill>
+                    <a:latin typeface="+mj-lt"/>
+                    <a:ea typeface="Roboto"/>
+                    <a:cs typeface="Roboto"/>
+                    <a:sym typeface="Roboto"/>
+                  </a:rPr>
+                  <a:t>Background</a:t>
+                </a:r>
+              </a:p>
+            </p:txBody>
+          </p:sp>
+        </p:grpSp>
+        <p:grpSp>
+          <p:nvGrpSpPr>
+            <p:cNvPr id="11" name="Shape 105">
+              <a:extLst>
+                <a:ext uri="{FF2B5EF4-FFF2-40B4-BE49-F238E27FC236}">
+                  <a16:creationId xmlns:a16="http://schemas.microsoft.com/office/drawing/2014/main" id="{E5F48889-5A9D-4DA8-8B4E-5E9825BC6413}"/>
+                </a:ext>
+              </a:extLst>
+            </p:cNvPr>
+            <p:cNvGrpSpPr/>
+            <p:nvPr/>
+          </p:nvGrpSpPr>
+          <p:grpSpPr>
+            <a:xfrm>
+              <a:off x="3342936" y="2638476"/>
+              <a:ext cx="2775931" cy="1824233"/>
+              <a:chOff x="2507265" y="1978906"/>
+              <a:chExt cx="2082000" cy="1368209"/>
+            </a:xfrm>
+          </p:grpSpPr>
+          <p:sp>
+            <p:nvSpPr>
+              <p:cNvPr id="16" name="Shape 106">
+                <a:extLst>
+                  <a:ext uri="{FF2B5EF4-FFF2-40B4-BE49-F238E27FC236}">
+                    <a16:creationId xmlns:a16="http://schemas.microsoft.com/office/drawing/2014/main" id="{1DA9F086-541B-47F7-8371-3D83C1D81A47}"/>
+                  </a:ext>
+                </a:extLst>
+              </p:cNvPr>
+              <p:cNvSpPr/>
+              <p:nvPr/>
+            </p:nvSpPr>
+            <p:spPr>
+              <a:xfrm>
+                <a:off x="3251116" y="1978906"/>
+                <a:ext cx="594301" cy="594300"/>
+              </a:xfrm>
+              <a:prstGeom prst="ellipse">
+                <a:avLst/>
+              </a:prstGeom>
+              <a:noFill/>
+              <a:ln w="38100" cap="flat" cmpd="sng">
+                <a:solidFill>
+                  <a:srgbClr val="D9D9D9"/>
+                </a:solidFill>
+                <a:prstDash val="solid"/>
+                <a:round/>
+                <a:headEnd type="none" w="med" len="med"/>
+                <a:tailEnd type="none" w="med" len="med"/>
+              </a:ln>
+            </p:spPr>
+            <p:txBody>
+              <a:bodyPr wrap="square" lIns="121900" tIns="121900" rIns="121900" bIns="121900" anchor="ctr" anchorCtr="0">
+                <a:noAutofit/>
+              </a:bodyPr>
+              <a:lstStyle/>
+              <a:p>
+                <a:endParaRPr sz="1200">
+                  <a:latin typeface="+mj-lt"/>
+                </a:endParaRPr>
+              </a:p>
+            </p:txBody>
+          </p:sp>
+          <p:sp>
+            <p:nvSpPr>
+              <p:cNvPr id="17" name="Shape 107">
+                <a:extLst>
+                  <a:ext uri="{FF2B5EF4-FFF2-40B4-BE49-F238E27FC236}">
+                    <a16:creationId xmlns:a16="http://schemas.microsoft.com/office/drawing/2014/main" id="{16157991-F17D-4B8E-A751-46B80C1EAD3A}"/>
+                  </a:ext>
+                </a:extLst>
+              </p:cNvPr>
+              <p:cNvSpPr txBox="1"/>
+              <p:nvPr/>
+            </p:nvSpPr>
+            <p:spPr>
+              <a:xfrm>
+                <a:off x="2507265" y="2900714"/>
+                <a:ext cx="2082000" cy="446401"/>
+              </a:xfrm>
+              <a:prstGeom prst="rect">
+                <a:avLst/>
+              </a:prstGeom>
+              <a:noFill/>
+              <a:ln>
+                <a:noFill/>
+              </a:ln>
+            </p:spPr>
+            <p:txBody>
+              <a:bodyPr wrap="square" lIns="121900" tIns="121900" rIns="121900" bIns="121900" anchor="b" anchorCtr="0">
+                <a:noAutofit/>
+              </a:bodyPr>
+              <a:lstStyle/>
+              <a:p>
+                <a:pPr algn="ctr">
+                  <a:lnSpc>
+                    <a:spcPct val="115000"/>
+                  </a:lnSpc>
+                </a:pPr>
+                <a:r>
+                  <a:rPr lang="en-US" sz="1200" b="1" dirty="0">
+                    <a:solidFill>
+                      <a:srgbClr val="B7B7B7"/>
+                    </a:solidFill>
+                    <a:latin typeface="+mj-lt"/>
+                    <a:ea typeface="Roboto"/>
+                    <a:cs typeface="Roboto"/>
+                    <a:sym typeface="Roboto"/>
+                  </a:rPr>
+                  <a:t>Example</a:t>
+                </a:r>
+              </a:p>
+            </p:txBody>
+          </p:sp>
+        </p:grpSp>
+        <p:grpSp>
+          <p:nvGrpSpPr>
+            <p:cNvPr id="12" name="Shape 108">
+              <a:extLst>
+                <a:ext uri="{FF2B5EF4-FFF2-40B4-BE49-F238E27FC236}">
+                  <a16:creationId xmlns:a16="http://schemas.microsoft.com/office/drawing/2014/main" id="{BDEBF7A8-A5D1-41D6-A924-208B0A97D452}"/>
+                </a:ext>
+              </a:extLst>
+            </p:cNvPr>
+            <p:cNvGrpSpPr/>
+            <p:nvPr/>
+          </p:nvGrpSpPr>
+          <p:grpSpPr>
+            <a:xfrm>
+              <a:off x="5975910" y="2601291"/>
+              <a:ext cx="3676796" cy="1887216"/>
+              <a:chOff x="4482044" y="1951017"/>
+              <a:chExt cx="2757666" cy="1415448"/>
+            </a:xfrm>
+          </p:grpSpPr>
+          <p:sp>
+            <p:nvSpPr>
+              <p:cNvPr id="14" name="Shape 109">
+                <a:extLst>
+                  <a:ext uri="{FF2B5EF4-FFF2-40B4-BE49-F238E27FC236}">
+                    <a16:creationId xmlns:a16="http://schemas.microsoft.com/office/drawing/2014/main" id="{4ED2EEFD-5999-4AAC-938D-6BA93955DF29}"/>
+                  </a:ext>
+                </a:extLst>
+              </p:cNvPr>
+              <p:cNvSpPr/>
+              <p:nvPr/>
+            </p:nvSpPr>
+            <p:spPr>
+              <a:xfrm>
+                <a:off x="5563726" y="1951017"/>
+                <a:ext cx="594301" cy="594300"/>
+              </a:xfrm>
+              <a:prstGeom prst="ellipse">
+                <a:avLst/>
+              </a:prstGeom>
+              <a:noFill/>
+              <a:ln w="38100" cap="flat" cmpd="sng">
+                <a:solidFill>
+                  <a:srgbClr val="D9D9D9"/>
+                </a:solidFill>
+                <a:prstDash val="solid"/>
+                <a:round/>
+                <a:headEnd type="none" w="med" len="med"/>
+                <a:tailEnd type="none" w="med" len="med"/>
+              </a:ln>
+            </p:spPr>
+            <p:txBody>
+              <a:bodyPr wrap="square" lIns="121900" tIns="121900" rIns="121900" bIns="121900" anchor="ctr" anchorCtr="0">
+                <a:noAutofit/>
+              </a:bodyPr>
+              <a:lstStyle/>
+              <a:p>
+                <a:endParaRPr sz="1200">
+                  <a:latin typeface="+mj-lt"/>
+                </a:endParaRPr>
+              </a:p>
+            </p:txBody>
+          </p:sp>
+          <p:sp>
+            <p:nvSpPr>
+              <p:cNvPr id="15" name="Shape 110">
+                <a:extLst>
+                  <a:ext uri="{FF2B5EF4-FFF2-40B4-BE49-F238E27FC236}">
+                    <a16:creationId xmlns:a16="http://schemas.microsoft.com/office/drawing/2014/main" id="{478ED692-1693-4104-924D-8AEB6DE95071}"/>
+                  </a:ext>
+                </a:extLst>
+              </p:cNvPr>
+              <p:cNvSpPr txBox="1"/>
+              <p:nvPr/>
+            </p:nvSpPr>
+            <p:spPr>
+              <a:xfrm>
+                <a:off x="4482044" y="2907284"/>
+                <a:ext cx="2757666" cy="459181"/>
+              </a:xfrm>
+              <a:prstGeom prst="rect">
+                <a:avLst/>
+              </a:prstGeom>
+              <a:noFill/>
+              <a:ln>
+                <a:noFill/>
+              </a:ln>
+            </p:spPr>
+            <p:txBody>
+              <a:bodyPr wrap="square" lIns="121900" tIns="121900" rIns="121900" bIns="121900" anchor="b" anchorCtr="0">
+                <a:noAutofit/>
+              </a:bodyPr>
+              <a:lstStyle/>
+              <a:p>
+                <a:pPr algn="ctr">
+                  <a:lnSpc>
+                    <a:spcPct val="115000"/>
+                  </a:lnSpc>
+                </a:pPr>
+                <a:r>
+                  <a:rPr lang="en-US" sz="1200" b="1" dirty="0">
+                    <a:solidFill>
+                      <a:srgbClr val="B7B7B7"/>
+                    </a:solidFill>
+                    <a:latin typeface="+mj-lt"/>
+                    <a:ea typeface="Roboto"/>
+                    <a:cs typeface="Roboto"/>
+                    <a:sym typeface="Roboto"/>
+                  </a:rPr>
+                  <a:t>Next Steps</a:t>
+                </a:r>
+              </a:p>
+            </p:txBody>
+          </p:sp>
+        </p:grpSp>
+        <p:sp>
+          <p:nvSpPr>
+            <p:cNvPr id="13" name="Shape 114">
+              <a:extLst>
+                <a:ext uri="{FF2B5EF4-FFF2-40B4-BE49-F238E27FC236}">
+                  <a16:creationId xmlns:a16="http://schemas.microsoft.com/office/drawing/2014/main" id="{D9419CCA-A5D0-4834-8150-F9C670BF26CA}"/>
+                </a:ext>
+              </a:extLst>
+            </p:cNvPr>
+            <p:cNvSpPr/>
+            <p:nvPr/>
+          </p:nvSpPr>
+          <p:spPr>
+            <a:xfrm>
+              <a:off x="5782900" y="2997483"/>
+              <a:ext cx="792300" cy="49200"/>
+            </a:xfrm>
+            <a:prstGeom prst="roundRect">
+              <a:avLst>
+                <a:gd name="adj" fmla="val 50000"/>
+              </a:avLst>
+            </a:prstGeom>
+            <a:solidFill>
+              <a:srgbClr val="D9D9D9"/>
+            </a:solidFill>
+            <a:ln>
+              <a:noFill/>
+            </a:ln>
+          </p:spPr>
+          <p:txBody>
+            <a:bodyPr wrap="square" lIns="121900" tIns="121900" rIns="121900" bIns="121900" anchor="ctr" anchorCtr="0">
+              <a:noAutofit/>
+            </a:bodyPr>
+            <a:lstStyle/>
+            <a:p>
+              <a:endParaRPr sz="1200">
+                <a:latin typeface="+mj-lt"/>
+              </a:endParaRPr>
+            </a:p>
+          </p:txBody>
+        </p:sp>
+      </p:grpSp>
+    </p:spTree>
+    <p:extLst>
+      <p:ext uri="{BB962C8B-B14F-4D97-AF65-F5344CB8AC3E}">
+        <p14:creationId xmlns:p14="http://schemas.microsoft.com/office/powerpoint/2010/main" val="1941150028"/>
+      </p:ext>
+    </p:extLst>
+  </p:cSld>
+  <p:clrMapOvr>
+    <a:masterClrMapping/>
+  </p:clrMapOvr>
+</p:sld>
+</file>
+
+<file path=ppt/slides/slide12.xml><?xml version="1.0" encoding="utf-8"?>
+<p:sld xmlns:a="http://schemas.openxmlformats.org/drawingml/2006/main" xmlns:r="http://schemas.openxmlformats.org/officeDocument/2006/relationships" xmlns:p="http://schemas.openxmlformats.org/presentationml/2006/main">
+  <p:cSld>
+    <p:spTree>
+      <p:nvGrpSpPr>
+        <p:cNvPr id="1" name=""/>
+        <p:cNvGrpSpPr/>
+        <p:nvPr/>
+      </p:nvGrpSpPr>
+      <p:grpSpPr>
+        <a:xfrm>
+          <a:off x="0" y="0"/>
+          <a:ext cx="0" cy="0"/>
+          <a:chOff x="0" y="0"/>
+          <a:chExt cx="0" cy="0"/>
+        </a:xfrm>
+      </p:grpSpPr>
+      <p:sp>
+        <p:nvSpPr>
+          <p:cNvPr id="2" name="Title 1">
+            <a:extLst>
+              <a:ext uri="{FF2B5EF4-FFF2-40B4-BE49-F238E27FC236}">
+                <a16:creationId xmlns:a16="http://schemas.microsoft.com/office/drawing/2014/main" id="{C087A1F2-B26F-467C-A67B-7EDD1A74EE3A}"/>
+              </a:ext>
+            </a:extLst>
+          </p:cNvPr>
+          <p:cNvSpPr>
+            <a:spLocks noGrp="1"/>
+          </p:cNvSpPr>
+          <p:nvPr>
+            <p:ph type="title"/>
+          </p:nvPr>
+        </p:nvSpPr>
+        <p:spPr>
+          <a:xfrm>
+            <a:off x="838200" y="365125"/>
+            <a:ext cx="10515600" cy="1325563"/>
+          </a:xfrm>
+        </p:spPr>
+        <p:txBody>
+          <a:bodyPr>
+            <a:normAutofit/>
+          </a:bodyPr>
+          <a:lstStyle/>
+          <a:p>
+            <a:r>
+              <a:rPr lang="en-US" sz="3200" dirty="0"/>
+              <a:t>Model based RL: Actor overview</a:t>
+            </a:r>
+          </a:p>
+        </p:txBody>
+      </p:sp>
+      <p:sp>
+        <p:nvSpPr>
+          <p:cNvPr id="10" name="Rectangle 9">
+            <a:extLst>
+              <a:ext uri="{FF2B5EF4-FFF2-40B4-BE49-F238E27FC236}">
+                <a16:creationId xmlns:a16="http://schemas.microsoft.com/office/drawing/2014/main" id="{D1292D7B-B3E6-44F5-B667-93DEA84AA3D6}"/>
+              </a:ext>
+            </a:extLst>
+          </p:cNvPr>
+          <p:cNvSpPr/>
+          <p:nvPr/>
+        </p:nvSpPr>
+        <p:spPr>
+          <a:xfrm>
+            <a:off x="2744354" y="3180155"/>
+            <a:ext cx="1663429" cy="805469"/>
+          </a:xfrm>
+          <a:prstGeom prst="rect">
+            <a:avLst/>
+          </a:prstGeom>
+          <a:ln w="38100"/>
+        </p:spPr>
+        <p:style>
+          <a:lnRef idx="2">
+            <a:schemeClr val="dk1"/>
+          </a:lnRef>
+          <a:fillRef idx="1">
+            <a:schemeClr val="lt1"/>
+          </a:fillRef>
+          <a:effectRef idx="0">
+            <a:schemeClr val="dk1"/>
+          </a:effectRef>
+          <a:fontRef idx="minor">
+            <a:schemeClr val="dk1"/>
+          </a:fontRef>
+        </p:style>
+        <p:txBody>
+          <a:bodyPr rot="0" spcFirstLastPara="0" vertOverflow="overflow" horzOverflow="overflow" vert="horz" wrap="square" lIns="91440" tIns="45720" rIns="91440" bIns="45720" numCol="1" spcCol="0" rtlCol="0" fromWordArt="0" anchor="ctr" anchorCtr="0" forceAA="0" compatLnSpc="1">
+            <a:prstTxWarp prst="textNoShape">
+              <a:avLst/>
+            </a:prstTxWarp>
+            <a:noAutofit/>
+          </a:bodyPr>
+          <a:lstStyle/>
+          <a:p>
+            <a:pPr algn="ctr"/>
+            <a:r>
+              <a:rPr lang="en-US" dirty="0"/>
+              <a:t>Actor</a:t>
+            </a:r>
+          </a:p>
+          <a:p>
+            <a:pPr algn="ctr"/>
+            <a:r>
+              <a:rPr lang="en-US" sz="1400" i="1" dirty="0"/>
+              <a:t>Neural Network 1</a:t>
+            </a:r>
+          </a:p>
+        </p:txBody>
+      </p:sp>
+      <p:cxnSp>
+        <p:nvCxnSpPr>
+          <p:cNvPr id="12" name="Straight Arrow Connector 11">
+            <a:extLst>
+              <a:ext uri="{FF2B5EF4-FFF2-40B4-BE49-F238E27FC236}">
+                <a16:creationId xmlns:a16="http://schemas.microsoft.com/office/drawing/2014/main" id="{C24449E8-5CEB-410A-99C4-2627B1F112D3}"/>
+              </a:ext>
+            </a:extLst>
+          </p:cNvPr>
+          <p:cNvCxnSpPr>
+            <a:cxnSpLocks/>
+            <a:endCxn id="10" idx="1"/>
+          </p:cNvCxnSpPr>
+          <p:nvPr/>
+        </p:nvCxnSpPr>
+        <p:spPr>
+          <a:xfrm flipV="1">
+            <a:off x="1715653" y="3582890"/>
+            <a:ext cx="1028700" cy="3585"/>
+          </a:xfrm>
+          <a:prstGeom prst="straightConnector1">
+            <a:avLst/>
+          </a:prstGeom>
+          <a:ln>
+            <a:tailEnd type="triangle"/>
+          </a:ln>
+        </p:spPr>
+        <p:style>
+          <a:lnRef idx="1">
+            <a:schemeClr val="dk1"/>
+          </a:lnRef>
+          <a:fillRef idx="0">
+            <a:schemeClr val="dk1"/>
+          </a:fillRef>
+          <a:effectRef idx="0">
+            <a:schemeClr val="dk1"/>
+          </a:effectRef>
+          <a:fontRef idx="minor">
+            <a:schemeClr val="tx1"/>
+          </a:fontRef>
+        </p:style>
+      </p:cxnSp>
+      <p:sp>
+        <p:nvSpPr>
+          <p:cNvPr id="14" name="TextBox 13">
+            <a:extLst>
+              <a:ext uri="{FF2B5EF4-FFF2-40B4-BE49-F238E27FC236}">
+                <a16:creationId xmlns:a16="http://schemas.microsoft.com/office/drawing/2014/main" id="{083A2E24-89D0-4A25-94BD-6840EB9E69A0}"/>
+              </a:ext>
+            </a:extLst>
+          </p:cNvPr>
+          <p:cNvSpPr txBox="1"/>
+          <p:nvPr/>
+        </p:nvSpPr>
+        <p:spPr>
+          <a:xfrm>
+            <a:off x="2014041" y="3217142"/>
+            <a:ext cx="354584" cy="369332"/>
+          </a:xfrm>
+          <a:prstGeom prst="rect">
+            <a:avLst/>
+          </a:prstGeom>
+          <a:noFill/>
+        </p:spPr>
+        <p:txBody>
+          <a:bodyPr wrap="none" rtlCol="0">
+            <a:spAutoFit/>
+          </a:bodyPr>
+          <a:lstStyle/>
+          <a:p>
+            <a:r>
+              <a:rPr lang="en-US" dirty="0" err="1"/>
+              <a:t>x</a:t>
+            </a:r>
+            <a:r>
+              <a:rPr lang="en-US" baseline="-25000" dirty="0" err="1"/>
+              <a:t>k</a:t>
+            </a:r>
+            <a:endParaRPr lang="en-US" dirty="0"/>
+          </a:p>
+        </p:txBody>
+      </p:sp>
+      <p:sp>
+        <p:nvSpPr>
+          <p:cNvPr id="15" name="TextBox 14">
+            <a:extLst>
+              <a:ext uri="{FF2B5EF4-FFF2-40B4-BE49-F238E27FC236}">
+                <a16:creationId xmlns:a16="http://schemas.microsoft.com/office/drawing/2014/main" id="{4AB5071F-13BA-459B-9C69-7374DBAFE56F}"/>
+              </a:ext>
+            </a:extLst>
+          </p:cNvPr>
+          <p:cNvSpPr txBox="1"/>
+          <p:nvPr/>
+        </p:nvSpPr>
+        <p:spPr>
+          <a:xfrm>
+            <a:off x="838200" y="3429000"/>
+            <a:ext cx="1074224" cy="523220"/>
+          </a:xfrm>
+          <a:prstGeom prst="rect">
+            <a:avLst/>
+          </a:prstGeom>
+          <a:noFill/>
+        </p:spPr>
+        <p:txBody>
+          <a:bodyPr wrap="square" rtlCol="0">
+            <a:spAutoFit/>
+          </a:bodyPr>
+          <a:lstStyle/>
+          <a:p>
+            <a:r>
+              <a:rPr lang="en-US" sz="1400" i="1" dirty="0"/>
+              <a:t>From      state space</a:t>
+            </a:r>
+          </a:p>
+        </p:txBody>
+      </p:sp>
+      <p:cxnSp>
+        <p:nvCxnSpPr>
+          <p:cNvPr id="16" name="Straight Arrow Connector 15">
+            <a:extLst>
+              <a:ext uri="{FF2B5EF4-FFF2-40B4-BE49-F238E27FC236}">
+                <a16:creationId xmlns:a16="http://schemas.microsoft.com/office/drawing/2014/main" id="{A066630F-AFCB-49B2-8C3E-77916DB21E13}"/>
+              </a:ext>
+            </a:extLst>
+          </p:cNvPr>
+          <p:cNvCxnSpPr>
+            <a:cxnSpLocks/>
+          </p:cNvCxnSpPr>
+          <p:nvPr/>
+        </p:nvCxnSpPr>
+        <p:spPr>
+          <a:xfrm flipV="1">
+            <a:off x="4407782" y="3582888"/>
+            <a:ext cx="1106040" cy="3586"/>
+          </a:xfrm>
+          <a:prstGeom prst="straightConnector1">
+            <a:avLst/>
+          </a:prstGeom>
+          <a:ln>
+            <a:tailEnd type="triangle"/>
+          </a:ln>
+        </p:spPr>
+        <p:style>
+          <a:lnRef idx="1">
+            <a:schemeClr val="dk1"/>
+          </a:lnRef>
+          <a:fillRef idx="0">
+            <a:schemeClr val="dk1"/>
+          </a:fillRef>
+          <a:effectRef idx="0">
+            <a:schemeClr val="dk1"/>
+          </a:effectRef>
+          <a:fontRef idx="minor">
+            <a:schemeClr val="tx1"/>
+          </a:fontRef>
+        </p:style>
+      </p:cxnSp>
+      <p:sp>
+        <p:nvSpPr>
+          <p:cNvPr id="17" name="TextBox 16">
+            <a:extLst>
+              <a:ext uri="{FF2B5EF4-FFF2-40B4-BE49-F238E27FC236}">
+                <a16:creationId xmlns:a16="http://schemas.microsoft.com/office/drawing/2014/main" id="{17D491BE-FCDC-4E53-8FCB-EFE3D3ED94E6}"/>
+              </a:ext>
+            </a:extLst>
+          </p:cNvPr>
+          <p:cNvSpPr txBox="1"/>
+          <p:nvPr/>
+        </p:nvSpPr>
+        <p:spPr>
+          <a:xfrm>
+            <a:off x="4683915" y="3217142"/>
+            <a:ext cx="377026" cy="369332"/>
+          </a:xfrm>
+          <a:prstGeom prst="rect">
+            <a:avLst/>
+          </a:prstGeom>
+          <a:noFill/>
+        </p:spPr>
+        <p:txBody>
+          <a:bodyPr wrap="none" rtlCol="0">
+            <a:spAutoFit/>
+          </a:bodyPr>
+          <a:lstStyle/>
+          <a:p>
+            <a:r>
+              <a:rPr lang="en-US" dirty="0" err="1"/>
+              <a:t>u</a:t>
+            </a:r>
+            <a:r>
+              <a:rPr lang="en-US" baseline="-25000" dirty="0" err="1"/>
+              <a:t>k</a:t>
+            </a:r>
+            <a:endParaRPr lang="en-US" baseline="30000" dirty="0"/>
+          </a:p>
+        </p:txBody>
+      </p:sp>
+      <p:sp>
+        <p:nvSpPr>
+          <p:cNvPr id="24" name="TextBox 23">
+            <a:extLst>
+              <a:ext uri="{FF2B5EF4-FFF2-40B4-BE49-F238E27FC236}">
+                <a16:creationId xmlns:a16="http://schemas.microsoft.com/office/drawing/2014/main" id="{A27A126F-C1FA-4388-BBFE-26E556D210D6}"/>
+              </a:ext>
+            </a:extLst>
+          </p:cNvPr>
+          <p:cNvSpPr txBox="1"/>
+          <p:nvPr/>
+        </p:nvSpPr>
+        <p:spPr>
+          <a:xfrm>
+            <a:off x="3634296" y="2528250"/>
+            <a:ext cx="723275" cy="369332"/>
+          </a:xfrm>
+          <a:prstGeom prst="rect">
+            <a:avLst/>
+          </a:prstGeom>
+          <a:noFill/>
+        </p:spPr>
+        <p:txBody>
+          <a:bodyPr wrap="none" rtlCol="0">
+            <a:spAutoFit/>
+          </a:bodyPr>
+          <a:lstStyle/>
+          <a:p>
+            <a:r>
+              <a:rPr lang="en-US" dirty="0"/>
+              <a:t>w</a:t>
+            </a:r>
+            <a:r>
+              <a:rPr lang="en-US" baseline="-25000" dirty="0"/>
+              <a:t> a,k+1</a:t>
+            </a:r>
+            <a:endParaRPr lang="en-US" dirty="0"/>
+          </a:p>
+        </p:txBody>
+      </p:sp>
+      <p:sp>
+        <p:nvSpPr>
+          <p:cNvPr id="25" name="TextBox 24">
+            <a:extLst>
+              <a:ext uri="{FF2B5EF4-FFF2-40B4-BE49-F238E27FC236}">
+                <a16:creationId xmlns:a16="http://schemas.microsoft.com/office/drawing/2014/main" id="{AB9AFFB1-0B9B-4A97-AD24-E1BC472F4B55}"/>
+              </a:ext>
+            </a:extLst>
+          </p:cNvPr>
+          <p:cNvSpPr txBox="1"/>
+          <p:nvPr/>
+        </p:nvSpPr>
+        <p:spPr>
+          <a:xfrm>
+            <a:off x="2757194" y="1895049"/>
+            <a:ext cx="1722363" cy="307777"/>
+          </a:xfrm>
+          <a:prstGeom prst="rect">
+            <a:avLst/>
+          </a:prstGeom>
+          <a:noFill/>
+        </p:spPr>
+        <p:txBody>
+          <a:bodyPr wrap="square" rtlCol="0">
+            <a:spAutoFit/>
+          </a:bodyPr>
+          <a:lstStyle/>
+          <a:p>
+            <a:pPr algn="ctr"/>
+            <a:r>
+              <a:rPr lang="en-US" sz="1400" i="1" dirty="0"/>
+              <a:t>From reward update</a:t>
+            </a:r>
+          </a:p>
+        </p:txBody>
+      </p:sp>
+      <p:sp>
+        <p:nvSpPr>
+          <p:cNvPr id="36" name="TextBox 35">
+            <a:extLst>
+              <a:ext uri="{FF2B5EF4-FFF2-40B4-BE49-F238E27FC236}">
+                <a16:creationId xmlns:a16="http://schemas.microsoft.com/office/drawing/2014/main" id="{E620AB56-98C6-479C-883C-F920DC4B78A2}"/>
+              </a:ext>
+            </a:extLst>
+          </p:cNvPr>
+          <p:cNvSpPr txBox="1"/>
+          <p:nvPr/>
+        </p:nvSpPr>
+        <p:spPr>
+          <a:xfrm>
+            <a:off x="3677685" y="4268197"/>
+            <a:ext cx="546809" cy="369332"/>
+          </a:xfrm>
+          <a:prstGeom prst="rect">
+            <a:avLst/>
+          </a:prstGeom>
+          <a:noFill/>
+        </p:spPr>
+        <p:txBody>
+          <a:bodyPr wrap="square" rtlCol="0">
+            <a:spAutoFit/>
+          </a:bodyPr>
+          <a:lstStyle/>
+          <a:p>
+            <a:r>
+              <a:rPr lang="en-US" dirty="0" err="1"/>
+              <a:t>J</a:t>
+            </a:r>
+            <a:r>
+              <a:rPr lang="en-US" baseline="-25000" dirty="0" err="1"/>
+              <a:t>k</a:t>
+            </a:r>
+            <a:r>
+              <a:rPr lang="en-US" baseline="30000" dirty="0"/>
+              <a:t>^</a:t>
+            </a:r>
+            <a:endParaRPr lang="en-US" dirty="0"/>
+          </a:p>
+        </p:txBody>
+      </p:sp>
+      <p:sp>
+        <p:nvSpPr>
+          <p:cNvPr id="3" name="Date Placeholder 2">
+            <a:extLst>
+              <a:ext uri="{FF2B5EF4-FFF2-40B4-BE49-F238E27FC236}">
+                <a16:creationId xmlns:a16="http://schemas.microsoft.com/office/drawing/2014/main" id="{3F447031-AFAB-4B2F-87B5-4B4F74DAEDD7}"/>
+              </a:ext>
+            </a:extLst>
+          </p:cNvPr>
+          <p:cNvSpPr>
+            <a:spLocks noGrp="1"/>
+          </p:cNvSpPr>
+          <p:nvPr>
+            <p:ph type="dt" sz="half" idx="10"/>
+          </p:nvPr>
+        </p:nvSpPr>
+        <p:spPr/>
+        <p:txBody>
+          <a:bodyPr/>
+          <a:lstStyle/>
+          <a:p>
+            <a:fld id="{1685D14B-F6A0-4B99-A473-B0981836F907}" type="datetime1">
+              <a:rPr lang="en-US" smtClean="0"/>
+              <a:t>8/9/2018</a:t>
+            </a:fld>
+            <a:endParaRPr lang="en-US"/>
+          </a:p>
+        </p:txBody>
+      </p:sp>
+      <p:sp>
+        <p:nvSpPr>
+          <p:cNvPr id="4" name="Slide Number Placeholder 3">
+            <a:extLst>
+              <a:ext uri="{FF2B5EF4-FFF2-40B4-BE49-F238E27FC236}">
+                <a16:creationId xmlns:a16="http://schemas.microsoft.com/office/drawing/2014/main" id="{F1767A3D-FF43-4143-B193-6A912ACCD92B}"/>
+              </a:ext>
+            </a:extLst>
+          </p:cNvPr>
+          <p:cNvSpPr>
+            <a:spLocks noGrp="1"/>
+          </p:cNvSpPr>
+          <p:nvPr>
+            <p:ph type="sldNum" sz="quarter" idx="12"/>
+          </p:nvPr>
+        </p:nvSpPr>
+        <p:spPr/>
+        <p:txBody>
+          <a:bodyPr/>
+          <a:lstStyle/>
+          <a:p>
+            <a:fld id="{12B64F94-5F67-4FCA-BA0B-D89417276E46}" type="slidenum">
+              <a:rPr lang="en-US" smtClean="0"/>
+              <a:t>12</a:t>
+            </a:fld>
+            <a:endParaRPr lang="en-US"/>
+          </a:p>
+        </p:txBody>
+      </p:sp>
+      <p:sp>
+        <p:nvSpPr>
+          <p:cNvPr id="43" name="TextBox 42">
+            <a:extLst>
+              <a:ext uri="{FF2B5EF4-FFF2-40B4-BE49-F238E27FC236}">
+                <a16:creationId xmlns:a16="http://schemas.microsoft.com/office/drawing/2014/main" id="{9AC8BB8E-E5B4-495B-9096-252BFA7186BD}"/>
+              </a:ext>
+            </a:extLst>
+          </p:cNvPr>
+          <p:cNvSpPr txBox="1"/>
+          <p:nvPr/>
+        </p:nvSpPr>
+        <p:spPr>
+          <a:xfrm>
+            <a:off x="7092570" y="1469854"/>
+            <a:ext cx="4357439" cy="2923877"/>
+          </a:xfrm>
+          <a:prstGeom prst="rect">
+            <a:avLst/>
+          </a:prstGeom>
+          <a:noFill/>
+        </p:spPr>
+        <p:txBody>
+          <a:bodyPr wrap="square" rtlCol="0">
+            <a:spAutoFit/>
+          </a:bodyPr>
+          <a:lstStyle/>
+          <a:p>
+            <a:r>
+              <a:rPr lang="en-US" sz="2400" b="1" dirty="0"/>
+              <a:t>Steps</a:t>
+            </a:r>
+          </a:p>
+          <a:p>
+            <a:pPr marL="342900" indent="-342900">
+              <a:buAutoNum type="arabicPeriod"/>
+            </a:pPr>
+            <a:r>
+              <a:rPr lang="en-US" dirty="0"/>
+              <a:t>Obtain state information from DFN, construct </a:t>
+            </a:r>
+            <a:r>
+              <a:rPr lang="en-US" i="1" dirty="0" err="1"/>
+              <a:t>x</a:t>
+            </a:r>
+            <a:r>
+              <a:rPr lang="en-US" i="1" baseline="-25000" dirty="0" err="1"/>
+              <a:t>k</a:t>
+            </a:r>
+            <a:r>
+              <a:rPr lang="en-US" dirty="0"/>
+              <a:t> at every time step </a:t>
+            </a:r>
+            <a:r>
+              <a:rPr lang="en-US" i="1" dirty="0"/>
+              <a:t>k</a:t>
+            </a:r>
+            <a:r>
+              <a:rPr lang="en-US" dirty="0"/>
+              <a:t>  </a:t>
+            </a:r>
+          </a:p>
+          <a:p>
+            <a:pPr marL="342900" indent="-342900">
+              <a:buAutoNum type="arabicPeriod"/>
+            </a:pPr>
+            <a:r>
+              <a:rPr lang="en-US" dirty="0"/>
+              <a:t>Initialize weights: </a:t>
+            </a:r>
+            <a:r>
+              <a:rPr lang="en-US" i="1" dirty="0" err="1"/>
+              <a:t>w</a:t>
+            </a:r>
+            <a:r>
+              <a:rPr lang="en-US" i="1" baseline="-25000" dirty="0" err="1"/>
+              <a:t>a</a:t>
+            </a:r>
+            <a:r>
+              <a:rPr lang="en-US" i="1" baseline="30000" dirty="0"/>
+              <a:t>(1</a:t>
+            </a:r>
+            <a:r>
+              <a:rPr lang="en-US" baseline="30000" dirty="0"/>
+              <a:t>)</a:t>
+            </a:r>
+            <a:r>
+              <a:rPr lang="en-US" dirty="0"/>
+              <a:t> and </a:t>
+            </a:r>
+            <a:r>
+              <a:rPr lang="en-US" i="1" dirty="0" err="1"/>
+              <a:t>w</a:t>
+            </a:r>
+            <a:r>
+              <a:rPr lang="en-US" i="1" baseline="-25000" dirty="0" err="1"/>
+              <a:t>a</a:t>
+            </a:r>
+            <a:r>
+              <a:rPr lang="en-US" i="1" baseline="30000" dirty="0"/>
+              <a:t>(2) </a:t>
+            </a:r>
+            <a:endParaRPr lang="en-US" baseline="-25000" dirty="0"/>
+          </a:p>
+          <a:p>
+            <a:pPr marL="342900" indent="-342900">
+              <a:buAutoNum type="arabicPeriod"/>
+            </a:pPr>
+            <a:r>
+              <a:rPr lang="en-US" dirty="0"/>
+              <a:t>Use neural network to predict </a:t>
+            </a:r>
+            <a:r>
+              <a:rPr lang="en-US" dirty="0" err="1"/>
+              <a:t>J</a:t>
+            </a:r>
+            <a:r>
+              <a:rPr lang="en-US" baseline="-25000" dirty="0" err="1"/>
+              <a:t>k</a:t>
+            </a:r>
+            <a:r>
+              <a:rPr lang="en-US" baseline="30000" dirty="0"/>
+              <a:t>^</a:t>
+            </a:r>
+          </a:p>
+          <a:p>
+            <a:pPr marL="342900" indent="-342900">
+              <a:buAutoNum type="arabicPeriod"/>
+            </a:pPr>
+            <a:r>
+              <a:rPr lang="en-US" dirty="0"/>
+              <a:t>Repeat 1-3 with w</a:t>
+            </a:r>
+            <a:r>
+              <a:rPr lang="en-US" baseline="-25000" dirty="0"/>
+              <a:t>c,k+1</a:t>
+            </a:r>
+            <a:r>
+              <a:rPr lang="en-US" dirty="0"/>
+              <a:t> calculated from gradient descent algorithm from Reward subroutine</a:t>
+            </a:r>
+          </a:p>
+          <a:p>
+            <a:pPr marL="342900" indent="-342900">
+              <a:buAutoNum type="arabicPeriod"/>
+            </a:pPr>
+            <a:endParaRPr lang="en-US" dirty="0"/>
+          </a:p>
+          <a:p>
+            <a:pPr marL="228600" indent="-228600">
+              <a:buAutoNum type="arabicPeriod"/>
+            </a:pPr>
+            <a:endParaRPr lang="en-US" sz="1600" dirty="0"/>
+          </a:p>
+        </p:txBody>
+      </p:sp>
+      <p:cxnSp>
+        <p:nvCxnSpPr>
+          <p:cNvPr id="46" name="Straight Arrow Connector 45">
+            <a:extLst>
+              <a:ext uri="{FF2B5EF4-FFF2-40B4-BE49-F238E27FC236}">
+                <a16:creationId xmlns:a16="http://schemas.microsoft.com/office/drawing/2014/main" id="{8B807984-9BE5-44F0-87F5-936EC8410750}"/>
+              </a:ext>
+            </a:extLst>
+          </p:cNvPr>
+          <p:cNvCxnSpPr>
+            <a:cxnSpLocks/>
+            <a:endCxn id="10" idx="0"/>
+          </p:cNvCxnSpPr>
+          <p:nvPr/>
+        </p:nvCxnSpPr>
+        <p:spPr>
+          <a:xfrm>
+            <a:off x="3576069" y="2291188"/>
+            <a:ext cx="0" cy="888967"/>
+          </a:xfrm>
+          <a:prstGeom prst="straightConnector1">
+            <a:avLst/>
+          </a:prstGeom>
+          <a:ln>
+            <a:tailEnd type="triangle"/>
+          </a:ln>
+        </p:spPr>
+        <p:style>
+          <a:lnRef idx="1">
+            <a:schemeClr val="dk1"/>
+          </a:lnRef>
+          <a:fillRef idx="0">
+            <a:schemeClr val="dk1"/>
+          </a:fillRef>
+          <a:effectRef idx="0">
+            <a:schemeClr val="dk1"/>
+          </a:effectRef>
+          <a:fontRef idx="minor">
+            <a:schemeClr val="tx1"/>
+          </a:fontRef>
+        </p:style>
+      </p:cxnSp>
+      <p:cxnSp>
+        <p:nvCxnSpPr>
+          <p:cNvPr id="47" name="Straight Arrow Connector 46">
+            <a:extLst>
+              <a:ext uri="{FF2B5EF4-FFF2-40B4-BE49-F238E27FC236}">
+                <a16:creationId xmlns:a16="http://schemas.microsoft.com/office/drawing/2014/main" id="{9DC564D7-FE60-4974-B9ED-51587D8013FF}"/>
+              </a:ext>
+            </a:extLst>
+          </p:cNvPr>
+          <p:cNvCxnSpPr>
+            <a:cxnSpLocks/>
+            <a:endCxn id="10" idx="2"/>
+          </p:cNvCxnSpPr>
+          <p:nvPr/>
+        </p:nvCxnSpPr>
+        <p:spPr>
+          <a:xfrm flipV="1">
+            <a:off x="3576069" y="3985624"/>
+            <a:ext cx="0" cy="967073"/>
+          </a:xfrm>
+          <a:prstGeom prst="straightConnector1">
+            <a:avLst/>
+          </a:prstGeom>
+          <a:ln>
+            <a:tailEnd type="triangle"/>
+          </a:ln>
+        </p:spPr>
+        <p:style>
+          <a:lnRef idx="1">
+            <a:schemeClr val="dk1"/>
+          </a:lnRef>
+          <a:fillRef idx="0">
+            <a:schemeClr val="dk1"/>
+          </a:fillRef>
+          <a:effectRef idx="0">
+            <a:schemeClr val="dk1"/>
+          </a:effectRef>
+          <a:fontRef idx="minor">
+            <a:schemeClr val="tx1"/>
+          </a:fontRef>
+        </p:style>
+      </p:cxnSp>
+      <p:sp>
+        <p:nvSpPr>
+          <p:cNvPr id="48" name="TextBox 47">
+            <a:extLst>
+              <a:ext uri="{FF2B5EF4-FFF2-40B4-BE49-F238E27FC236}">
+                <a16:creationId xmlns:a16="http://schemas.microsoft.com/office/drawing/2014/main" id="{EF8B2C33-FA6E-4A8A-A757-8F85203B0CCE}"/>
+              </a:ext>
+            </a:extLst>
+          </p:cNvPr>
+          <p:cNvSpPr txBox="1"/>
+          <p:nvPr/>
+        </p:nvSpPr>
+        <p:spPr>
+          <a:xfrm>
+            <a:off x="2714886" y="5088249"/>
+            <a:ext cx="1722363" cy="307777"/>
+          </a:xfrm>
+          <a:prstGeom prst="rect">
+            <a:avLst/>
+          </a:prstGeom>
+          <a:noFill/>
+        </p:spPr>
+        <p:txBody>
+          <a:bodyPr wrap="square" rtlCol="0">
+            <a:spAutoFit/>
+          </a:bodyPr>
+          <a:lstStyle/>
+          <a:p>
+            <a:pPr algn="ctr"/>
+            <a:r>
+              <a:rPr lang="en-US" sz="1400" i="1" dirty="0"/>
+              <a:t>From Critic</a:t>
+            </a:r>
+          </a:p>
+        </p:txBody>
+      </p:sp>
+      <p:sp>
+        <p:nvSpPr>
+          <p:cNvPr id="49" name="TextBox 48">
+            <a:extLst>
+              <a:ext uri="{FF2B5EF4-FFF2-40B4-BE49-F238E27FC236}">
+                <a16:creationId xmlns:a16="http://schemas.microsoft.com/office/drawing/2014/main" id="{F9FC29B5-3AF7-4DD7-86BD-1F99812FD85A}"/>
+              </a:ext>
+            </a:extLst>
+          </p:cNvPr>
+          <p:cNvSpPr txBox="1"/>
+          <p:nvPr/>
+        </p:nvSpPr>
+        <p:spPr>
+          <a:xfrm>
+            <a:off x="5157152" y="3429000"/>
+            <a:ext cx="1722363" cy="307777"/>
+          </a:xfrm>
+          <a:prstGeom prst="rect">
+            <a:avLst/>
+          </a:prstGeom>
+          <a:noFill/>
+        </p:spPr>
+        <p:txBody>
+          <a:bodyPr wrap="square" rtlCol="0">
+            <a:spAutoFit/>
+          </a:bodyPr>
+          <a:lstStyle/>
+          <a:p>
+            <a:pPr algn="ctr"/>
+            <a:r>
+              <a:rPr lang="en-US" sz="1400" i="1" dirty="0"/>
+              <a:t>To reward</a:t>
+            </a:r>
+          </a:p>
+        </p:txBody>
+      </p:sp>
+    </p:spTree>
+    <p:extLst>
+      <p:ext uri="{BB962C8B-B14F-4D97-AF65-F5344CB8AC3E}">
+        <p14:creationId xmlns:p14="http://schemas.microsoft.com/office/powerpoint/2010/main" val="3494666088"/>
+      </p:ext>
+    </p:extLst>
+  </p:cSld>
+  <p:clrMapOvr>
+    <a:masterClrMapping/>
+  </p:clrMapOvr>
+</p:sld>
+</file>
+
+<file path=ppt/slides/slide13.xml><?xml version="1.0" encoding="utf-8"?>
+<p:sld xmlns:a="http://schemas.openxmlformats.org/drawingml/2006/main" xmlns:r="http://schemas.openxmlformats.org/officeDocument/2006/relationships" xmlns:p="http://schemas.openxmlformats.org/presentationml/2006/main">
+  <p:cSld>
+    <p:spTree>
+      <p:nvGrpSpPr>
+        <p:cNvPr id="1" name=""/>
+        <p:cNvGrpSpPr/>
+        <p:nvPr/>
+      </p:nvGrpSpPr>
+      <p:grpSpPr>
+        <a:xfrm>
+          <a:off x="0" y="0"/>
+          <a:ext cx="0" cy="0"/>
+          <a:chOff x="0" y="0"/>
+          <a:chExt cx="0" cy="0"/>
+        </a:xfrm>
+      </p:grpSpPr>
+      <p:sp>
+        <p:nvSpPr>
+          <p:cNvPr id="2" name="Title 1">
+            <a:extLst>
+              <a:ext uri="{FF2B5EF4-FFF2-40B4-BE49-F238E27FC236}">
+                <a16:creationId xmlns:a16="http://schemas.microsoft.com/office/drawing/2014/main" id="{C087A1F2-B26F-467C-A67B-7EDD1A74EE3A}"/>
+              </a:ext>
+            </a:extLst>
+          </p:cNvPr>
+          <p:cNvSpPr>
+            <a:spLocks noGrp="1"/>
+          </p:cNvSpPr>
+          <p:nvPr>
+            <p:ph type="title"/>
+          </p:nvPr>
+        </p:nvSpPr>
+        <p:spPr>
+          <a:xfrm>
+            <a:off x="838200" y="365125"/>
+            <a:ext cx="10515600" cy="1325563"/>
+          </a:xfrm>
+        </p:spPr>
+        <p:txBody>
+          <a:bodyPr>
+            <a:normAutofit/>
+          </a:bodyPr>
+          <a:lstStyle/>
+          <a:p>
+            <a:r>
+              <a:rPr lang="en-US" sz="3200" dirty="0"/>
+              <a:t>Model based RL: Actor overview- parameter list</a:t>
+            </a:r>
+          </a:p>
+        </p:txBody>
+      </p:sp>
+      <p:sp>
+        <p:nvSpPr>
+          <p:cNvPr id="3" name="Date Placeholder 2">
+            <a:extLst>
+              <a:ext uri="{FF2B5EF4-FFF2-40B4-BE49-F238E27FC236}">
+                <a16:creationId xmlns:a16="http://schemas.microsoft.com/office/drawing/2014/main" id="{3F447031-AFAB-4B2F-87B5-4B4F74DAEDD7}"/>
+              </a:ext>
+            </a:extLst>
+          </p:cNvPr>
+          <p:cNvSpPr>
+            <a:spLocks noGrp="1"/>
+          </p:cNvSpPr>
+          <p:nvPr>
+            <p:ph type="dt" sz="half" idx="10"/>
+          </p:nvPr>
+        </p:nvSpPr>
+        <p:spPr/>
+        <p:txBody>
+          <a:bodyPr/>
+          <a:lstStyle/>
+          <a:p>
+            <a:fld id="{1685D14B-F6A0-4B99-A473-B0981836F907}" type="datetime1">
+              <a:rPr lang="en-US" smtClean="0"/>
+              <a:t>8/9/2018</a:t>
+            </a:fld>
+            <a:endParaRPr lang="en-US"/>
+          </a:p>
+        </p:txBody>
+      </p:sp>
+      <p:sp>
+        <p:nvSpPr>
+          <p:cNvPr id="4" name="Slide Number Placeholder 3">
+            <a:extLst>
+              <a:ext uri="{FF2B5EF4-FFF2-40B4-BE49-F238E27FC236}">
+                <a16:creationId xmlns:a16="http://schemas.microsoft.com/office/drawing/2014/main" id="{F1767A3D-FF43-4143-B193-6A912ACCD92B}"/>
+              </a:ext>
+            </a:extLst>
+          </p:cNvPr>
+          <p:cNvSpPr>
+            <a:spLocks noGrp="1"/>
+          </p:cNvSpPr>
+          <p:nvPr>
+            <p:ph type="sldNum" sz="quarter" idx="12"/>
+          </p:nvPr>
+        </p:nvSpPr>
+        <p:spPr/>
+        <p:txBody>
+          <a:bodyPr/>
+          <a:lstStyle/>
+          <a:p>
+            <a:fld id="{12B64F94-5F67-4FCA-BA0B-D89417276E46}" type="slidenum">
+              <a:rPr lang="en-US" smtClean="0"/>
+              <a:t>13</a:t>
+            </a:fld>
+            <a:endParaRPr lang="en-US"/>
+          </a:p>
+        </p:txBody>
+      </p:sp>
+      <p:graphicFrame>
+        <p:nvGraphicFramePr>
+          <p:cNvPr id="5" name="Table 4">
+            <a:extLst>
+              <a:ext uri="{FF2B5EF4-FFF2-40B4-BE49-F238E27FC236}">
+                <a16:creationId xmlns:a16="http://schemas.microsoft.com/office/drawing/2014/main" id="{37A751D9-6655-43D5-9A9B-3F6299CB767A}"/>
+              </a:ext>
+            </a:extLst>
+          </p:cNvPr>
+          <p:cNvGraphicFramePr>
+            <a:graphicFrameLocks noGrp="1"/>
+          </p:cNvGraphicFramePr>
+          <p:nvPr>
+            <p:extLst>
+              <p:ext uri="{D42A27DB-BD31-4B8C-83A1-F6EECF244321}">
+                <p14:modId xmlns:p14="http://schemas.microsoft.com/office/powerpoint/2010/main" val="1632728342"/>
+              </p:ext>
+            </p:extLst>
+          </p:nvPr>
+        </p:nvGraphicFramePr>
+        <p:xfrm>
+          <a:off x="961277" y="1505862"/>
+          <a:ext cx="9982340" cy="4806414"/>
+        </p:xfrm>
+        <a:graphic>
+          <a:graphicData uri="http://schemas.openxmlformats.org/drawingml/2006/table">
+            <a:tbl>
+              <a:tblPr firstRow="1" bandRow="1">
+                <a:tableStyleId>{073A0DAA-6AF3-43AB-8588-CEC1D06C72B9}</a:tableStyleId>
+              </a:tblPr>
+              <a:tblGrid>
+                <a:gridCol w="3485351">
+                  <a:extLst>
+                    <a:ext uri="{9D8B030D-6E8A-4147-A177-3AD203B41FA5}">
+                      <a16:colId xmlns:a16="http://schemas.microsoft.com/office/drawing/2014/main" val="3312725336"/>
+                    </a:ext>
+                  </a:extLst>
+                </a:gridCol>
+                <a:gridCol w="1613432">
+                  <a:extLst>
+                    <a:ext uri="{9D8B030D-6E8A-4147-A177-3AD203B41FA5}">
+                      <a16:colId xmlns:a16="http://schemas.microsoft.com/office/drawing/2014/main" val="3244357410"/>
+                    </a:ext>
+                  </a:extLst>
+                </a:gridCol>
+                <a:gridCol w="2492035">
+                  <a:extLst>
+                    <a:ext uri="{9D8B030D-6E8A-4147-A177-3AD203B41FA5}">
+                      <a16:colId xmlns:a16="http://schemas.microsoft.com/office/drawing/2014/main" val="657483481"/>
+                    </a:ext>
+                  </a:extLst>
+                </a:gridCol>
+                <a:gridCol w="2391522">
+                  <a:extLst>
+                    <a:ext uri="{9D8B030D-6E8A-4147-A177-3AD203B41FA5}">
+                      <a16:colId xmlns:a16="http://schemas.microsoft.com/office/drawing/2014/main" val="479733245"/>
+                    </a:ext>
+                  </a:extLst>
+                </a:gridCol>
+              </a:tblGrid>
+              <a:tr h="534046">
+                <a:tc>
+                  <a:txBody>
+                    <a:bodyPr/>
+                    <a:lstStyle/>
+                    <a:p>
+                      <a:r>
+                        <a:rPr lang="en-US" sz="2400" dirty="0"/>
+                        <a:t>Expression</a:t>
+                      </a:r>
+                    </a:p>
+                  </a:txBody>
+                  <a:tcPr/>
+                </a:tc>
+                <a:tc>
+                  <a:txBody>
+                    <a:bodyPr/>
+                    <a:lstStyle/>
+                    <a:p>
+                      <a:r>
+                        <a:rPr lang="en-US" sz="2400" dirty="0"/>
+                        <a:t>Size</a:t>
+                      </a:r>
+                    </a:p>
+                  </a:txBody>
+                  <a:tcPr/>
+                </a:tc>
+                <a:tc>
+                  <a:txBody>
+                    <a:bodyPr/>
+                    <a:lstStyle/>
+                    <a:p>
+                      <a:r>
+                        <a:rPr lang="en-US" sz="2400" dirty="0"/>
+                        <a:t>Coming from?</a:t>
+                      </a:r>
+                    </a:p>
+                  </a:txBody>
+                  <a:tcPr/>
+                </a:tc>
+                <a:tc>
+                  <a:txBody>
+                    <a:bodyPr/>
+                    <a:lstStyle/>
+                    <a:p>
+                      <a:r>
+                        <a:rPr lang="en-US" sz="2400" dirty="0"/>
+                        <a:t>Going to?</a:t>
+                      </a:r>
+                    </a:p>
+                  </a:txBody>
+                  <a:tcPr/>
+                </a:tc>
+                <a:extLst>
+                  <a:ext uri="{0D108BD9-81ED-4DB2-BD59-A6C34878D82A}">
+                    <a16:rowId xmlns:a16="http://schemas.microsoft.com/office/drawing/2014/main" val="2543238219"/>
+                  </a:ext>
+                </a:extLst>
+              </a:tr>
+              <a:tr h="534046">
+                <a:tc>
+                  <a:txBody>
+                    <a:bodyPr/>
+                    <a:lstStyle/>
+                    <a:p>
+                      <a:r>
+                        <a:rPr lang="en-US" sz="2000" i="1" baseline="0" dirty="0" err="1"/>
+                        <a:t>x</a:t>
+                      </a:r>
+                      <a:r>
+                        <a:rPr lang="en-US" sz="2000" i="1" baseline="-25000" dirty="0" err="1"/>
+                        <a:t>k</a:t>
+                      </a:r>
+                      <a:r>
+                        <a:rPr lang="en-US" sz="2000" i="0" baseline="0" dirty="0"/>
+                        <a:t>: State vector</a:t>
+                      </a:r>
+                      <a:r>
+                        <a:rPr lang="en-US" sz="2000" i="1" baseline="0" dirty="0"/>
+                        <a:t> </a:t>
+                      </a:r>
+                      <a:endParaRPr lang="en-US" sz="2000" i="1" dirty="0"/>
+                    </a:p>
+                  </a:txBody>
+                  <a:tcPr/>
+                </a:tc>
+                <a:tc>
+                  <a:txBody>
+                    <a:bodyPr/>
+                    <a:lstStyle/>
+                    <a:p>
+                      <a:r>
+                        <a:rPr lang="en-US" sz="2000" i="0" dirty="0"/>
+                        <a:t>[m,1]</a:t>
+                      </a:r>
+                    </a:p>
+                  </a:txBody>
+                  <a:tcPr/>
+                </a:tc>
+                <a:tc>
+                  <a:txBody>
+                    <a:bodyPr/>
+                    <a:lstStyle/>
+                    <a:p>
+                      <a:r>
+                        <a:rPr lang="en-US" sz="2000" dirty="0"/>
+                        <a:t>Input neurons</a:t>
+                      </a:r>
+                    </a:p>
+                  </a:txBody>
+                  <a:tcPr/>
+                </a:tc>
+                <a:tc>
+                  <a:txBody>
+                    <a:bodyPr/>
+                    <a:lstStyle/>
+                    <a:p>
+                      <a:r>
+                        <a:rPr lang="el-GR" sz="2000" i="1" dirty="0"/>
+                        <a:t>σ</a:t>
+                      </a:r>
+                      <a:r>
+                        <a:rPr lang="en-US" sz="2000" i="1" baseline="-25000" dirty="0"/>
+                        <a:t>a</a:t>
+                      </a:r>
+                      <a:endParaRPr lang="en-US" sz="2000" dirty="0"/>
+                    </a:p>
+                  </a:txBody>
+                  <a:tcPr/>
+                </a:tc>
+                <a:extLst>
+                  <a:ext uri="{0D108BD9-81ED-4DB2-BD59-A6C34878D82A}">
+                    <a16:rowId xmlns:a16="http://schemas.microsoft.com/office/drawing/2014/main" val="2723666723"/>
+                  </a:ext>
+                </a:extLst>
+              </a:tr>
+              <a:tr h="534046">
+                <a:tc>
+                  <a:txBody>
+                    <a:bodyPr/>
+                    <a:lstStyle/>
+                    <a:p>
+                      <a:r>
+                        <a:rPr lang="en-US" sz="2000" i="1" dirty="0" err="1"/>
+                        <a:t>w</a:t>
+                      </a:r>
+                      <a:r>
+                        <a:rPr lang="en-US" sz="2000" i="1" baseline="-25000" dirty="0" err="1"/>
+                        <a:t>a</a:t>
+                      </a:r>
+                      <a:r>
+                        <a:rPr lang="en-US" sz="2000" i="1" baseline="30000" dirty="0"/>
+                        <a:t>(1)</a:t>
+                      </a:r>
+                      <a:r>
+                        <a:rPr lang="en-US" sz="2000" i="0" baseline="0" dirty="0"/>
+                        <a:t>: 1</a:t>
+                      </a:r>
+                      <a:r>
+                        <a:rPr lang="en-US" sz="2000" i="0" baseline="30000" dirty="0"/>
+                        <a:t>st</a:t>
+                      </a:r>
+                      <a:r>
+                        <a:rPr lang="en-US" sz="2000" i="0" baseline="0" dirty="0"/>
+                        <a:t> weighting matrix</a:t>
+                      </a:r>
+                      <a:endParaRPr lang="en-US" sz="2000" i="1" dirty="0"/>
+                    </a:p>
+                  </a:txBody>
+                  <a:tcPr/>
+                </a:tc>
+                <a:tc>
+                  <a:txBody>
+                    <a:bodyPr/>
+                    <a:lstStyle/>
+                    <a:p>
+                      <a:r>
+                        <a:rPr lang="en-US" sz="2000" i="0" dirty="0"/>
+                        <a:t>[</a:t>
+                      </a:r>
+                      <a:r>
+                        <a:rPr lang="en-US" sz="2000" i="0" dirty="0" err="1"/>
+                        <a:t>N</a:t>
+                      </a:r>
+                      <a:r>
+                        <a:rPr lang="en-US" sz="2000" i="0" baseline="-25000" dirty="0" err="1"/>
+                        <a:t>ah</a:t>
+                      </a:r>
+                      <a:r>
+                        <a:rPr lang="en-US" sz="2000" i="0" baseline="0" dirty="0" err="1"/>
+                        <a:t>,m</a:t>
+                      </a:r>
+                      <a:r>
+                        <a:rPr lang="en-US" sz="2000" i="0" dirty="0"/>
+                        <a:t>]</a:t>
+                      </a:r>
+                    </a:p>
+                  </a:txBody>
+                  <a:tcPr/>
+                </a:tc>
+                <a:tc>
+                  <a:txBody>
+                    <a:bodyPr/>
+                    <a:lstStyle/>
+                    <a:p>
+                      <a:r>
+                        <a:rPr lang="en-US" sz="2000" dirty="0"/>
+                        <a:t>Input neurons</a:t>
+                      </a:r>
+                    </a:p>
+                  </a:txBody>
+                  <a:tcPr/>
+                </a:tc>
+                <a:tc>
+                  <a:txBody>
+                    <a:bodyPr/>
+                    <a:lstStyle/>
+                    <a:p>
+                      <a:r>
+                        <a:rPr lang="el-GR" sz="2000" i="1" dirty="0"/>
+                        <a:t>σ</a:t>
+                      </a:r>
+                      <a:r>
+                        <a:rPr lang="en-US" sz="2000" i="1" baseline="-25000" dirty="0"/>
+                        <a:t>a</a:t>
+                      </a:r>
+                      <a:endParaRPr lang="en-US" sz="2000" dirty="0"/>
+                    </a:p>
+                  </a:txBody>
+                  <a:tcPr/>
+                </a:tc>
+                <a:extLst>
+                  <a:ext uri="{0D108BD9-81ED-4DB2-BD59-A6C34878D82A}">
+                    <a16:rowId xmlns:a16="http://schemas.microsoft.com/office/drawing/2014/main" val="824093525"/>
+                  </a:ext>
+                </a:extLst>
+              </a:tr>
+              <a:tr h="534046">
+                <a:tc>
+                  <a:txBody>
+                    <a:bodyPr/>
+                    <a:lstStyle/>
+                    <a:p>
+                      <a:r>
+                        <a:rPr lang="el-GR" sz="2000" i="1" dirty="0"/>
+                        <a:t>σ</a:t>
+                      </a:r>
+                      <a:r>
+                        <a:rPr lang="en-US" sz="2000" i="1" baseline="-25000" dirty="0"/>
+                        <a:t>a</a:t>
+                      </a:r>
+                      <a:r>
+                        <a:rPr lang="en-US" sz="2000" i="0" baseline="0" dirty="0"/>
+                        <a:t>: </a:t>
+                      </a:r>
+                      <a:r>
+                        <a:rPr lang="el-GR" sz="2000" i="0" baseline="0" dirty="0"/>
+                        <a:t>Σ</a:t>
+                      </a:r>
+                      <a:r>
+                        <a:rPr lang="en-US" sz="2000" i="1" dirty="0" err="1"/>
+                        <a:t>w</a:t>
+                      </a:r>
+                      <a:r>
+                        <a:rPr lang="en-US" sz="2000" i="1" baseline="-25000" dirty="0" err="1"/>
+                        <a:t>ai,k</a:t>
+                      </a:r>
+                      <a:r>
+                        <a:rPr lang="en-US" sz="2000" i="1" baseline="30000" dirty="0"/>
+                        <a:t>(1)</a:t>
+                      </a:r>
+                      <a:r>
+                        <a:rPr lang="en-US" sz="2000" i="1" baseline="0" dirty="0" err="1"/>
+                        <a:t>x</a:t>
+                      </a:r>
+                      <a:r>
+                        <a:rPr lang="en-US" sz="2000" i="1" baseline="-25000" dirty="0" err="1"/>
+                        <a:t>ik</a:t>
+                      </a:r>
+                      <a:endParaRPr lang="en-US" sz="2000" i="1" dirty="0"/>
+                    </a:p>
+                  </a:txBody>
+                  <a:tcPr/>
+                </a:tc>
+                <a:tc>
+                  <a:txBody>
+                    <a:bodyPr/>
+                    <a:lstStyle/>
+                    <a:p>
+                      <a:r>
+                        <a:rPr lang="en-US" sz="2000" i="0" dirty="0"/>
+                        <a:t>[N</a:t>
+                      </a:r>
+                      <a:r>
+                        <a:rPr lang="en-US" sz="2000" i="0" baseline="-25000" dirty="0"/>
+                        <a:t>ah</a:t>
+                      </a:r>
+                      <a:r>
+                        <a:rPr lang="en-US" sz="2000" i="0" baseline="0" dirty="0"/>
+                        <a:t>,1</a:t>
+                      </a:r>
+                      <a:r>
+                        <a:rPr lang="en-US" sz="2000" i="0" dirty="0"/>
+                        <a:t>]</a:t>
+                      </a:r>
+                    </a:p>
+                  </a:txBody>
+                  <a:tcPr/>
+                </a:tc>
+                <a:tc>
+                  <a:txBody>
+                    <a:bodyPr/>
+                    <a:lstStyle/>
+                    <a:p>
+                      <a:r>
+                        <a:rPr lang="en-US" sz="2000" dirty="0"/>
+                        <a:t>Input neurons</a:t>
+                      </a:r>
+                    </a:p>
+                  </a:txBody>
+                  <a:tcPr/>
+                </a:tc>
+                <a:tc>
+                  <a:txBody>
+                    <a:bodyPr/>
+                    <a:lstStyle/>
+                    <a:p>
+                      <a:r>
+                        <a:rPr lang="en-US" sz="2000" i="1" dirty="0" err="1"/>
+                        <a:t>q</a:t>
+                      </a:r>
+                      <a:r>
+                        <a:rPr lang="en-US" sz="2000" i="1" baseline="-25000" dirty="0" err="1"/>
+                        <a:t>a</a:t>
+                      </a:r>
+                      <a:endParaRPr lang="en-US" sz="2000" i="1" dirty="0"/>
+                    </a:p>
+                  </a:txBody>
+                  <a:tcPr/>
+                </a:tc>
+                <a:extLst>
+                  <a:ext uri="{0D108BD9-81ED-4DB2-BD59-A6C34878D82A}">
+                    <a16:rowId xmlns:a16="http://schemas.microsoft.com/office/drawing/2014/main" val="1692695147"/>
+                  </a:ext>
+                </a:extLst>
+              </a:tr>
+              <a:tr h="534046">
+                <a:tc>
+                  <a:txBody>
+                    <a:bodyPr/>
+                    <a:lstStyle/>
+                    <a:p>
+                      <a:r>
+                        <a:rPr lang="en-US" sz="2000" i="1" dirty="0" err="1"/>
+                        <a:t>q</a:t>
+                      </a:r>
+                      <a:r>
+                        <a:rPr lang="en-US" sz="2000" i="1" baseline="-25000" dirty="0" err="1"/>
+                        <a:t>a</a:t>
+                      </a:r>
+                      <a:r>
+                        <a:rPr lang="en-US" sz="2000" i="1" baseline="0" dirty="0"/>
+                        <a:t>: </a:t>
+                      </a:r>
+                      <a:r>
+                        <a:rPr lang="el-GR" sz="2000" i="1" baseline="0" dirty="0"/>
+                        <a:t>Φ</a:t>
+                      </a:r>
+                      <a:r>
+                        <a:rPr lang="en-US" sz="2000" i="1" baseline="0" dirty="0"/>
+                        <a:t>(</a:t>
+                      </a:r>
+                      <a:r>
+                        <a:rPr lang="el-GR" sz="2000" i="1" dirty="0"/>
+                        <a:t>σ</a:t>
+                      </a:r>
+                      <a:r>
+                        <a:rPr lang="en-US" sz="2000" i="1" baseline="-25000" dirty="0"/>
+                        <a:t>a</a:t>
+                      </a:r>
+                      <a:r>
+                        <a:rPr lang="en-US" sz="2000" i="1" baseline="0" dirty="0"/>
+                        <a:t>) </a:t>
+                      </a:r>
+                      <a:r>
+                        <a:rPr lang="en-US" sz="2000" i="0" baseline="0" dirty="0"/>
+                        <a:t>-&gt; </a:t>
+                      </a:r>
+                      <a:r>
+                        <a:rPr lang="en-US" sz="2000" i="1" baseline="0" dirty="0"/>
+                        <a:t>tanh</a:t>
+                      </a:r>
+                      <a:r>
+                        <a:rPr lang="en-US" sz="2000" i="0" baseline="0" dirty="0"/>
+                        <a:t>(0.5</a:t>
+                      </a:r>
+                      <a:r>
+                        <a:rPr lang="el-GR" sz="2000" i="1" dirty="0"/>
+                        <a:t>σ</a:t>
+                      </a:r>
+                      <a:r>
+                        <a:rPr lang="en-US" sz="2000" i="1" baseline="-25000" dirty="0"/>
+                        <a:t>a</a:t>
+                      </a:r>
+                      <a:r>
+                        <a:rPr lang="en-US" sz="2000" i="0" baseline="0" dirty="0"/>
+                        <a:t>)</a:t>
+                      </a:r>
+                      <a:endParaRPr lang="en-US" sz="2000" i="1" dirty="0"/>
+                    </a:p>
+                  </a:txBody>
+                  <a:tcPr/>
+                </a:tc>
+                <a:tc>
+                  <a:txBody>
+                    <a:bodyPr/>
+                    <a:lstStyle/>
+                    <a:p>
+                      <a:r>
+                        <a:rPr lang="en-US" sz="2000" i="0" dirty="0"/>
+                        <a:t>[N</a:t>
+                      </a:r>
+                      <a:r>
+                        <a:rPr lang="en-US" sz="2000" i="0" baseline="-25000" dirty="0"/>
+                        <a:t>ah</a:t>
+                      </a:r>
+                      <a:r>
+                        <a:rPr lang="en-US" sz="2000" i="0" baseline="0" dirty="0"/>
+                        <a:t>,1</a:t>
+                      </a:r>
+                      <a:r>
+                        <a:rPr lang="en-US" sz="2000" i="0" dirty="0"/>
+                        <a:t>]</a:t>
+                      </a:r>
+                    </a:p>
+                  </a:txBody>
+                  <a:tcPr/>
+                </a:tc>
+                <a:tc>
+                  <a:txBody>
+                    <a:bodyPr/>
+                    <a:lstStyle/>
+                    <a:p>
+                      <a:pPr marL="0" marR="0" lvl="0" indent="0" algn="l" defTabSz="914400" rtl="0" eaLnBrk="1" fontAlgn="auto" latinLnBrk="0" hangingPunct="1">
+                        <a:lnSpc>
+                          <a:spcPct val="100000"/>
+                        </a:lnSpc>
+                        <a:spcBef>
+                          <a:spcPts val="0"/>
+                        </a:spcBef>
+                        <a:spcAft>
+                          <a:spcPts val="0"/>
+                        </a:spcAft>
+                        <a:buClrTx/>
+                        <a:buSzTx/>
+                        <a:buFontTx/>
+                        <a:buNone/>
+                        <a:tabLst/>
+                        <a:defRPr/>
+                      </a:pPr>
+                      <a:r>
+                        <a:rPr lang="el-GR" sz="2000" i="1" dirty="0"/>
+                        <a:t>σ</a:t>
+                      </a:r>
+                      <a:r>
+                        <a:rPr lang="en-US" sz="2000" i="1" baseline="-25000" dirty="0"/>
+                        <a:t>a</a:t>
+                      </a:r>
+                      <a:endParaRPr lang="en-US" sz="2000" dirty="0"/>
+                    </a:p>
+                  </a:txBody>
+                  <a:tcPr/>
+                </a:tc>
+                <a:tc>
+                  <a:txBody>
+                    <a:bodyPr/>
+                    <a:lstStyle/>
+                    <a:p>
+                      <a:r>
+                        <a:rPr lang="en-US" sz="2000" i="0" dirty="0"/>
+                        <a:t>Hidden neurons</a:t>
+                      </a:r>
+                    </a:p>
+                  </a:txBody>
+                  <a:tcPr/>
+                </a:tc>
+                <a:extLst>
+                  <a:ext uri="{0D108BD9-81ED-4DB2-BD59-A6C34878D82A}">
+                    <a16:rowId xmlns:a16="http://schemas.microsoft.com/office/drawing/2014/main" val="185570679"/>
+                  </a:ext>
+                </a:extLst>
+              </a:tr>
+              <a:tr h="534046">
+                <a:tc>
+                  <a:txBody>
+                    <a:bodyPr/>
+                    <a:lstStyle/>
+                    <a:p>
+                      <a:r>
+                        <a:rPr lang="en-US" sz="2000" i="1" dirty="0" err="1"/>
+                        <a:t>w</a:t>
+                      </a:r>
+                      <a:r>
+                        <a:rPr lang="en-US" sz="2000" i="1" baseline="-25000" dirty="0" err="1"/>
+                        <a:t>a</a:t>
+                      </a:r>
+                      <a:r>
+                        <a:rPr lang="en-US" sz="2000" i="1" baseline="30000" dirty="0"/>
+                        <a:t>(2)</a:t>
+                      </a:r>
+                      <a:r>
+                        <a:rPr lang="en-US" sz="2000" i="0" baseline="0" dirty="0"/>
+                        <a:t>: 2</a:t>
+                      </a:r>
+                      <a:r>
+                        <a:rPr lang="en-US" sz="2000" i="0" baseline="30000" dirty="0"/>
+                        <a:t>nd</a:t>
+                      </a:r>
+                      <a:r>
+                        <a:rPr lang="en-US" sz="2000" i="0" baseline="0" dirty="0"/>
+                        <a:t> weighting matrix</a:t>
+                      </a:r>
+                      <a:endParaRPr lang="en-US" sz="2000" i="1" dirty="0"/>
+                    </a:p>
+                  </a:txBody>
+                  <a:tcPr/>
+                </a:tc>
+                <a:tc>
+                  <a:txBody>
+                    <a:bodyPr/>
+                    <a:lstStyle/>
+                    <a:p>
+                      <a:r>
+                        <a:rPr lang="en-US" sz="2000" i="0" dirty="0"/>
+                        <a:t>[</a:t>
+                      </a:r>
+                      <a:r>
+                        <a:rPr lang="en-US" sz="2000" i="0" dirty="0" err="1"/>
+                        <a:t>n,N</a:t>
+                      </a:r>
+                      <a:r>
+                        <a:rPr lang="en-US" sz="2000" i="0" baseline="-25000" dirty="0" err="1"/>
+                        <a:t>ah</a:t>
+                      </a:r>
+                      <a:r>
+                        <a:rPr lang="en-US" sz="2000" i="0" dirty="0"/>
+                        <a:t>]</a:t>
+                      </a:r>
+                    </a:p>
+                  </a:txBody>
+                  <a:tcPr/>
+                </a:tc>
+                <a:tc>
+                  <a:txBody>
+                    <a:bodyPr/>
+                    <a:lstStyle/>
+                    <a:p>
+                      <a:r>
+                        <a:rPr lang="en-US" sz="2000" dirty="0"/>
+                        <a:t>Hidden neurons</a:t>
+                      </a:r>
+                    </a:p>
+                  </a:txBody>
+                  <a:tcPr/>
+                </a:tc>
+                <a:tc>
+                  <a:txBody>
+                    <a:bodyPr/>
+                    <a:lstStyle/>
+                    <a:p>
+                      <a:r>
+                        <a:rPr lang="el-GR" sz="2000" i="1" dirty="0"/>
+                        <a:t>μ</a:t>
+                      </a:r>
+                      <a:r>
+                        <a:rPr lang="en-US" sz="2000" i="1" baseline="-25000" dirty="0"/>
+                        <a:t>a</a:t>
+                      </a:r>
+                      <a:endParaRPr lang="en-US" sz="2000" i="1" dirty="0"/>
+                    </a:p>
+                  </a:txBody>
+                  <a:tcPr/>
+                </a:tc>
+                <a:extLst>
+                  <a:ext uri="{0D108BD9-81ED-4DB2-BD59-A6C34878D82A}">
+                    <a16:rowId xmlns:a16="http://schemas.microsoft.com/office/drawing/2014/main" val="3055913663"/>
+                  </a:ext>
+                </a:extLst>
+              </a:tr>
+              <a:tr h="534046">
+                <a:tc>
+                  <a:txBody>
+                    <a:bodyPr/>
+                    <a:lstStyle/>
+                    <a:p>
+                      <a:r>
+                        <a:rPr lang="el-GR" sz="2000" i="1" dirty="0"/>
+                        <a:t>μ</a:t>
+                      </a:r>
+                      <a:r>
+                        <a:rPr lang="en-US" sz="2000" i="1" baseline="-25000" dirty="0"/>
+                        <a:t>a</a:t>
+                      </a:r>
+                      <a:r>
+                        <a:rPr lang="en-US" sz="2000" i="0" baseline="0" dirty="0"/>
+                        <a:t>: </a:t>
+                      </a:r>
+                      <a:r>
+                        <a:rPr lang="el-GR" sz="2000" i="0" baseline="0" dirty="0"/>
+                        <a:t>Σ</a:t>
+                      </a:r>
+                      <a:r>
+                        <a:rPr lang="en-US" sz="2000" i="1" dirty="0" err="1"/>
+                        <a:t>w</a:t>
+                      </a:r>
+                      <a:r>
+                        <a:rPr lang="en-US" sz="2000" i="1" baseline="-25000" dirty="0" err="1"/>
+                        <a:t>az,k</a:t>
+                      </a:r>
+                      <a:r>
+                        <a:rPr lang="en-US" sz="2000" i="1" baseline="30000" dirty="0"/>
+                        <a:t>(2)</a:t>
+                      </a:r>
+                      <a:r>
+                        <a:rPr lang="en-US" sz="2000" i="1" baseline="0" dirty="0" err="1"/>
+                        <a:t>q</a:t>
+                      </a:r>
+                      <a:r>
+                        <a:rPr lang="en-US" sz="2000" i="1" baseline="-25000" dirty="0" err="1"/>
+                        <a:t>az</a:t>
+                      </a:r>
+                      <a:endParaRPr lang="en-US" sz="2000" i="1" dirty="0"/>
+                    </a:p>
+                  </a:txBody>
+                  <a:tcPr/>
+                </a:tc>
+                <a:tc>
+                  <a:txBody>
+                    <a:bodyPr/>
+                    <a:lstStyle/>
+                    <a:p>
+                      <a:r>
+                        <a:rPr lang="en-US" sz="2000" i="0" dirty="0"/>
+                        <a:t>[n</a:t>
+                      </a:r>
+                      <a:r>
+                        <a:rPr lang="en-US" sz="2000" i="0" baseline="0" dirty="0"/>
+                        <a:t>,1</a:t>
+                      </a:r>
+                      <a:r>
+                        <a:rPr lang="en-US" sz="2000" i="0" dirty="0"/>
+                        <a:t>]</a:t>
+                      </a:r>
+                    </a:p>
+                  </a:txBody>
+                  <a:tcPr/>
+                </a:tc>
+                <a:tc>
+                  <a:txBody>
+                    <a:bodyPr/>
+                    <a:lstStyle/>
+                    <a:p>
+                      <a:r>
+                        <a:rPr lang="en-US" sz="2000" dirty="0"/>
+                        <a:t>Hidden neurons</a:t>
+                      </a:r>
+                    </a:p>
+                  </a:txBody>
+                  <a:tcPr/>
+                </a:tc>
+                <a:tc>
+                  <a:txBody>
+                    <a:bodyPr/>
+                    <a:lstStyle/>
+                    <a:p>
+                      <a:r>
+                        <a:rPr lang="en-US" sz="2000" i="1" dirty="0"/>
+                        <a:t>u</a:t>
+                      </a:r>
+                      <a:r>
+                        <a:rPr lang="en-US" sz="2000" i="1" baseline="-25000" dirty="0"/>
+                        <a:t>n</a:t>
+                      </a:r>
+                      <a:endParaRPr lang="en-US" sz="2000" i="1" dirty="0"/>
+                    </a:p>
+                  </a:txBody>
+                  <a:tcPr/>
+                </a:tc>
+                <a:extLst>
+                  <a:ext uri="{0D108BD9-81ED-4DB2-BD59-A6C34878D82A}">
+                    <a16:rowId xmlns:a16="http://schemas.microsoft.com/office/drawing/2014/main" val="1887219903"/>
+                  </a:ext>
+                </a:extLst>
+              </a:tr>
+              <a:tr h="534046">
+                <a:tc>
+                  <a:txBody>
+                    <a:bodyPr/>
+                    <a:lstStyle/>
+                    <a:p>
+                      <a:r>
+                        <a:rPr lang="en-US" sz="2000" i="1" baseline="0" dirty="0"/>
+                        <a:t>u</a:t>
+                      </a:r>
+                      <a:r>
+                        <a:rPr lang="en-US" sz="2000" i="1" baseline="-25000" dirty="0"/>
+                        <a:t>n</a:t>
+                      </a:r>
+                      <a:r>
+                        <a:rPr lang="en-US" sz="2000" i="1" baseline="0" dirty="0"/>
+                        <a:t>: </a:t>
+                      </a:r>
+                      <a:r>
+                        <a:rPr lang="el-GR" sz="2000" i="1" baseline="0" dirty="0"/>
+                        <a:t>Φ</a:t>
+                      </a:r>
+                      <a:r>
+                        <a:rPr lang="en-US" sz="2000" i="1" baseline="0" dirty="0"/>
+                        <a:t>(</a:t>
+                      </a:r>
+                      <a:r>
+                        <a:rPr lang="el-GR" sz="2000" i="1" dirty="0"/>
+                        <a:t>μ</a:t>
+                      </a:r>
+                      <a:r>
+                        <a:rPr lang="en-US" sz="2000" i="1" baseline="-25000" dirty="0"/>
+                        <a:t>a</a:t>
+                      </a:r>
+                      <a:r>
+                        <a:rPr lang="en-US" sz="2000" i="1" baseline="0" dirty="0"/>
+                        <a:t>) </a:t>
+                      </a:r>
+                      <a:r>
+                        <a:rPr lang="en-US" sz="2000" i="0" baseline="0" dirty="0"/>
+                        <a:t>-&gt; </a:t>
+                      </a:r>
+                      <a:r>
+                        <a:rPr lang="en-US" sz="2000" i="1" baseline="0" dirty="0"/>
+                        <a:t>tanh</a:t>
+                      </a:r>
+                      <a:r>
+                        <a:rPr lang="en-US" sz="2000" i="0" baseline="0" dirty="0"/>
+                        <a:t>(0.5</a:t>
+                      </a:r>
+                      <a:r>
+                        <a:rPr lang="el-GR" sz="2000" i="1" dirty="0"/>
+                        <a:t>μ</a:t>
+                      </a:r>
+                      <a:r>
+                        <a:rPr lang="en-US" sz="2000" i="1" baseline="-25000" dirty="0"/>
+                        <a:t>a</a:t>
+                      </a:r>
+                      <a:r>
+                        <a:rPr lang="en-US" sz="2000" i="0" baseline="0" dirty="0"/>
+                        <a:t>)</a:t>
+                      </a:r>
+                      <a:endParaRPr lang="en-US" sz="2000" i="1" dirty="0"/>
+                    </a:p>
+                  </a:txBody>
+                  <a:tcPr/>
+                </a:tc>
+                <a:tc>
+                  <a:txBody>
+                    <a:bodyPr/>
+                    <a:lstStyle/>
+                    <a:p>
+                      <a:r>
+                        <a:rPr lang="en-US" sz="2000" i="0" dirty="0"/>
+                        <a:t>[n</a:t>
+                      </a:r>
+                      <a:r>
+                        <a:rPr lang="en-US" sz="2000" i="0" baseline="0" dirty="0"/>
+                        <a:t>,1</a:t>
+                      </a:r>
+                      <a:r>
+                        <a:rPr lang="en-US" sz="2000" i="0" dirty="0"/>
+                        <a:t>]</a:t>
+                      </a:r>
+                    </a:p>
+                  </a:txBody>
+                  <a:tcPr/>
+                </a:tc>
+                <a:tc>
+                  <a:txBody>
+                    <a:bodyPr/>
+                    <a:lstStyle/>
+                    <a:p>
+                      <a:r>
+                        <a:rPr lang="el-GR" sz="2000" i="1" dirty="0"/>
+                        <a:t>μ</a:t>
+                      </a:r>
+                      <a:r>
+                        <a:rPr lang="en-US" sz="2000" i="1" baseline="-25000" dirty="0"/>
+                        <a:t>a</a:t>
+                      </a:r>
+                      <a:endParaRPr lang="en-US" sz="2000" i="1" dirty="0"/>
+                    </a:p>
+                  </a:txBody>
+                  <a:tcPr/>
+                </a:tc>
+                <a:tc>
+                  <a:txBody>
+                    <a:bodyPr/>
+                    <a:lstStyle/>
+                    <a:p>
+                      <a:r>
+                        <a:rPr lang="en-US" sz="2000" i="0" dirty="0"/>
+                        <a:t>Output neurons</a:t>
+                      </a:r>
+                    </a:p>
+                  </a:txBody>
+                  <a:tcPr/>
+                </a:tc>
+                <a:extLst>
+                  <a:ext uri="{0D108BD9-81ED-4DB2-BD59-A6C34878D82A}">
+                    <a16:rowId xmlns:a16="http://schemas.microsoft.com/office/drawing/2014/main" val="2157628693"/>
+                  </a:ext>
+                </a:extLst>
+              </a:tr>
+              <a:tr h="534046">
+                <a:tc>
+                  <a:txBody>
+                    <a:bodyPr/>
+                    <a:lstStyle/>
+                    <a:p>
+                      <a:r>
+                        <a:rPr lang="en-US" sz="2000" i="1" dirty="0" err="1"/>
+                        <a:t>J</a:t>
+                      </a:r>
+                      <a:r>
+                        <a:rPr lang="en-US" sz="2000" i="1" baseline="-25000" dirty="0" err="1"/>
+                        <a:t>k</a:t>
+                      </a:r>
+                      <a:r>
+                        <a:rPr lang="en-US" sz="2000" i="1" baseline="30000" dirty="0"/>
+                        <a:t>^</a:t>
+                      </a:r>
+                      <a:r>
+                        <a:rPr lang="en-US" sz="2000" i="0" baseline="0" dirty="0"/>
+                        <a:t>: Function approximation</a:t>
+                      </a:r>
+                      <a:endParaRPr lang="en-US" sz="2000" i="1" dirty="0"/>
+                    </a:p>
+                  </a:txBody>
+                  <a:tcPr/>
+                </a:tc>
+                <a:tc>
+                  <a:txBody>
+                    <a:bodyPr/>
+                    <a:lstStyle/>
+                    <a:p>
+                      <a:endParaRPr lang="en-US" sz="2000" i="0" dirty="0"/>
+                    </a:p>
+                  </a:txBody>
+                  <a:tcPr/>
+                </a:tc>
+                <a:tc>
+                  <a:txBody>
+                    <a:bodyPr/>
+                    <a:lstStyle/>
+                    <a:p>
+                      <a:endParaRPr lang="en-US" sz="2000" i="1" dirty="0"/>
+                    </a:p>
+                  </a:txBody>
+                  <a:tcPr/>
+                </a:tc>
+                <a:tc>
+                  <a:txBody>
+                    <a:bodyPr/>
+                    <a:lstStyle/>
+                    <a:p>
+                      <a:endParaRPr lang="en-US" sz="2000" i="0" dirty="0"/>
+                    </a:p>
+                  </a:txBody>
+                  <a:tcPr/>
+                </a:tc>
+                <a:extLst>
+                  <a:ext uri="{0D108BD9-81ED-4DB2-BD59-A6C34878D82A}">
+                    <a16:rowId xmlns:a16="http://schemas.microsoft.com/office/drawing/2014/main" val="506648783"/>
+                  </a:ext>
+                </a:extLst>
+              </a:tr>
+            </a:tbl>
+          </a:graphicData>
+        </a:graphic>
+      </p:graphicFrame>
+    </p:spTree>
+    <p:extLst>
+      <p:ext uri="{BB962C8B-B14F-4D97-AF65-F5344CB8AC3E}">
+        <p14:creationId xmlns:p14="http://schemas.microsoft.com/office/powerpoint/2010/main" val="2966747430"/>
       </p:ext>
     </p:extLst>
   </p:cSld>
@@ -4401,8 +7822,66 @@
             <a:pPr lvl="1"/>
             <a:r>
               <a:rPr lang="en-US" dirty="0"/>
-              <a:t>Comparison of DP and ADP</a:t>
-            </a:r>
+              <a:t>Description/explanation of DP, ADP, and RL</a:t>
+            </a:r>
+          </a:p>
+        </p:txBody>
+      </p:sp>
+      <p:sp>
+        <p:nvSpPr>
+          <p:cNvPr id="4" name="Date Placeholder 3">
+            <a:extLst>
+              <a:ext uri="{FF2B5EF4-FFF2-40B4-BE49-F238E27FC236}">
+                <a16:creationId xmlns:a16="http://schemas.microsoft.com/office/drawing/2014/main" id="{89B33BF0-FBE6-4C4F-A8AF-A53E014F8A0E}"/>
+              </a:ext>
+            </a:extLst>
+          </p:cNvPr>
+          <p:cNvSpPr>
+            <a:spLocks noGrp="1"/>
+          </p:cNvSpPr>
+          <p:nvPr>
+            <p:ph type="dt" sz="half" idx="10"/>
+          </p:nvPr>
+        </p:nvSpPr>
+        <p:spPr/>
+        <p:txBody>
+          <a:bodyPr/>
+          <a:lstStyle/>
+          <a:p>
+            <a:fld id="{7DF61101-C9B4-4554-8EEB-A20380353859}" type="datetime1">
+              <a:rPr lang="en-US" smtClean="0"/>
+              <a:t>8/9/2018</a:t>
+            </a:fld>
+            <a:endParaRPr lang="en-US"/>
+          </a:p>
+        </p:txBody>
+      </p:sp>
+      <p:sp>
+        <p:nvSpPr>
+          <p:cNvPr id="5" name="Slide Number Placeholder 4">
+            <a:extLst>
+              <a:ext uri="{FF2B5EF4-FFF2-40B4-BE49-F238E27FC236}">
+                <a16:creationId xmlns:a16="http://schemas.microsoft.com/office/drawing/2014/main" id="{62E29034-612E-4AA0-9849-73BBC0FF37D4}"/>
+              </a:ext>
+            </a:extLst>
+          </p:cNvPr>
+          <p:cNvSpPr>
+            <a:spLocks noGrp="1"/>
+          </p:cNvSpPr>
+          <p:nvPr>
+            <p:ph type="sldNum" sz="quarter" idx="12"/>
+          </p:nvPr>
+        </p:nvSpPr>
+        <p:spPr/>
+        <p:txBody>
+          <a:bodyPr/>
+          <a:lstStyle/>
+          <a:p>
+            <a:fld id="{12B64F94-5F67-4FCA-BA0B-D89417276E46}" type="slidenum">
+              <a:rPr lang="en-US" smtClean="0"/>
+              <a:t>2</a:t>
+            </a:fld>
+            <a:endParaRPr lang="en-US"/>
           </a:p>
         </p:txBody>
       </p:sp>
@@ -4424,7 +7903,7 @@
   <p:cSld>
     <p:spTree>
       <p:nvGrpSpPr>
-        <p:cNvPr id="1" name="Shape 53"/>
+        <p:cNvPr id="1" name=""/>
         <p:cNvGrpSpPr/>
         <p:nvPr/>
       </p:nvGrpSpPr>
@@ -4438,8 +7917,14 @@
       </p:grpSpPr>
       <p:sp>
         <p:nvSpPr>
-          <p:cNvPr id="54" name="Shape 54"/>
-          <p:cNvSpPr txBox="1">
+          <p:cNvPr id="2" name="Title 1">
+            <a:extLst>
+              <a:ext uri="{FF2B5EF4-FFF2-40B4-BE49-F238E27FC236}">
+                <a16:creationId xmlns:a16="http://schemas.microsoft.com/office/drawing/2014/main" id="{3D702872-1453-4441-9054-4B8C5FCF6CEC}"/>
+              </a:ext>
+            </a:extLst>
+          </p:cNvPr>
+          <p:cNvSpPr>
             <a:spLocks noGrp="1"/>
           </p:cNvSpPr>
           <p:nvPr>
@@ -4448,149 +7933,2421 @@
         </p:nvSpPr>
         <p:spPr>
           <a:xfrm>
-            <a:off x="415600" y="593367"/>
-            <a:ext cx="11360800" cy="763600"/>
+            <a:off x="838200" y="377820"/>
+            <a:ext cx="10515600" cy="1325563"/>
+          </a:xfrm>
+        </p:spPr>
+        <p:txBody>
+          <a:bodyPr>
+            <a:normAutofit/>
+          </a:bodyPr>
+          <a:lstStyle/>
+          <a:p>
+            <a:r>
+              <a:rPr lang="en-US" dirty="0"/>
+              <a:t>Dynamic programming: overview</a:t>
+            </a:r>
+          </a:p>
+        </p:txBody>
+      </p:sp>
+      <p:sp>
+        <p:nvSpPr>
+          <p:cNvPr id="3" name="Content Placeholder 2">
+            <a:extLst>
+              <a:ext uri="{FF2B5EF4-FFF2-40B4-BE49-F238E27FC236}">
+                <a16:creationId xmlns:a16="http://schemas.microsoft.com/office/drawing/2014/main" id="{371A94F6-9D17-40DF-B863-3D8AC763717F}"/>
+              </a:ext>
+            </a:extLst>
+          </p:cNvPr>
+          <p:cNvSpPr>
+            <a:spLocks noGrp="1"/>
+          </p:cNvSpPr>
+          <p:nvPr>
+            <p:ph idx="1"/>
+          </p:nvPr>
+        </p:nvSpPr>
+        <p:spPr>
+          <a:xfrm>
+            <a:off x="838199" y="1568751"/>
+            <a:ext cx="10377791" cy="4642007"/>
+          </a:xfrm>
+        </p:spPr>
+        <p:txBody>
+          <a:bodyPr>
+            <a:normAutofit/>
+          </a:bodyPr>
+          <a:lstStyle/>
+          <a:p>
+            <a:pPr marL="0" indent="0">
+              <a:buNone/>
+            </a:pPr>
+            <a:r>
+              <a:rPr lang="en-US" sz="2400" dirty="0"/>
+              <a:t>Summary</a:t>
+            </a:r>
+          </a:p>
+          <a:p>
+            <a:r>
+              <a:rPr lang="en-US" sz="2400" dirty="0"/>
+              <a:t>Minimize cost/maximize benefit using discretized time steps</a:t>
+            </a:r>
+          </a:p>
+          <a:p>
+            <a:r>
+              <a:rPr lang="en-US" sz="2400" dirty="0"/>
+              <a:t>Sequentially finding optimal solutions to subproblems of the larger problem: value/policy iteration</a:t>
+            </a:r>
+          </a:p>
+          <a:p>
+            <a:r>
+              <a:rPr lang="en-US" sz="2400" dirty="0"/>
+              <a:t>Creates large state and decision spaces subject to the </a:t>
+            </a:r>
+            <a:r>
+              <a:rPr lang="en-US" sz="2400" i="1" dirty="0"/>
+              <a:t>curses of dimensionality</a:t>
+            </a:r>
+            <a:r>
+              <a:rPr lang="en-US" sz="2400" dirty="0"/>
+              <a:t> </a:t>
+            </a:r>
+          </a:p>
+          <a:p>
+            <a:pPr marL="0" indent="0">
+              <a:buNone/>
+            </a:pPr>
+            <a:endParaRPr lang="en-US" sz="1800" dirty="0"/>
+          </a:p>
+          <a:p>
+            <a:pPr marL="0" indent="0">
+              <a:buNone/>
+            </a:pPr>
+            <a:r>
+              <a:rPr lang="en-US" sz="2400" b="1" dirty="0"/>
+              <a:t>Bellman principle of optimality</a:t>
+            </a:r>
+            <a:r>
+              <a:rPr lang="en-US" sz="2400" dirty="0"/>
+              <a:t>: For all k=0,1,…,N-1:</a:t>
+            </a:r>
+          </a:p>
+          <a:p>
+            <a:pPr marL="0" indent="0">
+              <a:buNone/>
+            </a:pPr>
+            <a:endParaRPr lang="en-US" sz="2400" b="1" dirty="0"/>
+          </a:p>
+          <a:p>
+            <a:pPr marL="0" indent="0">
+              <a:buNone/>
+            </a:pPr>
+            <a:r>
+              <a:rPr lang="en-US" sz="2400" dirty="0"/>
+              <a:t>Common applications</a:t>
+            </a:r>
+          </a:p>
+          <a:p>
+            <a:r>
+              <a:rPr lang="en-US" sz="2400" dirty="0"/>
+              <a:t>Task scheduling, trajectory planning, stochastic control problems</a:t>
+            </a:r>
+          </a:p>
+        </p:txBody>
+      </p:sp>
+      <p:sp>
+        <p:nvSpPr>
+          <p:cNvPr id="4" name="Date Placeholder 3">
+            <a:extLst>
+              <a:ext uri="{FF2B5EF4-FFF2-40B4-BE49-F238E27FC236}">
+                <a16:creationId xmlns:a16="http://schemas.microsoft.com/office/drawing/2014/main" id="{4ECA9D10-F35C-4DA6-ADD6-D08555671B2B}"/>
+              </a:ext>
+            </a:extLst>
+          </p:cNvPr>
+          <p:cNvSpPr>
+            <a:spLocks noGrp="1"/>
+          </p:cNvSpPr>
+          <p:nvPr>
+            <p:ph type="dt" sz="half" idx="10"/>
+          </p:nvPr>
+        </p:nvSpPr>
+        <p:spPr/>
+        <p:txBody>
+          <a:bodyPr/>
+          <a:lstStyle/>
+          <a:p>
+            <a:fld id="{46362828-9525-49C1-A59D-380C5B769D4C}" type="datetime1">
+              <a:rPr lang="en-US" smtClean="0"/>
+              <a:t>8/9/2018</a:t>
+            </a:fld>
+            <a:endParaRPr lang="en-US" dirty="0"/>
+          </a:p>
+        </p:txBody>
+      </p:sp>
+      <p:sp>
+        <p:nvSpPr>
+          <p:cNvPr id="5" name="Slide Number Placeholder 4">
+            <a:extLst>
+              <a:ext uri="{FF2B5EF4-FFF2-40B4-BE49-F238E27FC236}">
+                <a16:creationId xmlns:a16="http://schemas.microsoft.com/office/drawing/2014/main" id="{CE41504E-7348-4BCF-89E6-2153FB90B509}"/>
+              </a:ext>
+            </a:extLst>
+          </p:cNvPr>
+          <p:cNvSpPr>
+            <a:spLocks noGrp="1"/>
+          </p:cNvSpPr>
+          <p:nvPr>
+            <p:ph type="sldNum" sz="quarter" idx="12"/>
+          </p:nvPr>
+        </p:nvSpPr>
+        <p:spPr/>
+        <p:txBody>
+          <a:bodyPr/>
+          <a:lstStyle/>
+          <a:p>
+            <a:fld id="{95EE2DDF-6CB9-4330-926E-8B80970773BB}" type="slidenum">
+              <a:rPr lang="en-US" smtClean="0"/>
+              <a:t>3</a:t>
+            </a:fld>
+            <a:endParaRPr lang="en-US" dirty="0"/>
+          </a:p>
+        </p:txBody>
+      </p:sp>
+      <p:grpSp>
+        <p:nvGrpSpPr>
+          <p:cNvPr id="6" name="Shape 100">
+            <a:extLst>
+              <a:ext uri="{FF2B5EF4-FFF2-40B4-BE49-F238E27FC236}">
+                <a16:creationId xmlns:a16="http://schemas.microsoft.com/office/drawing/2014/main" id="{A3654314-2C57-41FB-948B-13569EE39725}"/>
+              </a:ext>
+            </a:extLst>
+          </p:cNvPr>
+          <p:cNvGrpSpPr/>
+          <p:nvPr/>
+        </p:nvGrpSpPr>
+        <p:grpSpPr>
+          <a:xfrm>
+            <a:off x="4276091" y="6219280"/>
+            <a:ext cx="3639818" cy="639267"/>
+            <a:chOff x="-230050" y="2601291"/>
+            <a:chExt cx="9882756" cy="1935414"/>
+          </a:xfrm>
+        </p:grpSpPr>
+        <p:sp>
+          <p:nvSpPr>
+            <p:cNvPr id="7" name="Shape 101">
+              <a:extLst>
+                <a:ext uri="{FF2B5EF4-FFF2-40B4-BE49-F238E27FC236}">
+                  <a16:creationId xmlns:a16="http://schemas.microsoft.com/office/drawing/2014/main" id="{CCE15430-3780-46C1-B8B7-A613CF0C10E2}"/>
+                </a:ext>
+              </a:extLst>
+            </p:cNvPr>
+            <p:cNvSpPr/>
+            <p:nvPr/>
+          </p:nvSpPr>
+          <p:spPr>
+            <a:xfrm>
+              <a:off x="2886617" y="2997483"/>
+              <a:ext cx="792300" cy="49200"/>
+            </a:xfrm>
+            <a:prstGeom prst="roundRect">
+              <a:avLst>
+                <a:gd name="adj" fmla="val 50000"/>
+              </a:avLst>
+            </a:prstGeom>
+            <a:solidFill>
+              <a:srgbClr val="D9D9D9"/>
+            </a:solidFill>
+            <a:ln w="9525" cap="flat" cmpd="sng">
+              <a:solidFill>
+                <a:srgbClr val="EFEFEF"/>
+              </a:solidFill>
+              <a:prstDash val="solid"/>
+              <a:round/>
+              <a:headEnd type="none" w="med" len="med"/>
+              <a:tailEnd type="none" w="med" len="med"/>
+            </a:ln>
+          </p:spPr>
+          <p:txBody>
+            <a:bodyPr wrap="square" lIns="121900" tIns="121900" rIns="121900" bIns="121900" anchor="ctr" anchorCtr="0">
+              <a:noAutofit/>
+            </a:bodyPr>
+            <a:lstStyle/>
+            <a:p>
+              <a:endParaRPr sz="1200">
+                <a:latin typeface="+mj-lt"/>
+              </a:endParaRPr>
+            </a:p>
+          </p:txBody>
+        </p:sp>
+        <p:grpSp>
+          <p:nvGrpSpPr>
+            <p:cNvPr id="8" name="Shape 102">
+              <a:extLst>
+                <a:ext uri="{FF2B5EF4-FFF2-40B4-BE49-F238E27FC236}">
+                  <a16:creationId xmlns:a16="http://schemas.microsoft.com/office/drawing/2014/main" id="{FA8D4B30-F506-432B-B386-F4B9AC668FC5}"/>
+                </a:ext>
+              </a:extLst>
+            </p:cNvPr>
+            <p:cNvGrpSpPr/>
+            <p:nvPr/>
+          </p:nvGrpSpPr>
+          <p:grpSpPr>
+            <a:xfrm>
+              <a:off x="-230050" y="2650491"/>
+              <a:ext cx="3361333" cy="1886214"/>
+              <a:chOff x="-172542" y="1987918"/>
+              <a:chExt cx="2521063" cy="1414696"/>
+            </a:xfrm>
+          </p:grpSpPr>
+          <p:sp>
+            <p:nvSpPr>
+              <p:cNvPr id="20" name="Shape 103">
+                <a:extLst>
+                  <a:ext uri="{FF2B5EF4-FFF2-40B4-BE49-F238E27FC236}">
+                    <a16:creationId xmlns:a16="http://schemas.microsoft.com/office/drawing/2014/main" id="{C2A73275-247F-4DAD-B9DA-F67F7A62FD4E}"/>
+                  </a:ext>
+                </a:extLst>
+              </p:cNvPr>
+              <p:cNvSpPr/>
+              <p:nvPr/>
+            </p:nvSpPr>
+            <p:spPr>
+              <a:xfrm>
+                <a:off x="790838" y="1987918"/>
+                <a:ext cx="594301" cy="594300"/>
+              </a:xfrm>
+              <a:prstGeom prst="ellipse">
+                <a:avLst/>
+              </a:prstGeom>
+              <a:solidFill>
+                <a:srgbClr val="6D9EEB"/>
+              </a:solidFill>
+              <a:ln w="38100" cap="flat" cmpd="sng">
+                <a:solidFill>
+                  <a:srgbClr val="4285F4"/>
+                </a:solidFill>
+                <a:prstDash val="solid"/>
+                <a:round/>
+                <a:headEnd type="none" w="med" len="med"/>
+                <a:tailEnd type="none" w="med" len="med"/>
+              </a:ln>
+            </p:spPr>
+            <p:txBody>
+              <a:bodyPr wrap="square" lIns="121900" tIns="121900" rIns="121900" bIns="121900" anchor="ctr" anchorCtr="0">
+                <a:noAutofit/>
+              </a:bodyPr>
+              <a:lstStyle/>
+              <a:p>
+                <a:endParaRPr sz="1200">
+                  <a:latin typeface="+mj-lt"/>
+                </a:endParaRPr>
+              </a:p>
+            </p:txBody>
+          </p:sp>
+          <p:sp>
+            <p:nvSpPr>
+              <p:cNvPr id="21" name="Shape 104">
+                <a:extLst>
+                  <a:ext uri="{FF2B5EF4-FFF2-40B4-BE49-F238E27FC236}">
+                    <a16:creationId xmlns:a16="http://schemas.microsoft.com/office/drawing/2014/main" id="{8EA0F25F-F8DB-4307-B409-DD8E9FC41B42}"/>
+                  </a:ext>
+                </a:extLst>
+              </p:cNvPr>
+              <p:cNvSpPr txBox="1"/>
+              <p:nvPr/>
+            </p:nvSpPr>
+            <p:spPr>
+              <a:xfrm>
+                <a:off x="-172542" y="2845215"/>
+                <a:ext cx="2521063" cy="557399"/>
+              </a:xfrm>
+              <a:prstGeom prst="rect">
+                <a:avLst/>
+              </a:prstGeom>
+              <a:noFill/>
+              <a:ln>
+                <a:noFill/>
+              </a:ln>
+            </p:spPr>
+            <p:txBody>
+              <a:bodyPr wrap="square" lIns="121900" tIns="121900" rIns="121900" bIns="121900" anchor="b" anchorCtr="0">
+                <a:noAutofit/>
+              </a:bodyPr>
+              <a:lstStyle/>
+              <a:p>
+                <a:pPr algn="ctr">
+                  <a:lnSpc>
+                    <a:spcPct val="115000"/>
+                  </a:lnSpc>
+                </a:pPr>
+                <a:r>
+                  <a:rPr lang="en-US" sz="1200" b="1" dirty="0">
+                    <a:solidFill>
+                      <a:srgbClr val="4285F4"/>
+                    </a:solidFill>
+                    <a:latin typeface="+mj-lt"/>
+                    <a:ea typeface="Roboto"/>
+                    <a:cs typeface="Roboto"/>
+                    <a:sym typeface="Roboto"/>
+                  </a:rPr>
+                  <a:t>Background</a:t>
+                </a:r>
+              </a:p>
+            </p:txBody>
+          </p:sp>
+        </p:grpSp>
+        <p:grpSp>
+          <p:nvGrpSpPr>
+            <p:cNvPr id="9" name="Shape 105">
+              <a:extLst>
+                <a:ext uri="{FF2B5EF4-FFF2-40B4-BE49-F238E27FC236}">
+                  <a16:creationId xmlns:a16="http://schemas.microsoft.com/office/drawing/2014/main" id="{80FD80D1-35BB-4DDF-B9FF-F3C66D46D395}"/>
+                </a:ext>
+              </a:extLst>
+            </p:cNvPr>
+            <p:cNvGrpSpPr/>
+            <p:nvPr/>
+          </p:nvGrpSpPr>
+          <p:grpSpPr>
+            <a:xfrm>
+              <a:off x="3342936" y="2638476"/>
+              <a:ext cx="2775931" cy="1824233"/>
+              <a:chOff x="2507265" y="1978906"/>
+              <a:chExt cx="2082000" cy="1368209"/>
+            </a:xfrm>
+          </p:grpSpPr>
+          <p:sp>
+            <p:nvSpPr>
+              <p:cNvPr id="18" name="Shape 106">
+                <a:extLst>
+                  <a:ext uri="{FF2B5EF4-FFF2-40B4-BE49-F238E27FC236}">
+                    <a16:creationId xmlns:a16="http://schemas.microsoft.com/office/drawing/2014/main" id="{50218841-609D-4FD2-9760-FB9345D827FE}"/>
+                  </a:ext>
+                </a:extLst>
+              </p:cNvPr>
+              <p:cNvSpPr/>
+              <p:nvPr/>
+            </p:nvSpPr>
+            <p:spPr>
+              <a:xfrm>
+                <a:off x="3251116" y="1978906"/>
+                <a:ext cx="594301" cy="594300"/>
+              </a:xfrm>
+              <a:prstGeom prst="ellipse">
+                <a:avLst/>
+              </a:prstGeom>
+              <a:noFill/>
+              <a:ln w="38100" cap="flat" cmpd="sng">
+                <a:solidFill>
+                  <a:srgbClr val="D9D9D9"/>
+                </a:solidFill>
+                <a:prstDash val="solid"/>
+                <a:round/>
+                <a:headEnd type="none" w="med" len="med"/>
+                <a:tailEnd type="none" w="med" len="med"/>
+              </a:ln>
+            </p:spPr>
+            <p:txBody>
+              <a:bodyPr wrap="square" lIns="121900" tIns="121900" rIns="121900" bIns="121900" anchor="ctr" anchorCtr="0">
+                <a:noAutofit/>
+              </a:bodyPr>
+              <a:lstStyle/>
+              <a:p>
+                <a:endParaRPr sz="1200">
+                  <a:latin typeface="+mj-lt"/>
+                </a:endParaRPr>
+              </a:p>
+            </p:txBody>
+          </p:sp>
+          <p:sp>
+            <p:nvSpPr>
+              <p:cNvPr id="19" name="Shape 107">
+                <a:extLst>
+                  <a:ext uri="{FF2B5EF4-FFF2-40B4-BE49-F238E27FC236}">
+                    <a16:creationId xmlns:a16="http://schemas.microsoft.com/office/drawing/2014/main" id="{A5004516-1758-404C-84EE-8E12D0999718}"/>
+                  </a:ext>
+                </a:extLst>
+              </p:cNvPr>
+              <p:cNvSpPr txBox="1"/>
+              <p:nvPr/>
+            </p:nvSpPr>
+            <p:spPr>
+              <a:xfrm>
+                <a:off x="2507265" y="2900714"/>
+                <a:ext cx="2082000" cy="446401"/>
+              </a:xfrm>
+              <a:prstGeom prst="rect">
+                <a:avLst/>
+              </a:prstGeom>
+              <a:noFill/>
+              <a:ln>
+                <a:noFill/>
+              </a:ln>
+            </p:spPr>
+            <p:txBody>
+              <a:bodyPr wrap="square" lIns="121900" tIns="121900" rIns="121900" bIns="121900" anchor="b" anchorCtr="0">
+                <a:noAutofit/>
+              </a:bodyPr>
+              <a:lstStyle/>
+              <a:p>
+                <a:pPr algn="ctr">
+                  <a:lnSpc>
+                    <a:spcPct val="115000"/>
+                  </a:lnSpc>
+                </a:pPr>
+                <a:r>
+                  <a:rPr lang="en-US" sz="1200" b="1" dirty="0">
+                    <a:solidFill>
+                      <a:srgbClr val="B7B7B7"/>
+                    </a:solidFill>
+                    <a:latin typeface="+mj-lt"/>
+                    <a:ea typeface="Roboto"/>
+                    <a:cs typeface="Roboto"/>
+                    <a:sym typeface="Roboto"/>
+                  </a:rPr>
+                  <a:t>Example</a:t>
+                </a:r>
+              </a:p>
+            </p:txBody>
+          </p:sp>
+        </p:grpSp>
+        <p:grpSp>
+          <p:nvGrpSpPr>
+            <p:cNvPr id="10" name="Shape 108">
+              <a:extLst>
+                <a:ext uri="{FF2B5EF4-FFF2-40B4-BE49-F238E27FC236}">
+                  <a16:creationId xmlns:a16="http://schemas.microsoft.com/office/drawing/2014/main" id="{ADA6A9A0-184D-400F-A1EB-9FBAABF4D35E}"/>
+                </a:ext>
+              </a:extLst>
+            </p:cNvPr>
+            <p:cNvGrpSpPr/>
+            <p:nvPr/>
+          </p:nvGrpSpPr>
+          <p:grpSpPr>
+            <a:xfrm>
+              <a:off x="5975910" y="2601291"/>
+              <a:ext cx="3676796" cy="1887216"/>
+              <a:chOff x="4482044" y="1951017"/>
+              <a:chExt cx="2757666" cy="1415448"/>
+            </a:xfrm>
+          </p:grpSpPr>
+          <p:sp>
+            <p:nvSpPr>
+              <p:cNvPr id="16" name="Shape 109">
+                <a:extLst>
+                  <a:ext uri="{FF2B5EF4-FFF2-40B4-BE49-F238E27FC236}">
+                    <a16:creationId xmlns:a16="http://schemas.microsoft.com/office/drawing/2014/main" id="{F9AFB04A-F4DA-4230-A8BD-174CB71E0B3E}"/>
+                  </a:ext>
+                </a:extLst>
+              </p:cNvPr>
+              <p:cNvSpPr/>
+              <p:nvPr/>
+            </p:nvSpPr>
+            <p:spPr>
+              <a:xfrm>
+                <a:off x="5563726" y="1951017"/>
+                <a:ext cx="594301" cy="594300"/>
+              </a:xfrm>
+              <a:prstGeom prst="ellipse">
+                <a:avLst/>
+              </a:prstGeom>
+              <a:noFill/>
+              <a:ln w="38100" cap="flat" cmpd="sng">
+                <a:solidFill>
+                  <a:srgbClr val="D9D9D9"/>
+                </a:solidFill>
+                <a:prstDash val="solid"/>
+                <a:round/>
+                <a:headEnd type="none" w="med" len="med"/>
+                <a:tailEnd type="none" w="med" len="med"/>
+              </a:ln>
+            </p:spPr>
+            <p:txBody>
+              <a:bodyPr wrap="square" lIns="121900" tIns="121900" rIns="121900" bIns="121900" anchor="ctr" anchorCtr="0">
+                <a:noAutofit/>
+              </a:bodyPr>
+              <a:lstStyle/>
+              <a:p>
+                <a:endParaRPr sz="1200">
+                  <a:latin typeface="+mj-lt"/>
+                </a:endParaRPr>
+              </a:p>
+            </p:txBody>
+          </p:sp>
+          <p:sp>
+            <p:nvSpPr>
+              <p:cNvPr id="17" name="Shape 110">
+                <a:extLst>
+                  <a:ext uri="{FF2B5EF4-FFF2-40B4-BE49-F238E27FC236}">
+                    <a16:creationId xmlns:a16="http://schemas.microsoft.com/office/drawing/2014/main" id="{716A59A5-974E-45AD-BB91-C80A71363688}"/>
+                  </a:ext>
+                </a:extLst>
+              </p:cNvPr>
+              <p:cNvSpPr txBox="1"/>
+              <p:nvPr/>
+            </p:nvSpPr>
+            <p:spPr>
+              <a:xfrm>
+                <a:off x="4482044" y="2907284"/>
+                <a:ext cx="2757666" cy="459181"/>
+              </a:xfrm>
+              <a:prstGeom prst="rect">
+                <a:avLst/>
+              </a:prstGeom>
+              <a:noFill/>
+              <a:ln>
+                <a:noFill/>
+              </a:ln>
+            </p:spPr>
+            <p:txBody>
+              <a:bodyPr wrap="square" lIns="121900" tIns="121900" rIns="121900" bIns="121900" anchor="b" anchorCtr="0">
+                <a:noAutofit/>
+              </a:bodyPr>
+              <a:lstStyle/>
+              <a:p>
+                <a:pPr algn="ctr">
+                  <a:lnSpc>
+                    <a:spcPct val="115000"/>
+                  </a:lnSpc>
+                </a:pPr>
+                <a:r>
+                  <a:rPr lang="en-US" sz="1200" b="1" dirty="0">
+                    <a:solidFill>
+                      <a:srgbClr val="B7B7B7"/>
+                    </a:solidFill>
+                    <a:latin typeface="+mj-lt"/>
+                    <a:ea typeface="Roboto"/>
+                    <a:cs typeface="Roboto"/>
+                    <a:sym typeface="Roboto"/>
+                  </a:rPr>
+                  <a:t>Next Steps</a:t>
+                </a:r>
+              </a:p>
+            </p:txBody>
+          </p:sp>
+        </p:grpSp>
+        <p:sp>
+          <p:nvSpPr>
+            <p:cNvPr id="12" name="Shape 114">
+              <a:extLst>
+                <a:ext uri="{FF2B5EF4-FFF2-40B4-BE49-F238E27FC236}">
+                  <a16:creationId xmlns:a16="http://schemas.microsoft.com/office/drawing/2014/main" id="{26B06870-28C1-4F9A-A6FD-380686AA899B}"/>
+                </a:ext>
+              </a:extLst>
+            </p:cNvPr>
+            <p:cNvSpPr/>
+            <p:nvPr/>
+          </p:nvSpPr>
+          <p:spPr>
+            <a:xfrm>
+              <a:off x="5782900" y="2997483"/>
+              <a:ext cx="792300" cy="49200"/>
+            </a:xfrm>
+            <a:prstGeom prst="roundRect">
+              <a:avLst>
+                <a:gd name="adj" fmla="val 50000"/>
+              </a:avLst>
+            </a:prstGeom>
+            <a:solidFill>
+              <a:srgbClr val="D9D9D9"/>
+            </a:solidFill>
+            <a:ln>
+              <a:noFill/>
+            </a:ln>
+          </p:spPr>
+          <p:txBody>
+            <a:bodyPr wrap="square" lIns="121900" tIns="121900" rIns="121900" bIns="121900" anchor="ctr" anchorCtr="0">
+              <a:noAutofit/>
+            </a:bodyPr>
+            <a:lstStyle/>
+            <a:p>
+              <a:endParaRPr sz="1200">
+                <a:latin typeface="+mj-lt"/>
+              </a:endParaRPr>
+            </a:p>
+          </p:txBody>
+        </p:sp>
+      </p:grpSp>
+      <p:pic>
+        <p:nvPicPr>
+          <p:cNvPr id="22" name="Picture 21">
+            <a:extLst>
+              <a:ext uri="{FF2B5EF4-FFF2-40B4-BE49-F238E27FC236}">
+                <a16:creationId xmlns:a16="http://schemas.microsoft.com/office/drawing/2014/main" id="{FC9958F7-656D-4E21-A05E-14A5181DE0E4}"/>
+              </a:ext>
+            </a:extLst>
+          </p:cNvPr>
+          <p:cNvPicPr>
+            <a:picLocks noChangeAspect="1"/>
+          </p:cNvPicPr>
+          <p:nvPr/>
+        </p:nvPicPr>
+        <p:blipFill>
+          <a:blip r:embed="rId3"/>
+          <a:stretch>
+            <a:fillRect/>
+          </a:stretch>
+        </p:blipFill>
+        <p:spPr>
+          <a:xfrm>
+            <a:off x="4558959" y="4601835"/>
+            <a:ext cx="4150587" cy="687414"/>
           </a:xfrm>
           <a:prstGeom prst="rect">
             <a:avLst/>
           </a:prstGeom>
         </p:spPr>
-        <p:txBody>
-          <a:bodyPr spcFirstLastPara="1" vert="horz" wrap="square" lIns="121900" tIns="121900" rIns="121900" bIns="121900" rtlCol="0" anchor="t" anchorCtr="0">
-            <a:noAutofit/>
-          </a:bodyPr>
-          <a:lstStyle/>
-          <a:p>
-            <a:r>
-              <a:rPr lang="en-US" sz="3800" dirty="0"/>
-              <a:t>Reinforcement Learning Literature Review*</a:t>
-            </a:r>
-            <a:r>
-              <a:rPr lang="en" sz="3800" dirty="0"/>
-              <a:t> – Overview</a:t>
-            </a:r>
-            <a:endParaRPr sz="3800" dirty="0"/>
-          </a:p>
-        </p:txBody>
-      </p:sp>
-      <p:sp>
-        <p:nvSpPr>
-          <p:cNvPr id="55" name="Shape 55"/>
-          <p:cNvSpPr txBox="1">
+      </p:pic>
+    </p:spTree>
+    <p:extLst>
+      <p:ext uri="{BB962C8B-B14F-4D97-AF65-F5344CB8AC3E}">
+        <p14:creationId xmlns:p14="http://schemas.microsoft.com/office/powerpoint/2010/main" val="2647023451"/>
+      </p:ext>
+    </p:extLst>
+  </p:cSld>
+  <p:clrMapOvr>
+    <a:masterClrMapping/>
+  </p:clrMapOvr>
+</p:sld>
+</file>
+
+<file path=ppt/slides/slide4.xml><?xml version="1.0" encoding="utf-8"?>
+<p:sld xmlns:a="http://schemas.openxmlformats.org/drawingml/2006/main" xmlns:r="http://schemas.openxmlformats.org/officeDocument/2006/relationships" xmlns:p="http://schemas.openxmlformats.org/presentationml/2006/main">
+  <p:cSld>
+    <p:spTree>
+      <p:nvGrpSpPr>
+        <p:cNvPr id="1" name=""/>
+        <p:cNvGrpSpPr/>
+        <p:nvPr/>
+      </p:nvGrpSpPr>
+      <p:grpSpPr>
+        <a:xfrm>
+          <a:off x="0" y="0"/>
+          <a:ext cx="0" cy="0"/>
+          <a:chOff x="0" y="0"/>
+          <a:chExt cx="0" cy="0"/>
+        </a:xfrm>
+      </p:grpSpPr>
+      <p:sp>
+        <p:nvSpPr>
+          <p:cNvPr id="2" name="Title 1">
+            <a:extLst>
+              <a:ext uri="{FF2B5EF4-FFF2-40B4-BE49-F238E27FC236}">
+                <a16:creationId xmlns:a16="http://schemas.microsoft.com/office/drawing/2014/main" id="{3D702872-1453-4441-9054-4B8C5FCF6CEC}"/>
+              </a:ext>
+            </a:extLst>
+          </p:cNvPr>
+          <p:cNvSpPr>
             <a:spLocks noGrp="1"/>
           </p:cNvSpPr>
           <p:nvPr>
-            <p:ph type="body" idx="1"/>
+            <p:ph type="title"/>
+          </p:nvPr>
+        </p:nvSpPr>
+        <p:spPr/>
+        <p:txBody>
+          <a:bodyPr>
+            <a:normAutofit/>
+          </a:bodyPr>
+          <a:lstStyle/>
+          <a:p>
+            <a:r>
+              <a:rPr lang="en-US" dirty="0"/>
+              <a:t>Model-free reinforcement learning: overview</a:t>
+            </a:r>
+          </a:p>
+        </p:txBody>
+      </p:sp>
+      <p:sp>
+        <p:nvSpPr>
+          <p:cNvPr id="3" name="Content Placeholder 2">
+            <a:extLst>
+              <a:ext uri="{FF2B5EF4-FFF2-40B4-BE49-F238E27FC236}">
+                <a16:creationId xmlns:a16="http://schemas.microsoft.com/office/drawing/2014/main" id="{371A94F6-9D17-40DF-B863-3D8AC763717F}"/>
+              </a:ext>
+            </a:extLst>
+          </p:cNvPr>
+          <p:cNvSpPr>
+            <a:spLocks noGrp="1"/>
+          </p:cNvSpPr>
+          <p:nvPr>
+            <p:ph idx="1"/>
           </p:nvPr>
         </p:nvSpPr>
         <p:spPr>
           <a:xfrm>
-            <a:off x="415600" y="1536633"/>
-            <a:ext cx="11360800" cy="4988858"/>
+            <a:off x="951730" y="1513821"/>
+            <a:ext cx="10515600" cy="4642007"/>
+          </a:xfrm>
+        </p:spPr>
+        <p:txBody>
+          <a:bodyPr>
+            <a:normAutofit/>
+          </a:bodyPr>
+          <a:lstStyle/>
+          <a:p>
+            <a:pPr marL="0" indent="0">
+              <a:buNone/>
+            </a:pPr>
+            <a:r>
+              <a:rPr lang="en-US" sz="2400" dirty="0"/>
+              <a:t>Summary</a:t>
+            </a:r>
+          </a:p>
+          <a:p>
+            <a:r>
+              <a:rPr lang="en-US" sz="2400" dirty="0"/>
+              <a:t>Model-free framework to obtain optimal control decisions</a:t>
+            </a:r>
+          </a:p>
+          <a:p>
+            <a:r>
+              <a:rPr lang="en-US" sz="2400" dirty="0"/>
+              <a:t>Actor interacts with environment, adapts based on stimulus reaction</a:t>
+            </a:r>
+          </a:p>
+          <a:p>
+            <a:r>
+              <a:rPr lang="en-US" sz="2400" dirty="0"/>
+              <a:t>Tradeoff of removing model dynamics vs accuracy in final solution</a:t>
+            </a:r>
+          </a:p>
+          <a:p>
+            <a:r>
+              <a:rPr lang="en-US" sz="2400" dirty="0"/>
+              <a:t>Useful when analytical methods become infeasible, e.g. finite Markov Decision Problems (MDP), multi-armed bandit problem</a:t>
+            </a:r>
+          </a:p>
+          <a:p>
+            <a:endParaRPr lang="en-US" sz="2400" dirty="0"/>
+          </a:p>
+          <a:p>
+            <a:pPr marL="0" indent="0">
+              <a:buNone/>
+            </a:pPr>
+            <a:r>
+              <a:rPr lang="en-US" sz="2400" dirty="0"/>
+              <a:t>Examples</a:t>
+            </a:r>
+          </a:p>
+          <a:p>
+            <a:r>
+              <a:rPr lang="en-US" sz="2400" dirty="0"/>
+              <a:t>Q-learning, temporal difference</a:t>
+            </a:r>
+          </a:p>
+          <a:p>
+            <a:pPr marL="0" indent="0">
+              <a:buNone/>
+            </a:pPr>
+            <a:endParaRPr lang="en-US" sz="1800" dirty="0"/>
+          </a:p>
+          <a:p>
+            <a:pPr marL="0" indent="0">
+              <a:buNone/>
+            </a:pPr>
+            <a:endParaRPr lang="en-US" sz="2400" b="1" dirty="0"/>
+          </a:p>
+          <a:p>
+            <a:pPr marL="0" indent="0">
+              <a:buNone/>
+            </a:pPr>
+            <a:endParaRPr lang="en-US" sz="2400" b="1" dirty="0"/>
+          </a:p>
+          <a:p>
+            <a:pPr marL="0" indent="0">
+              <a:buNone/>
+            </a:pPr>
+            <a:endParaRPr lang="en-US" sz="2400" b="1" dirty="0"/>
+          </a:p>
+        </p:txBody>
+      </p:sp>
+      <p:sp>
+        <p:nvSpPr>
+          <p:cNvPr id="4" name="Date Placeholder 3">
+            <a:extLst>
+              <a:ext uri="{FF2B5EF4-FFF2-40B4-BE49-F238E27FC236}">
+                <a16:creationId xmlns:a16="http://schemas.microsoft.com/office/drawing/2014/main" id="{4ECA9D10-F35C-4DA6-ADD6-D08555671B2B}"/>
+              </a:ext>
+            </a:extLst>
+          </p:cNvPr>
+          <p:cNvSpPr>
+            <a:spLocks noGrp="1"/>
+          </p:cNvSpPr>
+          <p:nvPr>
+            <p:ph type="dt" sz="half" idx="10"/>
+          </p:nvPr>
+        </p:nvSpPr>
+        <p:spPr/>
+        <p:txBody>
+          <a:bodyPr/>
+          <a:lstStyle/>
+          <a:p>
+            <a:fld id="{B8E6479D-24AA-4DDE-8765-738DB63FA2EF}" type="datetime1">
+              <a:rPr lang="en-US" smtClean="0"/>
+              <a:t>8/9/2018</a:t>
+            </a:fld>
+            <a:endParaRPr lang="en-US" dirty="0"/>
+          </a:p>
+        </p:txBody>
+      </p:sp>
+      <p:sp>
+        <p:nvSpPr>
+          <p:cNvPr id="5" name="Slide Number Placeholder 4">
+            <a:extLst>
+              <a:ext uri="{FF2B5EF4-FFF2-40B4-BE49-F238E27FC236}">
+                <a16:creationId xmlns:a16="http://schemas.microsoft.com/office/drawing/2014/main" id="{CE41504E-7348-4BCF-89E6-2153FB90B509}"/>
+              </a:ext>
+            </a:extLst>
+          </p:cNvPr>
+          <p:cNvSpPr>
+            <a:spLocks noGrp="1"/>
+          </p:cNvSpPr>
+          <p:nvPr>
+            <p:ph type="sldNum" sz="quarter" idx="12"/>
+          </p:nvPr>
+        </p:nvSpPr>
+        <p:spPr/>
+        <p:txBody>
+          <a:bodyPr/>
+          <a:lstStyle/>
+          <a:p>
+            <a:fld id="{95EE2DDF-6CB9-4330-926E-8B80970773BB}" type="slidenum">
+              <a:rPr lang="en-US" smtClean="0"/>
+              <a:t>4</a:t>
+            </a:fld>
+            <a:endParaRPr lang="en-US"/>
+          </a:p>
+        </p:txBody>
+      </p:sp>
+      <p:pic>
+        <p:nvPicPr>
+          <p:cNvPr id="11" name="Picture 10">
+            <a:extLst>
+              <a:ext uri="{FF2B5EF4-FFF2-40B4-BE49-F238E27FC236}">
+                <a16:creationId xmlns:a16="http://schemas.microsoft.com/office/drawing/2014/main" id="{DB7840E2-6889-4EED-BFC7-CEA85284C945}"/>
+              </a:ext>
+            </a:extLst>
+          </p:cNvPr>
+          <p:cNvPicPr>
+            <a:picLocks noChangeAspect="1"/>
+          </p:cNvPicPr>
+          <p:nvPr/>
+        </p:nvPicPr>
+        <p:blipFill>
+          <a:blip r:embed="rId3"/>
+          <a:stretch>
+            <a:fillRect/>
+          </a:stretch>
+        </p:blipFill>
+        <p:spPr>
+          <a:xfrm>
+            <a:off x="7231366" y="3777515"/>
+            <a:ext cx="3942257" cy="2282359"/>
           </a:xfrm>
           <a:prstGeom prst="rect">
             <a:avLst/>
           </a:prstGeom>
         </p:spPr>
-        <p:txBody>
-          <a:bodyPr spcFirstLastPara="1" vert="horz" wrap="square" lIns="121900" tIns="121900" rIns="121900" bIns="121900" rtlCol="0" anchor="t" anchorCtr="0">
-            <a:noAutofit/>
+      </p:pic>
+      <p:sp>
+        <p:nvSpPr>
+          <p:cNvPr id="23" name="Content Placeholder 2">
+            <a:extLst>
+              <a:ext uri="{FF2B5EF4-FFF2-40B4-BE49-F238E27FC236}">
+                <a16:creationId xmlns:a16="http://schemas.microsoft.com/office/drawing/2014/main" id="{5A705992-56A6-4AA9-93FA-5D61F19AA364}"/>
+              </a:ext>
+            </a:extLst>
+          </p:cNvPr>
+          <p:cNvSpPr txBox="1">
+            <a:spLocks/>
+          </p:cNvSpPr>
+          <p:nvPr/>
+        </p:nvSpPr>
+        <p:spPr>
+          <a:xfrm>
+            <a:off x="9818729" y="6154316"/>
+            <a:ext cx="1500332" cy="338559"/>
+          </a:xfrm>
+          <a:prstGeom prst="rect">
+            <a:avLst/>
+          </a:prstGeom>
+        </p:spPr>
+        <p:txBody>
+          <a:bodyPr vert="horz" lIns="91440" tIns="45720" rIns="91440" bIns="45720" rtlCol="0">
+            <a:normAutofit/>
           </a:bodyPr>
-          <a:lstStyle/>
+          <a:lstStyle>
+            <a:lvl1pPr marL="228600" indent="-228600" algn="l" defTabSz="914400" rtl="0" eaLnBrk="1" latinLnBrk="0" hangingPunct="1">
+              <a:lnSpc>
+                <a:spcPct val="90000"/>
+              </a:lnSpc>
+              <a:spcBef>
+                <a:spcPts val="1000"/>
+              </a:spcBef>
+              <a:buFont typeface="Arial" panose="020B0604020202020204" pitchFamily="34" charset="0"/>
+              <a:buChar char="•"/>
+              <a:defRPr sz="2800" kern="1200">
+                <a:solidFill>
+                  <a:schemeClr val="tx1"/>
+                </a:solidFill>
+                <a:latin typeface="+mn-lt"/>
+                <a:ea typeface="+mn-ea"/>
+                <a:cs typeface="+mn-cs"/>
+              </a:defRPr>
+            </a:lvl1pPr>
+            <a:lvl2pPr marL="685800" indent="-228600" algn="l" defTabSz="914400" rtl="0" eaLnBrk="1" latinLnBrk="0" hangingPunct="1">
+              <a:lnSpc>
+                <a:spcPct val="90000"/>
+              </a:lnSpc>
+              <a:spcBef>
+                <a:spcPts val="500"/>
+              </a:spcBef>
+              <a:buFont typeface="Arial" panose="020B0604020202020204" pitchFamily="34" charset="0"/>
+              <a:buChar char="•"/>
+              <a:defRPr sz="2400" kern="1200">
+                <a:solidFill>
+                  <a:schemeClr val="tx1"/>
+                </a:solidFill>
+                <a:latin typeface="+mn-lt"/>
+                <a:ea typeface="+mn-ea"/>
+                <a:cs typeface="+mn-cs"/>
+              </a:defRPr>
+            </a:lvl2pPr>
+            <a:lvl3pPr marL="1143000" indent="-228600" algn="l" defTabSz="914400" rtl="0" eaLnBrk="1" latinLnBrk="0" hangingPunct="1">
+              <a:lnSpc>
+                <a:spcPct val="90000"/>
+              </a:lnSpc>
+              <a:spcBef>
+                <a:spcPts val="500"/>
+              </a:spcBef>
+              <a:buFont typeface="Arial" panose="020B0604020202020204" pitchFamily="34" charset="0"/>
+              <a:buChar char="•"/>
+              <a:defRPr sz="2000" kern="1200">
+                <a:solidFill>
+                  <a:schemeClr val="tx1"/>
+                </a:solidFill>
+                <a:latin typeface="+mn-lt"/>
+                <a:ea typeface="+mn-ea"/>
+                <a:cs typeface="+mn-cs"/>
+              </a:defRPr>
+            </a:lvl3pPr>
+            <a:lvl4pPr marL="1600200" indent="-228600" algn="l" defTabSz="914400" rtl="0" eaLnBrk="1" latinLnBrk="0" hangingPunct="1">
+              <a:lnSpc>
+                <a:spcPct val="90000"/>
+              </a:lnSpc>
+              <a:spcBef>
+                <a:spcPts val="500"/>
+              </a:spcBef>
+              <a:buFont typeface="Arial" panose="020B0604020202020204" pitchFamily="34" charset="0"/>
+              <a:buChar char="•"/>
+              <a:defRPr sz="1800" kern="1200">
+                <a:solidFill>
+                  <a:schemeClr val="tx1"/>
+                </a:solidFill>
+                <a:latin typeface="+mn-lt"/>
+                <a:ea typeface="+mn-ea"/>
+                <a:cs typeface="+mn-cs"/>
+              </a:defRPr>
+            </a:lvl4pPr>
+            <a:lvl5pPr marL="2057400" indent="-228600" algn="l" defTabSz="914400" rtl="0" eaLnBrk="1" latinLnBrk="0" hangingPunct="1">
+              <a:lnSpc>
+                <a:spcPct val="90000"/>
+              </a:lnSpc>
+              <a:spcBef>
+                <a:spcPts val="500"/>
+              </a:spcBef>
+              <a:buFont typeface="Arial" panose="020B0604020202020204" pitchFamily="34" charset="0"/>
+              <a:buChar char="•"/>
+              <a:defRPr sz="1800" kern="1200">
+                <a:solidFill>
+                  <a:schemeClr val="tx1"/>
+                </a:solidFill>
+                <a:latin typeface="+mn-lt"/>
+                <a:ea typeface="+mn-ea"/>
+                <a:cs typeface="+mn-cs"/>
+              </a:defRPr>
+            </a:lvl5pPr>
+            <a:lvl6pPr marL="2514600" indent="-228600" algn="l" defTabSz="914400" rtl="0" eaLnBrk="1" latinLnBrk="0" hangingPunct="1">
+              <a:lnSpc>
+                <a:spcPct val="90000"/>
+              </a:lnSpc>
+              <a:spcBef>
+                <a:spcPts val="500"/>
+              </a:spcBef>
+              <a:buFont typeface="Arial" panose="020B0604020202020204" pitchFamily="34" charset="0"/>
+              <a:buChar char="•"/>
+              <a:defRPr sz="1800" kern="1200">
+                <a:solidFill>
+                  <a:schemeClr val="tx1"/>
+                </a:solidFill>
+                <a:latin typeface="+mn-lt"/>
+                <a:ea typeface="+mn-ea"/>
+                <a:cs typeface="+mn-cs"/>
+              </a:defRPr>
+            </a:lvl6pPr>
+            <a:lvl7pPr marL="2971800" indent="-228600" algn="l" defTabSz="914400" rtl="0" eaLnBrk="1" latinLnBrk="0" hangingPunct="1">
+              <a:lnSpc>
+                <a:spcPct val="90000"/>
+              </a:lnSpc>
+              <a:spcBef>
+                <a:spcPts val="500"/>
+              </a:spcBef>
+              <a:buFont typeface="Arial" panose="020B0604020202020204" pitchFamily="34" charset="0"/>
+              <a:buChar char="•"/>
+              <a:defRPr sz="1800" kern="1200">
+                <a:solidFill>
+                  <a:schemeClr val="tx1"/>
+                </a:solidFill>
+                <a:latin typeface="+mn-lt"/>
+                <a:ea typeface="+mn-ea"/>
+                <a:cs typeface="+mn-cs"/>
+              </a:defRPr>
+            </a:lvl7pPr>
+            <a:lvl8pPr marL="3429000" indent="-228600" algn="l" defTabSz="914400" rtl="0" eaLnBrk="1" latinLnBrk="0" hangingPunct="1">
+              <a:lnSpc>
+                <a:spcPct val="90000"/>
+              </a:lnSpc>
+              <a:spcBef>
+                <a:spcPts val="500"/>
+              </a:spcBef>
+              <a:buFont typeface="Arial" panose="020B0604020202020204" pitchFamily="34" charset="0"/>
+              <a:buChar char="•"/>
+              <a:defRPr sz="1800" kern="1200">
+                <a:solidFill>
+                  <a:schemeClr val="tx1"/>
+                </a:solidFill>
+                <a:latin typeface="+mn-lt"/>
+                <a:ea typeface="+mn-ea"/>
+                <a:cs typeface="+mn-cs"/>
+              </a:defRPr>
+            </a:lvl8pPr>
+            <a:lvl9pPr marL="3886200" indent="-228600" algn="l" defTabSz="914400" rtl="0" eaLnBrk="1" latinLnBrk="0" hangingPunct="1">
+              <a:lnSpc>
+                <a:spcPct val="90000"/>
+              </a:lnSpc>
+              <a:spcBef>
+                <a:spcPts val="500"/>
+              </a:spcBef>
+              <a:buFont typeface="Arial" panose="020B0604020202020204" pitchFamily="34" charset="0"/>
+              <a:buChar char="•"/>
+              <a:defRPr sz="1800" kern="1200">
+                <a:solidFill>
+                  <a:schemeClr val="tx1"/>
+                </a:solidFill>
+                <a:latin typeface="+mn-lt"/>
+                <a:ea typeface="+mn-ea"/>
+                <a:cs typeface="+mn-cs"/>
+              </a:defRPr>
+            </a:lvl9pPr>
+          </a:lstStyle>
           <a:p>
             <a:pPr marL="0" indent="0">
               <a:buNone/>
             </a:pPr>
             <a:r>
-              <a:rPr lang="en" sz="2200" b="1" dirty="0"/>
-              <a:t>Objective: Survey model based and model free reinforcement learning literature to identify algorithms used for energy system applications</a:t>
-            </a:r>
-            <a:endParaRPr sz="2200" b="1" dirty="0"/>
+              <a:rPr lang="en-US" sz="1100" i="1" dirty="0"/>
+              <a:t>Source: </a:t>
+            </a:r>
+            <a:r>
+              <a:rPr lang="en-US" sz="1100" i="1" dirty="0">
+                <a:hlinkClick r:id="rId4"/>
+              </a:rPr>
+              <a:t>IBM</a:t>
+            </a:r>
+            <a:endParaRPr lang="en-US" sz="1100" i="1" dirty="0"/>
           </a:p>
           <a:p>
             <a:pPr marL="0" indent="0">
-              <a:spcBef>
-                <a:spcPts val="2133"/>
-              </a:spcBef>
               <a:buNone/>
             </a:pPr>
-            <a:r>
-              <a:rPr lang="en" sz="2200" b="1" dirty="0"/>
-              <a:t>Method: </a:t>
-            </a:r>
-            <a:r>
-              <a:rPr lang="en" sz="2200" dirty="0"/>
-              <a:t>Searching GoogleScholar, ResearchGate, and relevant journals for published works. </a:t>
-            </a:r>
-            <a:r>
-              <a:rPr lang="en" sz="2200" b="1" dirty="0"/>
-              <a:t>Categorized each paper</a:t>
-            </a:r>
-            <a:r>
-              <a:rPr lang="en" sz="2200" dirty="0"/>
-              <a:t> -- as much as possible -- </a:t>
-            </a:r>
-            <a:r>
-              <a:rPr lang="en" sz="2200" b="1" dirty="0"/>
-              <a:t>by application, algorithm, objective function, optimization variables, and constraints.</a:t>
-            </a:r>
+            <a:endParaRPr lang="en-US" sz="1000" i="1" dirty="0"/>
           </a:p>
           <a:p>
             <a:pPr marL="0" indent="0">
-              <a:spcBef>
-                <a:spcPts val="2133"/>
-              </a:spcBef>
               <a:buNone/>
             </a:pPr>
-            <a:endParaRPr lang="en" sz="2500" b="1" u="sng" dirty="0">
-              <a:solidFill>
-                <a:schemeClr val="accent5"/>
-              </a:solidFill>
-            </a:endParaRPr>
+            <a:endParaRPr lang="en-US" sz="1100" b="1" i="1" dirty="0"/>
           </a:p>
           <a:p>
             <a:pPr marL="0" indent="0">
-              <a:spcBef>
-                <a:spcPts val="2133"/>
-              </a:spcBef>
               <a:buNone/>
             </a:pPr>
-            <a:endParaRPr lang="en" sz="2500" b="1" u="sng" dirty="0">
-              <a:solidFill>
-                <a:schemeClr val="accent5"/>
-              </a:solidFill>
-            </a:endParaRPr>
+            <a:endParaRPr lang="en-US" sz="1100" b="1" i="1" dirty="0"/>
           </a:p>
           <a:p>
             <a:pPr marL="0" indent="0">
-              <a:spcBef>
-                <a:spcPts val="2133"/>
-              </a:spcBef>
               <a:buNone/>
             </a:pPr>
-            <a:endParaRPr lang="en" sz="2500" b="1" u="sng" dirty="0">
+            <a:endParaRPr lang="en-US" sz="1100" b="1" i="1" dirty="0"/>
+          </a:p>
+        </p:txBody>
+      </p:sp>
+      <p:grpSp>
+        <p:nvGrpSpPr>
+          <p:cNvPr id="22" name="Shape 100">
+            <a:extLst>
+              <a:ext uri="{FF2B5EF4-FFF2-40B4-BE49-F238E27FC236}">
+                <a16:creationId xmlns:a16="http://schemas.microsoft.com/office/drawing/2014/main" id="{0B485FC1-9D30-4093-B0B9-9F49890EC81A}"/>
+              </a:ext>
+            </a:extLst>
+          </p:cNvPr>
+          <p:cNvGrpSpPr/>
+          <p:nvPr/>
+        </p:nvGrpSpPr>
+        <p:grpSpPr>
+          <a:xfrm>
+            <a:off x="4276091" y="6219280"/>
+            <a:ext cx="3639818" cy="639267"/>
+            <a:chOff x="-230050" y="2601291"/>
+            <a:chExt cx="9882756" cy="1935414"/>
+          </a:xfrm>
+        </p:grpSpPr>
+        <p:sp>
+          <p:nvSpPr>
+            <p:cNvPr id="24" name="Shape 101">
+              <a:extLst>
+                <a:ext uri="{FF2B5EF4-FFF2-40B4-BE49-F238E27FC236}">
+                  <a16:creationId xmlns:a16="http://schemas.microsoft.com/office/drawing/2014/main" id="{5C190453-9114-4758-8CE1-7023CBF88477}"/>
+                </a:ext>
+              </a:extLst>
+            </p:cNvPr>
+            <p:cNvSpPr/>
+            <p:nvPr/>
+          </p:nvSpPr>
+          <p:spPr>
+            <a:xfrm>
+              <a:off x="2886617" y="2997483"/>
+              <a:ext cx="792300" cy="49200"/>
+            </a:xfrm>
+            <a:prstGeom prst="roundRect">
+              <a:avLst>
+                <a:gd name="adj" fmla="val 50000"/>
+              </a:avLst>
+            </a:prstGeom>
+            <a:solidFill>
+              <a:srgbClr val="D9D9D9"/>
+            </a:solidFill>
+            <a:ln w="9525" cap="flat" cmpd="sng">
               <a:solidFill>
-                <a:schemeClr val="accent5"/>
+                <a:srgbClr val="EFEFEF"/>
               </a:solidFill>
-            </a:endParaRPr>
-          </a:p>
+              <a:prstDash val="solid"/>
+              <a:round/>
+              <a:headEnd type="none" w="med" len="med"/>
+              <a:tailEnd type="none" w="med" len="med"/>
+            </a:ln>
+          </p:spPr>
+          <p:txBody>
+            <a:bodyPr wrap="square" lIns="121900" tIns="121900" rIns="121900" bIns="121900" anchor="ctr" anchorCtr="0">
+              <a:noAutofit/>
+            </a:bodyPr>
+            <a:lstStyle/>
+            <a:p>
+              <a:endParaRPr sz="1200">
+                <a:latin typeface="+mj-lt"/>
+              </a:endParaRPr>
+            </a:p>
+          </p:txBody>
+        </p:sp>
+        <p:grpSp>
+          <p:nvGrpSpPr>
+            <p:cNvPr id="25" name="Shape 102">
+              <a:extLst>
+                <a:ext uri="{FF2B5EF4-FFF2-40B4-BE49-F238E27FC236}">
+                  <a16:creationId xmlns:a16="http://schemas.microsoft.com/office/drawing/2014/main" id="{2C8374BC-B013-4245-9CFE-FC59E63F2EAF}"/>
+                </a:ext>
+              </a:extLst>
+            </p:cNvPr>
+            <p:cNvGrpSpPr/>
+            <p:nvPr/>
+          </p:nvGrpSpPr>
+          <p:grpSpPr>
+            <a:xfrm>
+              <a:off x="-230050" y="2650491"/>
+              <a:ext cx="3361333" cy="1886214"/>
+              <a:chOff x="-172542" y="1987918"/>
+              <a:chExt cx="2521063" cy="1414696"/>
+            </a:xfrm>
+          </p:grpSpPr>
+          <p:sp>
+            <p:nvSpPr>
+              <p:cNvPr id="33" name="Shape 103">
+                <a:extLst>
+                  <a:ext uri="{FF2B5EF4-FFF2-40B4-BE49-F238E27FC236}">
+                    <a16:creationId xmlns:a16="http://schemas.microsoft.com/office/drawing/2014/main" id="{C0324055-5E99-4A51-B354-79C698636B9A}"/>
+                  </a:ext>
+                </a:extLst>
+              </p:cNvPr>
+              <p:cNvSpPr/>
+              <p:nvPr/>
+            </p:nvSpPr>
+            <p:spPr>
+              <a:xfrm>
+                <a:off x="790838" y="1987918"/>
+                <a:ext cx="594301" cy="594300"/>
+              </a:xfrm>
+              <a:prstGeom prst="ellipse">
+                <a:avLst/>
+              </a:prstGeom>
+              <a:solidFill>
+                <a:srgbClr val="6D9EEB"/>
+              </a:solidFill>
+              <a:ln w="38100" cap="flat" cmpd="sng">
+                <a:solidFill>
+                  <a:srgbClr val="4285F4"/>
+                </a:solidFill>
+                <a:prstDash val="solid"/>
+                <a:round/>
+                <a:headEnd type="none" w="med" len="med"/>
+                <a:tailEnd type="none" w="med" len="med"/>
+              </a:ln>
+            </p:spPr>
+            <p:txBody>
+              <a:bodyPr wrap="square" lIns="121900" tIns="121900" rIns="121900" bIns="121900" anchor="ctr" anchorCtr="0">
+                <a:noAutofit/>
+              </a:bodyPr>
+              <a:lstStyle/>
+              <a:p>
+                <a:endParaRPr sz="1200">
+                  <a:latin typeface="+mj-lt"/>
+                </a:endParaRPr>
+              </a:p>
+            </p:txBody>
+          </p:sp>
+          <p:sp>
+            <p:nvSpPr>
+              <p:cNvPr id="34" name="Shape 104">
+                <a:extLst>
+                  <a:ext uri="{FF2B5EF4-FFF2-40B4-BE49-F238E27FC236}">
+                    <a16:creationId xmlns:a16="http://schemas.microsoft.com/office/drawing/2014/main" id="{19A6A8C7-A82F-4022-B050-ADD7CF5A26AB}"/>
+                  </a:ext>
+                </a:extLst>
+              </p:cNvPr>
+              <p:cNvSpPr txBox="1"/>
+              <p:nvPr/>
+            </p:nvSpPr>
+            <p:spPr>
+              <a:xfrm>
+                <a:off x="-172542" y="2845215"/>
+                <a:ext cx="2521063" cy="557399"/>
+              </a:xfrm>
+              <a:prstGeom prst="rect">
+                <a:avLst/>
+              </a:prstGeom>
+              <a:noFill/>
+              <a:ln>
+                <a:noFill/>
+              </a:ln>
+            </p:spPr>
+            <p:txBody>
+              <a:bodyPr wrap="square" lIns="121900" tIns="121900" rIns="121900" bIns="121900" anchor="b" anchorCtr="0">
+                <a:noAutofit/>
+              </a:bodyPr>
+              <a:lstStyle/>
+              <a:p>
+                <a:pPr algn="ctr">
+                  <a:lnSpc>
+                    <a:spcPct val="115000"/>
+                  </a:lnSpc>
+                </a:pPr>
+                <a:r>
+                  <a:rPr lang="en-US" sz="1200" b="1" dirty="0">
+                    <a:solidFill>
+                      <a:srgbClr val="4285F4"/>
+                    </a:solidFill>
+                    <a:latin typeface="+mj-lt"/>
+                    <a:ea typeface="Roboto"/>
+                    <a:cs typeface="Roboto"/>
+                    <a:sym typeface="Roboto"/>
+                  </a:rPr>
+                  <a:t>Background</a:t>
+                </a:r>
+              </a:p>
+            </p:txBody>
+          </p:sp>
+        </p:grpSp>
+        <p:grpSp>
+          <p:nvGrpSpPr>
+            <p:cNvPr id="26" name="Shape 105">
+              <a:extLst>
+                <a:ext uri="{FF2B5EF4-FFF2-40B4-BE49-F238E27FC236}">
+                  <a16:creationId xmlns:a16="http://schemas.microsoft.com/office/drawing/2014/main" id="{8A108205-E0F9-47FE-8E48-45AC5FB51E82}"/>
+                </a:ext>
+              </a:extLst>
+            </p:cNvPr>
+            <p:cNvGrpSpPr/>
+            <p:nvPr/>
+          </p:nvGrpSpPr>
+          <p:grpSpPr>
+            <a:xfrm>
+              <a:off x="3342936" y="2638476"/>
+              <a:ext cx="2775931" cy="1824233"/>
+              <a:chOff x="2507265" y="1978906"/>
+              <a:chExt cx="2082000" cy="1368209"/>
+            </a:xfrm>
+          </p:grpSpPr>
+          <p:sp>
+            <p:nvSpPr>
+              <p:cNvPr id="31" name="Shape 106">
+                <a:extLst>
+                  <a:ext uri="{FF2B5EF4-FFF2-40B4-BE49-F238E27FC236}">
+                    <a16:creationId xmlns:a16="http://schemas.microsoft.com/office/drawing/2014/main" id="{3D4D61E2-018E-430A-A8B1-44362DB75D86}"/>
+                  </a:ext>
+                </a:extLst>
+              </p:cNvPr>
+              <p:cNvSpPr/>
+              <p:nvPr/>
+            </p:nvSpPr>
+            <p:spPr>
+              <a:xfrm>
+                <a:off x="3251116" y="1978906"/>
+                <a:ext cx="594301" cy="594300"/>
+              </a:xfrm>
+              <a:prstGeom prst="ellipse">
+                <a:avLst/>
+              </a:prstGeom>
+              <a:noFill/>
+              <a:ln w="38100" cap="flat" cmpd="sng">
+                <a:solidFill>
+                  <a:srgbClr val="D9D9D9"/>
+                </a:solidFill>
+                <a:prstDash val="solid"/>
+                <a:round/>
+                <a:headEnd type="none" w="med" len="med"/>
+                <a:tailEnd type="none" w="med" len="med"/>
+              </a:ln>
+            </p:spPr>
+            <p:txBody>
+              <a:bodyPr wrap="square" lIns="121900" tIns="121900" rIns="121900" bIns="121900" anchor="ctr" anchorCtr="0">
+                <a:noAutofit/>
+              </a:bodyPr>
+              <a:lstStyle/>
+              <a:p>
+                <a:endParaRPr sz="1200">
+                  <a:latin typeface="+mj-lt"/>
+                </a:endParaRPr>
+              </a:p>
+            </p:txBody>
+          </p:sp>
+          <p:sp>
+            <p:nvSpPr>
+              <p:cNvPr id="32" name="Shape 107">
+                <a:extLst>
+                  <a:ext uri="{FF2B5EF4-FFF2-40B4-BE49-F238E27FC236}">
+                    <a16:creationId xmlns:a16="http://schemas.microsoft.com/office/drawing/2014/main" id="{D7EB2201-1DEF-45CD-96A8-57A1B73D45CE}"/>
+                  </a:ext>
+                </a:extLst>
+              </p:cNvPr>
+              <p:cNvSpPr txBox="1"/>
+              <p:nvPr/>
+            </p:nvSpPr>
+            <p:spPr>
+              <a:xfrm>
+                <a:off x="2507265" y="2900714"/>
+                <a:ext cx="2082000" cy="446401"/>
+              </a:xfrm>
+              <a:prstGeom prst="rect">
+                <a:avLst/>
+              </a:prstGeom>
+              <a:noFill/>
+              <a:ln>
+                <a:noFill/>
+              </a:ln>
+            </p:spPr>
+            <p:txBody>
+              <a:bodyPr wrap="square" lIns="121900" tIns="121900" rIns="121900" bIns="121900" anchor="b" anchorCtr="0">
+                <a:noAutofit/>
+              </a:bodyPr>
+              <a:lstStyle/>
+              <a:p>
+                <a:pPr algn="ctr">
+                  <a:lnSpc>
+                    <a:spcPct val="115000"/>
+                  </a:lnSpc>
+                </a:pPr>
+                <a:r>
+                  <a:rPr lang="en-US" sz="1200" b="1" dirty="0">
+                    <a:solidFill>
+                      <a:srgbClr val="B7B7B7"/>
+                    </a:solidFill>
+                    <a:latin typeface="+mj-lt"/>
+                    <a:ea typeface="Roboto"/>
+                    <a:cs typeface="Roboto"/>
+                    <a:sym typeface="Roboto"/>
+                  </a:rPr>
+                  <a:t>Example</a:t>
+                </a:r>
+              </a:p>
+            </p:txBody>
+          </p:sp>
+        </p:grpSp>
+        <p:grpSp>
+          <p:nvGrpSpPr>
+            <p:cNvPr id="27" name="Shape 108">
+              <a:extLst>
+                <a:ext uri="{FF2B5EF4-FFF2-40B4-BE49-F238E27FC236}">
+                  <a16:creationId xmlns:a16="http://schemas.microsoft.com/office/drawing/2014/main" id="{F35039B3-053B-43E3-93AD-AF632AA2EAD5}"/>
+                </a:ext>
+              </a:extLst>
+            </p:cNvPr>
+            <p:cNvGrpSpPr/>
+            <p:nvPr/>
+          </p:nvGrpSpPr>
+          <p:grpSpPr>
+            <a:xfrm>
+              <a:off x="5975910" y="2601291"/>
+              <a:ext cx="3676796" cy="1887216"/>
+              <a:chOff x="4482044" y="1951017"/>
+              <a:chExt cx="2757666" cy="1415448"/>
+            </a:xfrm>
+          </p:grpSpPr>
+          <p:sp>
+            <p:nvSpPr>
+              <p:cNvPr id="29" name="Shape 109">
+                <a:extLst>
+                  <a:ext uri="{FF2B5EF4-FFF2-40B4-BE49-F238E27FC236}">
+                    <a16:creationId xmlns:a16="http://schemas.microsoft.com/office/drawing/2014/main" id="{99969CC6-209C-49E2-BBEB-D9F52A824A1B}"/>
+                  </a:ext>
+                </a:extLst>
+              </p:cNvPr>
+              <p:cNvSpPr/>
+              <p:nvPr/>
+            </p:nvSpPr>
+            <p:spPr>
+              <a:xfrm>
+                <a:off x="5563726" y="1951017"/>
+                <a:ext cx="594301" cy="594300"/>
+              </a:xfrm>
+              <a:prstGeom prst="ellipse">
+                <a:avLst/>
+              </a:prstGeom>
+              <a:noFill/>
+              <a:ln w="38100" cap="flat" cmpd="sng">
+                <a:solidFill>
+                  <a:srgbClr val="D9D9D9"/>
+                </a:solidFill>
+                <a:prstDash val="solid"/>
+                <a:round/>
+                <a:headEnd type="none" w="med" len="med"/>
+                <a:tailEnd type="none" w="med" len="med"/>
+              </a:ln>
+            </p:spPr>
+            <p:txBody>
+              <a:bodyPr wrap="square" lIns="121900" tIns="121900" rIns="121900" bIns="121900" anchor="ctr" anchorCtr="0">
+                <a:noAutofit/>
+              </a:bodyPr>
+              <a:lstStyle/>
+              <a:p>
+                <a:endParaRPr sz="1200">
+                  <a:latin typeface="+mj-lt"/>
+                </a:endParaRPr>
+              </a:p>
+            </p:txBody>
+          </p:sp>
+          <p:sp>
+            <p:nvSpPr>
+              <p:cNvPr id="30" name="Shape 110">
+                <a:extLst>
+                  <a:ext uri="{FF2B5EF4-FFF2-40B4-BE49-F238E27FC236}">
+                    <a16:creationId xmlns:a16="http://schemas.microsoft.com/office/drawing/2014/main" id="{223D9241-7EC5-4F1B-B0C5-B466D6403330}"/>
+                  </a:ext>
+                </a:extLst>
+              </p:cNvPr>
+              <p:cNvSpPr txBox="1"/>
+              <p:nvPr/>
+            </p:nvSpPr>
+            <p:spPr>
+              <a:xfrm>
+                <a:off x="4482044" y="2907284"/>
+                <a:ext cx="2757666" cy="459181"/>
+              </a:xfrm>
+              <a:prstGeom prst="rect">
+                <a:avLst/>
+              </a:prstGeom>
+              <a:noFill/>
+              <a:ln>
+                <a:noFill/>
+              </a:ln>
+            </p:spPr>
+            <p:txBody>
+              <a:bodyPr wrap="square" lIns="121900" tIns="121900" rIns="121900" bIns="121900" anchor="b" anchorCtr="0">
+                <a:noAutofit/>
+              </a:bodyPr>
+              <a:lstStyle/>
+              <a:p>
+                <a:pPr algn="ctr">
+                  <a:lnSpc>
+                    <a:spcPct val="115000"/>
+                  </a:lnSpc>
+                </a:pPr>
+                <a:r>
+                  <a:rPr lang="en-US" sz="1200" b="1" dirty="0">
+                    <a:solidFill>
+                      <a:srgbClr val="B7B7B7"/>
+                    </a:solidFill>
+                    <a:latin typeface="+mj-lt"/>
+                    <a:ea typeface="Roboto"/>
+                    <a:cs typeface="Roboto"/>
+                    <a:sym typeface="Roboto"/>
+                  </a:rPr>
+                  <a:t>Next Steps</a:t>
+                </a:r>
+              </a:p>
+            </p:txBody>
+          </p:sp>
+        </p:grpSp>
+        <p:sp>
+          <p:nvSpPr>
+            <p:cNvPr id="28" name="Shape 114">
+              <a:extLst>
+                <a:ext uri="{FF2B5EF4-FFF2-40B4-BE49-F238E27FC236}">
+                  <a16:creationId xmlns:a16="http://schemas.microsoft.com/office/drawing/2014/main" id="{96451AE6-5D83-42D2-B7EE-BA9CACEE48A8}"/>
+                </a:ext>
+              </a:extLst>
+            </p:cNvPr>
+            <p:cNvSpPr/>
+            <p:nvPr/>
+          </p:nvSpPr>
+          <p:spPr>
+            <a:xfrm>
+              <a:off x="5782900" y="2997483"/>
+              <a:ext cx="792300" cy="49200"/>
+            </a:xfrm>
+            <a:prstGeom prst="roundRect">
+              <a:avLst>
+                <a:gd name="adj" fmla="val 50000"/>
+              </a:avLst>
+            </a:prstGeom>
+            <a:solidFill>
+              <a:srgbClr val="D9D9D9"/>
+            </a:solidFill>
+            <a:ln>
+              <a:noFill/>
+            </a:ln>
+          </p:spPr>
+          <p:txBody>
+            <a:bodyPr wrap="square" lIns="121900" tIns="121900" rIns="121900" bIns="121900" anchor="ctr" anchorCtr="0">
+              <a:noAutofit/>
+            </a:bodyPr>
+            <a:lstStyle/>
+            <a:p>
+              <a:endParaRPr sz="1200">
+                <a:latin typeface="+mj-lt"/>
+              </a:endParaRPr>
+            </a:p>
+          </p:txBody>
+        </p:sp>
+      </p:grpSp>
+    </p:spTree>
+    <p:extLst>
+      <p:ext uri="{BB962C8B-B14F-4D97-AF65-F5344CB8AC3E}">
+        <p14:creationId xmlns:p14="http://schemas.microsoft.com/office/powerpoint/2010/main" val="743187992"/>
+      </p:ext>
+    </p:extLst>
+  </p:cSld>
+  <p:clrMapOvr>
+    <a:masterClrMapping/>
+  </p:clrMapOvr>
+</p:sld>
+</file>
+
+<file path=ppt/slides/slide5.xml><?xml version="1.0" encoding="utf-8"?>
+<p:sld xmlns:a="http://schemas.openxmlformats.org/drawingml/2006/main" xmlns:r="http://schemas.openxmlformats.org/officeDocument/2006/relationships" xmlns:p="http://schemas.openxmlformats.org/presentationml/2006/main">
+  <p:cSld>
+    <p:spTree>
+      <p:nvGrpSpPr>
+        <p:cNvPr id="1" name=""/>
+        <p:cNvGrpSpPr/>
+        <p:nvPr/>
+      </p:nvGrpSpPr>
+      <p:grpSpPr>
+        <a:xfrm>
+          <a:off x="0" y="0"/>
+          <a:ext cx="0" cy="0"/>
+          <a:chOff x="0" y="0"/>
+          <a:chExt cx="0" cy="0"/>
+        </a:xfrm>
+      </p:grpSpPr>
+      <p:sp>
+        <p:nvSpPr>
+          <p:cNvPr id="2" name="Title 1">
+            <a:extLst>
+              <a:ext uri="{FF2B5EF4-FFF2-40B4-BE49-F238E27FC236}">
+                <a16:creationId xmlns:a16="http://schemas.microsoft.com/office/drawing/2014/main" id="{3D702872-1453-4441-9054-4B8C5FCF6CEC}"/>
+              </a:ext>
+            </a:extLst>
+          </p:cNvPr>
+          <p:cNvSpPr>
+            <a:spLocks noGrp="1"/>
+          </p:cNvSpPr>
+          <p:nvPr>
+            <p:ph type="title"/>
+          </p:nvPr>
+        </p:nvSpPr>
+        <p:spPr/>
+        <p:txBody>
+          <a:bodyPr>
+            <a:normAutofit/>
+          </a:bodyPr>
+          <a:lstStyle/>
+          <a:p>
+            <a:r>
+              <a:rPr lang="en-US" dirty="0"/>
+              <a:t>The actor-critic algorithm: model-based RL</a:t>
+            </a:r>
+          </a:p>
+        </p:txBody>
+      </p:sp>
+      <p:sp>
+        <p:nvSpPr>
+          <p:cNvPr id="3" name="Content Placeholder 2">
+            <a:extLst>
+              <a:ext uri="{FF2B5EF4-FFF2-40B4-BE49-F238E27FC236}">
+                <a16:creationId xmlns:a16="http://schemas.microsoft.com/office/drawing/2014/main" id="{371A94F6-9D17-40DF-B863-3D8AC763717F}"/>
+              </a:ext>
+            </a:extLst>
+          </p:cNvPr>
+          <p:cNvSpPr>
+            <a:spLocks noGrp="1"/>
+          </p:cNvSpPr>
+          <p:nvPr>
+            <p:ph idx="1"/>
+          </p:nvPr>
+        </p:nvSpPr>
+        <p:spPr>
+          <a:xfrm>
+            <a:off x="838199" y="1531644"/>
+            <a:ext cx="10105417" cy="4642007"/>
+          </a:xfrm>
+        </p:spPr>
+        <p:txBody>
+          <a:bodyPr>
+            <a:normAutofit/>
+          </a:bodyPr>
+          <a:lstStyle/>
           <a:p>
             <a:pPr marL="0" indent="0">
-              <a:spcBef>
-                <a:spcPts val="2133"/>
-              </a:spcBef>
               <a:buNone/>
             </a:pPr>
-            <a:endParaRPr sz="2400" dirty="0"/>
+            <a:r>
+              <a:rPr lang="en-US" sz="2400" dirty="0"/>
+              <a:t>Summary</a:t>
+            </a:r>
+          </a:p>
+          <a:p>
+            <a:r>
+              <a:rPr lang="en-US" sz="2400" dirty="0"/>
+              <a:t>Adding a “critic” to assess the reward (value) associated with each action (policy)</a:t>
+            </a:r>
+          </a:p>
+          <a:p>
+            <a:r>
+              <a:rPr lang="en-US" sz="2400" dirty="0"/>
+              <a:t>Approximate dynamic programming (ADP) is a form of this real-time optimal decision-making: critic is the function approximator</a:t>
+            </a:r>
+          </a:p>
+          <a:p>
+            <a:pPr marL="0" indent="0">
+              <a:buNone/>
+            </a:pPr>
+            <a:endParaRPr lang="en-US" sz="1800" dirty="0"/>
+          </a:p>
+          <a:p>
+            <a:pPr marL="0" indent="0">
+              <a:buNone/>
+            </a:pPr>
+            <a:r>
+              <a:rPr lang="en-US" sz="2400" dirty="0"/>
+              <a:t>Key Equation(s)</a:t>
+            </a:r>
+          </a:p>
+          <a:p>
+            <a:pPr marL="0" indent="0">
+              <a:buNone/>
+            </a:pPr>
+            <a:endParaRPr lang="en-US" sz="2400" b="1" dirty="0"/>
+          </a:p>
+          <a:p>
+            <a:pPr marL="0" indent="0">
+              <a:buNone/>
+            </a:pPr>
+            <a:endParaRPr lang="en-US" sz="2400" b="1" dirty="0"/>
+          </a:p>
+          <a:p>
+            <a:pPr marL="0" indent="0">
+              <a:buNone/>
+            </a:pPr>
+            <a:endParaRPr lang="en-US" sz="2400" b="1" dirty="0"/>
+          </a:p>
+        </p:txBody>
+      </p:sp>
+      <p:sp>
+        <p:nvSpPr>
+          <p:cNvPr id="4" name="Date Placeholder 3">
+            <a:extLst>
+              <a:ext uri="{FF2B5EF4-FFF2-40B4-BE49-F238E27FC236}">
+                <a16:creationId xmlns:a16="http://schemas.microsoft.com/office/drawing/2014/main" id="{4ECA9D10-F35C-4DA6-ADD6-D08555671B2B}"/>
+              </a:ext>
+            </a:extLst>
+          </p:cNvPr>
+          <p:cNvSpPr>
+            <a:spLocks noGrp="1"/>
+          </p:cNvSpPr>
+          <p:nvPr>
+            <p:ph type="dt" sz="half" idx="10"/>
+          </p:nvPr>
+        </p:nvSpPr>
+        <p:spPr/>
+        <p:txBody>
+          <a:bodyPr/>
+          <a:lstStyle/>
+          <a:p>
+            <a:fld id="{22C1D34C-E3DB-4798-9774-B993028C2B89}" type="datetime1">
+              <a:rPr lang="en-US" smtClean="0"/>
+              <a:t>8/9/2018</a:t>
+            </a:fld>
+            <a:endParaRPr lang="en-US" dirty="0"/>
+          </a:p>
+        </p:txBody>
+      </p:sp>
+      <p:sp>
+        <p:nvSpPr>
+          <p:cNvPr id="5" name="Slide Number Placeholder 4">
+            <a:extLst>
+              <a:ext uri="{FF2B5EF4-FFF2-40B4-BE49-F238E27FC236}">
+                <a16:creationId xmlns:a16="http://schemas.microsoft.com/office/drawing/2014/main" id="{CE41504E-7348-4BCF-89E6-2153FB90B509}"/>
+              </a:ext>
+            </a:extLst>
+          </p:cNvPr>
+          <p:cNvSpPr>
+            <a:spLocks noGrp="1"/>
+          </p:cNvSpPr>
+          <p:nvPr>
+            <p:ph type="sldNum" sz="quarter" idx="12"/>
+          </p:nvPr>
+        </p:nvSpPr>
+        <p:spPr/>
+        <p:txBody>
+          <a:bodyPr/>
+          <a:lstStyle/>
+          <a:p>
+            <a:fld id="{95EE2DDF-6CB9-4330-926E-8B80970773BB}" type="slidenum">
+              <a:rPr lang="en-US" smtClean="0"/>
+              <a:t>5</a:t>
+            </a:fld>
+            <a:endParaRPr lang="en-US"/>
+          </a:p>
+        </p:txBody>
+      </p:sp>
+      <p:pic>
+        <p:nvPicPr>
+          <p:cNvPr id="11" name="Picture 10">
+            <a:extLst>
+              <a:ext uri="{FF2B5EF4-FFF2-40B4-BE49-F238E27FC236}">
+                <a16:creationId xmlns:a16="http://schemas.microsoft.com/office/drawing/2014/main" id="{2EB197B7-CED8-4FB5-814E-FEB1D6C35C46}"/>
+              </a:ext>
+            </a:extLst>
+          </p:cNvPr>
+          <p:cNvPicPr>
+            <a:picLocks noChangeAspect="1"/>
+          </p:cNvPicPr>
+          <p:nvPr/>
+        </p:nvPicPr>
+        <p:blipFill>
+          <a:blip r:embed="rId2"/>
+          <a:stretch>
+            <a:fillRect/>
+          </a:stretch>
+        </p:blipFill>
+        <p:spPr>
+          <a:xfrm>
+            <a:off x="3437514" y="4170564"/>
+            <a:ext cx="6689899" cy="1732413"/>
+          </a:xfrm>
+          <a:prstGeom prst="rect">
+            <a:avLst/>
+          </a:prstGeom>
+        </p:spPr>
+      </p:pic>
+      <p:grpSp>
+        <p:nvGrpSpPr>
+          <p:cNvPr id="22" name="Shape 100">
+            <a:extLst>
+              <a:ext uri="{FF2B5EF4-FFF2-40B4-BE49-F238E27FC236}">
+                <a16:creationId xmlns:a16="http://schemas.microsoft.com/office/drawing/2014/main" id="{0A0C0221-604E-464A-BE0C-C3B038CF8886}"/>
+              </a:ext>
+            </a:extLst>
+          </p:cNvPr>
+          <p:cNvGrpSpPr/>
+          <p:nvPr/>
+        </p:nvGrpSpPr>
+        <p:grpSpPr>
+          <a:xfrm>
+            <a:off x="4276091" y="6219280"/>
+            <a:ext cx="3639818" cy="639267"/>
+            <a:chOff x="-230050" y="2601291"/>
+            <a:chExt cx="9882756" cy="1935414"/>
+          </a:xfrm>
+        </p:grpSpPr>
+        <p:sp>
+          <p:nvSpPr>
+            <p:cNvPr id="23" name="Shape 101">
+              <a:extLst>
+                <a:ext uri="{FF2B5EF4-FFF2-40B4-BE49-F238E27FC236}">
+                  <a16:creationId xmlns:a16="http://schemas.microsoft.com/office/drawing/2014/main" id="{7925B07C-D2B9-4FCE-ADAD-3A69602D9265}"/>
+                </a:ext>
+              </a:extLst>
+            </p:cNvPr>
+            <p:cNvSpPr/>
+            <p:nvPr/>
+          </p:nvSpPr>
+          <p:spPr>
+            <a:xfrm>
+              <a:off x="2886617" y="2997483"/>
+              <a:ext cx="792300" cy="49200"/>
+            </a:xfrm>
+            <a:prstGeom prst="roundRect">
+              <a:avLst>
+                <a:gd name="adj" fmla="val 50000"/>
+              </a:avLst>
+            </a:prstGeom>
+            <a:solidFill>
+              <a:srgbClr val="D9D9D9"/>
+            </a:solidFill>
+            <a:ln w="9525" cap="flat" cmpd="sng">
+              <a:solidFill>
+                <a:srgbClr val="EFEFEF"/>
+              </a:solidFill>
+              <a:prstDash val="solid"/>
+              <a:round/>
+              <a:headEnd type="none" w="med" len="med"/>
+              <a:tailEnd type="none" w="med" len="med"/>
+            </a:ln>
+          </p:spPr>
+          <p:txBody>
+            <a:bodyPr wrap="square" lIns="121900" tIns="121900" rIns="121900" bIns="121900" anchor="ctr" anchorCtr="0">
+              <a:noAutofit/>
+            </a:bodyPr>
+            <a:lstStyle/>
+            <a:p>
+              <a:endParaRPr sz="1200">
+                <a:latin typeface="+mj-lt"/>
+              </a:endParaRPr>
+            </a:p>
+          </p:txBody>
+        </p:sp>
+        <p:grpSp>
+          <p:nvGrpSpPr>
+            <p:cNvPr id="24" name="Shape 102">
+              <a:extLst>
+                <a:ext uri="{FF2B5EF4-FFF2-40B4-BE49-F238E27FC236}">
+                  <a16:creationId xmlns:a16="http://schemas.microsoft.com/office/drawing/2014/main" id="{AF14FFA8-1182-4438-BA2C-F07B8581E210}"/>
+                </a:ext>
+              </a:extLst>
+            </p:cNvPr>
+            <p:cNvGrpSpPr/>
+            <p:nvPr/>
+          </p:nvGrpSpPr>
+          <p:grpSpPr>
+            <a:xfrm>
+              <a:off x="-230050" y="2650491"/>
+              <a:ext cx="3361333" cy="1886214"/>
+              <a:chOff x="-172542" y="1987918"/>
+              <a:chExt cx="2521063" cy="1414696"/>
+            </a:xfrm>
+          </p:grpSpPr>
+          <p:sp>
+            <p:nvSpPr>
+              <p:cNvPr id="32" name="Shape 103">
+                <a:extLst>
+                  <a:ext uri="{FF2B5EF4-FFF2-40B4-BE49-F238E27FC236}">
+                    <a16:creationId xmlns:a16="http://schemas.microsoft.com/office/drawing/2014/main" id="{7AD5C50A-31CF-4F67-B218-A4A623925BA8}"/>
+                  </a:ext>
+                </a:extLst>
+              </p:cNvPr>
+              <p:cNvSpPr/>
+              <p:nvPr/>
+            </p:nvSpPr>
+            <p:spPr>
+              <a:xfrm>
+                <a:off x="790838" y="1987918"/>
+                <a:ext cx="594301" cy="594300"/>
+              </a:xfrm>
+              <a:prstGeom prst="ellipse">
+                <a:avLst/>
+              </a:prstGeom>
+              <a:solidFill>
+                <a:srgbClr val="6D9EEB"/>
+              </a:solidFill>
+              <a:ln w="38100" cap="flat" cmpd="sng">
+                <a:solidFill>
+                  <a:srgbClr val="4285F4"/>
+                </a:solidFill>
+                <a:prstDash val="solid"/>
+                <a:round/>
+                <a:headEnd type="none" w="med" len="med"/>
+                <a:tailEnd type="none" w="med" len="med"/>
+              </a:ln>
+            </p:spPr>
+            <p:txBody>
+              <a:bodyPr wrap="square" lIns="121900" tIns="121900" rIns="121900" bIns="121900" anchor="ctr" anchorCtr="0">
+                <a:noAutofit/>
+              </a:bodyPr>
+              <a:lstStyle/>
+              <a:p>
+                <a:endParaRPr sz="1200">
+                  <a:latin typeface="+mj-lt"/>
+                </a:endParaRPr>
+              </a:p>
+            </p:txBody>
+          </p:sp>
+          <p:sp>
+            <p:nvSpPr>
+              <p:cNvPr id="33" name="Shape 104">
+                <a:extLst>
+                  <a:ext uri="{FF2B5EF4-FFF2-40B4-BE49-F238E27FC236}">
+                    <a16:creationId xmlns:a16="http://schemas.microsoft.com/office/drawing/2014/main" id="{3934680A-DF29-4C06-84CA-294D7ACE01FF}"/>
+                  </a:ext>
+                </a:extLst>
+              </p:cNvPr>
+              <p:cNvSpPr txBox="1"/>
+              <p:nvPr/>
+            </p:nvSpPr>
+            <p:spPr>
+              <a:xfrm>
+                <a:off x="-172542" y="2845215"/>
+                <a:ext cx="2521063" cy="557399"/>
+              </a:xfrm>
+              <a:prstGeom prst="rect">
+                <a:avLst/>
+              </a:prstGeom>
+              <a:noFill/>
+              <a:ln>
+                <a:noFill/>
+              </a:ln>
+            </p:spPr>
+            <p:txBody>
+              <a:bodyPr wrap="square" lIns="121900" tIns="121900" rIns="121900" bIns="121900" anchor="b" anchorCtr="0">
+                <a:noAutofit/>
+              </a:bodyPr>
+              <a:lstStyle/>
+              <a:p>
+                <a:pPr algn="ctr">
+                  <a:lnSpc>
+                    <a:spcPct val="115000"/>
+                  </a:lnSpc>
+                </a:pPr>
+                <a:r>
+                  <a:rPr lang="en-US" sz="1200" b="1" dirty="0">
+                    <a:solidFill>
+                      <a:srgbClr val="4285F4"/>
+                    </a:solidFill>
+                    <a:latin typeface="+mj-lt"/>
+                    <a:ea typeface="Roboto"/>
+                    <a:cs typeface="Roboto"/>
+                    <a:sym typeface="Roboto"/>
+                  </a:rPr>
+                  <a:t>Background</a:t>
+                </a:r>
+              </a:p>
+            </p:txBody>
+          </p:sp>
+        </p:grpSp>
+        <p:grpSp>
+          <p:nvGrpSpPr>
+            <p:cNvPr id="25" name="Shape 105">
+              <a:extLst>
+                <a:ext uri="{FF2B5EF4-FFF2-40B4-BE49-F238E27FC236}">
+                  <a16:creationId xmlns:a16="http://schemas.microsoft.com/office/drawing/2014/main" id="{B1AEA3D4-35A2-488E-9B50-900D4CFE4B75}"/>
+                </a:ext>
+              </a:extLst>
+            </p:cNvPr>
+            <p:cNvGrpSpPr/>
+            <p:nvPr/>
+          </p:nvGrpSpPr>
+          <p:grpSpPr>
+            <a:xfrm>
+              <a:off x="3342936" y="2638476"/>
+              <a:ext cx="2775931" cy="1824233"/>
+              <a:chOff x="2507265" y="1978906"/>
+              <a:chExt cx="2082000" cy="1368209"/>
+            </a:xfrm>
+          </p:grpSpPr>
+          <p:sp>
+            <p:nvSpPr>
+              <p:cNvPr id="30" name="Shape 106">
+                <a:extLst>
+                  <a:ext uri="{FF2B5EF4-FFF2-40B4-BE49-F238E27FC236}">
+                    <a16:creationId xmlns:a16="http://schemas.microsoft.com/office/drawing/2014/main" id="{D1B31381-E7CB-46DD-995B-AB506F76055B}"/>
+                  </a:ext>
+                </a:extLst>
+              </p:cNvPr>
+              <p:cNvSpPr/>
+              <p:nvPr/>
+            </p:nvSpPr>
+            <p:spPr>
+              <a:xfrm>
+                <a:off x="3251116" y="1978906"/>
+                <a:ext cx="594301" cy="594300"/>
+              </a:xfrm>
+              <a:prstGeom prst="ellipse">
+                <a:avLst/>
+              </a:prstGeom>
+              <a:noFill/>
+              <a:ln w="38100" cap="flat" cmpd="sng">
+                <a:solidFill>
+                  <a:srgbClr val="D9D9D9"/>
+                </a:solidFill>
+                <a:prstDash val="solid"/>
+                <a:round/>
+                <a:headEnd type="none" w="med" len="med"/>
+                <a:tailEnd type="none" w="med" len="med"/>
+              </a:ln>
+            </p:spPr>
+            <p:txBody>
+              <a:bodyPr wrap="square" lIns="121900" tIns="121900" rIns="121900" bIns="121900" anchor="ctr" anchorCtr="0">
+                <a:noAutofit/>
+              </a:bodyPr>
+              <a:lstStyle/>
+              <a:p>
+                <a:endParaRPr sz="1200">
+                  <a:latin typeface="+mj-lt"/>
+                </a:endParaRPr>
+              </a:p>
+            </p:txBody>
+          </p:sp>
+          <p:sp>
+            <p:nvSpPr>
+              <p:cNvPr id="31" name="Shape 107">
+                <a:extLst>
+                  <a:ext uri="{FF2B5EF4-FFF2-40B4-BE49-F238E27FC236}">
+                    <a16:creationId xmlns:a16="http://schemas.microsoft.com/office/drawing/2014/main" id="{F5EE4AA5-298A-4AAF-8A5B-5DD0923A9890}"/>
+                  </a:ext>
+                </a:extLst>
+              </p:cNvPr>
+              <p:cNvSpPr txBox="1"/>
+              <p:nvPr/>
+            </p:nvSpPr>
+            <p:spPr>
+              <a:xfrm>
+                <a:off x="2507265" y="2900714"/>
+                <a:ext cx="2082000" cy="446401"/>
+              </a:xfrm>
+              <a:prstGeom prst="rect">
+                <a:avLst/>
+              </a:prstGeom>
+              <a:noFill/>
+              <a:ln>
+                <a:noFill/>
+              </a:ln>
+            </p:spPr>
+            <p:txBody>
+              <a:bodyPr wrap="square" lIns="121900" tIns="121900" rIns="121900" bIns="121900" anchor="b" anchorCtr="0">
+                <a:noAutofit/>
+              </a:bodyPr>
+              <a:lstStyle/>
+              <a:p>
+                <a:pPr algn="ctr">
+                  <a:lnSpc>
+                    <a:spcPct val="115000"/>
+                  </a:lnSpc>
+                </a:pPr>
+                <a:r>
+                  <a:rPr lang="en-US" sz="1200" b="1" dirty="0">
+                    <a:solidFill>
+                      <a:srgbClr val="B7B7B7"/>
+                    </a:solidFill>
+                    <a:latin typeface="+mj-lt"/>
+                    <a:ea typeface="Roboto"/>
+                    <a:cs typeface="Roboto"/>
+                    <a:sym typeface="Roboto"/>
+                  </a:rPr>
+                  <a:t>Example</a:t>
+                </a:r>
+              </a:p>
+            </p:txBody>
+          </p:sp>
+        </p:grpSp>
+        <p:grpSp>
+          <p:nvGrpSpPr>
+            <p:cNvPr id="26" name="Shape 108">
+              <a:extLst>
+                <a:ext uri="{FF2B5EF4-FFF2-40B4-BE49-F238E27FC236}">
+                  <a16:creationId xmlns:a16="http://schemas.microsoft.com/office/drawing/2014/main" id="{1707F6C1-D0B7-4BBB-A8C1-59AB6A505784}"/>
+                </a:ext>
+              </a:extLst>
+            </p:cNvPr>
+            <p:cNvGrpSpPr/>
+            <p:nvPr/>
+          </p:nvGrpSpPr>
+          <p:grpSpPr>
+            <a:xfrm>
+              <a:off x="5975910" y="2601291"/>
+              <a:ext cx="3676796" cy="1887216"/>
+              <a:chOff x="4482044" y="1951017"/>
+              <a:chExt cx="2757666" cy="1415448"/>
+            </a:xfrm>
+          </p:grpSpPr>
+          <p:sp>
+            <p:nvSpPr>
+              <p:cNvPr id="28" name="Shape 109">
+                <a:extLst>
+                  <a:ext uri="{FF2B5EF4-FFF2-40B4-BE49-F238E27FC236}">
+                    <a16:creationId xmlns:a16="http://schemas.microsoft.com/office/drawing/2014/main" id="{B01ECDE5-8BCE-4EB0-BA71-DA2B1526F5F2}"/>
+                  </a:ext>
+                </a:extLst>
+              </p:cNvPr>
+              <p:cNvSpPr/>
+              <p:nvPr/>
+            </p:nvSpPr>
+            <p:spPr>
+              <a:xfrm>
+                <a:off x="5563726" y="1951017"/>
+                <a:ext cx="594301" cy="594300"/>
+              </a:xfrm>
+              <a:prstGeom prst="ellipse">
+                <a:avLst/>
+              </a:prstGeom>
+              <a:noFill/>
+              <a:ln w="38100" cap="flat" cmpd="sng">
+                <a:solidFill>
+                  <a:srgbClr val="D9D9D9"/>
+                </a:solidFill>
+                <a:prstDash val="solid"/>
+                <a:round/>
+                <a:headEnd type="none" w="med" len="med"/>
+                <a:tailEnd type="none" w="med" len="med"/>
+              </a:ln>
+            </p:spPr>
+            <p:txBody>
+              <a:bodyPr wrap="square" lIns="121900" tIns="121900" rIns="121900" bIns="121900" anchor="ctr" anchorCtr="0">
+                <a:noAutofit/>
+              </a:bodyPr>
+              <a:lstStyle/>
+              <a:p>
+                <a:endParaRPr sz="1200">
+                  <a:latin typeface="+mj-lt"/>
+                </a:endParaRPr>
+              </a:p>
+            </p:txBody>
+          </p:sp>
+          <p:sp>
+            <p:nvSpPr>
+              <p:cNvPr id="29" name="Shape 110">
+                <a:extLst>
+                  <a:ext uri="{FF2B5EF4-FFF2-40B4-BE49-F238E27FC236}">
+                    <a16:creationId xmlns:a16="http://schemas.microsoft.com/office/drawing/2014/main" id="{E5B8F9BB-5FEF-496C-87CC-FA649B772EA4}"/>
+                  </a:ext>
+                </a:extLst>
+              </p:cNvPr>
+              <p:cNvSpPr txBox="1"/>
+              <p:nvPr/>
+            </p:nvSpPr>
+            <p:spPr>
+              <a:xfrm>
+                <a:off x="4482044" y="2907284"/>
+                <a:ext cx="2757666" cy="459181"/>
+              </a:xfrm>
+              <a:prstGeom prst="rect">
+                <a:avLst/>
+              </a:prstGeom>
+              <a:noFill/>
+              <a:ln>
+                <a:noFill/>
+              </a:ln>
+            </p:spPr>
+            <p:txBody>
+              <a:bodyPr wrap="square" lIns="121900" tIns="121900" rIns="121900" bIns="121900" anchor="b" anchorCtr="0">
+                <a:noAutofit/>
+              </a:bodyPr>
+              <a:lstStyle/>
+              <a:p>
+                <a:pPr algn="ctr">
+                  <a:lnSpc>
+                    <a:spcPct val="115000"/>
+                  </a:lnSpc>
+                </a:pPr>
+                <a:r>
+                  <a:rPr lang="en-US" sz="1200" b="1" dirty="0">
+                    <a:solidFill>
+                      <a:srgbClr val="B7B7B7"/>
+                    </a:solidFill>
+                    <a:latin typeface="+mj-lt"/>
+                    <a:ea typeface="Roboto"/>
+                    <a:cs typeface="Roboto"/>
+                    <a:sym typeface="Roboto"/>
+                  </a:rPr>
+                  <a:t>Next Steps</a:t>
+                </a:r>
+              </a:p>
+            </p:txBody>
+          </p:sp>
+        </p:grpSp>
+        <p:sp>
+          <p:nvSpPr>
+            <p:cNvPr id="27" name="Shape 114">
+              <a:extLst>
+                <a:ext uri="{FF2B5EF4-FFF2-40B4-BE49-F238E27FC236}">
+                  <a16:creationId xmlns:a16="http://schemas.microsoft.com/office/drawing/2014/main" id="{5C1A6870-2D13-4A81-8386-518BAC6B2FDB}"/>
+                </a:ext>
+              </a:extLst>
+            </p:cNvPr>
+            <p:cNvSpPr/>
+            <p:nvPr/>
+          </p:nvSpPr>
+          <p:spPr>
+            <a:xfrm>
+              <a:off x="5782900" y="2997483"/>
+              <a:ext cx="792300" cy="49200"/>
+            </a:xfrm>
+            <a:prstGeom prst="roundRect">
+              <a:avLst>
+                <a:gd name="adj" fmla="val 50000"/>
+              </a:avLst>
+            </a:prstGeom>
+            <a:solidFill>
+              <a:srgbClr val="D9D9D9"/>
+            </a:solidFill>
+            <a:ln>
+              <a:noFill/>
+            </a:ln>
+          </p:spPr>
+          <p:txBody>
+            <a:bodyPr wrap="square" lIns="121900" tIns="121900" rIns="121900" bIns="121900" anchor="ctr" anchorCtr="0">
+              <a:noAutofit/>
+            </a:bodyPr>
+            <a:lstStyle/>
+            <a:p>
+              <a:endParaRPr sz="1200">
+                <a:latin typeface="+mj-lt"/>
+              </a:endParaRPr>
+            </a:p>
+          </p:txBody>
+        </p:sp>
+      </p:grpSp>
+    </p:spTree>
+    <p:extLst>
+      <p:ext uri="{BB962C8B-B14F-4D97-AF65-F5344CB8AC3E}">
+        <p14:creationId xmlns:p14="http://schemas.microsoft.com/office/powerpoint/2010/main" val="64630344"/>
+      </p:ext>
+    </p:extLst>
+  </p:cSld>
+  <p:clrMapOvr>
+    <a:masterClrMapping/>
+  </p:clrMapOvr>
+</p:sld>
+</file>
+
+<file path=ppt/slides/slide6.xml><?xml version="1.0" encoding="utf-8"?>
+<p:sld xmlns:a="http://schemas.openxmlformats.org/drawingml/2006/main" xmlns:r="http://schemas.openxmlformats.org/officeDocument/2006/relationships" xmlns:p="http://schemas.openxmlformats.org/presentationml/2006/main">
+  <p:cSld>
+    <p:spTree>
+      <p:nvGrpSpPr>
+        <p:cNvPr id="1" name=""/>
+        <p:cNvGrpSpPr/>
+        <p:nvPr/>
+      </p:nvGrpSpPr>
+      <p:grpSpPr>
+        <a:xfrm>
+          <a:off x="0" y="0"/>
+          <a:ext cx="0" cy="0"/>
+          <a:chOff x="0" y="0"/>
+          <a:chExt cx="0" cy="0"/>
+        </a:xfrm>
+      </p:grpSpPr>
+      <p:sp>
+        <p:nvSpPr>
+          <p:cNvPr id="2" name="Title 1">
+            <a:extLst>
+              <a:ext uri="{FF2B5EF4-FFF2-40B4-BE49-F238E27FC236}">
+                <a16:creationId xmlns:a16="http://schemas.microsoft.com/office/drawing/2014/main" id="{5941F561-A0E2-419D-8170-22DBCE633A32}"/>
+              </a:ext>
+            </a:extLst>
+          </p:cNvPr>
+          <p:cNvSpPr>
+            <a:spLocks noGrp="1"/>
+          </p:cNvSpPr>
+          <p:nvPr>
+            <p:ph type="title"/>
+          </p:nvPr>
+        </p:nvSpPr>
+        <p:spPr/>
+        <p:txBody>
+          <a:bodyPr/>
+          <a:lstStyle/>
+          <a:p>
+            <a:r>
+              <a:rPr lang="en-US" dirty="0"/>
+              <a:t>Overall comparison of different RL techniques</a:t>
+            </a:r>
+          </a:p>
+        </p:txBody>
+      </p:sp>
+      <p:sp>
+        <p:nvSpPr>
+          <p:cNvPr id="4" name="Date Placeholder 3">
+            <a:extLst>
+              <a:ext uri="{FF2B5EF4-FFF2-40B4-BE49-F238E27FC236}">
+                <a16:creationId xmlns:a16="http://schemas.microsoft.com/office/drawing/2014/main" id="{4C9FC435-2EBA-4A16-99D6-37FDAA58F34D}"/>
+              </a:ext>
+            </a:extLst>
+          </p:cNvPr>
+          <p:cNvSpPr>
+            <a:spLocks noGrp="1"/>
+          </p:cNvSpPr>
+          <p:nvPr>
+            <p:ph type="dt" sz="half" idx="10"/>
+          </p:nvPr>
+        </p:nvSpPr>
+        <p:spPr/>
+        <p:txBody>
+          <a:bodyPr/>
+          <a:lstStyle/>
+          <a:p>
+            <a:fld id="{64108A09-45F7-4A1B-BD6F-87734500D8AB}" type="datetime1">
+              <a:rPr lang="en-US" smtClean="0"/>
+              <a:t>8/9/2018</a:t>
+            </a:fld>
+            <a:endParaRPr lang="en-US"/>
+          </a:p>
+        </p:txBody>
+      </p:sp>
+      <p:sp>
+        <p:nvSpPr>
+          <p:cNvPr id="5" name="Slide Number Placeholder 4">
+            <a:extLst>
+              <a:ext uri="{FF2B5EF4-FFF2-40B4-BE49-F238E27FC236}">
+                <a16:creationId xmlns:a16="http://schemas.microsoft.com/office/drawing/2014/main" id="{A6064932-CECA-4E91-A41E-B2124FA10017}"/>
+              </a:ext>
+            </a:extLst>
+          </p:cNvPr>
+          <p:cNvSpPr>
+            <a:spLocks noGrp="1"/>
+          </p:cNvSpPr>
+          <p:nvPr>
+            <p:ph type="sldNum" sz="quarter" idx="12"/>
+          </p:nvPr>
+        </p:nvSpPr>
+        <p:spPr/>
+        <p:txBody>
+          <a:bodyPr/>
+          <a:lstStyle/>
+          <a:p>
+            <a:fld id="{12B64F94-5F67-4FCA-BA0B-D89417276E46}" type="slidenum">
+              <a:rPr lang="en-US" smtClean="0"/>
+              <a:t>6</a:t>
+            </a:fld>
+            <a:endParaRPr lang="en-US"/>
           </a:p>
         </p:txBody>
       </p:sp>
       <p:graphicFrame>
         <p:nvGraphicFramePr>
-          <p:cNvPr id="5" name="Content Placeholder 14">
-            <a:extLst>
-              <a:ext uri="{FF2B5EF4-FFF2-40B4-BE49-F238E27FC236}">
-                <a16:creationId xmlns:a16="http://schemas.microsoft.com/office/drawing/2014/main" id="{4B25CE32-A2ED-4AE5-BEE2-DD6A414C0994}"/>
+          <p:cNvPr id="6" name="Content Placeholder 14">
+            <a:extLst>
+              <a:ext uri="{FF2B5EF4-FFF2-40B4-BE49-F238E27FC236}">
+                <a16:creationId xmlns:a16="http://schemas.microsoft.com/office/drawing/2014/main" id="{36F5B793-B6D9-456C-8E6F-9B147683D5BE}"/>
               </a:ext>
             </a:extLst>
           </p:cNvPr>
@@ -4600,20 +10357,20 @@
           <p:nvPr>
             <p:extLst>
               <p:ext uri="{D42A27DB-BD31-4B8C-83A1-F6EECF244321}">
-                <p14:modId xmlns:p14="http://schemas.microsoft.com/office/powerpoint/2010/main" val="2616077625"/>
+                <p14:modId xmlns:p14="http://schemas.microsoft.com/office/powerpoint/2010/main" val="1060716497"/>
               </p:ext>
             </p:extLst>
           </p:nvPr>
         </p:nvGraphicFramePr>
         <p:xfrm>
-          <a:off x="1424222" y="3537962"/>
-          <a:ext cx="9629416" cy="2839720"/>
+          <a:off x="937839" y="1512836"/>
+          <a:ext cx="9629416" cy="4119880"/>
         </p:xfrm>
         <a:graphic>
           <a:graphicData uri="http://schemas.openxmlformats.org/drawingml/2006/table">
             <a:tbl>
-              <a:tblPr firstRow="1" bandRow="1">
-                <a:tableStyleId>{7E9639D4-E3E2-4D34-9284-5A2195B3D0D7}</a:tableStyleId>
+              <a:tblPr firstRow="1" firstCol="1" bandRow="1">
+                <a:tableStyleId>{8EC20E35-A176-4012-BC5E-935CFFF8708E}</a:tableStyleId>
               </a:tblPr>
               <a:tblGrid>
                 <a:gridCol w="1448663">
@@ -4658,10 +10415,7 @@
                     <a:bodyPr/>
                     <a:lstStyle/>
                     <a:p>
-                      <a:r>
-                        <a:rPr lang="en-US" sz="1600" dirty="0"/>
-                        <a:t>Title</a:t>
-                      </a:r>
+                      <a:endParaRPr lang="en-US" sz="1600" dirty="0"/>
                     </a:p>
                   </a:txBody>
                   <a:tcPr/>
@@ -4672,8 +10426,8 @@
                     <a:lstStyle/>
                     <a:p>
                       <a:r>
-                        <a:rPr lang="en-US" sz="1600" dirty="0"/>
-                        <a:t>Method</a:t>
+                        <a:rPr lang="en-US" sz="1400" dirty="0"/>
+                        <a:t>Simulation</a:t>
                       </a:r>
                     </a:p>
                   </a:txBody>
@@ -4685,8 +10439,8 @@
                     <a:lstStyle/>
                     <a:p>
                       <a:r>
-                        <a:rPr lang="en-US" sz="1600" dirty="0"/>
-                        <a:t>Application</a:t>
+                        <a:rPr lang="en-US" sz="1400" dirty="0"/>
+                        <a:t>DP</a:t>
                       </a:r>
                     </a:p>
                   </a:txBody>
@@ -4698,8 +10452,8 @@
                     <a:lstStyle/>
                     <a:p>
                       <a:r>
-                        <a:rPr lang="en-US" sz="1600" dirty="0"/>
-                        <a:t>Objective Function</a:t>
+                        <a:rPr lang="en-US" sz="1400" dirty="0"/>
+                        <a:t>ADP</a:t>
                       </a:r>
                     </a:p>
                   </a:txBody>
@@ -4711,8 +10465,8 @@
                     <a:lstStyle/>
                     <a:p>
                       <a:r>
-                        <a:rPr lang="en-US" sz="1600" dirty="0"/>
-                        <a:t>Key Findings</a:t>
+                        <a:rPr lang="en-US" sz="1400" dirty="0"/>
+                        <a:t>RL</a:t>
                       </a:r>
                     </a:p>
                   </a:txBody>
@@ -4731,8 +10485,8 @@
                     <a:lstStyle/>
                     <a:p>
                       <a:r>
-                        <a:rPr lang="en-US" sz="1200" dirty="0"/>
-                        <a:t>Wahl et. al 2014</a:t>
+                        <a:rPr lang="en-US" sz="1400" dirty="0"/>
+                        <a:t>Temporal dependence</a:t>
                       </a:r>
                     </a:p>
                   </a:txBody>
@@ -4744,8 +10498,8 @@
                     <a:lstStyle/>
                     <a:p>
                       <a:r>
-                        <a:rPr lang="en-US" sz="1200" dirty="0"/>
-                        <a:t>ADP</a:t>
+                        <a:rPr lang="en-US" sz="1400" dirty="0"/>
+                        <a:t>Forward time-stepping</a:t>
                       </a:r>
                     </a:p>
                   </a:txBody>
@@ -4757,8 +10511,8 @@
                     <a:lstStyle/>
                     <a:p>
                       <a:r>
-                        <a:rPr lang="en-US" sz="1200" dirty="0"/>
-                        <a:t>Far trajectory planning</a:t>
+                        <a:rPr lang="en-US" sz="1400" dirty="0"/>
+                        <a:t>Backward time-stepping</a:t>
                       </a:r>
                     </a:p>
                   </a:txBody>
@@ -4770,8 +10524,8 @@
                     <a:lstStyle/>
                     <a:p>
                       <a:r>
-                        <a:rPr lang="en-US" sz="1200" dirty="0"/>
-                        <a:t>ADP: minimize least-squares-error on critic weights </a:t>
+                        <a:rPr lang="en-US" sz="1400" dirty="0"/>
+                        <a:t>Infinite time horizon</a:t>
                       </a:r>
                     </a:p>
                   </a:txBody>
@@ -4783,14 +10537,8 @@
                     <a:lstStyle/>
                     <a:p>
                       <a:r>
-                        <a:rPr lang="en-US" sz="1200" dirty="0"/>
-                        <a:t>Precise w/in 7% of DP solution</a:t>
-                      </a:r>
-                    </a:p>
-                    <a:p>
-                      <a:r>
-                        <a:rPr lang="en-US" sz="1200" dirty="0"/>
-                        <a:t>Big (99%) comp decrease</a:t>
+                        <a:rPr lang="en-US" sz="1400" dirty="0"/>
+                        <a:t>Infinite time horizon</a:t>
                       </a:r>
                     </a:p>
                   </a:txBody>
@@ -4809,8 +10557,8 @@
                     <a:lstStyle/>
                     <a:p>
                       <a:r>
-                        <a:rPr lang="en-US" sz="1200" dirty="0"/>
-                        <a:t>Powell 2012</a:t>
+                        <a:rPr lang="en-US" sz="1400" dirty="0"/>
+                        <a:t>Required input(s)</a:t>
                       </a:r>
                     </a:p>
                   </a:txBody>
@@ -4822,8 +10570,8 @@
                     <a:lstStyle/>
                     <a:p>
                       <a:r>
-                        <a:rPr lang="en-US" sz="1200" dirty="0"/>
-                        <a:t>ADP</a:t>
+                        <a:rPr lang="en-US" sz="1400" dirty="0"/>
+                        <a:t>Parameters, model dynamics</a:t>
                       </a:r>
                     </a:p>
                   </a:txBody>
@@ -4835,8 +10583,8 @@
                     <a:lstStyle/>
                     <a:p>
                       <a:r>
-                        <a:rPr lang="en-US" sz="1200" dirty="0"/>
-                        <a:t>Grid energy storage</a:t>
+                        <a:rPr lang="en-US" sz="1400" dirty="0"/>
+                        <a:t>Parameters, discretized state + control space, model dynamics, reward function</a:t>
                       </a:r>
                     </a:p>
                   </a:txBody>
@@ -4848,8 +10596,8 @@
                     <a:lstStyle/>
                     <a:p>
                       <a:r>
-                        <a:rPr lang="en-US" sz="1200" dirty="0"/>
-                        <a:t>Min LSQ, knowledge-gradient for continuous parameters</a:t>
+                        <a:rPr lang="en-US" sz="1400" dirty="0"/>
+                        <a:t>Parameters, optimal state space, reward function</a:t>
                       </a:r>
                     </a:p>
                   </a:txBody>
@@ -4861,8 +10609,8 @@
                     <a:lstStyle/>
                     <a:p>
                       <a:r>
-                        <a:rPr lang="en-US" sz="1200" dirty="0"/>
-                        <a:t>Direct policy sometimes &gt; min LSQ</a:t>
+                        <a:rPr lang="en-US" sz="1400" dirty="0"/>
+                        <a:t>Parameters, optimal state space</a:t>
                       </a:r>
                     </a:p>
                   </a:txBody>
@@ -4880,10 +10628,7 @@
                     <a:bodyPr/>
                     <a:lstStyle/>
                     <a:p>
-                      <a:r>
-                        <a:rPr lang="en-US" sz="1200" dirty="0"/>
-                        <a:t>Lewis et. al 2009</a:t>
-                      </a:r>
+                      <a:endParaRPr lang="en-US" sz="1400" dirty="0"/>
                     </a:p>
                   </a:txBody>
                   <a:tcPr/>
@@ -4894,7 +10639,7 @@
                     <a:lstStyle/>
                     <a:p>
                       <a:r>
-                        <a:rPr lang="en-US" sz="1200" dirty="0"/>
+                        <a:rPr lang="en-US" sz="1400" dirty="0"/>
                         <a:t>ADP + RL</a:t>
                       </a:r>
                     </a:p>
@@ -4907,7 +10652,7 @@
                     <a:lstStyle/>
                     <a:p>
                       <a:r>
-                        <a:rPr lang="en-US" sz="1200" dirty="0"/>
+                        <a:rPr lang="en-US" sz="1400" dirty="0"/>
                         <a:t>Primer on various RL, ADP topics</a:t>
                       </a:r>
                     </a:p>
@@ -4919,10 +10664,7 @@
                     <a:bodyPr/>
                     <a:lstStyle/>
                     <a:p>
-                      <a:r>
-                        <a:rPr lang="en-US" sz="1200" dirty="0"/>
-                        <a:t>ADP, on-line vs off-line learning, LQR, policy iteration, adaptive control</a:t>
-                      </a:r>
+                      <a:endParaRPr lang="en-US" sz="1400" dirty="0"/>
                     </a:p>
                   </a:txBody>
                   <a:tcPr/>
@@ -4932,10 +10674,7 @@
                     <a:bodyPr/>
                     <a:lstStyle/>
                     <a:p>
-                      <a:r>
-                        <a:rPr lang="en-US" sz="1200" dirty="0"/>
-                        <a:t>N/A</a:t>
-                      </a:r>
+                      <a:endParaRPr lang="en-US" sz="1400" dirty="0"/>
                     </a:p>
                   </a:txBody>
                   <a:tcPr/>
@@ -4953,8 +10692,8 @@
                     <a:lstStyle/>
                     <a:p>
                       <a:r>
-                        <a:rPr lang="en-US" sz="1200" dirty="0"/>
-                        <a:t>Zhang 2015</a:t>
+                        <a:rPr lang="en-US" sz="1400" dirty="0"/>
+                        <a:t>Calculated output(s)</a:t>
                       </a:r>
                     </a:p>
                   </a:txBody>
@@ -4966,7 +10705,7 @@
                     <a:lstStyle/>
                     <a:p>
                       <a:r>
-                        <a:rPr lang="en-US" sz="1200" dirty="0"/>
+                        <a:rPr lang="en-US" sz="1400" dirty="0"/>
                         <a:t>ADP</a:t>
                       </a:r>
                     </a:p>
@@ -4978,10 +10717,7 @@
                     <a:bodyPr/>
                     <a:lstStyle/>
                     <a:p>
-                      <a:r>
-                        <a:rPr lang="en-US" sz="1200" dirty="0"/>
-                        <a:t>EV charging stations</a:t>
-                      </a:r>
+                      <a:endParaRPr lang="en-US" sz="1400" dirty="0"/>
                     </a:p>
                   </a:txBody>
                   <a:tcPr/>
@@ -4991,10 +10727,7 @@
                     <a:bodyPr/>
                     <a:lstStyle/>
                     <a:p>
-                      <a:r>
-                        <a:rPr lang="en-US" sz="1200" dirty="0"/>
-                        <a:t>Two-step ADP: (1) LP (2) Monte Carlo ADP</a:t>
-                      </a:r>
+                      <a:endParaRPr lang="en-US" sz="1400" dirty="0"/>
                     </a:p>
                   </a:txBody>
                   <a:tcPr/>
@@ -5004,10 +10737,7 @@
                     <a:bodyPr/>
                     <a:lstStyle/>
                     <a:p>
-                      <a:r>
-                        <a:rPr lang="en-US" sz="1200" dirty="0"/>
-                        <a:t>2.5% better than ADP on average</a:t>
-                      </a:r>
+                      <a:endParaRPr lang="en-US" sz="1400" dirty="0"/>
                     </a:p>
                   </a:txBody>
                   <a:tcPr/>
@@ -5025,9 +10755,14 @@
                     <a:lstStyle/>
                     <a:p>
                       <a:r>
-                        <a:rPr lang="en-US" sz="1200" dirty="0"/>
-                        <a:t>Li 2018</a:t>
-                      </a:r>
+                        <a:rPr lang="en-US" sz="1400" dirty="0"/>
+                        <a:t>Predicted solution time</a:t>
+                      </a:r>
+                      <a:r>
+                        <a:rPr lang="en-US" sz="1400" baseline="30000" dirty="0"/>
+                        <a:t>1</a:t>
+                      </a:r>
+                      <a:endParaRPr lang="en-US" sz="1400" dirty="0"/>
                     </a:p>
                   </a:txBody>
                   <a:tcPr/>
@@ -5038,8 +10773,8 @@
                     <a:lstStyle/>
                     <a:p>
                       <a:r>
-                        <a:rPr lang="en-US" sz="1200" dirty="0"/>
-                        <a:t>ADP</a:t>
+                        <a:rPr lang="en-US" sz="1400" dirty="0"/>
+                        <a:t>1</a:t>
                       </a:r>
                     </a:p>
                   </a:txBody>
@@ -5051,8 +10786,8 @@
                     <a:lstStyle/>
                     <a:p>
                       <a:r>
-                        <a:rPr lang="en-US" sz="1200" dirty="0"/>
-                        <a:t>ACC in HEV</a:t>
+                        <a:rPr lang="en-US" sz="1400" dirty="0"/>
+                        <a:t>0.8</a:t>
                       </a:r>
                     </a:p>
                   </a:txBody>
@@ -5064,8 +10799,8 @@
                     <a:lstStyle/>
                     <a:p>
                       <a:r>
-                        <a:rPr lang="en-US" sz="1200" dirty="0"/>
-                        <a:t>Actor-critic framework with adaptive control</a:t>
+                        <a:rPr lang="en-US" sz="1400" dirty="0"/>
+                        <a:t>0.4</a:t>
                       </a:r>
                     </a:p>
                   </a:txBody>
@@ -5077,8 +10812,8 @@
                     <a:lstStyle/>
                     <a:p>
                       <a:r>
-                        <a:rPr lang="en-US" sz="1200" dirty="0"/>
-                        <a:t>ACC reduces fuel consumption by 4.11%</a:t>
+                        <a:rPr lang="en-US" sz="1400" dirty="0"/>
+                        <a:t>?</a:t>
                       </a:r>
                     </a:p>
                   </a:txBody>
@@ -5090,54 +10825,773 @@
                   </a:ext>
                 </a:extLst>
               </a:tr>
+              <a:tr h="370840">
+                <a:tc>
+                  <a:txBody>
+                    <a:bodyPr/>
+                    <a:lstStyle/>
+                    <a:p>
+                      <a:r>
+                        <a:rPr lang="en-US" sz="1400" dirty="0"/>
+                        <a:t>Predicted accuracy</a:t>
+                      </a:r>
+                    </a:p>
+                  </a:txBody>
+                  <a:tcPr/>
+                </a:tc>
+                <a:tc>
+                  <a:txBody>
+                    <a:bodyPr/>
+                    <a:lstStyle/>
+                    <a:p>
+                      <a:r>
+                        <a:rPr lang="en-US" sz="1400" dirty="0"/>
+                        <a:t>1</a:t>
+                      </a:r>
+                    </a:p>
+                  </a:txBody>
+                  <a:tcPr/>
+                </a:tc>
+                <a:tc>
+                  <a:txBody>
+                    <a:bodyPr/>
+                    <a:lstStyle/>
+                    <a:p>
+                      <a:r>
+                        <a:rPr lang="en-US" sz="1400" dirty="0"/>
+                        <a:t>0.99</a:t>
+                      </a:r>
+                    </a:p>
+                  </a:txBody>
+                  <a:tcPr/>
+                </a:tc>
+                <a:tc>
+                  <a:txBody>
+                    <a:bodyPr/>
+                    <a:lstStyle/>
+                    <a:p>
+                      <a:r>
+                        <a:rPr lang="en-US" sz="1400" dirty="0"/>
+                        <a:t>0.92</a:t>
+                      </a:r>
+                    </a:p>
+                  </a:txBody>
+                  <a:tcPr/>
+                </a:tc>
+                <a:tc>
+                  <a:txBody>
+                    <a:bodyPr/>
+                    <a:lstStyle/>
+                    <a:p>
+                      <a:r>
+                        <a:rPr lang="en-US" sz="1400" dirty="0"/>
+                        <a:t>?</a:t>
+                      </a:r>
+                    </a:p>
+                  </a:txBody>
+                  <a:tcPr/>
+                </a:tc>
+                <a:extLst>
+                  <a:ext uri="{0D108BD9-81ED-4DB2-BD59-A6C34878D82A}">
+                    <a16:rowId xmlns:a16="http://schemas.microsoft.com/office/drawing/2014/main" val="827524248"/>
+                  </a:ext>
+                </a:extLst>
+              </a:tr>
             </a:tbl>
           </a:graphicData>
         </a:graphic>
       </p:graphicFrame>
       <p:sp>
         <p:nvSpPr>
-          <p:cNvPr id="3" name="Rectangle 2"/>
-          <p:cNvSpPr/>
+          <p:cNvPr id="7" name="Content Placeholder 2">
+            <a:extLst>
+              <a:ext uri="{FF2B5EF4-FFF2-40B4-BE49-F238E27FC236}">
+                <a16:creationId xmlns:a16="http://schemas.microsoft.com/office/drawing/2014/main" id="{00693F6F-260A-4825-8580-201AC60ECA3C}"/>
+              </a:ext>
+            </a:extLst>
+          </p:cNvPr>
+          <p:cNvSpPr txBox="1">
+            <a:spLocks/>
+          </p:cNvSpPr>
           <p:nvPr/>
         </p:nvSpPr>
         <p:spPr>
           <a:xfrm>
-            <a:off x="415600" y="6347934"/>
-            <a:ext cx="5303440" cy="369332"/>
+            <a:off x="838406" y="5909774"/>
+            <a:ext cx="5832612" cy="338559"/>
           </a:xfrm>
           <a:prstGeom prst="rect">
             <a:avLst/>
           </a:prstGeom>
         </p:spPr>
         <p:txBody>
-          <a:bodyPr wrap="none">
-            <a:spAutoFit/>
+          <a:bodyPr vert="horz" lIns="91440" tIns="45720" rIns="91440" bIns="45720" rtlCol="0">
+            <a:normAutofit/>
           </a:bodyPr>
-          <a:lstStyle/>
-          <a:p>
-            <a:pPr>
+          <a:lstStyle>
+            <a:lvl1pPr marL="228600" indent="-228600" algn="l" defTabSz="914400" rtl="0" eaLnBrk="1" latinLnBrk="0" hangingPunct="1">
+              <a:lnSpc>
+                <a:spcPct val="90000"/>
+              </a:lnSpc>
               <a:spcBef>
-                <a:spcPts val="2133"/>
+                <a:spcPts val="1000"/>
               </a:spcBef>
+              <a:buFont typeface="Arial" panose="020B0604020202020204" pitchFamily="34" charset="0"/>
+              <a:buChar char="•"/>
+              <a:defRPr sz="2800" kern="1200">
+                <a:solidFill>
+                  <a:schemeClr val="tx1"/>
+                </a:solidFill>
+                <a:latin typeface="+mn-lt"/>
+                <a:ea typeface="+mn-ea"/>
+                <a:cs typeface="+mn-cs"/>
+              </a:defRPr>
+            </a:lvl1pPr>
+            <a:lvl2pPr marL="685800" indent="-228600" algn="l" defTabSz="914400" rtl="0" eaLnBrk="1" latinLnBrk="0" hangingPunct="1">
+              <a:lnSpc>
+                <a:spcPct val="90000"/>
+              </a:lnSpc>
+              <a:spcBef>
+                <a:spcPts val="500"/>
+              </a:spcBef>
+              <a:buFont typeface="Arial" panose="020B0604020202020204" pitchFamily="34" charset="0"/>
+              <a:buChar char="•"/>
+              <a:defRPr sz="2400" kern="1200">
+                <a:solidFill>
+                  <a:schemeClr val="tx1"/>
+                </a:solidFill>
+                <a:latin typeface="+mn-lt"/>
+                <a:ea typeface="+mn-ea"/>
+                <a:cs typeface="+mn-cs"/>
+              </a:defRPr>
+            </a:lvl2pPr>
+            <a:lvl3pPr marL="1143000" indent="-228600" algn="l" defTabSz="914400" rtl="0" eaLnBrk="1" latinLnBrk="0" hangingPunct="1">
+              <a:lnSpc>
+                <a:spcPct val="90000"/>
+              </a:lnSpc>
+              <a:spcBef>
+                <a:spcPts val="500"/>
+              </a:spcBef>
+              <a:buFont typeface="Arial" panose="020B0604020202020204" pitchFamily="34" charset="0"/>
+              <a:buChar char="•"/>
+              <a:defRPr sz="2000" kern="1200">
+                <a:solidFill>
+                  <a:schemeClr val="tx1"/>
+                </a:solidFill>
+                <a:latin typeface="+mn-lt"/>
+                <a:ea typeface="+mn-ea"/>
+                <a:cs typeface="+mn-cs"/>
+              </a:defRPr>
+            </a:lvl3pPr>
+            <a:lvl4pPr marL="1600200" indent="-228600" algn="l" defTabSz="914400" rtl="0" eaLnBrk="1" latinLnBrk="0" hangingPunct="1">
+              <a:lnSpc>
+                <a:spcPct val="90000"/>
+              </a:lnSpc>
+              <a:spcBef>
+                <a:spcPts val="500"/>
+              </a:spcBef>
+              <a:buFont typeface="Arial" panose="020B0604020202020204" pitchFamily="34" charset="0"/>
+              <a:buChar char="•"/>
+              <a:defRPr sz="1800" kern="1200">
+                <a:solidFill>
+                  <a:schemeClr val="tx1"/>
+                </a:solidFill>
+                <a:latin typeface="+mn-lt"/>
+                <a:ea typeface="+mn-ea"/>
+                <a:cs typeface="+mn-cs"/>
+              </a:defRPr>
+            </a:lvl4pPr>
+            <a:lvl5pPr marL="2057400" indent="-228600" algn="l" defTabSz="914400" rtl="0" eaLnBrk="1" latinLnBrk="0" hangingPunct="1">
+              <a:lnSpc>
+                <a:spcPct val="90000"/>
+              </a:lnSpc>
+              <a:spcBef>
+                <a:spcPts val="500"/>
+              </a:spcBef>
+              <a:buFont typeface="Arial" panose="020B0604020202020204" pitchFamily="34" charset="0"/>
+              <a:buChar char="•"/>
+              <a:defRPr sz="1800" kern="1200">
+                <a:solidFill>
+                  <a:schemeClr val="tx1"/>
+                </a:solidFill>
+                <a:latin typeface="+mn-lt"/>
+                <a:ea typeface="+mn-ea"/>
+                <a:cs typeface="+mn-cs"/>
+              </a:defRPr>
+            </a:lvl5pPr>
+            <a:lvl6pPr marL="2514600" indent="-228600" algn="l" defTabSz="914400" rtl="0" eaLnBrk="1" latinLnBrk="0" hangingPunct="1">
+              <a:lnSpc>
+                <a:spcPct val="90000"/>
+              </a:lnSpc>
+              <a:spcBef>
+                <a:spcPts val="500"/>
+              </a:spcBef>
+              <a:buFont typeface="Arial" panose="020B0604020202020204" pitchFamily="34" charset="0"/>
+              <a:buChar char="•"/>
+              <a:defRPr sz="1800" kern="1200">
+                <a:solidFill>
+                  <a:schemeClr val="tx1"/>
+                </a:solidFill>
+                <a:latin typeface="+mn-lt"/>
+                <a:ea typeface="+mn-ea"/>
+                <a:cs typeface="+mn-cs"/>
+              </a:defRPr>
+            </a:lvl6pPr>
+            <a:lvl7pPr marL="2971800" indent="-228600" algn="l" defTabSz="914400" rtl="0" eaLnBrk="1" latinLnBrk="0" hangingPunct="1">
+              <a:lnSpc>
+                <a:spcPct val="90000"/>
+              </a:lnSpc>
+              <a:spcBef>
+                <a:spcPts val="500"/>
+              </a:spcBef>
+              <a:buFont typeface="Arial" panose="020B0604020202020204" pitchFamily="34" charset="0"/>
+              <a:buChar char="•"/>
+              <a:defRPr sz="1800" kern="1200">
+                <a:solidFill>
+                  <a:schemeClr val="tx1"/>
+                </a:solidFill>
+                <a:latin typeface="+mn-lt"/>
+                <a:ea typeface="+mn-ea"/>
+                <a:cs typeface="+mn-cs"/>
+              </a:defRPr>
+            </a:lvl7pPr>
+            <a:lvl8pPr marL="3429000" indent="-228600" algn="l" defTabSz="914400" rtl="0" eaLnBrk="1" latinLnBrk="0" hangingPunct="1">
+              <a:lnSpc>
+                <a:spcPct val="90000"/>
+              </a:lnSpc>
+              <a:spcBef>
+                <a:spcPts val="500"/>
+              </a:spcBef>
+              <a:buFont typeface="Arial" panose="020B0604020202020204" pitchFamily="34" charset="0"/>
+              <a:buChar char="•"/>
+              <a:defRPr sz="1800" kern="1200">
+                <a:solidFill>
+                  <a:schemeClr val="tx1"/>
+                </a:solidFill>
+                <a:latin typeface="+mn-lt"/>
+                <a:ea typeface="+mn-ea"/>
+                <a:cs typeface="+mn-cs"/>
+              </a:defRPr>
+            </a:lvl8pPr>
+            <a:lvl9pPr marL="3886200" indent="-228600" algn="l" defTabSz="914400" rtl="0" eaLnBrk="1" latinLnBrk="0" hangingPunct="1">
+              <a:lnSpc>
+                <a:spcPct val="90000"/>
+              </a:lnSpc>
+              <a:spcBef>
+                <a:spcPts val="500"/>
+              </a:spcBef>
+              <a:buFont typeface="Arial" panose="020B0604020202020204" pitchFamily="34" charset="0"/>
+              <a:buChar char="•"/>
+              <a:defRPr sz="1800" kern="1200">
+                <a:solidFill>
+                  <a:schemeClr val="tx1"/>
+                </a:solidFill>
+                <a:latin typeface="+mn-lt"/>
+                <a:ea typeface="+mn-ea"/>
+                <a:cs typeface="+mn-cs"/>
+              </a:defRPr>
+            </a:lvl9pPr>
+          </a:lstStyle>
+          <a:p>
+            <a:pPr marL="0" indent="0">
+              <a:buNone/>
             </a:pPr>
             <a:r>
-              <a:rPr lang="en-US" dirty="0"/>
-              <a:t>* In Progress - </a:t>
-            </a:r>
-            <a:r>
-              <a:rPr lang="en-US" dirty="0">
-                <a:hlinkClick r:id="rId3"/>
-              </a:rPr>
-              <a:t>Link to Literature Review Spreadsheet</a:t>
-            </a:r>
-            <a:endParaRPr lang="en-US" dirty="0"/>
-          </a:p>
-        </p:txBody>
-      </p:sp>
+              <a:rPr lang="en-US" sz="1100" baseline="30000" dirty="0"/>
+              <a:t>1</a:t>
+            </a:r>
+            <a:r>
+              <a:rPr lang="en-US" sz="1100" dirty="0"/>
+              <a:t>Normalized to simulation time, predictions based on preliminary tests/literature estimates </a:t>
+            </a:r>
+            <a:endParaRPr lang="en-US" sz="1100" baseline="30000" dirty="0"/>
+          </a:p>
+          <a:p>
+            <a:pPr marL="0" indent="0">
+              <a:buNone/>
+            </a:pPr>
+            <a:endParaRPr lang="en-US" sz="1000" i="1" dirty="0"/>
+          </a:p>
+          <a:p>
+            <a:pPr marL="0" indent="0">
+              <a:buNone/>
+            </a:pPr>
+            <a:endParaRPr lang="en-US" sz="1100" b="1" i="1" dirty="0"/>
+          </a:p>
+          <a:p>
+            <a:pPr marL="0" indent="0">
+              <a:buNone/>
+            </a:pPr>
+            <a:endParaRPr lang="en-US" sz="1100" b="1" i="1" dirty="0"/>
+          </a:p>
+          <a:p>
+            <a:pPr marL="0" indent="0">
+              <a:buNone/>
+            </a:pPr>
+            <a:endParaRPr lang="en-US" sz="1100" b="1" i="1" dirty="0"/>
+          </a:p>
+        </p:txBody>
+      </p:sp>
+      <p:grpSp>
+        <p:nvGrpSpPr>
+          <p:cNvPr id="8" name="Shape 100">
+            <a:extLst>
+              <a:ext uri="{FF2B5EF4-FFF2-40B4-BE49-F238E27FC236}">
+                <a16:creationId xmlns:a16="http://schemas.microsoft.com/office/drawing/2014/main" id="{88A585E1-AEFC-49AD-837E-186012C5C4B9}"/>
+              </a:ext>
+            </a:extLst>
+          </p:cNvPr>
+          <p:cNvGrpSpPr/>
+          <p:nvPr/>
+        </p:nvGrpSpPr>
+        <p:grpSpPr>
+          <a:xfrm>
+            <a:off x="4276091" y="6219280"/>
+            <a:ext cx="3639818" cy="639267"/>
+            <a:chOff x="-230050" y="2601291"/>
+            <a:chExt cx="9882756" cy="1935414"/>
+          </a:xfrm>
+        </p:grpSpPr>
+        <p:sp>
+          <p:nvSpPr>
+            <p:cNvPr id="9" name="Shape 101">
+              <a:extLst>
+                <a:ext uri="{FF2B5EF4-FFF2-40B4-BE49-F238E27FC236}">
+                  <a16:creationId xmlns:a16="http://schemas.microsoft.com/office/drawing/2014/main" id="{8CED4144-7B93-401C-8501-6C902784929C}"/>
+                </a:ext>
+              </a:extLst>
+            </p:cNvPr>
+            <p:cNvSpPr/>
+            <p:nvPr/>
+          </p:nvSpPr>
+          <p:spPr>
+            <a:xfrm>
+              <a:off x="2886617" y="2997483"/>
+              <a:ext cx="792300" cy="49200"/>
+            </a:xfrm>
+            <a:prstGeom prst="roundRect">
+              <a:avLst>
+                <a:gd name="adj" fmla="val 50000"/>
+              </a:avLst>
+            </a:prstGeom>
+            <a:solidFill>
+              <a:srgbClr val="D9D9D9"/>
+            </a:solidFill>
+            <a:ln w="9525" cap="flat" cmpd="sng">
+              <a:solidFill>
+                <a:srgbClr val="EFEFEF"/>
+              </a:solidFill>
+              <a:prstDash val="solid"/>
+              <a:round/>
+              <a:headEnd type="none" w="med" len="med"/>
+              <a:tailEnd type="none" w="med" len="med"/>
+            </a:ln>
+          </p:spPr>
+          <p:txBody>
+            <a:bodyPr wrap="square" lIns="121900" tIns="121900" rIns="121900" bIns="121900" anchor="ctr" anchorCtr="0">
+              <a:noAutofit/>
+            </a:bodyPr>
+            <a:lstStyle/>
+            <a:p>
+              <a:endParaRPr sz="1200">
+                <a:latin typeface="+mj-lt"/>
+              </a:endParaRPr>
+            </a:p>
+          </p:txBody>
+        </p:sp>
+        <p:grpSp>
+          <p:nvGrpSpPr>
+            <p:cNvPr id="10" name="Shape 102">
+              <a:extLst>
+                <a:ext uri="{FF2B5EF4-FFF2-40B4-BE49-F238E27FC236}">
+                  <a16:creationId xmlns:a16="http://schemas.microsoft.com/office/drawing/2014/main" id="{F0DAAE5A-F6BE-4997-A512-29CF8D1B9A7A}"/>
+                </a:ext>
+              </a:extLst>
+            </p:cNvPr>
+            <p:cNvGrpSpPr/>
+            <p:nvPr/>
+          </p:nvGrpSpPr>
+          <p:grpSpPr>
+            <a:xfrm>
+              <a:off x="-230050" y="2650491"/>
+              <a:ext cx="3361333" cy="1886214"/>
+              <a:chOff x="-172542" y="1987918"/>
+              <a:chExt cx="2521063" cy="1414696"/>
+            </a:xfrm>
+          </p:grpSpPr>
+          <p:sp>
+            <p:nvSpPr>
+              <p:cNvPr id="18" name="Shape 103">
+                <a:extLst>
+                  <a:ext uri="{FF2B5EF4-FFF2-40B4-BE49-F238E27FC236}">
+                    <a16:creationId xmlns:a16="http://schemas.microsoft.com/office/drawing/2014/main" id="{89FFB4D8-B885-4912-AED6-8805A3CBE8B4}"/>
+                  </a:ext>
+                </a:extLst>
+              </p:cNvPr>
+              <p:cNvSpPr/>
+              <p:nvPr/>
+            </p:nvSpPr>
+            <p:spPr>
+              <a:xfrm>
+                <a:off x="790838" y="1987918"/>
+                <a:ext cx="594301" cy="594300"/>
+              </a:xfrm>
+              <a:prstGeom prst="ellipse">
+                <a:avLst/>
+              </a:prstGeom>
+              <a:solidFill>
+                <a:srgbClr val="6D9EEB"/>
+              </a:solidFill>
+              <a:ln w="38100" cap="flat" cmpd="sng">
+                <a:solidFill>
+                  <a:srgbClr val="4285F4"/>
+                </a:solidFill>
+                <a:prstDash val="solid"/>
+                <a:round/>
+                <a:headEnd type="none" w="med" len="med"/>
+                <a:tailEnd type="none" w="med" len="med"/>
+              </a:ln>
+            </p:spPr>
+            <p:txBody>
+              <a:bodyPr wrap="square" lIns="121900" tIns="121900" rIns="121900" bIns="121900" anchor="ctr" anchorCtr="0">
+                <a:noAutofit/>
+              </a:bodyPr>
+              <a:lstStyle/>
+              <a:p>
+                <a:endParaRPr sz="1200">
+                  <a:latin typeface="+mj-lt"/>
+                </a:endParaRPr>
+              </a:p>
+            </p:txBody>
+          </p:sp>
+          <p:sp>
+            <p:nvSpPr>
+              <p:cNvPr id="19" name="Shape 104">
+                <a:extLst>
+                  <a:ext uri="{FF2B5EF4-FFF2-40B4-BE49-F238E27FC236}">
+                    <a16:creationId xmlns:a16="http://schemas.microsoft.com/office/drawing/2014/main" id="{49881A72-42AA-4DA5-B4A9-22DEC36A0F2A}"/>
+                  </a:ext>
+                </a:extLst>
+              </p:cNvPr>
+              <p:cNvSpPr txBox="1"/>
+              <p:nvPr/>
+            </p:nvSpPr>
+            <p:spPr>
+              <a:xfrm>
+                <a:off x="-172542" y="2845215"/>
+                <a:ext cx="2521063" cy="557399"/>
+              </a:xfrm>
+              <a:prstGeom prst="rect">
+                <a:avLst/>
+              </a:prstGeom>
+              <a:noFill/>
+              <a:ln>
+                <a:noFill/>
+              </a:ln>
+            </p:spPr>
+            <p:txBody>
+              <a:bodyPr wrap="square" lIns="121900" tIns="121900" rIns="121900" bIns="121900" anchor="b" anchorCtr="0">
+                <a:noAutofit/>
+              </a:bodyPr>
+              <a:lstStyle/>
+              <a:p>
+                <a:pPr algn="ctr">
+                  <a:lnSpc>
+                    <a:spcPct val="115000"/>
+                  </a:lnSpc>
+                </a:pPr>
+                <a:r>
+                  <a:rPr lang="en-US" sz="1200" b="1" dirty="0">
+                    <a:solidFill>
+                      <a:srgbClr val="4285F4"/>
+                    </a:solidFill>
+                    <a:latin typeface="+mj-lt"/>
+                    <a:ea typeface="Roboto"/>
+                    <a:cs typeface="Roboto"/>
+                    <a:sym typeface="Roboto"/>
+                  </a:rPr>
+                  <a:t>Background</a:t>
+                </a:r>
+              </a:p>
+            </p:txBody>
+          </p:sp>
+        </p:grpSp>
+        <p:grpSp>
+          <p:nvGrpSpPr>
+            <p:cNvPr id="11" name="Shape 105">
+              <a:extLst>
+                <a:ext uri="{FF2B5EF4-FFF2-40B4-BE49-F238E27FC236}">
+                  <a16:creationId xmlns:a16="http://schemas.microsoft.com/office/drawing/2014/main" id="{751B4474-DB9F-4205-A810-C1990C2E6B54}"/>
+                </a:ext>
+              </a:extLst>
+            </p:cNvPr>
+            <p:cNvGrpSpPr/>
+            <p:nvPr/>
+          </p:nvGrpSpPr>
+          <p:grpSpPr>
+            <a:xfrm>
+              <a:off x="3342936" y="2638476"/>
+              <a:ext cx="2775931" cy="1824233"/>
+              <a:chOff x="2507265" y="1978906"/>
+              <a:chExt cx="2082000" cy="1368209"/>
+            </a:xfrm>
+          </p:grpSpPr>
+          <p:sp>
+            <p:nvSpPr>
+              <p:cNvPr id="16" name="Shape 106">
+                <a:extLst>
+                  <a:ext uri="{FF2B5EF4-FFF2-40B4-BE49-F238E27FC236}">
+                    <a16:creationId xmlns:a16="http://schemas.microsoft.com/office/drawing/2014/main" id="{BED8E270-F2B0-4ABD-B173-CB2F6F15A416}"/>
+                  </a:ext>
+                </a:extLst>
+              </p:cNvPr>
+              <p:cNvSpPr/>
+              <p:nvPr/>
+            </p:nvSpPr>
+            <p:spPr>
+              <a:xfrm>
+                <a:off x="3251116" y="1978906"/>
+                <a:ext cx="594301" cy="594300"/>
+              </a:xfrm>
+              <a:prstGeom prst="ellipse">
+                <a:avLst/>
+              </a:prstGeom>
+              <a:noFill/>
+              <a:ln w="38100" cap="flat" cmpd="sng">
+                <a:solidFill>
+                  <a:srgbClr val="D9D9D9"/>
+                </a:solidFill>
+                <a:prstDash val="solid"/>
+                <a:round/>
+                <a:headEnd type="none" w="med" len="med"/>
+                <a:tailEnd type="none" w="med" len="med"/>
+              </a:ln>
+            </p:spPr>
+            <p:txBody>
+              <a:bodyPr wrap="square" lIns="121900" tIns="121900" rIns="121900" bIns="121900" anchor="ctr" anchorCtr="0">
+                <a:noAutofit/>
+              </a:bodyPr>
+              <a:lstStyle/>
+              <a:p>
+                <a:endParaRPr sz="1200">
+                  <a:latin typeface="+mj-lt"/>
+                </a:endParaRPr>
+              </a:p>
+            </p:txBody>
+          </p:sp>
+          <p:sp>
+            <p:nvSpPr>
+              <p:cNvPr id="17" name="Shape 107">
+                <a:extLst>
+                  <a:ext uri="{FF2B5EF4-FFF2-40B4-BE49-F238E27FC236}">
+                    <a16:creationId xmlns:a16="http://schemas.microsoft.com/office/drawing/2014/main" id="{0A7FB6B2-B0A0-42FA-B684-EE0363D91201}"/>
+                  </a:ext>
+                </a:extLst>
+              </p:cNvPr>
+              <p:cNvSpPr txBox="1"/>
+              <p:nvPr/>
+            </p:nvSpPr>
+            <p:spPr>
+              <a:xfrm>
+                <a:off x="2507265" y="2900714"/>
+                <a:ext cx="2082000" cy="446401"/>
+              </a:xfrm>
+              <a:prstGeom prst="rect">
+                <a:avLst/>
+              </a:prstGeom>
+              <a:noFill/>
+              <a:ln>
+                <a:noFill/>
+              </a:ln>
+            </p:spPr>
+            <p:txBody>
+              <a:bodyPr wrap="square" lIns="121900" tIns="121900" rIns="121900" bIns="121900" anchor="b" anchorCtr="0">
+                <a:noAutofit/>
+              </a:bodyPr>
+              <a:lstStyle/>
+              <a:p>
+                <a:pPr algn="ctr">
+                  <a:lnSpc>
+                    <a:spcPct val="115000"/>
+                  </a:lnSpc>
+                </a:pPr>
+                <a:r>
+                  <a:rPr lang="en-US" sz="1200" b="1" dirty="0">
+                    <a:solidFill>
+                      <a:srgbClr val="B7B7B7"/>
+                    </a:solidFill>
+                    <a:latin typeface="+mj-lt"/>
+                    <a:ea typeface="Roboto"/>
+                    <a:cs typeface="Roboto"/>
+                    <a:sym typeface="Roboto"/>
+                  </a:rPr>
+                  <a:t>Example</a:t>
+                </a:r>
+              </a:p>
+            </p:txBody>
+          </p:sp>
+        </p:grpSp>
+        <p:grpSp>
+          <p:nvGrpSpPr>
+            <p:cNvPr id="12" name="Shape 108">
+              <a:extLst>
+                <a:ext uri="{FF2B5EF4-FFF2-40B4-BE49-F238E27FC236}">
+                  <a16:creationId xmlns:a16="http://schemas.microsoft.com/office/drawing/2014/main" id="{6EEB0A76-3401-4E02-8BBA-568A28B36028}"/>
+                </a:ext>
+              </a:extLst>
+            </p:cNvPr>
+            <p:cNvGrpSpPr/>
+            <p:nvPr/>
+          </p:nvGrpSpPr>
+          <p:grpSpPr>
+            <a:xfrm>
+              <a:off x="5975910" y="2601291"/>
+              <a:ext cx="3676796" cy="1887216"/>
+              <a:chOff x="4482044" y="1951017"/>
+              <a:chExt cx="2757666" cy="1415448"/>
+            </a:xfrm>
+          </p:grpSpPr>
+          <p:sp>
+            <p:nvSpPr>
+              <p:cNvPr id="14" name="Shape 109">
+                <a:extLst>
+                  <a:ext uri="{FF2B5EF4-FFF2-40B4-BE49-F238E27FC236}">
+                    <a16:creationId xmlns:a16="http://schemas.microsoft.com/office/drawing/2014/main" id="{E7AF2601-8A66-481A-AB05-C933B21202B6}"/>
+                  </a:ext>
+                </a:extLst>
+              </p:cNvPr>
+              <p:cNvSpPr/>
+              <p:nvPr/>
+            </p:nvSpPr>
+            <p:spPr>
+              <a:xfrm>
+                <a:off x="5563726" y="1951017"/>
+                <a:ext cx="594301" cy="594300"/>
+              </a:xfrm>
+              <a:prstGeom prst="ellipse">
+                <a:avLst/>
+              </a:prstGeom>
+              <a:noFill/>
+              <a:ln w="38100" cap="flat" cmpd="sng">
+                <a:solidFill>
+                  <a:srgbClr val="D9D9D9"/>
+                </a:solidFill>
+                <a:prstDash val="solid"/>
+                <a:round/>
+                <a:headEnd type="none" w="med" len="med"/>
+                <a:tailEnd type="none" w="med" len="med"/>
+              </a:ln>
+            </p:spPr>
+            <p:txBody>
+              <a:bodyPr wrap="square" lIns="121900" tIns="121900" rIns="121900" bIns="121900" anchor="ctr" anchorCtr="0">
+                <a:noAutofit/>
+              </a:bodyPr>
+              <a:lstStyle/>
+              <a:p>
+                <a:endParaRPr sz="1200">
+                  <a:latin typeface="+mj-lt"/>
+                </a:endParaRPr>
+              </a:p>
+            </p:txBody>
+          </p:sp>
+          <p:sp>
+            <p:nvSpPr>
+              <p:cNvPr id="15" name="Shape 110">
+                <a:extLst>
+                  <a:ext uri="{FF2B5EF4-FFF2-40B4-BE49-F238E27FC236}">
+                    <a16:creationId xmlns:a16="http://schemas.microsoft.com/office/drawing/2014/main" id="{2DDA4B09-BF10-497F-BBAF-D2E700F8832E}"/>
+                  </a:ext>
+                </a:extLst>
+              </p:cNvPr>
+              <p:cNvSpPr txBox="1"/>
+              <p:nvPr/>
+            </p:nvSpPr>
+            <p:spPr>
+              <a:xfrm>
+                <a:off x="4482044" y="2907284"/>
+                <a:ext cx="2757666" cy="459181"/>
+              </a:xfrm>
+              <a:prstGeom prst="rect">
+                <a:avLst/>
+              </a:prstGeom>
+              <a:noFill/>
+              <a:ln>
+                <a:noFill/>
+              </a:ln>
+            </p:spPr>
+            <p:txBody>
+              <a:bodyPr wrap="square" lIns="121900" tIns="121900" rIns="121900" bIns="121900" anchor="b" anchorCtr="0">
+                <a:noAutofit/>
+              </a:bodyPr>
+              <a:lstStyle/>
+              <a:p>
+                <a:pPr algn="ctr">
+                  <a:lnSpc>
+                    <a:spcPct val="115000"/>
+                  </a:lnSpc>
+                </a:pPr>
+                <a:r>
+                  <a:rPr lang="en-US" sz="1200" b="1" dirty="0">
+                    <a:solidFill>
+                      <a:srgbClr val="B7B7B7"/>
+                    </a:solidFill>
+                    <a:latin typeface="+mj-lt"/>
+                    <a:ea typeface="Roboto"/>
+                    <a:cs typeface="Roboto"/>
+                    <a:sym typeface="Roboto"/>
+                  </a:rPr>
+                  <a:t>Next Steps</a:t>
+                </a:r>
+              </a:p>
+            </p:txBody>
+          </p:sp>
+        </p:grpSp>
+        <p:sp>
+          <p:nvSpPr>
+            <p:cNvPr id="13" name="Shape 114">
+              <a:extLst>
+                <a:ext uri="{FF2B5EF4-FFF2-40B4-BE49-F238E27FC236}">
+                  <a16:creationId xmlns:a16="http://schemas.microsoft.com/office/drawing/2014/main" id="{7E42284F-7B4B-4F15-BA1C-191F65F91492}"/>
+                </a:ext>
+              </a:extLst>
+            </p:cNvPr>
+            <p:cNvSpPr/>
+            <p:nvPr/>
+          </p:nvSpPr>
+          <p:spPr>
+            <a:xfrm>
+              <a:off x="5782900" y="2997483"/>
+              <a:ext cx="792300" cy="49200"/>
+            </a:xfrm>
+            <a:prstGeom prst="roundRect">
+              <a:avLst>
+                <a:gd name="adj" fmla="val 50000"/>
+              </a:avLst>
+            </a:prstGeom>
+            <a:solidFill>
+              <a:srgbClr val="D9D9D9"/>
+            </a:solidFill>
+            <a:ln>
+              <a:noFill/>
+            </a:ln>
+          </p:spPr>
+          <p:txBody>
+            <a:bodyPr wrap="square" lIns="121900" tIns="121900" rIns="121900" bIns="121900" anchor="ctr" anchorCtr="0">
+              <a:noAutofit/>
+            </a:bodyPr>
+            <a:lstStyle/>
+            <a:p>
+              <a:endParaRPr sz="1200">
+                <a:latin typeface="+mj-lt"/>
+              </a:endParaRPr>
+            </a:p>
+          </p:txBody>
+        </p:sp>
+      </p:grpSp>
     </p:spTree>
     <p:extLst>
       <p:ext uri="{BB962C8B-B14F-4D97-AF65-F5344CB8AC3E}">
-        <p14:creationId xmlns:p14="http://schemas.microsoft.com/office/powerpoint/2010/main" val="1788431433"/>
+        <p14:creationId xmlns:p14="http://schemas.microsoft.com/office/powerpoint/2010/main" val="2959205263"/>
       </p:ext>
     </p:extLst>
   </p:cSld>
@@ -5147,7 +11601,7 @@
 </p:sld>
 </file>
 
-<file path=ppt/slides/slide4.xml><?xml version="1.0" encoding="utf-8"?>
+<file path=ppt/slides/slide7.xml><?xml version="1.0" encoding="utf-8"?>
 <p:sld xmlns:a="http://schemas.openxmlformats.org/drawingml/2006/main" xmlns:r="http://schemas.openxmlformats.org/officeDocument/2006/relationships" xmlns:p="http://schemas.openxmlformats.org/presentationml/2006/main">
   <p:cSld>
     <p:spTree>
@@ -6614,10 +13068,503 @@
           </a:p>
         </p:txBody>
       </p:sp>
+      <p:sp>
+        <p:nvSpPr>
+          <p:cNvPr id="3" name="Date Placeholder 2">
+            <a:extLst>
+              <a:ext uri="{FF2B5EF4-FFF2-40B4-BE49-F238E27FC236}">
+                <a16:creationId xmlns:a16="http://schemas.microsoft.com/office/drawing/2014/main" id="{46B7EA2C-7E8B-48F0-9E22-2EE8AE0DF6BF}"/>
+              </a:ext>
+            </a:extLst>
+          </p:cNvPr>
+          <p:cNvSpPr>
+            <a:spLocks noGrp="1"/>
+          </p:cNvSpPr>
+          <p:nvPr>
+            <p:ph type="dt" sz="half" idx="10"/>
+          </p:nvPr>
+        </p:nvSpPr>
+        <p:spPr/>
+        <p:txBody>
+          <a:bodyPr/>
+          <a:lstStyle/>
+          <a:p>
+            <a:fld id="{AE2D23C9-5B87-4E4E-960D-91BE1A9B2159}" type="datetime1">
+              <a:rPr lang="en-US" smtClean="0"/>
+              <a:t>8/9/2018</a:t>
+            </a:fld>
+            <a:endParaRPr lang="en-US"/>
+          </a:p>
+        </p:txBody>
+      </p:sp>
+      <p:sp>
+        <p:nvSpPr>
+          <p:cNvPr id="4" name="Slide Number Placeholder 3">
+            <a:extLst>
+              <a:ext uri="{FF2B5EF4-FFF2-40B4-BE49-F238E27FC236}">
+                <a16:creationId xmlns:a16="http://schemas.microsoft.com/office/drawing/2014/main" id="{B3E6B23F-1D53-4E3A-97D6-ECAA828B07E9}"/>
+              </a:ext>
+            </a:extLst>
+          </p:cNvPr>
+          <p:cNvSpPr>
+            <a:spLocks noGrp="1"/>
+          </p:cNvSpPr>
+          <p:nvPr>
+            <p:ph type="sldNum" sz="quarter" idx="12"/>
+          </p:nvPr>
+        </p:nvSpPr>
+        <p:spPr/>
+        <p:txBody>
+          <a:bodyPr/>
+          <a:lstStyle/>
+          <a:p>
+            <a:fld id="{12B64F94-5F67-4FCA-BA0B-D89417276E46}" type="slidenum">
+              <a:rPr lang="en-US" smtClean="0"/>
+              <a:t>7</a:t>
+            </a:fld>
+            <a:endParaRPr lang="en-US"/>
+          </a:p>
+        </p:txBody>
+      </p:sp>
     </p:spTree>
     <p:extLst>
       <p:ext uri="{BB962C8B-B14F-4D97-AF65-F5344CB8AC3E}">
         <p14:creationId xmlns:p14="http://schemas.microsoft.com/office/powerpoint/2010/main" val="826083046"/>
+      </p:ext>
+    </p:extLst>
+  </p:cSld>
+  <p:clrMapOvr>
+    <a:masterClrMapping/>
+  </p:clrMapOvr>
+</p:sld>
+</file>
+
+<file path=ppt/slides/slide8.xml><?xml version="1.0" encoding="utf-8"?>
+<p:sld xmlns:a="http://schemas.openxmlformats.org/drawingml/2006/main" xmlns:r="http://schemas.openxmlformats.org/officeDocument/2006/relationships" xmlns:p="http://schemas.openxmlformats.org/presentationml/2006/main">
+  <p:cSld>
+    <p:spTree>
+      <p:nvGrpSpPr>
+        <p:cNvPr id="1" name=""/>
+        <p:cNvGrpSpPr/>
+        <p:nvPr/>
+      </p:nvGrpSpPr>
+      <p:grpSpPr>
+        <a:xfrm>
+          <a:off x="0" y="0"/>
+          <a:ext cx="0" cy="0"/>
+          <a:chOff x="0" y="0"/>
+          <a:chExt cx="0" cy="0"/>
+        </a:xfrm>
+      </p:grpSpPr>
+      <p:sp>
+        <p:nvSpPr>
+          <p:cNvPr id="2" name="Title 1">
+            <a:extLst>
+              <a:ext uri="{FF2B5EF4-FFF2-40B4-BE49-F238E27FC236}">
+                <a16:creationId xmlns:a16="http://schemas.microsoft.com/office/drawing/2014/main" id="{B93BCBD8-5A9A-4DFC-BF21-2DBD923C131E}"/>
+              </a:ext>
+            </a:extLst>
+          </p:cNvPr>
+          <p:cNvSpPr>
+            <a:spLocks noGrp="1"/>
+          </p:cNvSpPr>
+          <p:nvPr>
+            <p:ph type="title"/>
+          </p:nvPr>
+        </p:nvSpPr>
+        <p:spPr/>
+        <p:txBody>
+          <a:bodyPr>
+            <a:normAutofit/>
+          </a:bodyPr>
+          <a:lstStyle/>
+          <a:p>
+            <a:r>
+              <a:rPr lang="en-US" dirty="0"/>
+              <a:t>References</a:t>
+            </a:r>
+          </a:p>
+        </p:txBody>
+      </p:sp>
+      <p:sp>
+        <p:nvSpPr>
+          <p:cNvPr id="5" name="Content Placeholder 4">
+            <a:extLst>
+              <a:ext uri="{FF2B5EF4-FFF2-40B4-BE49-F238E27FC236}">
+                <a16:creationId xmlns:a16="http://schemas.microsoft.com/office/drawing/2014/main" id="{8D460DD0-FD89-4365-8B7E-DB714608C90C}"/>
+              </a:ext>
+            </a:extLst>
+          </p:cNvPr>
+          <p:cNvSpPr>
+            <a:spLocks noGrp="1"/>
+          </p:cNvSpPr>
+          <p:nvPr>
+            <p:ph idx="1"/>
+          </p:nvPr>
+        </p:nvSpPr>
+        <p:spPr>
+          <a:xfrm>
+            <a:off x="838200" y="1620477"/>
+            <a:ext cx="10085962" cy="4806084"/>
+          </a:xfrm>
+        </p:spPr>
+        <p:txBody>
+          <a:bodyPr>
+            <a:normAutofit/>
+          </a:bodyPr>
+          <a:lstStyle/>
+          <a:p>
+            <a:pPr marL="0" indent="0">
+              <a:buNone/>
+            </a:pPr>
+            <a:r>
+              <a:rPr lang="en-US" sz="2000" dirty="0"/>
+              <a:t>[1] Wahl et. al, 2014. IEEE ISVP. </a:t>
+            </a:r>
+            <a:r>
+              <a:rPr lang="en-US" sz="2000" dirty="0" err="1"/>
+              <a:t>doi</a:t>
+            </a:r>
+            <a:r>
+              <a:rPr lang="en-US" sz="2000" dirty="0"/>
+              <a:t>: 10.1109/IVS.2014.6856459</a:t>
+            </a:r>
+          </a:p>
+          <a:p>
+            <a:pPr marL="0" indent="0">
+              <a:buNone/>
+            </a:pPr>
+            <a:r>
+              <a:rPr lang="en-US" sz="2000" dirty="0"/>
+              <a:t>[2] Nascimento et. al, 2007. IEEE ISADPRL. </a:t>
+            </a:r>
+            <a:r>
+              <a:rPr lang="en-US" sz="2000" dirty="0" err="1"/>
+              <a:t>doi</a:t>
+            </a:r>
+            <a:r>
+              <a:rPr lang="en-US" sz="2000" dirty="0"/>
+              <a:t>: 10.1109/ADPRL.2007.368169</a:t>
+            </a:r>
+          </a:p>
+          <a:p>
+            <a:pPr marL="0" indent="0">
+              <a:buNone/>
+            </a:pPr>
+            <a:r>
+              <a:rPr lang="en-US" sz="2000" dirty="0"/>
+              <a:t>[3] Scott et. al, Operations Research. Accessed </a:t>
+            </a:r>
+            <a:r>
+              <a:rPr lang="en-US" sz="2000" dirty="0">
+                <a:hlinkClick r:id="rId2"/>
+              </a:rPr>
+              <a:t>online</a:t>
+            </a:r>
+            <a:r>
+              <a:rPr lang="en-US" sz="2000" dirty="0"/>
+              <a:t>.</a:t>
+            </a:r>
+          </a:p>
+          <a:p>
+            <a:pPr marL="0" indent="0">
+              <a:buNone/>
+            </a:pPr>
+            <a:r>
+              <a:rPr lang="en-US" sz="2000" dirty="0"/>
+              <a:t>[4] Dong et. al, 2011. ICAR. Accessed </a:t>
+            </a:r>
+            <a:r>
+              <a:rPr lang="en-US" sz="2000" dirty="0">
+                <a:hlinkClick r:id="rId3"/>
+              </a:rPr>
+              <a:t>online</a:t>
+            </a:r>
+            <a:r>
+              <a:rPr lang="en-US" sz="2000" dirty="0"/>
+              <a:t>.</a:t>
+            </a:r>
+          </a:p>
+          <a:p>
+            <a:pPr marL="0" indent="0">
+              <a:buNone/>
+            </a:pPr>
+            <a:r>
+              <a:rPr lang="en-US" sz="2000" dirty="0"/>
+              <a:t>[5] Zhang et. al, 2017. IEEE TSG.</a:t>
+            </a:r>
+            <a:r>
+              <a:rPr lang="en-US" sz="1100" dirty="0"/>
+              <a:t> </a:t>
+            </a:r>
+            <a:r>
+              <a:rPr lang="en-US" sz="2000" dirty="0" err="1"/>
+              <a:t>doi</a:t>
+            </a:r>
+            <a:r>
+              <a:rPr lang="en-US" sz="2000" dirty="0"/>
+              <a:t>: 10.1109/TSG.2015.2505298</a:t>
+            </a:r>
+          </a:p>
+          <a:p>
+            <a:pPr marL="0" indent="0">
+              <a:buNone/>
+            </a:pPr>
+            <a:r>
+              <a:rPr lang="en-US" sz="2000" dirty="0"/>
+              <a:t>[6] van der Herten et. al, 2016. </a:t>
+            </a:r>
+            <a:r>
+              <a:rPr lang="en-US" sz="2000" dirty="0" err="1"/>
+              <a:t>arXiv</a:t>
+            </a:r>
+            <a:r>
+              <a:rPr lang="en-US" sz="2000" dirty="0"/>
+              <a:t> preprint arXiv:1608.04550</a:t>
+            </a:r>
+          </a:p>
+          <a:p>
+            <a:pPr marL="0" indent="0">
+              <a:buNone/>
+            </a:pPr>
+            <a:r>
+              <a:rPr lang="en-US" sz="2000" dirty="0"/>
+              <a:t>[7] Li et. al, 2018. IEEE TITS. Advance Online Publication.</a:t>
+            </a:r>
+          </a:p>
+          <a:p>
+            <a:pPr marL="0" indent="0">
+              <a:buNone/>
+            </a:pPr>
+            <a:r>
+              <a:rPr lang="en-US" sz="2000" dirty="0"/>
+              <a:t>[8] Xu et. al, 2018. </a:t>
+            </a:r>
+            <a:r>
+              <a:rPr lang="en-US" sz="2000" dirty="0" err="1"/>
+              <a:t>AiMES</a:t>
+            </a:r>
+            <a:r>
+              <a:rPr lang="en-US" sz="2000" dirty="0"/>
+              <a:t>. Submitted abstract </a:t>
+            </a:r>
+            <a:r>
+              <a:rPr lang="en-US" sz="2000" dirty="0">
+                <a:hlinkClick r:id="rId4"/>
+              </a:rPr>
+              <a:t>online</a:t>
+            </a:r>
+            <a:r>
+              <a:rPr lang="en-US" sz="2000" dirty="0"/>
+              <a:t>.</a:t>
+            </a:r>
+            <a:endParaRPr lang="en-US" sz="700" dirty="0"/>
+          </a:p>
+        </p:txBody>
+      </p:sp>
+      <p:sp>
+        <p:nvSpPr>
+          <p:cNvPr id="6" name="Date Placeholder 5">
+            <a:extLst>
+              <a:ext uri="{FF2B5EF4-FFF2-40B4-BE49-F238E27FC236}">
+                <a16:creationId xmlns:a16="http://schemas.microsoft.com/office/drawing/2014/main" id="{6FC92DA8-A005-4D52-A692-66989D3ABF8C}"/>
+              </a:ext>
+            </a:extLst>
+          </p:cNvPr>
+          <p:cNvSpPr>
+            <a:spLocks noGrp="1"/>
+          </p:cNvSpPr>
+          <p:nvPr>
+            <p:ph type="dt" sz="half" idx="10"/>
+          </p:nvPr>
+        </p:nvSpPr>
+        <p:spPr/>
+        <p:txBody>
+          <a:bodyPr/>
+          <a:lstStyle/>
+          <a:p>
+            <a:fld id="{0923A298-BA61-4A8F-B747-DF8048993B7C}" type="datetime1">
+              <a:rPr lang="en-US" smtClean="0"/>
+              <a:t>8/9/2018</a:t>
+            </a:fld>
+            <a:endParaRPr lang="en-US"/>
+          </a:p>
+        </p:txBody>
+      </p:sp>
+      <p:sp>
+        <p:nvSpPr>
+          <p:cNvPr id="7" name="Slide Number Placeholder 6">
+            <a:extLst>
+              <a:ext uri="{FF2B5EF4-FFF2-40B4-BE49-F238E27FC236}">
+                <a16:creationId xmlns:a16="http://schemas.microsoft.com/office/drawing/2014/main" id="{3C44DE87-B212-4D3D-BBB7-2B42BE0EE4BD}"/>
+              </a:ext>
+            </a:extLst>
+          </p:cNvPr>
+          <p:cNvSpPr>
+            <a:spLocks noGrp="1"/>
+          </p:cNvSpPr>
+          <p:nvPr>
+            <p:ph type="sldNum" sz="quarter" idx="12"/>
+          </p:nvPr>
+        </p:nvSpPr>
+        <p:spPr/>
+        <p:txBody>
+          <a:bodyPr/>
+          <a:lstStyle/>
+          <a:p>
+            <a:fld id="{95EE2DDF-6CB9-4330-926E-8B80970773BB}" type="slidenum">
+              <a:rPr lang="en-US" smtClean="0"/>
+              <a:t>8</a:t>
+            </a:fld>
+            <a:endParaRPr lang="en-US"/>
+          </a:p>
+        </p:txBody>
+      </p:sp>
+    </p:spTree>
+    <p:extLst>
+      <p:ext uri="{BB962C8B-B14F-4D97-AF65-F5344CB8AC3E}">
+        <p14:creationId xmlns:p14="http://schemas.microsoft.com/office/powerpoint/2010/main" val="81947362"/>
+      </p:ext>
+    </p:extLst>
+  </p:cSld>
+  <p:clrMapOvr>
+    <a:masterClrMapping/>
+  </p:clrMapOvr>
+</p:sld>
+</file>
+
+<file path=ppt/slides/slide9.xml><?xml version="1.0" encoding="utf-8"?>
+<p:sld xmlns:a="http://schemas.openxmlformats.org/drawingml/2006/main" xmlns:r="http://schemas.openxmlformats.org/officeDocument/2006/relationships" xmlns:p="http://schemas.openxmlformats.org/presentationml/2006/main">
+  <p:cSld>
+    <p:spTree>
+      <p:nvGrpSpPr>
+        <p:cNvPr id="1" name=""/>
+        <p:cNvGrpSpPr/>
+        <p:nvPr/>
+      </p:nvGrpSpPr>
+      <p:grpSpPr>
+        <a:xfrm>
+          <a:off x="0" y="0"/>
+          <a:ext cx="0" cy="0"/>
+          <a:chOff x="0" y="0"/>
+          <a:chExt cx="0" cy="0"/>
+        </a:xfrm>
+      </p:grpSpPr>
+      <p:sp>
+        <p:nvSpPr>
+          <p:cNvPr id="2" name="Title 1">
+            <a:extLst>
+              <a:ext uri="{FF2B5EF4-FFF2-40B4-BE49-F238E27FC236}">
+                <a16:creationId xmlns:a16="http://schemas.microsoft.com/office/drawing/2014/main" id="{3BFF6538-6F7A-4E93-A778-ED3F0D1B7F55}"/>
+              </a:ext>
+            </a:extLst>
+          </p:cNvPr>
+          <p:cNvSpPr>
+            <a:spLocks noGrp="1"/>
+          </p:cNvSpPr>
+          <p:nvPr>
+            <p:ph type="title"/>
+          </p:nvPr>
+        </p:nvSpPr>
+        <p:spPr/>
+        <p:txBody>
+          <a:bodyPr/>
+          <a:lstStyle/>
+          <a:p>
+            <a:r>
+              <a:rPr lang="en-US" dirty="0"/>
+              <a:t>Backup</a:t>
+            </a:r>
+          </a:p>
+        </p:txBody>
+      </p:sp>
+      <p:sp>
+        <p:nvSpPr>
+          <p:cNvPr id="3" name="Content Placeholder 2">
+            <a:extLst>
+              <a:ext uri="{FF2B5EF4-FFF2-40B4-BE49-F238E27FC236}">
+                <a16:creationId xmlns:a16="http://schemas.microsoft.com/office/drawing/2014/main" id="{D55C1EA0-393A-4694-9A3D-E1B4A40C4E99}"/>
+              </a:ext>
+            </a:extLst>
+          </p:cNvPr>
+          <p:cNvSpPr>
+            <a:spLocks noGrp="1"/>
+          </p:cNvSpPr>
+          <p:nvPr>
+            <p:ph idx="1"/>
+          </p:nvPr>
+        </p:nvSpPr>
+        <p:spPr/>
+        <p:txBody>
+          <a:bodyPr/>
+          <a:lstStyle/>
+          <a:p>
+            <a:endParaRPr lang="en-US"/>
+          </a:p>
+        </p:txBody>
+      </p:sp>
+      <p:sp>
+        <p:nvSpPr>
+          <p:cNvPr id="4" name="Date Placeholder 3">
+            <a:extLst>
+              <a:ext uri="{FF2B5EF4-FFF2-40B4-BE49-F238E27FC236}">
+                <a16:creationId xmlns:a16="http://schemas.microsoft.com/office/drawing/2014/main" id="{8C7103F4-CEE1-4DF6-9AF5-FB6B10697BAC}"/>
+              </a:ext>
+            </a:extLst>
+          </p:cNvPr>
+          <p:cNvSpPr>
+            <a:spLocks noGrp="1"/>
+          </p:cNvSpPr>
+          <p:nvPr>
+            <p:ph type="dt" sz="half" idx="10"/>
+          </p:nvPr>
+        </p:nvSpPr>
+        <p:spPr/>
+        <p:txBody>
+          <a:bodyPr/>
+          <a:lstStyle/>
+          <a:p>
+            <a:fld id="{E486524B-152A-4A70-958E-A0A39EBD30CF}" type="datetime1">
+              <a:rPr lang="en-US" smtClean="0"/>
+              <a:t>8/9/2018</a:t>
+            </a:fld>
+            <a:endParaRPr lang="en-US"/>
+          </a:p>
+        </p:txBody>
+      </p:sp>
+      <p:sp>
+        <p:nvSpPr>
+          <p:cNvPr id="5" name="Slide Number Placeholder 4">
+            <a:extLst>
+              <a:ext uri="{FF2B5EF4-FFF2-40B4-BE49-F238E27FC236}">
+                <a16:creationId xmlns:a16="http://schemas.microsoft.com/office/drawing/2014/main" id="{916CF9DB-55F0-4172-AA14-D6A6BA61C499}"/>
+              </a:ext>
+            </a:extLst>
+          </p:cNvPr>
+          <p:cNvSpPr>
+            <a:spLocks noGrp="1"/>
+          </p:cNvSpPr>
+          <p:nvPr>
+            <p:ph type="sldNum" sz="quarter" idx="12"/>
+          </p:nvPr>
+        </p:nvSpPr>
+        <p:spPr/>
+        <p:txBody>
+          <a:bodyPr/>
+          <a:lstStyle/>
+          <a:p>
+            <a:fld id="{12B64F94-5F67-4FCA-BA0B-D89417276E46}" type="slidenum">
+              <a:rPr lang="en-US" smtClean="0"/>
+              <a:t>9</a:t>
+            </a:fld>
+            <a:endParaRPr lang="en-US"/>
+          </a:p>
+        </p:txBody>
+      </p:sp>
+    </p:spTree>
+    <p:extLst>
+      <p:ext uri="{BB962C8B-B14F-4D97-AF65-F5344CB8AC3E}">
+        <p14:creationId xmlns:p14="http://schemas.microsoft.com/office/powerpoint/2010/main" val="2631628806"/>
       </p:ext>
     </p:extLst>
   </p:cSld>

--- a/Presentations/LGC_ADP_OCVR_walkthrough.pptx
+++ b/Presentations/LGC_ADP_OCVR_walkthrough.pptx
@@ -5,22 +5,24 @@
     <p:sldMasterId id="2147483648" r:id="rId1"/>
   </p:sldMasterIdLst>
   <p:notesMasterIdLst>
-    <p:notesMasterId r:id="rId15"/>
+    <p:notesMasterId r:id="rId17"/>
   </p:notesMasterIdLst>
   <p:sldIdLst>
     <p:sldId id="425" r:id="rId2"/>
-    <p:sldId id="427" r:id="rId3"/>
-    <p:sldId id="264" r:id="rId4"/>
-    <p:sldId id="265" r:id="rId5"/>
-    <p:sldId id="266" r:id="rId6"/>
-    <p:sldId id="428" r:id="rId7"/>
-    <p:sldId id="263" r:id="rId8"/>
-    <p:sldId id="270" r:id="rId9"/>
-    <p:sldId id="432" r:id="rId10"/>
-    <p:sldId id="429" r:id="rId11"/>
-    <p:sldId id="431" r:id="rId12"/>
-    <p:sldId id="434" r:id="rId13"/>
-    <p:sldId id="435" r:id="rId14"/>
+    <p:sldId id="264" r:id="rId3"/>
+    <p:sldId id="266" r:id="rId4"/>
+    <p:sldId id="428" r:id="rId5"/>
+    <p:sldId id="263" r:id="rId6"/>
+    <p:sldId id="431" r:id="rId7"/>
+    <p:sldId id="438" r:id="rId8"/>
+    <p:sldId id="437" r:id="rId9"/>
+    <p:sldId id="434" r:id="rId10"/>
+    <p:sldId id="270" r:id="rId11"/>
+    <p:sldId id="432" r:id="rId12"/>
+    <p:sldId id="429" r:id="rId13"/>
+    <p:sldId id="436" r:id="rId14"/>
+    <p:sldId id="435" r:id="rId15"/>
+    <p:sldId id="265" r:id="rId16"/>
   </p:sldIdLst>
   <p:sldSz cx="12192000" cy="6858000"/>
   <p:notesSz cx="6858000" cy="9144000"/>
@@ -125,16 +127,22 @@
         <p14:section name="Default Section" id="{74F6925B-4897-4372-8583-EDBEFE7BF6C3}">
           <p14:sldIdLst>
             <p14:sldId id="425"/>
-            <p14:sldId id="427"/>
           </p14:sldIdLst>
         </p14:section>
         <p14:section name="Background" id="{B72B6729-33E8-44CE-A4BB-9D278E35C41D}">
           <p14:sldIdLst>
             <p14:sldId id="264"/>
-            <p14:sldId id="265"/>
             <p14:sldId id="266"/>
             <p14:sldId id="428"/>
+          </p14:sldIdLst>
+        </p14:section>
+        <p14:section name="Actor-Critic" id="{9429763F-114F-45EF-B30C-77A313D4AFFE}">
+          <p14:sldIdLst>
             <p14:sldId id="263"/>
+            <p14:sldId id="431"/>
+            <p14:sldId id="438"/>
+            <p14:sldId id="437"/>
+            <p14:sldId id="434"/>
             <p14:sldId id="270"/>
             <p14:sldId id="432"/>
           </p14:sldIdLst>
@@ -142,9 +150,9 @@
         <p14:section name="Backup" id="{EB07C867-70D3-441C-AC5E-401A10DC00A0}">
           <p14:sldIdLst>
             <p14:sldId id="429"/>
-            <p14:sldId id="431"/>
-            <p14:sldId id="434"/>
+            <p14:sldId id="436"/>
             <p14:sldId id="435"/>
+            <p14:sldId id="265"/>
           </p14:sldIdLst>
         </p14:section>
       </p14:sectionLst>
@@ -238,7 +246,7 @@
           <a:p>
             <a:fld id="{559570E1-CA16-4C46-9175-F70CBC0C9EA0}" type="datetimeFigureOut">
               <a:rPr lang="en-US" smtClean="0"/>
-              <a:t>8/9/2018</a:t>
+              <a:t>8/13/2018</a:t>
             </a:fld>
             <a:endParaRPr lang="en-US"/>
           </a:p>
@@ -624,7 +632,7 @@
           <a:p>
             <a:fld id="{2A6D1CCD-34FB-4AA2-8867-D4664D5A989B}" type="slidenum">
               <a:rPr lang="en-US" smtClean="0"/>
-              <a:t>3</a:t>
+              <a:t>2</a:t>
             </a:fld>
             <a:endParaRPr lang="en-US"/>
           </a:p>
@@ -689,7 +697,7 @@
           <a:p>
             <a:r>
               <a:rPr lang="en-US" dirty="0"/>
-              <a:t>Model-free framework is used where an actor obtains a reward from external stimulus with the environment. It subsequently adapts the decision-making process to maximize/minimize the reward.</a:t>
+              <a:t>Please see References slide for selected literature on the topic</a:t>
             </a:r>
           </a:p>
         </p:txBody>
@@ -709,7 +717,7 @@
           <a:bodyPr/>
           <a:lstStyle/>
           <a:p>
-            <a:fld id="{2A6D1CCD-34FB-4AA2-8867-D4664D5A989B}" type="slidenum">
+            <a:fld id="{F013562A-C13A-4885-94AD-8322BDE3B516}" type="slidenum">
               <a:rPr lang="en-US" smtClean="0"/>
               <a:t>4</a:t>
             </a:fld>
@@ -720,7 +728,7 @@
     </p:spTree>
     <p:extLst>
       <p:ext uri="{BB962C8B-B14F-4D97-AF65-F5344CB8AC3E}">
-        <p14:creationId xmlns:p14="http://schemas.microsoft.com/office/powerpoint/2010/main" val="465910214"/>
+        <p14:creationId xmlns:p14="http://schemas.microsoft.com/office/powerpoint/2010/main" val="1117223207"/>
       </p:ext>
     </p:extLst>
   </p:cSld>
@@ -818,7 +826,7 @@
           <a:p>
             <a:fld id="{676CD7A3-3DB4-49EE-8F53-C481137EB6A6}" type="slidenum">
               <a:rPr lang="en-US" smtClean="0"/>
-              <a:t>7</a:t>
+              <a:t>5</a:t>
             </a:fld>
             <a:endParaRPr lang="en-US"/>
           </a:p>
@@ -925,7 +933,7 @@
           <a:p>
             <a:fld id="{676CD7A3-3DB4-49EE-8F53-C481137EB6A6}" type="slidenum">
               <a:rPr lang="en-US" smtClean="0"/>
-              <a:t>12</a:t>
+              <a:t>6</a:t>
             </a:fld>
             <a:endParaRPr lang="en-US"/>
           </a:p>
@@ -988,30 +996,7 @@
           <a:bodyPr/>
           <a:lstStyle/>
           <a:p>
-            <a:r>
-              <a:rPr lang="en-US" dirty="0"/>
-              <a:t>k denotes each individual time step</a:t>
-            </a:r>
-          </a:p>
-          <a:p>
-            <a:r>
-              <a:rPr lang="en-US" dirty="0"/>
-              <a:t>ADP assess how good the function approximation is close to the desired reward</a:t>
-            </a:r>
-          </a:p>
-          <a:p>
-            <a:r>
-              <a:rPr lang="en-US" dirty="0"/>
-              <a:t>We provide the state space and initial control from DFN/other </a:t>
-            </a:r>
-            <a:r>
-              <a:rPr lang="en-US" dirty="0" err="1"/>
-              <a:t>echem</a:t>
-            </a:r>
-            <a:r>
-              <a:rPr lang="en-US" dirty="0"/>
-              <a:t> model results. Find optimal control to use in experimental controller</a:t>
-            </a:r>
+            <a:endParaRPr lang="en-US" dirty="0"/>
           </a:p>
         </p:txBody>
       </p:sp>
@@ -1032,7 +1017,328 @@
           <a:p>
             <a:fld id="{676CD7A3-3DB4-49EE-8F53-C481137EB6A6}" type="slidenum">
               <a:rPr lang="en-US" smtClean="0"/>
-              <a:t>13</a:t>
+              <a:t>7</a:t>
+            </a:fld>
+            <a:endParaRPr lang="en-US"/>
+          </a:p>
+        </p:txBody>
+      </p:sp>
+    </p:spTree>
+    <p:extLst>
+      <p:ext uri="{BB962C8B-B14F-4D97-AF65-F5344CB8AC3E}">
+        <p14:creationId xmlns:p14="http://schemas.microsoft.com/office/powerpoint/2010/main" val="780213654"/>
+      </p:ext>
+    </p:extLst>
+  </p:cSld>
+  <p:clrMapOvr>
+    <a:masterClrMapping/>
+  </p:clrMapOvr>
+</p:notes>
+</file>
+
+<file path=ppt/notesSlides/notesSlide6.xml><?xml version="1.0" encoding="utf-8"?>
+<p:notes xmlns:a="http://schemas.openxmlformats.org/drawingml/2006/main" xmlns:r="http://schemas.openxmlformats.org/officeDocument/2006/relationships" xmlns:p="http://schemas.openxmlformats.org/presentationml/2006/main">
+  <p:cSld>
+    <p:spTree>
+      <p:nvGrpSpPr>
+        <p:cNvPr id="1" name=""/>
+        <p:cNvGrpSpPr/>
+        <p:nvPr/>
+      </p:nvGrpSpPr>
+      <p:grpSpPr>
+        <a:xfrm>
+          <a:off x="0" y="0"/>
+          <a:ext cx="0" cy="0"/>
+          <a:chOff x="0" y="0"/>
+          <a:chExt cx="0" cy="0"/>
+        </a:xfrm>
+      </p:grpSpPr>
+      <p:sp>
+        <p:nvSpPr>
+          <p:cNvPr id="2" name="Slide Image Placeholder 1"/>
+          <p:cNvSpPr>
+            <a:spLocks noGrp="1" noRot="1" noChangeAspect="1"/>
+          </p:cNvSpPr>
+          <p:nvPr>
+            <p:ph type="sldImg"/>
+          </p:nvPr>
+        </p:nvSpPr>
+        <p:spPr/>
+      </p:sp>
+      <p:sp>
+        <p:nvSpPr>
+          <p:cNvPr id="3" name="Notes Placeholder 2"/>
+          <p:cNvSpPr>
+            <a:spLocks noGrp="1"/>
+          </p:cNvSpPr>
+          <p:nvPr>
+            <p:ph type="body" idx="1"/>
+          </p:nvPr>
+        </p:nvSpPr>
+        <p:spPr/>
+        <p:txBody>
+          <a:bodyPr/>
+          <a:lstStyle/>
+          <a:p>
+            <a:r>
+              <a:rPr lang="en-US" dirty="0"/>
+              <a:t>k denotes each individual time step</a:t>
+            </a:r>
+          </a:p>
+          <a:p>
+            <a:r>
+              <a:rPr lang="en-US" dirty="0"/>
+              <a:t>ADP assess how good the function approximation is close to the desired reward</a:t>
+            </a:r>
+          </a:p>
+          <a:p>
+            <a:r>
+              <a:rPr lang="en-US" dirty="0"/>
+              <a:t>We provide the state space and initial control from DFN/other </a:t>
+            </a:r>
+            <a:r>
+              <a:rPr lang="en-US" dirty="0" err="1"/>
+              <a:t>echem</a:t>
+            </a:r>
+            <a:r>
+              <a:rPr lang="en-US" dirty="0"/>
+              <a:t> model results. Find optimal control to use in experimental controller</a:t>
+            </a:r>
+          </a:p>
+        </p:txBody>
+      </p:sp>
+      <p:sp>
+        <p:nvSpPr>
+          <p:cNvPr id="4" name="Slide Number Placeholder 3"/>
+          <p:cNvSpPr>
+            <a:spLocks noGrp="1"/>
+          </p:cNvSpPr>
+          <p:nvPr>
+            <p:ph type="sldNum" sz="quarter" idx="10"/>
+          </p:nvPr>
+        </p:nvSpPr>
+        <p:spPr/>
+        <p:txBody>
+          <a:bodyPr/>
+          <a:lstStyle/>
+          <a:p>
+            <a:fld id="{676CD7A3-3DB4-49EE-8F53-C481137EB6A6}" type="slidenum">
+              <a:rPr lang="en-US" smtClean="0"/>
+              <a:t>8</a:t>
+            </a:fld>
+            <a:endParaRPr lang="en-US"/>
+          </a:p>
+        </p:txBody>
+      </p:sp>
+    </p:spTree>
+    <p:extLst>
+      <p:ext uri="{BB962C8B-B14F-4D97-AF65-F5344CB8AC3E}">
+        <p14:creationId xmlns:p14="http://schemas.microsoft.com/office/powerpoint/2010/main" val="1387895598"/>
+      </p:ext>
+    </p:extLst>
+  </p:cSld>
+  <p:clrMapOvr>
+    <a:masterClrMapping/>
+  </p:clrMapOvr>
+</p:notes>
+</file>
+
+<file path=ppt/notesSlides/notesSlide7.xml><?xml version="1.0" encoding="utf-8"?>
+<p:notes xmlns:a="http://schemas.openxmlformats.org/drawingml/2006/main" xmlns:r="http://schemas.openxmlformats.org/officeDocument/2006/relationships" xmlns:p="http://schemas.openxmlformats.org/presentationml/2006/main">
+  <p:cSld>
+    <p:spTree>
+      <p:nvGrpSpPr>
+        <p:cNvPr id="1" name=""/>
+        <p:cNvGrpSpPr/>
+        <p:nvPr/>
+      </p:nvGrpSpPr>
+      <p:grpSpPr>
+        <a:xfrm>
+          <a:off x="0" y="0"/>
+          <a:ext cx="0" cy="0"/>
+          <a:chOff x="0" y="0"/>
+          <a:chExt cx="0" cy="0"/>
+        </a:xfrm>
+      </p:grpSpPr>
+      <p:sp>
+        <p:nvSpPr>
+          <p:cNvPr id="2" name="Slide Image Placeholder 1"/>
+          <p:cNvSpPr>
+            <a:spLocks noGrp="1" noRot="1" noChangeAspect="1"/>
+          </p:cNvSpPr>
+          <p:nvPr>
+            <p:ph type="sldImg"/>
+          </p:nvPr>
+        </p:nvSpPr>
+        <p:spPr/>
+      </p:sp>
+      <p:sp>
+        <p:nvSpPr>
+          <p:cNvPr id="3" name="Notes Placeholder 2"/>
+          <p:cNvSpPr>
+            <a:spLocks noGrp="1"/>
+          </p:cNvSpPr>
+          <p:nvPr>
+            <p:ph type="body" idx="1"/>
+          </p:nvPr>
+        </p:nvSpPr>
+        <p:spPr/>
+        <p:txBody>
+          <a:bodyPr/>
+          <a:lstStyle/>
+          <a:p>
+            <a:r>
+              <a:rPr lang="en-US" dirty="0"/>
+              <a:t>k denotes each individual time step</a:t>
+            </a:r>
+          </a:p>
+          <a:p>
+            <a:r>
+              <a:rPr lang="en-US" dirty="0"/>
+              <a:t>ADP assess how good the function approximation is close to the desired reward</a:t>
+            </a:r>
+          </a:p>
+          <a:p>
+            <a:r>
+              <a:rPr lang="en-US" dirty="0"/>
+              <a:t>We provide the state space and initial control from DFN/other </a:t>
+            </a:r>
+            <a:r>
+              <a:rPr lang="en-US" dirty="0" err="1"/>
+              <a:t>echem</a:t>
+            </a:r>
+            <a:r>
+              <a:rPr lang="en-US" dirty="0"/>
+              <a:t> model results. Find optimal control to use in experimental controller</a:t>
+            </a:r>
+          </a:p>
+        </p:txBody>
+      </p:sp>
+      <p:sp>
+        <p:nvSpPr>
+          <p:cNvPr id="4" name="Slide Number Placeholder 3"/>
+          <p:cNvSpPr>
+            <a:spLocks noGrp="1"/>
+          </p:cNvSpPr>
+          <p:nvPr>
+            <p:ph type="sldNum" sz="quarter" idx="10"/>
+          </p:nvPr>
+        </p:nvSpPr>
+        <p:spPr/>
+        <p:txBody>
+          <a:bodyPr/>
+          <a:lstStyle/>
+          <a:p>
+            <a:fld id="{676CD7A3-3DB4-49EE-8F53-C481137EB6A6}" type="slidenum">
+              <a:rPr lang="en-US" smtClean="0"/>
+              <a:t>9</a:t>
+            </a:fld>
+            <a:endParaRPr lang="en-US"/>
+          </a:p>
+        </p:txBody>
+      </p:sp>
+    </p:spTree>
+    <p:extLst>
+      <p:ext uri="{BB962C8B-B14F-4D97-AF65-F5344CB8AC3E}">
+        <p14:creationId xmlns:p14="http://schemas.microsoft.com/office/powerpoint/2010/main" val="3409088383"/>
+      </p:ext>
+    </p:extLst>
+  </p:cSld>
+  <p:clrMapOvr>
+    <a:masterClrMapping/>
+  </p:clrMapOvr>
+</p:notes>
+</file>
+
+<file path=ppt/notesSlides/notesSlide8.xml><?xml version="1.0" encoding="utf-8"?>
+<p:notes xmlns:a="http://schemas.openxmlformats.org/drawingml/2006/main" xmlns:r="http://schemas.openxmlformats.org/officeDocument/2006/relationships" xmlns:p="http://schemas.openxmlformats.org/presentationml/2006/main">
+  <p:cSld>
+    <p:spTree>
+      <p:nvGrpSpPr>
+        <p:cNvPr id="1" name=""/>
+        <p:cNvGrpSpPr/>
+        <p:nvPr/>
+      </p:nvGrpSpPr>
+      <p:grpSpPr>
+        <a:xfrm>
+          <a:off x="0" y="0"/>
+          <a:ext cx="0" cy="0"/>
+          <a:chOff x="0" y="0"/>
+          <a:chExt cx="0" cy="0"/>
+        </a:xfrm>
+      </p:grpSpPr>
+      <p:sp>
+        <p:nvSpPr>
+          <p:cNvPr id="2" name="Slide Image Placeholder 1"/>
+          <p:cNvSpPr>
+            <a:spLocks noGrp="1" noRot="1" noChangeAspect="1"/>
+          </p:cNvSpPr>
+          <p:nvPr>
+            <p:ph type="sldImg"/>
+          </p:nvPr>
+        </p:nvSpPr>
+        <p:spPr/>
+      </p:sp>
+      <p:sp>
+        <p:nvSpPr>
+          <p:cNvPr id="3" name="Notes Placeholder 2"/>
+          <p:cNvSpPr>
+            <a:spLocks noGrp="1"/>
+          </p:cNvSpPr>
+          <p:nvPr>
+            <p:ph type="body" idx="1"/>
+          </p:nvPr>
+        </p:nvSpPr>
+        <p:spPr/>
+        <p:txBody>
+          <a:bodyPr/>
+          <a:lstStyle/>
+          <a:p>
+            <a:r>
+              <a:rPr lang="en-US" dirty="0"/>
+              <a:t>k denotes each individual time step</a:t>
+            </a:r>
+          </a:p>
+          <a:p>
+            <a:r>
+              <a:rPr lang="en-US" dirty="0"/>
+              <a:t>ADP assess how good the function approximation is close to the desired reward</a:t>
+            </a:r>
+          </a:p>
+          <a:p>
+            <a:r>
+              <a:rPr lang="en-US" dirty="0"/>
+              <a:t>We provide the state space and initial control from DFN/other </a:t>
+            </a:r>
+            <a:r>
+              <a:rPr lang="en-US" dirty="0" err="1"/>
+              <a:t>echem</a:t>
+            </a:r>
+            <a:r>
+              <a:rPr lang="en-US" dirty="0"/>
+              <a:t> model results. Find optimal control to use in experimental controller</a:t>
+            </a:r>
+          </a:p>
+        </p:txBody>
+      </p:sp>
+      <p:sp>
+        <p:nvSpPr>
+          <p:cNvPr id="4" name="Slide Number Placeholder 3"/>
+          <p:cNvSpPr>
+            <a:spLocks noGrp="1"/>
+          </p:cNvSpPr>
+          <p:nvPr>
+            <p:ph type="sldNum" sz="quarter" idx="10"/>
+          </p:nvPr>
+        </p:nvSpPr>
+        <p:spPr/>
+        <p:txBody>
+          <a:bodyPr/>
+          <a:lstStyle/>
+          <a:p>
+            <a:fld id="{676CD7A3-3DB4-49EE-8F53-C481137EB6A6}" type="slidenum">
+              <a:rPr lang="en-US" smtClean="0"/>
+              <a:t>14</a:t>
             </a:fld>
             <a:endParaRPr lang="en-US"/>
           </a:p>
@@ -1042,6 +1348,93 @@
     <p:extLst>
       <p:ext uri="{BB962C8B-B14F-4D97-AF65-F5344CB8AC3E}">
         <p14:creationId xmlns:p14="http://schemas.microsoft.com/office/powerpoint/2010/main" val="685856530"/>
+      </p:ext>
+    </p:extLst>
+  </p:cSld>
+  <p:clrMapOvr>
+    <a:masterClrMapping/>
+  </p:clrMapOvr>
+</p:notes>
+</file>
+
+<file path=ppt/notesSlides/notesSlide9.xml><?xml version="1.0" encoding="utf-8"?>
+<p:notes xmlns:a="http://schemas.openxmlformats.org/drawingml/2006/main" xmlns:r="http://schemas.openxmlformats.org/officeDocument/2006/relationships" xmlns:p="http://schemas.openxmlformats.org/presentationml/2006/main">
+  <p:cSld>
+    <p:spTree>
+      <p:nvGrpSpPr>
+        <p:cNvPr id="1" name=""/>
+        <p:cNvGrpSpPr/>
+        <p:nvPr/>
+      </p:nvGrpSpPr>
+      <p:grpSpPr>
+        <a:xfrm>
+          <a:off x="0" y="0"/>
+          <a:ext cx="0" cy="0"/>
+          <a:chOff x="0" y="0"/>
+          <a:chExt cx="0" cy="0"/>
+        </a:xfrm>
+      </p:grpSpPr>
+      <p:sp>
+        <p:nvSpPr>
+          <p:cNvPr id="2" name="Slide Image Placeholder 1"/>
+          <p:cNvSpPr>
+            <a:spLocks noGrp="1" noRot="1" noChangeAspect="1"/>
+          </p:cNvSpPr>
+          <p:nvPr>
+            <p:ph type="sldImg"/>
+          </p:nvPr>
+        </p:nvSpPr>
+        <p:spPr/>
+      </p:sp>
+      <p:sp>
+        <p:nvSpPr>
+          <p:cNvPr id="3" name="Notes Placeholder 2"/>
+          <p:cNvSpPr>
+            <a:spLocks noGrp="1"/>
+          </p:cNvSpPr>
+          <p:nvPr>
+            <p:ph type="body" idx="1"/>
+          </p:nvPr>
+        </p:nvSpPr>
+        <p:spPr/>
+        <p:txBody>
+          <a:bodyPr/>
+          <a:lstStyle/>
+          <a:p>
+            <a:r>
+              <a:rPr lang="en-US" dirty="0"/>
+              <a:t>Model-free framework is used where an actor obtains a reward from external stimulus with the environment. It subsequently adapts the decision-making process to maximize/minimize the reward.</a:t>
+            </a:r>
+          </a:p>
+        </p:txBody>
+      </p:sp>
+      <p:sp>
+        <p:nvSpPr>
+          <p:cNvPr id="4" name="Slide Number Placeholder 3"/>
+          <p:cNvSpPr>
+            <a:spLocks noGrp="1"/>
+          </p:cNvSpPr>
+          <p:nvPr>
+            <p:ph type="sldNum" sz="quarter" idx="10"/>
+          </p:nvPr>
+        </p:nvSpPr>
+        <p:spPr/>
+        <p:txBody>
+          <a:bodyPr/>
+          <a:lstStyle/>
+          <a:p>
+            <a:fld id="{2A6D1CCD-34FB-4AA2-8867-D4664D5A989B}" type="slidenum">
+              <a:rPr lang="en-US" smtClean="0"/>
+              <a:t>15</a:t>
+            </a:fld>
+            <a:endParaRPr lang="en-US"/>
+          </a:p>
+        </p:txBody>
+      </p:sp>
+    </p:spTree>
+    <p:extLst>
+      <p:ext uri="{BB962C8B-B14F-4D97-AF65-F5344CB8AC3E}">
+        <p14:creationId xmlns:p14="http://schemas.microsoft.com/office/powerpoint/2010/main" val="465910214"/>
       </p:ext>
     </p:extLst>
   </p:cSld>
@@ -1196,9 +1589,9 @@
           <a:bodyPr/>
           <a:lstStyle/>
           <a:p>
-            <a:fld id="{1C14C3EF-5B16-4AEF-B802-32C00E1085F9}" type="datetime1">
+            <a:fld id="{A55D96DD-4DE5-42BA-81B1-9CC10B6C4BED}" type="datetime1">
               <a:rPr lang="en-US" smtClean="0"/>
-              <a:t>8/9/2018</a:t>
+              <a:t>8/13/2018</a:t>
             </a:fld>
             <a:endParaRPr lang="en-US"/>
           </a:p>
@@ -1394,9 +1787,9 @@
           <a:bodyPr/>
           <a:lstStyle/>
           <a:p>
-            <a:fld id="{FB4E9CC4-955F-4F9F-BF5A-F525E8F31311}" type="datetime1">
+            <a:fld id="{06835277-7FD7-47EB-802B-57297B715B5A}" type="datetime1">
               <a:rPr lang="en-US" smtClean="0"/>
-              <a:t>8/9/2018</a:t>
+              <a:t>8/13/2018</a:t>
             </a:fld>
             <a:endParaRPr lang="en-US"/>
           </a:p>
@@ -1602,9 +1995,9 @@
           <a:bodyPr/>
           <a:lstStyle/>
           <a:p>
-            <a:fld id="{EF3E9781-ADE2-49C8-B9B0-968A54219619}" type="datetime1">
+            <a:fld id="{FD2DCBCB-3DE4-41B2-A6E5-8E7174379F35}" type="datetime1">
               <a:rPr lang="en-US" smtClean="0"/>
-              <a:t>8/9/2018</a:t>
+              <a:t>8/13/2018</a:t>
             </a:fld>
             <a:endParaRPr lang="en-US"/>
           </a:p>
@@ -1800,9 +2193,9 @@
           <a:bodyPr/>
           <a:lstStyle/>
           <a:p>
-            <a:fld id="{3B49BB28-32F4-47AC-8858-B0E3906D33F9}" type="datetime1">
+            <a:fld id="{2826D2B7-6041-400B-BB3C-50E63815779E}" type="datetime1">
               <a:rPr lang="en-US" smtClean="0"/>
-              <a:t>8/9/2018</a:t>
+              <a:t>8/13/2018</a:t>
             </a:fld>
             <a:endParaRPr lang="en-US"/>
           </a:p>
@@ -2075,9 +2468,9 @@
           <a:bodyPr/>
           <a:lstStyle/>
           <a:p>
-            <a:fld id="{31B484CD-9A1A-43C9-B656-228D7A31FD3F}" type="datetime1">
+            <a:fld id="{B96C238D-87E7-4E02-AF10-FBE3DD2ACADD}" type="datetime1">
               <a:rPr lang="en-US" smtClean="0"/>
-              <a:t>8/9/2018</a:t>
+              <a:t>8/13/2018</a:t>
             </a:fld>
             <a:endParaRPr lang="en-US"/>
           </a:p>
@@ -2340,9 +2733,9 @@
           <a:bodyPr/>
           <a:lstStyle/>
           <a:p>
-            <a:fld id="{D1D2F74B-72FD-4885-A956-8F9F05111C48}" type="datetime1">
+            <a:fld id="{1FFD936F-93BD-4721-BAFD-6AEEC4558370}" type="datetime1">
               <a:rPr lang="en-US" smtClean="0"/>
-              <a:t>8/9/2018</a:t>
+              <a:t>8/13/2018</a:t>
             </a:fld>
             <a:endParaRPr lang="en-US"/>
           </a:p>
@@ -2752,9 +3145,9 @@
           <a:bodyPr/>
           <a:lstStyle/>
           <a:p>
-            <a:fld id="{17D6141E-0264-497D-91DB-9CB86CF3C0BA}" type="datetime1">
+            <a:fld id="{337B0164-737F-4D91-82E6-74F0F9F26272}" type="datetime1">
               <a:rPr lang="en-US" smtClean="0"/>
-              <a:t>8/9/2018</a:t>
+              <a:t>8/13/2018</a:t>
             </a:fld>
             <a:endParaRPr lang="en-US"/>
           </a:p>
@@ -2893,9 +3286,9 @@
           <a:bodyPr/>
           <a:lstStyle/>
           <a:p>
-            <a:fld id="{F5559DA7-FCB6-4A76-B5B2-5829C73F3C0D}" type="datetime1">
+            <a:fld id="{E44DA12D-C6BB-430A-9A5B-3BE334C15D1C}" type="datetime1">
               <a:rPr lang="en-US" smtClean="0"/>
-              <a:t>8/9/2018</a:t>
+              <a:t>8/13/2018</a:t>
             </a:fld>
             <a:endParaRPr lang="en-US"/>
           </a:p>
@@ -3006,9 +3399,9 @@
           <a:bodyPr/>
           <a:lstStyle/>
           <a:p>
-            <a:fld id="{9F7496CC-94C7-4612-81F5-FE410340B301}" type="datetime1">
+            <a:fld id="{A7CA842E-6993-438A-865B-DF4B9B906F36}" type="datetime1">
               <a:rPr lang="en-US" smtClean="0"/>
-              <a:t>8/9/2018</a:t>
+              <a:t>8/13/2018</a:t>
             </a:fld>
             <a:endParaRPr lang="en-US"/>
           </a:p>
@@ -3317,9 +3710,9 @@
           <a:bodyPr/>
           <a:lstStyle/>
           <a:p>
-            <a:fld id="{917334D1-C834-4A84-81DB-F877B0133B2F}" type="datetime1">
+            <a:fld id="{53C81846-F85E-4504-9831-2F13A6435729}" type="datetime1">
               <a:rPr lang="en-US" smtClean="0"/>
-              <a:t>8/9/2018</a:t>
+              <a:t>8/13/2018</a:t>
             </a:fld>
             <a:endParaRPr lang="en-US"/>
           </a:p>
@@ -3605,9 +3998,9 @@
           <a:bodyPr/>
           <a:lstStyle/>
           <a:p>
-            <a:fld id="{1A4E8DAA-5ECB-4CA0-8670-1DF49411A50B}" type="datetime1">
+            <a:fld id="{691F3A6F-C9C6-427E-9933-341DD7914579}" type="datetime1">
               <a:rPr lang="en-US" smtClean="0"/>
-              <a:t>8/9/2018</a:t>
+              <a:t>8/13/2018</a:t>
             </a:fld>
             <a:endParaRPr lang="en-US"/>
           </a:p>
@@ -3846,9 +4239,9 @@
             </a:lvl1pPr>
           </a:lstStyle>
           <a:p>
-            <a:fld id="{7C49A067-282D-44F8-B457-1C68DDC65FFF}" type="datetime1">
+            <a:fld id="{F92D041F-219A-4261-9D30-0EFB300C29B2}" type="datetime1">
               <a:rPr lang="en-US" smtClean="0"/>
-              <a:t>8/9/2018</a:t>
+              <a:t>8/13/2018</a:t>
             </a:fld>
             <a:endParaRPr lang="en-US"/>
           </a:p>
@@ -4342,7 +4735,7 @@
           <a:p>
             <a:r>
               <a:rPr lang="en-US" dirty="0"/>
-              <a:t>08/09/18</a:t>
+              <a:t>08/13/18</a:t>
             </a:r>
           </a:p>
         </p:txBody>
@@ -4382,7 +4775,7 @@
           <p:cNvPr id="2" name="Title 1">
             <a:extLst>
               <a:ext uri="{FF2B5EF4-FFF2-40B4-BE49-F238E27FC236}">
-                <a16:creationId xmlns:a16="http://schemas.microsoft.com/office/drawing/2014/main" id="{990CD525-A9C0-4A04-9FDC-2AEAF9443D0E}"/>
+                <a16:creationId xmlns:a16="http://schemas.microsoft.com/office/drawing/2014/main" id="{B93BCBD8-5A9A-4DFC-BF21-2DBD923C131E}"/>
               </a:ext>
             </a:extLst>
           </p:cNvPr>
@@ -4395,22 +4788,24 @@
         </p:nvSpPr>
         <p:spPr/>
         <p:txBody>
-          <a:bodyPr/>
+          <a:bodyPr>
+            <a:normAutofit/>
+          </a:bodyPr>
           <a:lstStyle/>
           <a:p>
             <a:r>
               <a:rPr lang="en-US" dirty="0"/>
-              <a:t>Dynamic programming: algorithm</a:t>
-            </a:r>
-          </a:p>
-        </p:txBody>
-      </p:sp>
-      <p:sp>
-        <p:nvSpPr>
-          <p:cNvPr id="3" name="Content Placeholder 2">
-            <a:extLst>
-              <a:ext uri="{FF2B5EF4-FFF2-40B4-BE49-F238E27FC236}">
-                <a16:creationId xmlns:a16="http://schemas.microsoft.com/office/drawing/2014/main" id="{0660ED64-1E40-4E5C-AD35-E335702006F9}"/>
+              <a:t>References</a:t>
+            </a:r>
+          </a:p>
+        </p:txBody>
+      </p:sp>
+      <p:sp>
+        <p:nvSpPr>
+          <p:cNvPr id="5" name="Content Placeholder 4">
+            <a:extLst>
+              <a:ext uri="{FF2B5EF4-FFF2-40B4-BE49-F238E27FC236}">
+                <a16:creationId xmlns:a16="http://schemas.microsoft.com/office/drawing/2014/main" id="{8D460DD0-FD89-4365-8B7E-DB714608C90C}"/>
               </a:ext>
             </a:extLst>
           </p:cNvPr>
@@ -4421,7 +4816,12 @@
             <p:ph idx="1"/>
           </p:nvPr>
         </p:nvSpPr>
-        <p:spPr/>
+        <p:spPr>
+          <a:xfrm>
+            <a:off x="838200" y="1620477"/>
+            <a:ext cx="10085962" cy="4806084"/>
+          </a:xfrm>
+        </p:spPr>
         <p:txBody>
           <a:bodyPr>
             <a:normAutofit/>
@@ -4432,8 +4832,16 @@
               <a:buNone/>
             </a:pPr>
             <a:r>
-              <a:rPr lang="en-US" sz="2400" dirty="0"/>
-              <a:t>Step 1: Load parameters and discretized state space</a:t>
+              <a:rPr lang="en-US" sz="2000" dirty="0"/>
+              <a:t>[1] Wahl et. al, 2014. IEEE ISVP. </a:t>
+            </a:r>
+            <a:r>
+              <a:rPr lang="en-US" sz="2000" dirty="0" err="1"/>
+              <a:t>doi</a:t>
+            </a:r>
+            <a:r>
+              <a:rPr lang="en-US" sz="2000" dirty="0"/>
+              <a:t>: 10.1109/IVS.2014.6856459</a:t>
             </a:r>
           </a:p>
           <a:p>
@@ -4441,8 +4849,16 @@
               <a:buNone/>
             </a:pPr>
             <a:r>
-              <a:rPr lang="en-US" sz="2400" dirty="0"/>
-              <a:t>Step 2: Iterate backwards in discretized time</a:t>
+              <a:rPr lang="en-US" sz="2000" dirty="0"/>
+              <a:t>[2] Nascimento et. al, 2007. IEEE ISADPRL. </a:t>
+            </a:r>
+            <a:r>
+              <a:rPr lang="en-US" sz="2000" dirty="0" err="1"/>
+              <a:t>doi</a:t>
+            </a:r>
+            <a:r>
+              <a:rPr lang="en-US" sz="2000" dirty="0"/>
+              <a:t>: 10.1109/ADPRL.2007.368169</a:t>
             </a:r>
           </a:p>
           <a:p>
@@ -4450,8 +4866,18 @@
               <a:buNone/>
             </a:pPr>
             <a:r>
-              <a:rPr lang="en-US" sz="2400" dirty="0"/>
-              <a:t>Step 3: Create ‘for’ loops for each state</a:t>
+              <a:rPr lang="en-US" sz="2000" dirty="0"/>
+              <a:t>[3] Scott et. al, Operations Research. Accessed </a:t>
+            </a:r>
+            <a:r>
+              <a:rPr lang="en-US" sz="2000" dirty="0">
+                <a:hlinkClick r:id="rId2"/>
+              </a:rPr>
+              <a:t>online</a:t>
+            </a:r>
+            <a:r>
+              <a:rPr lang="en-US" sz="2000" dirty="0"/>
+              <a:t>.</a:t>
             </a:r>
           </a:p>
           <a:p>
@@ -4459,8 +4885,18 @@
               <a:buNone/>
             </a:pPr>
             <a:r>
-              <a:rPr lang="en-US" sz="2400" dirty="0"/>
-              <a:t>Step 4: Set bounds on control space based on min/max formulation</a:t>
+              <a:rPr lang="en-US" sz="2000" dirty="0"/>
+              <a:t>[4] Dong et. al, 2011. ICAR. Accessed </a:t>
+            </a:r>
+            <a:r>
+              <a:rPr lang="en-US" sz="2000" dirty="0">
+                <a:hlinkClick r:id="rId3"/>
+              </a:rPr>
+              <a:t>online</a:t>
+            </a:r>
+            <a:r>
+              <a:rPr lang="en-US" sz="2000" dirty="0"/>
+              <a:t>.</a:t>
             </a:r>
           </a:p>
           <a:p>
@@ -4468,12 +4904,20 @@
               <a:buNone/>
             </a:pPr>
             <a:r>
-              <a:rPr lang="en-US" sz="2400" dirty="0"/>
-              <a:t>	</a:t>
-            </a:r>
-            <a:r>
-              <a:rPr lang="en-US" sz="2400" i="1" dirty="0"/>
-              <a:t>e.g.</a:t>
+              <a:rPr lang="en-US" sz="2000" dirty="0"/>
+              <a:t>[5] Zhang et. al, 2017. IEEE TSG.</a:t>
+            </a:r>
+            <a:r>
+              <a:rPr lang="en-US" sz="1100" dirty="0"/>
+              <a:t> </a:t>
+            </a:r>
+            <a:r>
+              <a:rPr lang="en-US" sz="2000" dirty="0" err="1"/>
+              <a:t>doi</a:t>
+            </a:r>
+            <a:r>
+              <a:rPr lang="en-US" sz="2000" dirty="0"/>
+              <a:t>: 10.1109/TSG.2015.2505298</a:t>
             </a:r>
           </a:p>
           <a:p>
@@ -4481,8 +4925,16 @@
               <a:buNone/>
             </a:pPr>
             <a:r>
-              <a:rPr lang="en-US" sz="2400" dirty="0"/>
-              <a:t>Step 5: Solve Bellman equation at each time point</a:t>
+              <a:rPr lang="en-US" sz="2000" dirty="0"/>
+              <a:t>[6] van der Herten et. al, 2016. </a:t>
+            </a:r>
+            <a:r>
+              <a:rPr lang="en-US" sz="2000" dirty="0" err="1"/>
+              <a:t>arXiv</a:t>
+            </a:r>
+            <a:r>
+              <a:rPr lang="en-US" sz="2000" dirty="0"/>
+              <a:t> preprint arXiv:1608.04550</a:t>
             </a:r>
           </a:p>
           <a:p>
@@ -4490,12 +4942,8 @@
               <a:buNone/>
             </a:pPr>
             <a:r>
-              <a:rPr lang="en-US" sz="2400" dirty="0"/>
-              <a:t>	</a:t>
-            </a:r>
-            <a:r>
-              <a:rPr lang="en-US" sz="2400" i="1" dirty="0"/>
-              <a:t>e.g.</a:t>
+              <a:rPr lang="en-US" sz="2000" dirty="0"/>
+              <a:t>[7] Li et. al, 2018. IEEE TITS. Advance Online Publication.</a:t>
             </a:r>
           </a:p>
           <a:p>
@@ -4503,27 +4951,37 @@
               <a:buNone/>
             </a:pPr>
             <a:r>
-              <a:rPr lang="en-US" sz="2400" dirty="0"/>
-              <a:t>Step 6: Repeat</a:t>
-            </a:r>
-          </a:p>
-          <a:p>
-            <a:pPr marL="0" indent="0">
-              <a:buNone/>
-            </a:pPr>
-            <a:r>
-              <a:rPr lang="en-US" sz="2400" dirty="0"/>
-              <a:t>Step 7: Simulate over control matrix given initial state values</a:t>
-            </a:r>
-          </a:p>
-        </p:txBody>
-      </p:sp>
-      <p:sp>
-        <p:nvSpPr>
-          <p:cNvPr id="4" name="Date Placeholder 3">
-            <a:extLst>
-              <a:ext uri="{FF2B5EF4-FFF2-40B4-BE49-F238E27FC236}">
-                <a16:creationId xmlns:a16="http://schemas.microsoft.com/office/drawing/2014/main" id="{AB508F34-F4E8-42AB-BF26-84849E6942D7}"/>
+              <a:rPr lang="en-US" sz="2000" dirty="0"/>
+              <a:t>[8] Xu et. al, 2018. </a:t>
+            </a:r>
+            <a:r>
+              <a:rPr lang="en-US" sz="2000" dirty="0" err="1"/>
+              <a:t>AiMES</a:t>
+            </a:r>
+            <a:r>
+              <a:rPr lang="en-US" sz="2000" dirty="0"/>
+              <a:t>. Submitted abstract </a:t>
+            </a:r>
+            <a:r>
+              <a:rPr lang="en-US" sz="2000" dirty="0">
+                <a:hlinkClick r:id="rId4"/>
+              </a:rPr>
+              <a:t>online</a:t>
+            </a:r>
+            <a:r>
+              <a:rPr lang="en-US" sz="2000" dirty="0"/>
+              <a:t>.</a:t>
+            </a:r>
+            <a:endParaRPr lang="en-US" sz="700" dirty="0"/>
+          </a:p>
+        </p:txBody>
+      </p:sp>
+      <p:sp>
+        <p:nvSpPr>
+          <p:cNvPr id="6" name="Date Placeholder 5">
+            <a:extLst>
+              <a:ext uri="{FF2B5EF4-FFF2-40B4-BE49-F238E27FC236}">
+                <a16:creationId xmlns:a16="http://schemas.microsoft.com/office/drawing/2014/main" id="{6FC92DA8-A005-4D52-A692-66989D3ABF8C}"/>
               </a:ext>
             </a:extLst>
           </p:cNvPr>
@@ -4539,9 +4997,9 @@
           <a:bodyPr/>
           <a:lstStyle/>
           <a:p>
-            <a:fld id="{999F3B8A-CCA7-4791-AE1B-A837FF803237}" type="datetime1">
+            <a:fld id="{67E3D2DF-C88E-4EAC-A5F2-DE92BFD9E8E1}" type="datetime1">
               <a:rPr lang="en-US" smtClean="0"/>
-              <a:t>8/9/2018</a:t>
+              <a:t>8/13/2018</a:t>
             </a:fld>
             <a:endParaRPr lang="en-US"/>
           </a:p>
@@ -4549,10 +5007,10 @@
       </p:sp>
       <p:sp>
         <p:nvSpPr>
-          <p:cNvPr id="5" name="Slide Number Placeholder 4">
-            <a:extLst>
-              <a:ext uri="{FF2B5EF4-FFF2-40B4-BE49-F238E27FC236}">
-                <a16:creationId xmlns:a16="http://schemas.microsoft.com/office/drawing/2014/main" id="{AA2CF228-7EEE-44E6-9572-B5A0C917D960}"/>
+          <p:cNvPr id="7" name="Slide Number Placeholder 6">
+            <a:extLst>
+              <a:ext uri="{FF2B5EF4-FFF2-40B4-BE49-F238E27FC236}">
+                <a16:creationId xmlns:a16="http://schemas.microsoft.com/office/drawing/2014/main" id="{3C44DE87-B212-4D3D-BBB7-2B42BE0EE4BD}"/>
               </a:ext>
             </a:extLst>
           </p:cNvPr>
@@ -4568,9 +5026,379 @@
           <a:bodyPr/>
           <a:lstStyle/>
           <a:p>
+            <a:fld id="{95EE2DDF-6CB9-4330-926E-8B80970773BB}" type="slidenum">
+              <a:rPr lang="en-US" smtClean="0"/>
+              <a:t>10</a:t>
+            </a:fld>
+            <a:endParaRPr lang="en-US"/>
+          </a:p>
+        </p:txBody>
+      </p:sp>
+    </p:spTree>
+    <p:extLst>
+      <p:ext uri="{BB962C8B-B14F-4D97-AF65-F5344CB8AC3E}">
+        <p14:creationId xmlns:p14="http://schemas.microsoft.com/office/powerpoint/2010/main" val="81947362"/>
+      </p:ext>
+    </p:extLst>
+  </p:cSld>
+  <p:clrMapOvr>
+    <a:masterClrMapping/>
+  </p:clrMapOvr>
+</p:sld>
+</file>
+
+<file path=ppt/slides/slide11.xml><?xml version="1.0" encoding="utf-8"?>
+<p:sld xmlns:a="http://schemas.openxmlformats.org/drawingml/2006/main" xmlns:r="http://schemas.openxmlformats.org/officeDocument/2006/relationships" xmlns:p="http://schemas.openxmlformats.org/presentationml/2006/main">
+  <p:cSld>
+    <p:spTree>
+      <p:nvGrpSpPr>
+        <p:cNvPr id="1" name=""/>
+        <p:cNvGrpSpPr/>
+        <p:nvPr/>
+      </p:nvGrpSpPr>
+      <p:grpSpPr>
+        <a:xfrm>
+          <a:off x="0" y="0"/>
+          <a:ext cx="0" cy="0"/>
+          <a:chOff x="0" y="0"/>
+          <a:chExt cx="0" cy="0"/>
+        </a:xfrm>
+      </p:grpSpPr>
+      <p:sp>
+        <p:nvSpPr>
+          <p:cNvPr id="2" name="Title 1">
+            <a:extLst>
+              <a:ext uri="{FF2B5EF4-FFF2-40B4-BE49-F238E27FC236}">
+                <a16:creationId xmlns:a16="http://schemas.microsoft.com/office/drawing/2014/main" id="{3BFF6538-6F7A-4E93-A778-ED3F0D1B7F55}"/>
+              </a:ext>
+            </a:extLst>
+          </p:cNvPr>
+          <p:cNvSpPr>
+            <a:spLocks noGrp="1"/>
+          </p:cNvSpPr>
+          <p:nvPr>
+            <p:ph type="title"/>
+          </p:nvPr>
+        </p:nvSpPr>
+        <p:spPr/>
+        <p:txBody>
+          <a:bodyPr/>
+          <a:lstStyle/>
+          <a:p>
+            <a:r>
+              <a:rPr lang="en-US" dirty="0"/>
+              <a:t>Backup</a:t>
+            </a:r>
+          </a:p>
+        </p:txBody>
+      </p:sp>
+      <p:sp>
+        <p:nvSpPr>
+          <p:cNvPr id="3" name="Content Placeholder 2">
+            <a:extLst>
+              <a:ext uri="{FF2B5EF4-FFF2-40B4-BE49-F238E27FC236}">
+                <a16:creationId xmlns:a16="http://schemas.microsoft.com/office/drawing/2014/main" id="{D55C1EA0-393A-4694-9A3D-E1B4A40C4E99}"/>
+              </a:ext>
+            </a:extLst>
+          </p:cNvPr>
+          <p:cNvSpPr>
+            <a:spLocks noGrp="1"/>
+          </p:cNvSpPr>
+          <p:nvPr>
+            <p:ph idx="1"/>
+          </p:nvPr>
+        </p:nvSpPr>
+        <p:spPr/>
+        <p:txBody>
+          <a:bodyPr/>
+          <a:lstStyle/>
+          <a:p>
+            <a:endParaRPr lang="en-US"/>
+          </a:p>
+        </p:txBody>
+      </p:sp>
+      <p:sp>
+        <p:nvSpPr>
+          <p:cNvPr id="4" name="Date Placeholder 3">
+            <a:extLst>
+              <a:ext uri="{FF2B5EF4-FFF2-40B4-BE49-F238E27FC236}">
+                <a16:creationId xmlns:a16="http://schemas.microsoft.com/office/drawing/2014/main" id="{8C7103F4-CEE1-4DF6-9AF5-FB6B10697BAC}"/>
+              </a:ext>
+            </a:extLst>
+          </p:cNvPr>
+          <p:cNvSpPr>
+            <a:spLocks noGrp="1"/>
+          </p:cNvSpPr>
+          <p:nvPr>
+            <p:ph type="dt" sz="half" idx="10"/>
+          </p:nvPr>
+        </p:nvSpPr>
+        <p:spPr/>
+        <p:txBody>
+          <a:bodyPr/>
+          <a:lstStyle/>
+          <a:p>
+            <a:fld id="{75D76128-EAA1-4147-85D5-9862B575A3BF}" type="datetime1">
+              <a:rPr lang="en-US" smtClean="0"/>
+              <a:t>8/13/2018</a:t>
+            </a:fld>
+            <a:endParaRPr lang="en-US"/>
+          </a:p>
+        </p:txBody>
+      </p:sp>
+      <p:sp>
+        <p:nvSpPr>
+          <p:cNvPr id="5" name="Slide Number Placeholder 4">
+            <a:extLst>
+              <a:ext uri="{FF2B5EF4-FFF2-40B4-BE49-F238E27FC236}">
+                <a16:creationId xmlns:a16="http://schemas.microsoft.com/office/drawing/2014/main" id="{916CF9DB-55F0-4172-AA14-D6A6BA61C499}"/>
+              </a:ext>
+            </a:extLst>
+          </p:cNvPr>
+          <p:cNvSpPr>
+            <a:spLocks noGrp="1"/>
+          </p:cNvSpPr>
+          <p:nvPr>
+            <p:ph type="sldNum" sz="quarter" idx="12"/>
+          </p:nvPr>
+        </p:nvSpPr>
+        <p:spPr/>
+        <p:txBody>
+          <a:bodyPr/>
+          <a:lstStyle/>
+          <a:p>
             <a:fld id="{12B64F94-5F67-4FCA-BA0B-D89417276E46}" type="slidenum">
               <a:rPr lang="en-US" smtClean="0"/>
-              <a:t>10</a:t>
+              <a:t>11</a:t>
+            </a:fld>
+            <a:endParaRPr lang="en-US"/>
+          </a:p>
+        </p:txBody>
+      </p:sp>
+    </p:spTree>
+    <p:extLst>
+      <p:ext uri="{BB962C8B-B14F-4D97-AF65-F5344CB8AC3E}">
+        <p14:creationId xmlns:p14="http://schemas.microsoft.com/office/powerpoint/2010/main" val="2631628806"/>
+      </p:ext>
+    </p:extLst>
+  </p:cSld>
+  <p:clrMapOvr>
+    <a:masterClrMapping/>
+  </p:clrMapOvr>
+</p:sld>
+</file>
+
+<file path=ppt/slides/slide12.xml><?xml version="1.0" encoding="utf-8"?>
+<p:sld xmlns:a="http://schemas.openxmlformats.org/drawingml/2006/main" xmlns:r="http://schemas.openxmlformats.org/officeDocument/2006/relationships" xmlns:p="http://schemas.openxmlformats.org/presentationml/2006/main">
+  <p:cSld>
+    <p:spTree>
+      <p:nvGrpSpPr>
+        <p:cNvPr id="1" name=""/>
+        <p:cNvGrpSpPr/>
+        <p:nvPr/>
+      </p:nvGrpSpPr>
+      <p:grpSpPr>
+        <a:xfrm>
+          <a:off x="0" y="0"/>
+          <a:ext cx="0" cy="0"/>
+          <a:chOff x="0" y="0"/>
+          <a:chExt cx="0" cy="0"/>
+        </a:xfrm>
+      </p:grpSpPr>
+      <p:sp>
+        <p:nvSpPr>
+          <p:cNvPr id="2" name="Title 1">
+            <a:extLst>
+              <a:ext uri="{FF2B5EF4-FFF2-40B4-BE49-F238E27FC236}">
+                <a16:creationId xmlns:a16="http://schemas.microsoft.com/office/drawing/2014/main" id="{990CD525-A9C0-4A04-9FDC-2AEAF9443D0E}"/>
+              </a:ext>
+            </a:extLst>
+          </p:cNvPr>
+          <p:cNvSpPr>
+            <a:spLocks noGrp="1"/>
+          </p:cNvSpPr>
+          <p:nvPr>
+            <p:ph type="title"/>
+          </p:nvPr>
+        </p:nvSpPr>
+        <p:spPr/>
+        <p:txBody>
+          <a:bodyPr/>
+          <a:lstStyle/>
+          <a:p>
+            <a:r>
+              <a:rPr lang="en-US" dirty="0"/>
+              <a:t>Dynamic programming: algorithm</a:t>
+            </a:r>
+          </a:p>
+        </p:txBody>
+      </p:sp>
+      <p:sp>
+        <p:nvSpPr>
+          <p:cNvPr id="3" name="Content Placeholder 2">
+            <a:extLst>
+              <a:ext uri="{FF2B5EF4-FFF2-40B4-BE49-F238E27FC236}">
+                <a16:creationId xmlns:a16="http://schemas.microsoft.com/office/drawing/2014/main" id="{0660ED64-1E40-4E5C-AD35-E335702006F9}"/>
+              </a:ext>
+            </a:extLst>
+          </p:cNvPr>
+          <p:cNvSpPr>
+            <a:spLocks noGrp="1"/>
+          </p:cNvSpPr>
+          <p:nvPr>
+            <p:ph idx="1"/>
+          </p:nvPr>
+        </p:nvSpPr>
+        <p:spPr/>
+        <p:txBody>
+          <a:bodyPr>
+            <a:normAutofit/>
+          </a:bodyPr>
+          <a:lstStyle/>
+          <a:p>
+            <a:pPr marL="0" indent="0">
+              <a:buNone/>
+            </a:pPr>
+            <a:r>
+              <a:rPr lang="en-US" sz="2400" dirty="0"/>
+              <a:t>Step 1: Load parameters and discretized state space</a:t>
+            </a:r>
+          </a:p>
+          <a:p>
+            <a:pPr marL="0" indent="0">
+              <a:buNone/>
+            </a:pPr>
+            <a:r>
+              <a:rPr lang="en-US" sz="2400" dirty="0"/>
+              <a:t>Step 2: Iterate backwards in discretized time</a:t>
+            </a:r>
+          </a:p>
+          <a:p>
+            <a:pPr marL="0" indent="0">
+              <a:buNone/>
+            </a:pPr>
+            <a:r>
+              <a:rPr lang="en-US" sz="2400" dirty="0"/>
+              <a:t>Step 3: Create ‘for’ loops for each state</a:t>
+            </a:r>
+          </a:p>
+          <a:p>
+            <a:pPr marL="0" indent="0">
+              <a:buNone/>
+            </a:pPr>
+            <a:r>
+              <a:rPr lang="en-US" sz="2400" dirty="0"/>
+              <a:t>Step 4: Set bounds on control space based on min/max formulation</a:t>
+            </a:r>
+          </a:p>
+          <a:p>
+            <a:pPr marL="0" indent="0">
+              <a:buNone/>
+            </a:pPr>
+            <a:r>
+              <a:rPr lang="en-US" sz="2400" dirty="0"/>
+              <a:t>	</a:t>
+            </a:r>
+            <a:r>
+              <a:rPr lang="en-US" sz="2400" i="1" dirty="0"/>
+              <a:t>e.g.</a:t>
+            </a:r>
+          </a:p>
+          <a:p>
+            <a:pPr marL="0" indent="0">
+              <a:buNone/>
+            </a:pPr>
+            <a:r>
+              <a:rPr lang="en-US" sz="2400" dirty="0"/>
+              <a:t>Step 5: Solve Bellman equation at each time point</a:t>
+            </a:r>
+          </a:p>
+          <a:p>
+            <a:pPr marL="0" indent="0">
+              <a:buNone/>
+            </a:pPr>
+            <a:r>
+              <a:rPr lang="en-US" sz="2400" dirty="0"/>
+              <a:t>	</a:t>
+            </a:r>
+            <a:r>
+              <a:rPr lang="en-US" sz="2400" i="1" dirty="0"/>
+              <a:t>e.g.</a:t>
+            </a:r>
+          </a:p>
+          <a:p>
+            <a:pPr marL="0" indent="0">
+              <a:buNone/>
+            </a:pPr>
+            <a:r>
+              <a:rPr lang="en-US" sz="2400" dirty="0"/>
+              <a:t>Step 6: Repeat</a:t>
+            </a:r>
+          </a:p>
+          <a:p>
+            <a:pPr marL="0" indent="0">
+              <a:buNone/>
+            </a:pPr>
+            <a:r>
+              <a:rPr lang="en-US" sz="2400" dirty="0"/>
+              <a:t>Step 7: Simulate over control matrix given initial state values</a:t>
+            </a:r>
+          </a:p>
+        </p:txBody>
+      </p:sp>
+      <p:sp>
+        <p:nvSpPr>
+          <p:cNvPr id="4" name="Date Placeholder 3">
+            <a:extLst>
+              <a:ext uri="{FF2B5EF4-FFF2-40B4-BE49-F238E27FC236}">
+                <a16:creationId xmlns:a16="http://schemas.microsoft.com/office/drawing/2014/main" id="{AB508F34-F4E8-42AB-BF26-84849E6942D7}"/>
+              </a:ext>
+            </a:extLst>
+          </p:cNvPr>
+          <p:cNvSpPr>
+            <a:spLocks noGrp="1"/>
+          </p:cNvSpPr>
+          <p:nvPr>
+            <p:ph type="dt" sz="half" idx="10"/>
+          </p:nvPr>
+        </p:nvSpPr>
+        <p:spPr/>
+        <p:txBody>
+          <a:bodyPr/>
+          <a:lstStyle/>
+          <a:p>
+            <a:fld id="{96909CFC-6F4B-4117-BA5E-66841E16E710}" type="datetime1">
+              <a:rPr lang="en-US" smtClean="0"/>
+              <a:t>8/13/2018</a:t>
+            </a:fld>
+            <a:endParaRPr lang="en-US"/>
+          </a:p>
+        </p:txBody>
+      </p:sp>
+      <p:sp>
+        <p:nvSpPr>
+          <p:cNvPr id="5" name="Slide Number Placeholder 4">
+            <a:extLst>
+              <a:ext uri="{FF2B5EF4-FFF2-40B4-BE49-F238E27FC236}">
+                <a16:creationId xmlns:a16="http://schemas.microsoft.com/office/drawing/2014/main" id="{AA2CF228-7EEE-44E6-9572-B5A0C917D960}"/>
+              </a:ext>
+            </a:extLst>
+          </p:cNvPr>
+          <p:cNvSpPr>
+            <a:spLocks noGrp="1"/>
+          </p:cNvSpPr>
+          <p:nvPr>
+            <p:ph type="sldNum" sz="quarter" idx="12"/>
+          </p:nvPr>
+        </p:nvSpPr>
+        <p:spPr/>
+        <p:txBody>
+          <a:bodyPr/>
+          <a:lstStyle/>
+          <a:p>
+            <a:fld id="{12B64F94-5F67-4FCA-BA0B-D89417276E46}" type="slidenum">
+              <a:rPr lang="en-US" smtClean="0"/>
+              <a:t>12</a:t>
             </a:fld>
             <a:endParaRPr lang="en-US"/>
           </a:p>
@@ -5110,7 +5938,7 @@
 </p:sld>
 </file>
 
-<file path=ppt/slides/slide11.xml><?xml version="1.0" encoding="utf-8"?>
+<file path=ppt/slides/slide13.xml><?xml version="1.0" encoding="utf-8"?>
 <p:sld xmlns:a="http://schemas.openxmlformats.org/drawingml/2006/main" xmlns:r="http://schemas.openxmlformats.org/officeDocument/2006/relationships" xmlns:p="http://schemas.openxmlformats.org/presentationml/2006/main">
   <p:cSld>
     <p:spTree>
@@ -5150,7 +5978,7 @@
           <a:p>
             <a:r>
               <a:rPr lang="en-US" dirty="0"/>
-              <a:t>Model-based RL: algorithm</a:t>
+              <a:t>Approximate dynamic programming: sample algorithm</a:t>
             </a:r>
           </a:p>
         </p:txBody>
@@ -5171,12 +5999,7 @@
             <p:ph idx="1"/>
           </p:nvPr>
         </p:nvSpPr>
-        <p:spPr>
-          <a:xfrm>
-            <a:off x="838199" y="1606208"/>
-            <a:ext cx="10515600" cy="4351338"/>
-          </a:xfrm>
-        </p:spPr>
+        <p:spPr/>
         <p:txBody>
           <a:bodyPr>
             <a:normAutofit/>
@@ -5188,7 +6011,7 @@
             </a:pPr>
             <a:r>
               <a:rPr lang="en-US" sz="2400" dirty="0"/>
-              <a:t>Step 1: Load parameters and discretized state space</a:t>
+              <a:t>Step 1: Load parameters and initial weights/other ADP parameters</a:t>
             </a:r>
           </a:p>
           <a:p>
@@ -5197,7 +6020,7 @@
             </a:pPr>
             <a:r>
               <a:rPr lang="en-US" sz="2400" dirty="0"/>
-              <a:t>Step 2: Iterate forwards in discretized time</a:t>
+              <a:t>Step 2: Iterate forward in discretized time</a:t>
             </a:r>
           </a:p>
           <a:p>
@@ -5206,7 +6029,7 @@
             </a:pPr>
             <a:r>
               <a:rPr lang="en-US" sz="2400" dirty="0"/>
-              <a:t>Step 3: Create ‘Actor’ instance, obtain </a:t>
+              <a:t>Step 3: Create ‘for’ loop for function approximation subroutine</a:t>
             </a:r>
           </a:p>
           <a:p>
@@ -5215,8 +6038,17 @@
             </a:pPr>
             <a:r>
               <a:rPr lang="en-US" sz="2400" dirty="0"/>
-              <a:t>Step 4: Set bounds on control space based on min/max formulation</a:t>
-            </a:r>
+              <a:t>Step 4: Initialize Actor/Critic to obtain a) J</a:t>
+            </a:r>
+            <a:r>
+              <a:rPr lang="en-US" sz="2400" baseline="30000" dirty="0"/>
+              <a:t>^ </a:t>
+            </a:r>
+            <a:r>
+              <a:rPr lang="en-US" sz="2400" dirty="0"/>
+              <a:t>and b) u*</a:t>
+            </a:r>
+            <a:endParaRPr lang="en-US" sz="2400" i="1" dirty="0"/>
           </a:p>
           <a:p>
             <a:pPr marL="0" indent="0">
@@ -5224,11 +6056,7 @@
             </a:pPr>
             <a:r>
               <a:rPr lang="en-US" sz="2400" dirty="0"/>
-              <a:t>	</a:t>
-            </a:r>
-            <a:r>
-              <a:rPr lang="en-US" sz="2400" i="1" dirty="0"/>
-              <a:t>e.g.</a:t>
+              <a:t>Step 5: Compute state transition given prior model dynamic information</a:t>
             </a:r>
           </a:p>
           <a:p>
@@ -5237,29 +6065,26 @@
             </a:pPr>
             <a:r>
               <a:rPr lang="en-US" sz="2400" dirty="0"/>
-              <a:t>Step 5: Solve Bellman equation at each time point</a:t>
+              <a:t>Step 6: Repeat</a:t>
             </a:r>
           </a:p>
           <a:p>
             <a:pPr marL="0" indent="0">
               <a:buNone/>
             </a:pPr>
-            <a:r>
-              <a:rPr lang="en-US" sz="2400" dirty="0"/>
-              <a:t>	</a:t>
-            </a:r>
-            <a:r>
-              <a:rPr lang="en-US" sz="2400" i="1" dirty="0"/>
-              <a:t>e.g.</a:t>
-            </a:r>
+            <a:endParaRPr lang="en-US" sz="2400" dirty="0"/>
           </a:p>
           <a:p>
             <a:pPr marL="0" indent="0">
               <a:buNone/>
             </a:pPr>
             <a:r>
+              <a:rPr lang="en-US" sz="2400" i="1" dirty="0"/>
+              <a:t>Advantage</a:t>
+            </a:r>
+            <a:r>
               <a:rPr lang="en-US" sz="2400" dirty="0"/>
-              <a:t>Step 6: Repeat</a:t>
+              <a:t>: Reduce time required to compute value function at each time step</a:t>
             </a:r>
           </a:p>
           <a:p>
@@ -5267,9 +6092,14 @@
               <a:buNone/>
             </a:pPr>
             <a:r>
+              <a:rPr lang="en-US" sz="2400" i="1" dirty="0"/>
+              <a:t>Disadvantage</a:t>
+            </a:r>
+            <a:r>
               <a:rPr lang="en-US" sz="2400" dirty="0"/>
-              <a:t>Step 7: Simulate over control matrix given initial state values</a:t>
-            </a:r>
+              <a:t>: Reduction in model accuracy and still requiring knowledge of system</a:t>
+            </a:r>
+            <a:endParaRPr lang="en-US" sz="2400" i="1" dirty="0"/>
           </a:p>
         </p:txBody>
       </p:sp>
@@ -5294,9 +6124,9 @@
           <a:bodyPr/>
           <a:lstStyle/>
           <a:p>
-            <a:fld id="{046A5065-3788-499F-B83A-71C7C9E85630}" type="datetime1">
+            <a:fld id="{26BC905C-7377-4961-959F-729F85A9FE37}" type="datetime1">
               <a:rPr lang="en-US" smtClean="0"/>
-              <a:t>8/9/2018</a:t>
+              <a:t>8/13/2018</a:t>
             </a:fld>
             <a:endParaRPr lang="en-US"/>
           </a:p>
@@ -5325,77 +6155,12 @@
           <a:p>
             <a:fld id="{12B64F94-5F67-4FCA-BA0B-D89417276E46}" type="slidenum">
               <a:rPr lang="en-US" smtClean="0"/>
-              <a:t>11</a:t>
+              <a:t>13</a:t>
             </a:fld>
             <a:endParaRPr lang="en-US"/>
           </a:p>
         </p:txBody>
       </p:sp>
-      <p:pic>
-        <p:nvPicPr>
-          <p:cNvPr id="6" name="Picture 5">
-            <a:extLst>
-              <a:ext uri="{FF2B5EF4-FFF2-40B4-BE49-F238E27FC236}">
-                <a16:creationId xmlns:a16="http://schemas.microsoft.com/office/drawing/2014/main" id="{B80DCFF7-2069-4777-B9D5-4332DAAB312C}"/>
-              </a:ext>
-            </a:extLst>
-          </p:cNvPr>
-          <p:cNvPicPr>
-            <a:picLocks noChangeAspect="1"/>
-          </p:cNvPicPr>
-          <p:nvPr/>
-        </p:nvPicPr>
-        <p:blipFill>
-          <a:blip r:embed="rId2"/>
-          <a:stretch>
-            <a:fillRect/>
-          </a:stretch>
-        </p:blipFill>
-        <p:spPr>
-          <a:xfrm>
-            <a:off x="3352800" y="3614534"/>
-            <a:ext cx="5486400" cy="523875"/>
-          </a:xfrm>
-          <a:prstGeom prst="rect">
-            <a:avLst/>
-          </a:prstGeom>
-        </p:spPr>
-      </p:pic>
-      <p:pic>
-        <p:nvPicPr>
-          <p:cNvPr id="7" name="Picture 6">
-            <a:extLst>
-              <a:ext uri="{FF2B5EF4-FFF2-40B4-BE49-F238E27FC236}">
-                <a16:creationId xmlns:a16="http://schemas.microsoft.com/office/drawing/2014/main" id="{AFFDA03D-0CBD-4CF3-9C94-2ED693C07EC6}"/>
-              </a:ext>
-            </a:extLst>
-          </p:cNvPr>
-          <p:cNvPicPr>
-            <a:picLocks noChangeAspect="1"/>
-          </p:cNvPicPr>
-          <p:nvPr/>
-        </p:nvPicPr>
-        <p:blipFill>
-          <a:blip r:embed="rId3"/>
-          <a:stretch>
-            <a:fillRect/>
-          </a:stretch>
-        </p:blipFill>
-        <p:spPr>
-          <a:xfrm>
-            <a:off x="4020706" y="4470272"/>
-            <a:ext cx="4150587" cy="687414"/>
-          </a:xfrm>
-          <a:prstGeom prst="rect">
-            <a:avLst/>
-          </a:prstGeom>
-          <a:ln>
-            <a:solidFill>
-              <a:schemeClr val="tx1"/>
-            </a:solidFill>
-          </a:ln>
-        </p:spPr>
-      </p:pic>
       <p:grpSp>
         <p:nvGrpSpPr>
           <p:cNvPr id="8" name="Shape 100">
@@ -5855,7 +6620,7 @@
     </p:spTree>
     <p:extLst>
       <p:ext uri="{BB962C8B-B14F-4D97-AF65-F5344CB8AC3E}">
-        <p14:creationId xmlns:p14="http://schemas.microsoft.com/office/powerpoint/2010/main" val="1941150028"/>
+        <p14:creationId xmlns:p14="http://schemas.microsoft.com/office/powerpoint/2010/main" val="3300568064"/>
       </p:ext>
     </p:extLst>
   </p:cSld>
@@ -5865,7 +6630,7 @@
 </p:sld>
 </file>
 
-<file path=ppt/slides/slide12.xml><?xml version="1.0" encoding="utf-8"?>
+<file path=ppt/slides/slide14.xml><?xml version="1.0" encoding="utf-8"?>
 <p:sld xmlns:a="http://schemas.openxmlformats.org/drawingml/2006/main" xmlns:r="http://schemas.openxmlformats.org/officeDocument/2006/relationships" xmlns:p="http://schemas.openxmlformats.org/presentationml/2006/main">
   <p:cSld>
     <p:spTree>
@@ -5912,386 +6677,8 @@
           <a:p>
             <a:r>
               <a:rPr lang="en-US" sz="3200" dirty="0"/>
-              <a:t>Model based RL: Actor overview</a:t>
-            </a:r>
-          </a:p>
-        </p:txBody>
-      </p:sp>
-      <p:sp>
-        <p:nvSpPr>
-          <p:cNvPr id="10" name="Rectangle 9">
-            <a:extLst>
-              <a:ext uri="{FF2B5EF4-FFF2-40B4-BE49-F238E27FC236}">
-                <a16:creationId xmlns:a16="http://schemas.microsoft.com/office/drawing/2014/main" id="{D1292D7B-B3E6-44F5-B667-93DEA84AA3D6}"/>
-              </a:ext>
-            </a:extLst>
-          </p:cNvPr>
-          <p:cNvSpPr/>
-          <p:nvPr/>
-        </p:nvSpPr>
-        <p:spPr>
-          <a:xfrm>
-            <a:off x="2744354" y="3180155"/>
-            <a:ext cx="1663429" cy="805469"/>
-          </a:xfrm>
-          <a:prstGeom prst="rect">
-            <a:avLst/>
-          </a:prstGeom>
-          <a:ln w="38100"/>
-        </p:spPr>
-        <p:style>
-          <a:lnRef idx="2">
-            <a:schemeClr val="dk1"/>
-          </a:lnRef>
-          <a:fillRef idx="1">
-            <a:schemeClr val="lt1"/>
-          </a:fillRef>
-          <a:effectRef idx="0">
-            <a:schemeClr val="dk1"/>
-          </a:effectRef>
-          <a:fontRef idx="minor">
-            <a:schemeClr val="dk1"/>
-          </a:fontRef>
-        </p:style>
-        <p:txBody>
-          <a:bodyPr rot="0" spcFirstLastPara="0" vertOverflow="overflow" horzOverflow="overflow" vert="horz" wrap="square" lIns="91440" tIns="45720" rIns="91440" bIns="45720" numCol="1" spcCol="0" rtlCol="0" fromWordArt="0" anchor="ctr" anchorCtr="0" forceAA="0" compatLnSpc="1">
-            <a:prstTxWarp prst="textNoShape">
-              <a:avLst/>
-            </a:prstTxWarp>
-            <a:noAutofit/>
-          </a:bodyPr>
-          <a:lstStyle/>
-          <a:p>
-            <a:pPr algn="ctr"/>
-            <a:r>
-              <a:rPr lang="en-US" dirty="0"/>
-              <a:t>Actor</a:t>
-            </a:r>
-          </a:p>
-          <a:p>
-            <a:pPr algn="ctr"/>
-            <a:r>
-              <a:rPr lang="en-US" sz="1400" i="1" dirty="0"/>
-              <a:t>Neural Network 1</a:t>
-            </a:r>
-          </a:p>
-        </p:txBody>
-      </p:sp>
-      <p:cxnSp>
-        <p:nvCxnSpPr>
-          <p:cNvPr id="12" name="Straight Arrow Connector 11">
-            <a:extLst>
-              <a:ext uri="{FF2B5EF4-FFF2-40B4-BE49-F238E27FC236}">
-                <a16:creationId xmlns:a16="http://schemas.microsoft.com/office/drawing/2014/main" id="{C24449E8-5CEB-410A-99C4-2627B1F112D3}"/>
-              </a:ext>
-            </a:extLst>
-          </p:cNvPr>
-          <p:cNvCxnSpPr>
-            <a:cxnSpLocks/>
-            <a:endCxn id="10" idx="1"/>
-          </p:cNvCxnSpPr>
-          <p:nvPr/>
-        </p:nvCxnSpPr>
-        <p:spPr>
-          <a:xfrm flipV="1">
-            <a:off x="1715653" y="3582890"/>
-            <a:ext cx="1028700" cy="3585"/>
-          </a:xfrm>
-          <a:prstGeom prst="straightConnector1">
-            <a:avLst/>
-          </a:prstGeom>
-          <a:ln>
-            <a:tailEnd type="triangle"/>
-          </a:ln>
-        </p:spPr>
-        <p:style>
-          <a:lnRef idx="1">
-            <a:schemeClr val="dk1"/>
-          </a:lnRef>
-          <a:fillRef idx="0">
-            <a:schemeClr val="dk1"/>
-          </a:fillRef>
-          <a:effectRef idx="0">
-            <a:schemeClr val="dk1"/>
-          </a:effectRef>
-          <a:fontRef idx="minor">
-            <a:schemeClr val="tx1"/>
-          </a:fontRef>
-        </p:style>
-      </p:cxnSp>
-      <p:sp>
-        <p:nvSpPr>
-          <p:cNvPr id="14" name="TextBox 13">
-            <a:extLst>
-              <a:ext uri="{FF2B5EF4-FFF2-40B4-BE49-F238E27FC236}">
-                <a16:creationId xmlns:a16="http://schemas.microsoft.com/office/drawing/2014/main" id="{083A2E24-89D0-4A25-94BD-6840EB9E69A0}"/>
-              </a:ext>
-            </a:extLst>
-          </p:cNvPr>
-          <p:cNvSpPr txBox="1"/>
-          <p:nvPr/>
-        </p:nvSpPr>
-        <p:spPr>
-          <a:xfrm>
-            <a:off x="2014041" y="3217142"/>
-            <a:ext cx="354584" cy="369332"/>
-          </a:xfrm>
-          <a:prstGeom prst="rect">
-            <a:avLst/>
-          </a:prstGeom>
-          <a:noFill/>
-        </p:spPr>
-        <p:txBody>
-          <a:bodyPr wrap="none" rtlCol="0">
-            <a:spAutoFit/>
-          </a:bodyPr>
-          <a:lstStyle/>
-          <a:p>
-            <a:r>
-              <a:rPr lang="en-US" dirty="0" err="1"/>
-              <a:t>x</a:t>
-            </a:r>
-            <a:r>
-              <a:rPr lang="en-US" baseline="-25000" dirty="0" err="1"/>
-              <a:t>k</a:t>
-            </a:r>
-            <a:endParaRPr lang="en-US" dirty="0"/>
-          </a:p>
-        </p:txBody>
-      </p:sp>
-      <p:sp>
-        <p:nvSpPr>
-          <p:cNvPr id="15" name="TextBox 14">
-            <a:extLst>
-              <a:ext uri="{FF2B5EF4-FFF2-40B4-BE49-F238E27FC236}">
-                <a16:creationId xmlns:a16="http://schemas.microsoft.com/office/drawing/2014/main" id="{4AB5071F-13BA-459B-9C69-7374DBAFE56F}"/>
-              </a:ext>
-            </a:extLst>
-          </p:cNvPr>
-          <p:cNvSpPr txBox="1"/>
-          <p:nvPr/>
-        </p:nvSpPr>
-        <p:spPr>
-          <a:xfrm>
-            <a:off x="838200" y="3429000"/>
-            <a:ext cx="1074224" cy="523220"/>
-          </a:xfrm>
-          <a:prstGeom prst="rect">
-            <a:avLst/>
-          </a:prstGeom>
-          <a:noFill/>
-        </p:spPr>
-        <p:txBody>
-          <a:bodyPr wrap="square" rtlCol="0">
-            <a:spAutoFit/>
-          </a:bodyPr>
-          <a:lstStyle/>
-          <a:p>
-            <a:r>
-              <a:rPr lang="en-US" sz="1400" i="1" dirty="0"/>
-              <a:t>From      state space</a:t>
-            </a:r>
-          </a:p>
-        </p:txBody>
-      </p:sp>
-      <p:cxnSp>
-        <p:nvCxnSpPr>
-          <p:cNvPr id="16" name="Straight Arrow Connector 15">
-            <a:extLst>
-              <a:ext uri="{FF2B5EF4-FFF2-40B4-BE49-F238E27FC236}">
-                <a16:creationId xmlns:a16="http://schemas.microsoft.com/office/drawing/2014/main" id="{A066630F-AFCB-49B2-8C3E-77916DB21E13}"/>
-              </a:ext>
-            </a:extLst>
-          </p:cNvPr>
-          <p:cNvCxnSpPr>
-            <a:cxnSpLocks/>
-          </p:cNvCxnSpPr>
-          <p:nvPr/>
-        </p:nvCxnSpPr>
-        <p:spPr>
-          <a:xfrm flipV="1">
-            <a:off x="4407782" y="3582888"/>
-            <a:ext cx="1106040" cy="3586"/>
-          </a:xfrm>
-          <a:prstGeom prst="straightConnector1">
-            <a:avLst/>
-          </a:prstGeom>
-          <a:ln>
-            <a:tailEnd type="triangle"/>
-          </a:ln>
-        </p:spPr>
-        <p:style>
-          <a:lnRef idx="1">
-            <a:schemeClr val="dk1"/>
-          </a:lnRef>
-          <a:fillRef idx="0">
-            <a:schemeClr val="dk1"/>
-          </a:fillRef>
-          <a:effectRef idx="0">
-            <a:schemeClr val="dk1"/>
-          </a:effectRef>
-          <a:fontRef idx="minor">
-            <a:schemeClr val="tx1"/>
-          </a:fontRef>
-        </p:style>
-      </p:cxnSp>
-      <p:sp>
-        <p:nvSpPr>
-          <p:cNvPr id="17" name="TextBox 16">
-            <a:extLst>
-              <a:ext uri="{FF2B5EF4-FFF2-40B4-BE49-F238E27FC236}">
-                <a16:creationId xmlns:a16="http://schemas.microsoft.com/office/drawing/2014/main" id="{17D491BE-FCDC-4E53-8FCB-EFE3D3ED94E6}"/>
-              </a:ext>
-            </a:extLst>
-          </p:cNvPr>
-          <p:cNvSpPr txBox="1"/>
-          <p:nvPr/>
-        </p:nvSpPr>
-        <p:spPr>
-          <a:xfrm>
-            <a:off x="4683915" y="3217142"/>
-            <a:ext cx="377026" cy="369332"/>
-          </a:xfrm>
-          <a:prstGeom prst="rect">
-            <a:avLst/>
-          </a:prstGeom>
-          <a:noFill/>
-        </p:spPr>
-        <p:txBody>
-          <a:bodyPr wrap="none" rtlCol="0">
-            <a:spAutoFit/>
-          </a:bodyPr>
-          <a:lstStyle/>
-          <a:p>
-            <a:r>
-              <a:rPr lang="en-US" dirty="0" err="1"/>
-              <a:t>u</a:t>
-            </a:r>
-            <a:r>
-              <a:rPr lang="en-US" baseline="-25000" dirty="0" err="1"/>
-              <a:t>k</a:t>
-            </a:r>
-            <a:endParaRPr lang="en-US" baseline="30000" dirty="0"/>
-          </a:p>
-        </p:txBody>
-      </p:sp>
-      <p:sp>
-        <p:nvSpPr>
-          <p:cNvPr id="24" name="TextBox 23">
-            <a:extLst>
-              <a:ext uri="{FF2B5EF4-FFF2-40B4-BE49-F238E27FC236}">
-                <a16:creationId xmlns:a16="http://schemas.microsoft.com/office/drawing/2014/main" id="{A27A126F-C1FA-4388-BBFE-26E556D210D6}"/>
-              </a:ext>
-            </a:extLst>
-          </p:cNvPr>
-          <p:cNvSpPr txBox="1"/>
-          <p:nvPr/>
-        </p:nvSpPr>
-        <p:spPr>
-          <a:xfrm>
-            <a:off x="3634296" y="2528250"/>
-            <a:ext cx="723275" cy="369332"/>
-          </a:xfrm>
-          <a:prstGeom prst="rect">
-            <a:avLst/>
-          </a:prstGeom>
-          <a:noFill/>
-        </p:spPr>
-        <p:txBody>
-          <a:bodyPr wrap="none" rtlCol="0">
-            <a:spAutoFit/>
-          </a:bodyPr>
-          <a:lstStyle/>
-          <a:p>
-            <a:r>
-              <a:rPr lang="en-US" dirty="0"/>
-              <a:t>w</a:t>
-            </a:r>
-            <a:r>
-              <a:rPr lang="en-US" baseline="-25000" dirty="0"/>
-              <a:t> a,k+1</a:t>
-            </a:r>
-            <a:endParaRPr lang="en-US" dirty="0"/>
-          </a:p>
-        </p:txBody>
-      </p:sp>
-      <p:sp>
-        <p:nvSpPr>
-          <p:cNvPr id="25" name="TextBox 24">
-            <a:extLst>
-              <a:ext uri="{FF2B5EF4-FFF2-40B4-BE49-F238E27FC236}">
-                <a16:creationId xmlns:a16="http://schemas.microsoft.com/office/drawing/2014/main" id="{AB9AFFB1-0B9B-4A97-AD24-E1BC472F4B55}"/>
-              </a:ext>
-            </a:extLst>
-          </p:cNvPr>
-          <p:cNvSpPr txBox="1"/>
-          <p:nvPr/>
-        </p:nvSpPr>
-        <p:spPr>
-          <a:xfrm>
-            <a:off x="2757194" y="1895049"/>
-            <a:ext cx="1722363" cy="307777"/>
-          </a:xfrm>
-          <a:prstGeom prst="rect">
-            <a:avLst/>
-          </a:prstGeom>
-          <a:noFill/>
-        </p:spPr>
-        <p:txBody>
-          <a:bodyPr wrap="square" rtlCol="0">
-            <a:spAutoFit/>
-          </a:bodyPr>
-          <a:lstStyle/>
-          <a:p>
-            <a:pPr algn="ctr"/>
-            <a:r>
-              <a:rPr lang="en-US" sz="1400" i="1" dirty="0"/>
-              <a:t>From reward update</a:t>
-            </a:r>
-          </a:p>
-        </p:txBody>
-      </p:sp>
-      <p:sp>
-        <p:nvSpPr>
-          <p:cNvPr id="36" name="TextBox 35">
-            <a:extLst>
-              <a:ext uri="{FF2B5EF4-FFF2-40B4-BE49-F238E27FC236}">
-                <a16:creationId xmlns:a16="http://schemas.microsoft.com/office/drawing/2014/main" id="{E620AB56-98C6-479C-883C-F920DC4B78A2}"/>
-              </a:ext>
-            </a:extLst>
-          </p:cNvPr>
-          <p:cNvSpPr txBox="1"/>
-          <p:nvPr/>
-        </p:nvSpPr>
-        <p:spPr>
-          <a:xfrm>
-            <a:off x="3677685" y="4268197"/>
-            <a:ext cx="546809" cy="369332"/>
-          </a:xfrm>
-          <a:prstGeom prst="rect">
-            <a:avLst/>
-          </a:prstGeom>
-          <a:noFill/>
-        </p:spPr>
-        <p:txBody>
-          <a:bodyPr wrap="square" rtlCol="0">
-            <a:spAutoFit/>
-          </a:bodyPr>
-          <a:lstStyle/>
-          <a:p>
-            <a:r>
-              <a:rPr lang="en-US" dirty="0" err="1"/>
-              <a:t>J</a:t>
-            </a:r>
-            <a:r>
-              <a:rPr lang="en-US" baseline="-25000" dirty="0" err="1"/>
-              <a:t>k</a:t>
-            </a:r>
-            <a:r>
-              <a:rPr lang="en-US" baseline="30000" dirty="0"/>
-              <a:t>^</a:t>
-            </a:r>
-            <a:endParaRPr lang="en-US" dirty="0"/>
+              <a:t>Model based RL: Actor overview- parameter list</a:t>
+            </a:r>
           </a:p>
         </p:txBody>
       </p:sp>
@@ -6316,9 +6703,9 @@
           <a:bodyPr/>
           <a:lstStyle/>
           <a:p>
-            <a:fld id="{1685D14B-F6A0-4B99-A473-B0981836F907}" type="datetime1">
+            <a:fld id="{17DF83D8-960F-4669-B5E1-61290C7A7841}" type="datetime1">
               <a:rPr lang="en-US" smtClean="0"/>
-              <a:t>8/9/2018</a:t>
+              <a:t>8/13/2018</a:t>
             </a:fld>
             <a:endParaRPr lang="en-US"/>
           </a:p>
@@ -6347,442 +6734,7 @@
           <a:p>
             <a:fld id="{12B64F94-5F67-4FCA-BA0B-D89417276E46}" type="slidenum">
               <a:rPr lang="en-US" smtClean="0"/>
-              <a:t>12</a:t>
-            </a:fld>
-            <a:endParaRPr lang="en-US"/>
-          </a:p>
-        </p:txBody>
-      </p:sp>
-      <p:sp>
-        <p:nvSpPr>
-          <p:cNvPr id="43" name="TextBox 42">
-            <a:extLst>
-              <a:ext uri="{FF2B5EF4-FFF2-40B4-BE49-F238E27FC236}">
-                <a16:creationId xmlns:a16="http://schemas.microsoft.com/office/drawing/2014/main" id="{9AC8BB8E-E5B4-495B-9096-252BFA7186BD}"/>
-              </a:ext>
-            </a:extLst>
-          </p:cNvPr>
-          <p:cNvSpPr txBox="1"/>
-          <p:nvPr/>
-        </p:nvSpPr>
-        <p:spPr>
-          <a:xfrm>
-            <a:off x="7092570" y="1469854"/>
-            <a:ext cx="4357439" cy="2923877"/>
-          </a:xfrm>
-          <a:prstGeom prst="rect">
-            <a:avLst/>
-          </a:prstGeom>
-          <a:noFill/>
-        </p:spPr>
-        <p:txBody>
-          <a:bodyPr wrap="square" rtlCol="0">
-            <a:spAutoFit/>
-          </a:bodyPr>
-          <a:lstStyle/>
-          <a:p>
-            <a:r>
-              <a:rPr lang="en-US" sz="2400" b="1" dirty="0"/>
-              <a:t>Steps</a:t>
-            </a:r>
-          </a:p>
-          <a:p>
-            <a:pPr marL="342900" indent="-342900">
-              <a:buAutoNum type="arabicPeriod"/>
-            </a:pPr>
-            <a:r>
-              <a:rPr lang="en-US" dirty="0"/>
-              <a:t>Obtain state information from DFN, construct </a:t>
-            </a:r>
-            <a:r>
-              <a:rPr lang="en-US" i="1" dirty="0" err="1"/>
-              <a:t>x</a:t>
-            </a:r>
-            <a:r>
-              <a:rPr lang="en-US" i="1" baseline="-25000" dirty="0" err="1"/>
-              <a:t>k</a:t>
-            </a:r>
-            <a:r>
-              <a:rPr lang="en-US" dirty="0"/>
-              <a:t> at every time step </a:t>
-            </a:r>
-            <a:r>
-              <a:rPr lang="en-US" i="1" dirty="0"/>
-              <a:t>k</a:t>
-            </a:r>
-            <a:r>
-              <a:rPr lang="en-US" dirty="0"/>
-              <a:t>  </a:t>
-            </a:r>
-          </a:p>
-          <a:p>
-            <a:pPr marL="342900" indent="-342900">
-              <a:buAutoNum type="arabicPeriod"/>
-            </a:pPr>
-            <a:r>
-              <a:rPr lang="en-US" dirty="0"/>
-              <a:t>Initialize weights: </a:t>
-            </a:r>
-            <a:r>
-              <a:rPr lang="en-US" i="1" dirty="0" err="1"/>
-              <a:t>w</a:t>
-            </a:r>
-            <a:r>
-              <a:rPr lang="en-US" i="1" baseline="-25000" dirty="0" err="1"/>
-              <a:t>a</a:t>
-            </a:r>
-            <a:r>
-              <a:rPr lang="en-US" i="1" baseline="30000" dirty="0"/>
-              <a:t>(1</a:t>
-            </a:r>
-            <a:r>
-              <a:rPr lang="en-US" baseline="30000" dirty="0"/>
-              <a:t>)</a:t>
-            </a:r>
-            <a:r>
-              <a:rPr lang="en-US" dirty="0"/>
-              <a:t> and </a:t>
-            </a:r>
-            <a:r>
-              <a:rPr lang="en-US" i="1" dirty="0" err="1"/>
-              <a:t>w</a:t>
-            </a:r>
-            <a:r>
-              <a:rPr lang="en-US" i="1" baseline="-25000" dirty="0" err="1"/>
-              <a:t>a</a:t>
-            </a:r>
-            <a:r>
-              <a:rPr lang="en-US" i="1" baseline="30000" dirty="0"/>
-              <a:t>(2) </a:t>
-            </a:r>
-            <a:endParaRPr lang="en-US" baseline="-25000" dirty="0"/>
-          </a:p>
-          <a:p>
-            <a:pPr marL="342900" indent="-342900">
-              <a:buAutoNum type="arabicPeriod"/>
-            </a:pPr>
-            <a:r>
-              <a:rPr lang="en-US" dirty="0"/>
-              <a:t>Use neural network to predict </a:t>
-            </a:r>
-            <a:r>
-              <a:rPr lang="en-US" dirty="0" err="1"/>
-              <a:t>J</a:t>
-            </a:r>
-            <a:r>
-              <a:rPr lang="en-US" baseline="-25000" dirty="0" err="1"/>
-              <a:t>k</a:t>
-            </a:r>
-            <a:r>
-              <a:rPr lang="en-US" baseline="30000" dirty="0"/>
-              <a:t>^</a:t>
-            </a:r>
-          </a:p>
-          <a:p>
-            <a:pPr marL="342900" indent="-342900">
-              <a:buAutoNum type="arabicPeriod"/>
-            </a:pPr>
-            <a:r>
-              <a:rPr lang="en-US" dirty="0"/>
-              <a:t>Repeat 1-3 with w</a:t>
-            </a:r>
-            <a:r>
-              <a:rPr lang="en-US" baseline="-25000" dirty="0"/>
-              <a:t>c,k+1</a:t>
-            </a:r>
-            <a:r>
-              <a:rPr lang="en-US" dirty="0"/>
-              <a:t> calculated from gradient descent algorithm from Reward subroutine</a:t>
-            </a:r>
-          </a:p>
-          <a:p>
-            <a:pPr marL="342900" indent="-342900">
-              <a:buAutoNum type="arabicPeriod"/>
-            </a:pPr>
-            <a:endParaRPr lang="en-US" dirty="0"/>
-          </a:p>
-          <a:p>
-            <a:pPr marL="228600" indent="-228600">
-              <a:buAutoNum type="arabicPeriod"/>
-            </a:pPr>
-            <a:endParaRPr lang="en-US" sz="1600" dirty="0"/>
-          </a:p>
-        </p:txBody>
-      </p:sp>
-      <p:cxnSp>
-        <p:nvCxnSpPr>
-          <p:cNvPr id="46" name="Straight Arrow Connector 45">
-            <a:extLst>
-              <a:ext uri="{FF2B5EF4-FFF2-40B4-BE49-F238E27FC236}">
-                <a16:creationId xmlns:a16="http://schemas.microsoft.com/office/drawing/2014/main" id="{8B807984-9BE5-44F0-87F5-936EC8410750}"/>
-              </a:ext>
-            </a:extLst>
-          </p:cNvPr>
-          <p:cNvCxnSpPr>
-            <a:cxnSpLocks/>
-            <a:endCxn id="10" idx="0"/>
-          </p:cNvCxnSpPr>
-          <p:nvPr/>
-        </p:nvCxnSpPr>
-        <p:spPr>
-          <a:xfrm>
-            <a:off x="3576069" y="2291188"/>
-            <a:ext cx="0" cy="888967"/>
-          </a:xfrm>
-          <a:prstGeom prst="straightConnector1">
-            <a:avLst/>
-          </a:prstGeom>
-          <a:ln>
-            <a:tailEnd type="triangle"/>
-          </a:ln>
-        </p:spPr>
-        <p:style>
-          <a:lnRef idx="1">
-            <a:schemeClr val="dk1"/>
-          </a:lnRef>
-          <a:fillRef idx="0">
-            <a:schemeClr val="dk1"/>
-          </a:fillRef>
-          <a:effectRef idx="0">
-            <a:schemeClr val="dk1"/>
-          </a:effectRef>
-          <a:fontRef idx="minor">
-            <a:schemeClr val="tx1"/>
-          </a:fontRef>
-        </p:style>
-      </p:cxnSp>
-      <p:cxnSp>
-        <p:nvCxnSpPr>
-          <p:cNvPr id="47" name="Straight Arrow Connector 46">
-            <a:extLst>
-              <a:ext uri="{FF2B5EF4-FFF2-40B4-BE49-F238E27FC236}">
-                <a16:creationId xmlns:a16="http://schemas.microsoft.com/office/drawing/2014/main" id="{9DC564D7-FE60-4974-B9ED-51587D8013FF}"/>
-              </a:ext>
-            </a:extLst>
-          </p:cNvPr>
-          <p:cNvCxnSpPr>
-            <a:cxnSpLocks/>
-            <a:endCxn id="10" idx="2"/>
-          </p:cNvCxnSpPr>
-          <p:nvPr/>
-        </p:nvCxnSpPr>
-        <p:spPr>
-          <a:xfrm flipV="1">
-            <a:off x="3576069" y="3985624"/>
-            <a:ext cx="0" cy="967073"/>
-          </a:xfrm>
-          <a:prstGeom prst="straightConnector1">
-            <a:avLst/>
-          </a:prstGeom>
-          <a:ln>
-            <a:tailEnd type="triangle"/>
-          </a:ln>
-        </p:spPr>
-        <p:style>
-          <a:lnRef idx="1">
-            <a:schemeClr val="dk1"/>
-          </a:lnRef>
-          <a:fillRef idx="0">
-            <a:schemeClr val="dk1"/>
-          </a:fillRef>
-          <a:effectRef idx="0">
-            <a:schemeClr val="dk1"/>
-          </a:effectRef>
-          <a:fontRef idx="minor">
-            <a:schemeClr val="tx1"/>
-          </a:fontRef>
-        </p:style>
-      </p:cxnSp>
-      <p:sp>
-        <p:nvSpPr>
-          <p:cNvPr id="48" name="TextBox 47">
-            <a:extLst>
-              <a:ext uri="{FF2B5EF4-FFF2-40B4-BE49-F238E27FC236}">
-                <a16:creationId xmlns:a16="http://schemas.microsoft.com/office/drawing/2014/main" id="{EF8B2C33-FA6E-4A8A-A757-8F85203B0CCE}"/>
-              </a:ext>
-            </a:extLst>
-          </p:cNvPr>
-          <p:cNvSpPr txBox="1"/>
-          <p:nvPr/>
-        </p:nvSpPr>
-        <p:spPr>
-          <a:xfrm>
-            <a:off x="2714886" y="5088249"/>
-            <a:ext cx="1722363" cy="307777"/>
-          </a:xfrm>
-          <a:prstGeom prst="rect">
-            <a:avLst/>
-          </a:prstGeom>
-          <a:noFill/>
-        </p:spPr>
-        <p:txBody>
-          <a:bodyPr wrap="square" rtlCol="0">
-            <a:spAutoFit/>
-          </a:bodyPr>
-          <a:lstStyle/>
-          <a:p>
-            <a:pPr algn="ctr"/>
-            <a:r>
-              <a:rPr lang="en-US" sz="1400" i="1" dirty="0"/>
-              <a:t>From Critic</a:t>
-            </a:r>
-          </a:p>
-        </p:txBody>
-      </p:sp>
-      <p:sp>
-        <p:nvSpPr>
-          <p:cNvPr id="49" name="TextBox 48">
-            <a:extLst>
-              <a:ext uri="{FF2B5EF4-FFF2-40B4-BE49-F238E27FC236}">
-                <a16:creationId xmlns:a16="http://schemas.microsoft.com/office/drawing/2014/main" id="{F9FC29B5-3AF7-4DD7-86BD-1F99812FD85A}"/>
-              </a:ext>
-            </a:extLst>
-          </p:cNvPr>
-          <p:cNvSpPr txBox="1"/>
-          <p:nvPr/>
-        </p:nvSpPr>
-        <p:spPr>
-          <a:xfrm>
-            <a:off x="5157152" y="3429000"/>
-            <a:ext cx="1722363" cy="307777"/>
-          </a:xfrm>
-          <a:prstGeom prst="rect">
-            <a:avLst/>
-          </a:prstGeom>
-          <a:noFill/>
-        </p:spPr>
-        <p:txBody>
-          <a:bodyPr wrap="square" rtlCol="0">
-            <a:spAutoFit/>
-          </a:bodyPr>
-          <a:lstStyle/>
-          <a:p>
-            <a:pPr algn="ctr"/>
-            <a:r>
-              <a:rPr lang="en-US" sz="1400" i="1" dirty="0"/>
-              <a:t>To reward</a:t>
-            </a:r>
-          </a:p>
-        </p:txBody>
-      </p:sp>
-    </p:spTree>
-    <p:extLst>
-      <p:ext uri="{BB962C8B-B14F-4D97-AF65-F5344CB8AC3E}">
-        <p14:creationId xmlns:p14="http://schemas.microsoft.com/office/powerpoint/2010/main" val="3494666088"/>
-      </p:ext>
-    </p:extLst>
-  </p:cSld>
-  <p:clrMapOvr>
-    <a:masterClrMapping/>
-  </p:clrMapOvr>
-</p:sld>
-</file>
-
-<file path=ppt/slides/slide13.xml><?xml version="1.0" encoding="utf-8"?>
-<p:sld xmlns:a="http://schemas.openxmlformats.org/drawingml/2006/main" xmlns:r="http://schemas.openxmlformats.org/officeDocument/2006/relationships" xmlns:p="http://schemas.openxmlformats.org/presentationml/2006/main">
-  <p:cSld>
-    <p:spTree>
-      <p:nvGrpSpPr>
-        <p:cNvPr id="1" name=""/>
-        <p:cNvGrpSpPr/>
-        <p:nvPr/>
-      </p:nvGrpSpPr>
-      <p:grpSpPr>
-        <a:xfrm>
-          <a:off x="0" y="0"/>
-          <a:ext cx="0" cy="0"/>
-          <a:chOff x="0" y="0"/>
-          <a:chExt cx="0" cy="0"/>
-        </a:xfrm>
-      </p:grpSpPr>
-      <p:sp>
-        <p:nvSpPr>
-          <p:cNvPr id="2" name="Title 1">
-            <a:extLst>
-              <a:ext uri="{FF2B5EF4-FFF2-40B4-BE49-F238E27FC236}">
-                <a16:creationId xmlns:a16="http://schemas.microsoft.com/office/drawing/2014/main" id="{C087A1F2-B26F-467C-A67B-7EDD1A74EE3A}"/>
-              </a:ext>
-            </a:extLst>
-          </p:cNvPr>
-          <p:cNvSpPr>
-            <a:spLocks noGrp="1"/>
-          </p:cNvSpPr>
-          <p:nvPr>
-            <p:ph type="title"/>
-          </p:nvPr>
-        </p:nvSpPr>
-        <p:spPr>
-          <a:xfrm>
-            <a:off x="838200" y="365125"/>
-            <a:ext cx="10515600" cy="1325563"/>
-          </a:xfrm>
-        </p:spPr>
-        <p:txBody>
-          <a:bodyPr>
-            <a:normAutofit/>
-          </a:bodyPr>
-          <a:lstStyle/>
-          <a:p>
-            <a:r>
-              <a:rPr lang="en-US" sz="3200" dirty="0"/>
-              <a:t>Model based RL: Actor overview- parameter list</a:t>
-            </a:r>
-          </a:p>
-        </p:txBody>
-      </p:sp>
-      <p:sp>
-        <p:nvSpPr>
-          <p:cNvPr id="3" name="Date Placeholder 2">
-            <a:extLst>
-              <a:ext uri="{FF2B5EF4-FFF2-40B4-BE49-F238E27FC236}">
-                <a16:creationId xmlns:a16="http://schemas.microsoft.com/office/drawing/2014/main" id="{3F447031-AFAB-4B2F-87B5-4B4F74DAEDD7}"/>
-              </a:ext>
-            </a:extLst>
-          </p:cNvPr>
-          <p:cNvSpPr>
-            <a:spLocks noGrp="1"/>
-          </p:cNvSpPr>
-          <p:nvPr>
-            <p:ph type="dt" sz="half" idx="10"/>
-          </p:nvPr>
-        </p:nvSpPr>
-        <p:spPr/>
-        <p:txBody>
-          <a:bodyPr/>
-          <a:lstStyle/>
-          <a:p>
-            <a:fld id="{1685D14B-F6A0-4B99-A473-B0981836F907}" type="datetime1">
-              <a:rPr lang="en-US" smtClean="0"/>
-              <a:t>8/9/2018</a:t>
-            </a:fld>
-            <a:endParaRPr lang="en-US"/>
-          </a:p>
-        </p:txBody>
-      </p:sp>
-      <p:sp>
-        <p:nvSpPr>
-          <p:cNvPr id="4" name="Slide Number Placeholder 3">
-            <a:extLst>
-              <a:ext uri="{FF2B5EF4-FFF2-40B4-BE49-F238E27FC236}">
-                <a16:creationId xmlns:a16="http://schemas.microsoft.com/office/drawing/2014/main" id="{F1767A3D-FF43-4143-B193-6A912ACCD92B}"/>
-              </a:ext>
-            </a:extLst>
-          </p:cNvPr>
-          <p:cNvSpPr>
-            <a:spLocks noGrp="1"/>
-          </p:cNvSpPr>
-          <p:nvPr>
-            <p:ph type="sldNum" sz="quarter" idx="12"/>
-          </p:nvPr>
-        </p:nvSpPr>
-        <p:spPr/>
-        <p:txBody>
-          <a:bodyPr/>
-          <a:lstStyle/>
-          <a:p>
-            <a:fld id="{12B64F94-5F67-4FCA-BA0B-D89417276E46}" type="slidenum">
-              <a:rPr lang="en-US" smtClean="0"/>
-              <a:t>13</a:t>
+              <a:t>14</a:t>
             </a:fld>
             <a:endParaRPr lang="en-US"/>
           </a:p>
@@ -7747,7 +7699,7 @@
 </p:sld>
 </file>
 
-<file path=ppt/slides/slide2.xml><?xml version="1.0" encoding="utf-8"?>
+<file path=ppt/slides/slide15.xml><?xml version="1.0" encoding="utf-8"?>
 <p:sld xmlns:a="http://schemas.openxmlformats.org/drawingml/2006/main" xmlns:r="http://schemas.openxmlformats.org/officeDocument/2006/relationships" xmlns:p="http://schemas.openxmlformats.org/presentationml/2006/main">
   <p:cSld>
     <p:spTree>
@@ -7769,7 +7721,7 @@
           <p:cNvPr id="2" name="Title 1">
             <a:extLst>
               <a:ext uri="{FF2B5EF4-FFF2-40B4-BE49-F238E27FC236}">
-                <a16:creationId xmlns:a16="http://schemas.microsoft.com/office/drawing/2014/main" id="{308D6AE3-E172-48BB-9028-9C39D0374D8B}"/>
+                <a16:creationId xmlns:a16="http://schemas.microsoft.com/office/drawing/2014/main" id="{3D702872-1453-4441-9054-4B8C5FCF6CEC}"/>
               </a:ext>
             </a:extLst>
           </p:cNvPr>
@@ -7782,12 +7734,14 @@
         </p:nvSpPr>
         <p:spPr/>
         <p:txBody>
-          <a:bodyPr/>
+          <a:bodyPr>
+            <a:normAutofit/>
+          </a:bodyPr>
           <a:lstStyle/>
           <a:p>
             <a:r>
               <a:rPr lang="en-US" dirty="0"/>
-              <a:t>Agenda</a:t>
+              <a:t>Model-free reinforcement learning: overview</a:t>
             </a:r>
           </a:p>
         </p:txBody>
@@ -7797,7 +7751,7 @@
           <p:cNvPr id="3" name="Content Placeholder 2">
             <a:extLst>
               <a:ext uri="{FF2B5EF4-FFF2-40B4-BE49-F238E27FC236}">
-                <a16:creationId xmlns:a16="http://schemas.microsoft.com/office/drawing/2014/main" id="{FF3C8806-E40A-4A73-8211-467750AC5E0A}"/>
+                <a16:creationId xmlns:a16="http://schemas.microsoft.com/office/drawing/2014/main" id="{371A94F6-9D17-40DF-B863-3D8AC763717F}"/>
               </a:ext>
             </a:extLst>
           </p:cNvPr>
@@ -7808,22 +7762,91 @@
             <p:ph idx="1"/>
           </p:nvPr>
         </p:nvSpPr>
-        <p:spPr/>
-        <p:txBody>
-          <a:bodyPr/>
-          <a:lstStyle/>
-          <a:p>
-            <a:r>
-              <a:rPr lang="en-US" dirty="0"/>
-              <a:t>Technical Overview</a:t>
-            </a:r>
-          </a:p>
-          <a:p>
-            <a:pPr lvl="1"/>
-            <a:r>
-              <a:rPr lang="en-US" dirty="0"/>
-              <a:t>Description/explanation of DP, ADP, and RL</a:t>
-            </a:r>
+        <p:spPr>
+          <a:xfrm>
+            <a:off x="951730" y="1513821"/>
+            <a:ext cx="10515600" cy="4642007"/>
+          </a:xfrm>
+        </p:spPr>
+        <p:txBody>
+          <a:bodyPr>
+            <a:normAutofit/>
+          </a:bodyPr>
+          <a:lstStyle/>
+          <a:p>
+            <a:pPr marL="0" indent="0">
+              <a:buNone/>
+            </a:pPr>
+            <a:r>
+              <a:rPr lang="en-US" sz="2400" dirty="0"/>
+              <a:t>Summary</a:t>
+            </a:r>
+          </a:p>
+          <a:p>
+            <a:r>
+              <a:rPr lang="en-US" sz="2400" dirty="0"/>
+              <a:t>Model-free framework to obtain optimal control decisions</a:t>
+            </a:r>
+          </a:p>
+          <a:p>
+            <a:r>
+              <a:rPr lang="en-US" sz="2400" dirty="0"/>
+              <a:t>Actor interacts with environment, adapts based on stimulus reaction</a:t>
+            </a:r>
+          </a:p>
+          <a:p>
+            <a:r>
+              <a:rPr lang="en-US" sz="2400" dirty="0"/>
+              <a:t>Tradeoff of removing model dynamics vs accuracy in final solution</a:t>
+            </a:r>
+          </a:p>
+          <a:p>
+            <a:r>
+              <a:rPr lang="en-US" sz="2400" dirty="0"/>
+              <a:t>Useful when analytical methods become infeasible, e.g. finite Markov Decision Problems (MDP), multi-armed bandit problem</a:t>
+            </a:r>
+          </a:p>
+          <a:p>
+            <a:endParaRPr lang="en-US" sz="2400" dirty="0"/>
+          </a:p>
+          <a:p>
+            <a:pPr marL="0" indent="0">
+              <a:buNone/>
+            </a:pPr>
+            <a:r>
+              <a:rPr lang="en-US" sz="2400" dirty="0"/>
+              <a:t>Examples</a:t>
+            </a:r>
+          </a:p>
+          <a:p>
+            <a:r>
+              <a:rPr lang="en-US" sz="2400" dirty="0"/>
+              <a:t>Q-learning, temporal difference</a:t>
+            </a:r>
+          </a:p>
+          <a:p>
+            <a:pPr marL="0" indent="0">
+              <a:buNone/>
+            </a:pPr>
+            <a:endParaRPr lang="en-US" sz="1800" dirty="0"/>
+          </a:p>
+          <a:p>
+            <a:pPr marL="0" indent="0">
+              <a:buNone/>
+            </a:pPr>
+            <a:endParaRPr lang="en-US" sz="2400" b="1" dirty="0"/>
+          </a:p>
+          <a:p>
+            <a:pPr marL="0" indent="0">
+              <a:buNone/>
+            </a:pPr>
+            <a:endParaRPr lang="en-US" sz="2400" b="1" dirty="0"/>
+          </a:p>
+          <a:p>
+            <a:pPr marL="0" indent="0">
+              <a:buNone/>
+            </a:pPr>
+            <a:endParaRPr lang="en-US" sz="2400" b="1" dirty="0"/>
           </a:p>
         </p:txBody>
       </p:sp>
@@ -7832,7 +7855,7 @@
           <p:cNvPr id="4" name="Date Placeholder 3">
             <a:extLst>
               <a:ext uri="{FF2B5EF4-FFF2-40B4-BE49-F238E27FC236}">
-                <a16:creationId xmlns:a16="http://schemas.microsoft.com/office/drawing/2014/main" id="{89B33BF0-FBE6-4C4F-A8AF-A53E014F8A0E}"/>
+                <a16:creationId xmlns:a16="http://schemas.microsoft.com/office/drawing/2014/main" id="{4ECA9D10-F35C-4DA6-ADD6-D08555671B2B}"/>
               </a:ext>
             </a:extLst>
           </p:cNvPr>
@@ -7848,11 +7871,11 @@
           <a:bodyPr/>
           <a:lstStyle/>
           <a:p>
-            <a:fld id="{7DF61101-C9B4-4554-8EEB-A20380353859}" type="datetime1">
+            <a:fld id="{C2C6E052-3088-472F-9A96-D69D48D6E4E0}" type="datetime1">
               <a:rPr lang="en-US" smtClean="0"/>
-              <a:t>8/9/2018</a:t>
+              <a:t>8/13/2018</a:t>
             </a:fld>
-            <a:endParaRPr lang="en-US"/>
+            <a:endParaRPr lang="en-US" dirty="0"/>
           </a:p>
         </p:txBody>
       </p:sp>
@@ -7861,7 +7884,7 @@
           <p:cNvPr id="5" name="Slide Number Placeholder 4">
             <a:extLst>
               <a:ext uri="{FF2B5EF4-FFF2-40B4-BE49-F238E27FC236}">
-                <a16:creationId xmlns:a16="http://schemas.microsoft.com/office/drawing/2014/main" id="{62E29034-612E-4AA0-9849-73BBC0FF37D4}"/>
+                <a16:creationId xmlns:a16="http://schemas.microsoft.com/office/drawing/2014/main" id="{CE41504E-7348-4BCF-89E6-2153FB90B509}"/>
               </a:ext>
             </a:extLst>
           </p:cNvPr>
@@ -7877,944 +7900,9 @@
           <a:bodyPr/>
           <a:lstStyle/>
           <a:p>
-            <a:fld id="{12B64F94-5F67-4FCA-BA0B-D89417276E46}" type="slidenum">
-              <a:rPr lang="en-US" smtClean="0"/>
-              <a:t>2</a:t>
-            </a:fld>
-            <a:endParaRPr lang="en-US"/>
-          </a:p>
-        </p:txBody>
-      </p:sp>
-    </p:spTree>
-    <p:extLst>
-      <p:ext uri="{BB962C8B-B14F-4D97-AF65-F5344CB8AC3E}">
-        <p14:creationId xmlns:p14="http://schemas.microsoft.com/office/powerpoint/2010/main" val="3309590886"/>
-      </p:ext>
-    </p:extLst>
-  </p:cSld>
-  <p:clrMapOvr>
-    <a:masterClrMapping/>
-  </p:clrMapOvr>
-</p:sld>
-</file>
-
-<file path=ppt/slides/slide3.xml><?xml version="1.0" encoding="utf-8"?>
-<p:sld xmlns:a="http://schemas.openxmlformats.org/drawingml/2006/main" xmlns:r="http://schemas.openxmlformats.org/officeDocument/2006/relationships" xmlns:p="http://schemas.openxmlformats.org/presentationml/2006/main">
-  <p:cSld>
-    <p:spTree>
-      <p:nvGrpSpPr>
-        <p:cNvPr id="1" name=""/>
-        <p:cNvGrpSpPr/>
-        <p:nvPr/>
-      </p:nvGrpSpPr>
-      <p:grpSpPr>
-        <a:xfrm>
-          <a:off x="0" y="0"/>
-          <a:ext cx="0" cy="0"/>
-          <a:chOff x="0" y="0"/>
-          <a:chExt cx="0" cy="0"/>
-        </a:xfrm>
-      </p:grpSpPr>
-      <p:sp>
-        <p:nvSpPr>
-          <p:cNvPr id="2" name="Title 1">
-            <a:extLst>
-              <a:ext uri="{FF2B5EF4-FFF2-40B4-BE49-F238E27FC236}">
-                <a16:creationId xmlns:a16="http://schemas.microsoft.com/office/drawing/2014/main" id="{3D702872-1453-4441-9054-4B8C5FCF6CEC}"/>
-              </a:ext>
-            </a:extLst>
-          </p:cNvPr>
-          <p:cNvSpPr>
-            <a:spLocks noGrp="1"/>
-          </p:cNvSpPr>
-          <p:nvPr>
-            <p:ph type="title"/>
-          </p:nvPr>
-        </p:nvSpPr>
-        <p:spPr>
-          <a:xfrm>
-            <a:off x="838200" y="377820"/>
-            <a:ext cx="10515600" cy="1325563"/>
-          </a:xfrm>
-        </p:spPr>
-        <p:txBody>
-          <a:bodyPr>
-            <a:normAutofit/>
-          </a:bodyPr>
-          <a:lstStyle/>
-          <a:p>
-            <a:r>
-              <a:rPr lang="en-US" dirty="0"/>
-              <a:t>Dynamic programming: overview</a:t>
-            </a:r>
-          </a:p>
-        </p:txBody>
-      </p:sp>
-      <p:sp>
-        <p:nvSpPr>
-          <p:cNvPr id="3" name="Content Placeholder 2">
-            <a:extLst>
-              <a:ext uri="{FF2B5EF4-FFF2-40B4-BE49-F238E27FC236}">
-                <a16:creationId xmlns:a16="http://schemas.microsoft.com/office/drawing/2014/main" id="{371A94F6-9D17-40DF-B863-3D8AC763717F}"/>
-              </a:ext>
-            </a:extLst>
-          </p:cNvPr>
-          <p:cNvSpPr>
-            <a:spLocks noGrp="1"/>
-          </p:cNvSpPr>
-          <p:nvPr>
-            <p:ph idx="1"/>
-          </p:nvPr>
-        </p:nvSpPr>
-        <p:spPr>
-          <a:xfrm>
-            <a:off x="838199" y="1568751"/>
-            <a:ext cx="10377791" cy="4642007"/>
-          </a:xfrm>
-        </p:spPr>
-        <p:txBody>
-          <a:bodyPr>
-            <a:normAutofit/>
-          </a:bodyPr>
-          <a:lstStyle/>
-          <a:p>
-            <a:pPr marL="0" indent="0">
-              <a:buNone/>
-            </a:pPr>
-            <a:r>
-              <a:rPr lang="en-US" sz="2400" dirty="0"/>
-              <a:t>Summary</a:t>
-            </a:r>
-          </a:p>
-          <a:p>
-            <a:r>
-              <a:rPr lang="en-US" sz="2400" dirty="0"/>
-              <a:t>Minimize cost/maximize benefit using discretized time steps</a:t>
-            </a:r>
-          </a:p>
-          <a:p>
-            <a:r>
-              <a:rPr lang="en-US" sz="2400" dirty="0"/>
-              <a:t>Sequentially finding optimal solutions to subproblems of the larger problem: value/policy iteration</a:t>
-            </a:r>
-          </a:p>
-          <a:p>
-            <a:r>
-              <a:rPr lang="en-US" sz="2400" dirty="0"/>
-              <a:t>Creates large state and decision spaces subject to the </a:t>
-            </a:r>
-            <a:r>
-              <a:rPr lang="en-US" sz="2400" i="1" dirty="0"/>
-              <a:t>curses of dimensionality</a:t>
-            </a:r>
-            <a:r>
-              <a:rPr lang="en-US" sz="2400" dirty="0"/>
-              <a:t> </a:t>
-            </a:r>
-          </a:p>
-          <a:p>
-            <a:pPr marL="0" indent="0">
-              <a:buNone/>
-            </a:pPr>
-            <a:endParaRPr lang="en-US" sz="1800" dirty="0"/>
-          </a:p>
-          <a:p>
-            <a:pPr marL="0" indent="0">
-              <a:buNone/>
-            </a:pPr>
-            <a:r>
-              <a:rPr lang="en-US" sz="2400" b="1" dirty="0"/>
-              <a:t>Bellman principle of optimality</a:t>
-            </a:r>
-            <a:r>
-              <a:rPr lang="en-US" sz="2400" dirty="0"/>
-              <a:t>: For all k=0,1,…,N-1:</a:t>
-            </a:r>
-          </a:p>
-          <a:p>
-            <a:pPr marL="0" indent="0">
-              <a:buNone/>
-            </a:pPr>
-            <a:endParaRPr lang="en-US" sz="2400" b="1" dirty="0"/>
-          </a:p>
-          <a:p>
-            <a:pPr marL="0" indent="0">
-              <a:buNone/>
-            </a:pPr>
-            <a:r>
-              <a:rPr lang="en-US" sz="2400" dirty="0"/>
-              <a:t>Common applications</a:t>
-            </a:r>
-          </a:p>
-          <a:p>
-            <a:r>
-              <a:rPr lang="en-US" sz="2400" dirty="0"/>
-              <a:t>Task scheduling, trajectory planning, stochastic control problems</a:t>
-            </a:r>
-          </a:p>
-        </p:txBody>
-      </p:sp>
-      <p:sp>
-        <p:nvSpPr>
-          <p:cNvPr id="4" name="Date Placeholder 3">
-            <a:extLst>
-              <a:ext uri="{FF2B5EF4-FFF2-40B4-BE49-F238E27FC236}">
-                <a16:creationId xmlns:a16="http://schemas.microsoft.com/office/drawing/2014/main" id="{4ECA9D10-F35C-4DA6-ADD6-D08555671B2B}"/>
-              </a:ext>
-            </a:extLst>
-          </p:cNvPr>
-          <p:cNvSpPr>
-            <a:spLocks noGrp="1"/>
-          </p:cNvSpPr>
-          <p:nvPr>
-            <p:ph type="dt" sz="half" idx="10"/>
-          </p:nvPr>
-        </p:nvSpPr>
-        <p:spPr/>
-        <p:txBody>
-          <a:bodyPr/>
-          <a:lstStyle/>
-          <a:p>
-            <a:fld id="{46362828-9525-49C1-A59D-380C5B769D4C}" type="datetime1">
-              <a:rPr lang="en-US" smtClean="0"/>
-              <a:t>8/9/2018</a:t>
-            </a:fld>
-            <a:endParaRPr lang="en-US" dirty="0"/>
-          </a:p>
-        </p:txBody>
-      </p:sp>
-      <p:sp>
-        <p:nvSpPr>
-          <p:cNvPr id="5" name="Slide Number Placeholder 4">
-            <a:extLst>
-              <a:ext uri="{FF2B5EF4-FFF2-40B4-BE49-F238E27FC236}">
-                <a16:creationId xmlns:a16="http://schemas.microsoft.com/office/drawing/2014/main" id="{CE41504E-7348-4BCF-89E6-2153FB90B509}"/>
-              </a:ext>
-            </a:extLst>
-          </p:cNvPr>
-          <p:cNvSpPr>
-            <a:spLocks noGrp="1"/>
-          </p:cNvSpPr>
-          <p:nvPr>
-            <p:ph type="sldNum" sz="quarter" idx="12"/>
-          </p:nvPr>
-        </p:nvSpPr>
-        <p:spPr/>
-        <p:txBody>
-          <a:bodyPr/>
-          <a:lstStyle/>
-          <a:p>
             <a:fld id="{95EE2DDF-6CB9-4330-926E-8B80970773BB}" type="slidenum">
               <a:rPr lang="en-US" smtClean="0"/>
-              <a:t>3</a:t>
-            </a:fld>
-            <a:endParaRPr lang="en-US" dirty="0"/>
-          </a:p>
-        </p:txBody>
-      </p:sp>
-      <p:grpSp>
-        <p:nvGrpSpPr>
-          <p:cNvPr id="6" name="Shape 100">
-            <a:extLst>
-              <a:ext uri="{FF2B5EF4-FFF2-40B4-BE49-F238E27FC236}">
-                <a16:creationId xmlns:a16="http://schemas.microsoft.com/office/drawing/2014/main" id="{A3654314-2C57-41FB-948B-13569EE39725}"/>
-              </a:ext>
-            </a:extLst>
-          </p:cNvPr>
-          <p:cNvGrpSpPr/>
-          <p:nvPr/>
-        </p:nvGrpSpPr>
-        <p:grpSpPr>
-          <a:xfrm>
-            <a:off x="4276091" y="6219280"/>
-            <a:ext cx="3639818" cy="639267"/>
-            <a:chOff x="-230050" y="2601291"/>
-            <a:chExt cx="9882756" cy="1935414"/>
-          </a:xfrm>
-        </p:grpSpPr>
-        <p:sp>
-          <p:nvSpPr>
-            <p:cNvPr id="7" name="Shape 101">
-              <a:extLst>
-                <a:ext uri="{FF2B5EF4-FFF2-40B4-BE49-F238E27FC236}">
-                  <a16:creationId xmlns:a16="http://schemas.microsoft.com/office/drawing/2014/main" id="{CCE15430-3780-46C1-B8B7-A613CF0C10E2}"/>
-                </a:ext>
-              </a:extLst>
-            </p:cNvPr>
-            <p:cNvSpPr/>
-            <p:nvPr/>
-          </p:nvSpPr>
-          <p:spPr>
-            <a:xfrm>
-              <a:off x="2886617" y="2997483"/>
-              <a:ext cx="792300" cy="49200"/>
-            </a:xfrm>
-            <a:prstGeom prst="roundRect">
-              <a:avLst>
-                <a:gd name="adj" fmla="val 50000"/>
-              </a:avLst>
-            </a:prstGeom>
-            <a:solidFill>
-              <a:srgbClr val="D9D9D9"/>
-            </a:solidFill>
-            <a:ln w="9525" cap="flat" cmpd="sng">
-              <a:solidFill>
-                <a:srgbClr val="EFEFEF"/>
-              </a:solidFill>
-              <a:prstDash val="solid"/>
-              <a:round/>
-              <a:headEnd type="none" w="med" len="med"/>
-              <a:tailEnd type="none" w="med" len="med"/>
-            </a:ln>
-          </p:spPr>
-          <p:txBody>
-            <a:bodyPr wrap="square" lIns="121900" tIns="121900" rIns="121900" bIns="121900" anchor="ctr" anchorCtr="0">
-              <a:noAutofit/>
-            </a:bodyPr>
-            <a:lstStyle/>
-            <a:p>
-              <a:endParaRPr sz="1200">
-                <a:latin typeface="+mj-lt"/>
-              </a:endParaRPr>
-            </a:p>
-          </p:txBody>
-        </p:sp>
-        <p:grpSp>
-          <p:nvGrpSpPr>
-            <p:cNvPr id="8" name="Shape 102">
-              <a:extLst>
-                <a:ext uri="{FF2B5EF4-FFF2-40B4-BE49-F238E27FC236}">
-                  <a16:creationId xmlns:a16="http://schemas.microsoft.com/office/drawing/2014/main" id="{FA8D4B30-F506-432B-B386-F4B9AC668FC5}"/>
-                </a:ext>
-              </a:extLst>
-            </p:cNvPr>
-            <p:cNvGrpSpPr/>
-            <p:nvPr/>
-          </p:nvGrpSpPr>
-          <p:grpSpPr>
-            <a:xfrm>
-              <a:off x="-230050" y="2650491"/>
-              <a:ext cx="3361333" cy="1886214"/>
-              <a:chOff x="-172542" y="1987918"/>
-              <a:chExt cx="2521063" cy="1414696"/>
-            </a:xfrm>
-          </p:grpSpPr>
-          <p:sp>
-            <p:nvSpPr>
-              <p:cNvPr id="20" name="Shape 103">
-                <a:extLst>
-                  <a:ext uri="{FF2B5EF4-FFF2-40B4-BE49-F238E27FC236}">
-                    <a16:creationId xmlns:a16="http://schemas.microsoft.com/office/drawing/2014/main" id="{C2A73275-247F-4DAD-B9DA-F67F7A62FD4E}"/>
-                  </a:ext>
-                </a:extLst>
-              </p:cNvPr>
-              <p:cNvSpPr/>
-              <p:nvPr/>
-            </p:nvSpPr>
-            <p:spPr>
-              <a:xfrm>
-                <a:off x="790838" y="1987918"/>
-                <a:ext cx="594301" cy="594300"/>
-              </a:xfrm>
-              <a:prstGeom prst="ellipse">
-                <a:avLst/>
-              </a:prstGeom>
-              <a:solidFill>
-                <a:srgbClr val="6D9EEB"/>
-              </a:solidFill>
-              <a:ln w="38100" cap="flat" cmpd="sng">
-                <a:solidFill>
-                  <a:srgbClr val="4285F4"/>
-                </a:solidFill>
-                <a:prstDash val="solid"/>
-                <a:round/>
-                <a:headEnd type="none" w="med" len="med"/>
-                <a:tailEnd type="none" w="med" len="med"/>
-              </a:ln>
-            </p:spPr>
-            <p:txBody>
-              <a:bodyPr wrap="square" lIns="121900" tIns="121900" rIns="121900" bIns="121900" anchor="ctr" anchorCtr="0">
-                <a:noAutofit/>
-              </a:bodyPr>
-              <a:lstStyle/>
-              <a:p>
-                <a:endParaRPr sz="1200">
-                  <a:latin typeface="+mj-lt"/>
-                </a:endParaRPr>
-              </a:p>
-            </p:txBody>
-          </p:sp>
-          <p:sp>
-            <p:nvSpPr>
-              <p:cNvPr id="21" name="Shape 104">
-                <a:extLst>
-                  <a:ext uri="{FF2B5EF4-FFF2-40B4-BE49-F238E27FC236}">
-                    <a16:creationId xmlns:a16="http://schemas.microsoft.com/office/drawing/2014/main" id="{8EA0F25F-F8DB-4307-B409-DD8E9FC41B42}"/>
-                  </a:ext>
-                </a:extLst>
-              </p:cNvPr>
-              <p:cNvSpPr txBox="1"/>
-              <p:nvPr/>
-            </p:nvSpPr>
-            <p:spPr>
-              <a:xfrm>
-                <a:off x="-172542" y="2845215"/>
-                <a:ext cx="2521063" cy="557399"/>
-              </a:xfrm>
-              <a:prstGeom prst="rect">
-                <a:avLst/>
-              </a:prstGeom>
-              <a:noFill/>
-              <a:ln>
-                <a:noFill/>
-              </a:ln>
-            </p:spPr>
-            <p:txBody>
-              <a:bodyPr wrap="square" lIns="121900" tIns="121900" rIns="121900" bIns="121900" anchor="b" anchorCtr="0">
-                <a:noAutofit/>
-              </a:bodyPr>
-              <a:lstStyle/>
-              <a:p>
-                <a:pPr algn="ctr">
-                  <a:lnSpc>
-                    <a:spcPct val="115000"/>
-                  </a:lnSpc>
-                </a:pPr>
-                <a:r>
-                  <a:rPr lang="en-US" sz="1200" b="1" dirty="0">
-                    <a:solidFill>
-                      <a:srgbClr val="4285F4"/>
-                    </a:solidFill>
-                    <a:latin typeface="+mj-lt"/>
-                    <a:ea typeface="Roboto"/>
-                    <a:cs typeface="Roboto"/>
-                    <a:sym typeface="Roboto"/>
-                  </a:rPr>
-                  <a:t>Background</a:t>
-                </a:r>
-              </a:p>
-            </p:txBody>
-          </p:sp>
-        </p:grpSp>
-        <p:grpSp>
-          <p:nvGrpSpPr>
-            <p:cNvPr id="9" name="Shape 105">
-              <a:extLst>
-                <a:ext uri="{FF2B5EF4-FFF2-40B4-BE49-F238E27FC236}">
-                  <a16:creationId xmlns:a16="http://schemas.microsoft.com/office/drawing/2014/main" id="{80FD80D1-35BB-4DDF-B9FF-F3C66D46D395}"/>
-                </a:ext>
-              </a:extLst>
-            </p:cNvPr>
-            <p:cNvGrpSpPr/>
-            <p:nvPr/>
-          </p:nvGrpSpPr>
-          <p:grpSpPr>
-            <a:xfrm>
-              <a:off x="3342936" y="2638476"/>
-              <a:ext cx="2775931" cy="1824233"/>
-              <a:chOff x="2507265" y="1978906"/>
-              <a:chExt cx="2082000" cy="1368209"/>
-            </a:xfrm>
-          </p:grpSpPr>
-          <p:sp>
-            <p:nvSpPr>
-              <p:cNvPr id="18" name="Shape 106">
-                <a:extLst>
-                  <a:ext uri="{FF2B5EF4-FFF2-40B4-BE49-F238E27FC236}">
-                    <a16:creationId xmlns:a16="http://schemas.microsoft.com/office/drawing/2014/main" id="{50218841-609D-4FD2-9760-FB9345D827FE}"/>
-                  </a:ext>
-                </a:extLst>
-              </p:cNvPr>
-              <p:cNvSpPr/>
-              <p:nvPr/>
-            </p:nvSpPr>
-            <p:spPr>
-              <a:xfrm>
-                <a:off x="3251116" y="1978906"/>
-                <a:ext cx="594301" cy="594300"/>
-              </a:xfrm>
-              <a:prstGeom prst="ellipse">
-                <a:avLst/>
-              </a:prstGeom>
-              <a:noFill/>
-              <a:ln w="38100" cap="flat" cmpd="sng">
-                <a:solidFill>
-                  <a:srgbClr val="D9D9D9"/>
-                </a:solidFill>
-                <a:prstDash val="solid"/>
-                <a:round/>
-                <a:headEnd type="none" w="med" len="med"/>
-                <a:tailEnd type="none" w="med" len="med"/>
-              </a:ln>
-            </p:spPr>
-            <p:txBody>
-              <a:bodyPr wrap="square" lIns="121900" tIns="121900" rIns="121900" bIns="121900" anchor="ctr" anchorCtr="0">
-                <a:noAutofit/>
-              </a:bodyPr>
-              <a:lstStyle/>
-              <a:p>
-                <a:endParaRPr sz="1200">
-                  <a:latin typeface="+mj-lt"/>
-                </a:endParaRPr>
-              </a:p>
-            </p:txBody>
-          </p:sp>
-          <p:sp>
-            <p:nvSpPr>
-              <p:cNvPr id="19" name="Shape 107">
-                <a:extLst>
-                  <a:ext uri="{FF2B5EF4-FFF2-40B4-BE49-F238E27FC236}">
-                    <a16:creationId xmlns:a16="http://schemas.microsoft.com/office/drawing/2014/main" id="{A5004516-1758-404C-84EE-8E12D0999718}"/>
-                  </a:ext>
-                </a:extLst>
-              </p:cNvPr>
-              <p:cNvSpPr txBox="1"/>
-              <p:nvPr/>
-            </p:nvSpPr>
-            <p:spPr>
-              <a:xfrm>
-                <a:off x="2507265" y="2900714"/>
-                <a:ext cx="2082000" cy="446401"/>
-              </a:xfrm>
-              <a:prstGeom prst="rect">
-                <a:avLst/>
-              </a:prstGeom>
-              <a:noFill/>
-              <a:ln>
-                <a:noFill/>
-              </a:ln>
-            </p:spPr>
-            <p:txBody>
-              <a:bodyPr wrap="square" lIns="121900" tIns="121900" rIns="121900" bIns="121900" anchor="b" anchorCtr="0">
-                <a:noAutofit/>
-              </a:bodyPr>
-              <a:lstStyle/>
-              <a:p>
-                <a:pPr algn="ctr">
-                  <a:lnSpc>
-                    <a:spcPct val="115000"/>
-                  </a:lnSpc>
-                </a:pPr>
-                <a:r>
-                  <a:rPr lang="en-US" sz="1200" b="1" dirty="0">
-                    <a:solidFill>
-                      <a:srgbClr val="B7B7B7"/>
-                    </a:solidFill>
-                    <a:latin typeface="+mj-lt"/>
-                    <a:ea typeface="Roboto"/>
-                    <a:cs typeface="Roboto"/>
-                    <a:sym typeface="Roboto"/>
-                  </a:rPr>
-                  <a:t>Example</a:t>
-                </a:r>
-              </a:p>
-            </p:txBody>
-          </p:sp>
-        </p:grpSp>
-        <p:grpSp>
-          <p:nvGrpSpPr>
-            <p:cNvPr id="10" name="Shape 108">
-              <a:extLst>
-                <a:ext uri="{FF2B5EF4-FFF2-40B4-BE49-F238E27FC236}">
-                  <a16:creationId xmlns:a16="http://schemas.microsoft.com/office/drawing/2014/main" id="{ADA6A9A0-184D-400F-A1EB-9FBAABF4D35E}"/>
-                </a:ext>
-              </a:extLst>
-            </p:cNvPr>
-            <p:cNvGrpSpPr/>
-            <p:nvPr/>
-          </p:nvGrpSpPr>
-          <p:grpSpPr>
-            <a:xfrm>
-              <a:off x="5975910" y="2601291"/>
-              <a:ext cx="3676796" cy="1887216"/>
-              <a:chOff x="4482044" y="1951017"/>
-              <a:chExt cx="2757666" cy="1415448"/>
-            </a:xfrm>
-          </p:grpSpPr>
-          <p:sp>
-            <p:nvSpPr>
-              <p:cNvPr id="16" name="Shape 109">
-                <a:extLst>
-                  <a:ext uri="{FF2B5EF4-FFF2-40B4-BE49-F238E27FC236}">
-                    <a16:creationId xmlns:a16="http://schemas.microsoft.com/office/drawing/2014/main" id="{F9AFB04A-F4DA-4230-A8BD-174CB71E0B3E}"/>
-                  </a:ext>
-                </a:extLst>
-              </p:cNvPr>
-              <p:cNvSpPr/>
-              <p:nvPr/>
-            </p:nvSpPr>
-            <p:spPr>
-              <a:xfrm>
-                <a:off x="5563726" y="1951017"/>
-                <a:ext cx="594301" cy="594300"/>
-              </a:xfrm>
-              <a:prstGeom prst="ellipse">
-                <a:avLst/>
-              </a:prstGeom>
-              <a:noFill/>
-              <a:ln w="38100" cap="flat" cmpd="sng">
-                <a:solidFill>
-                  <a:srgbClr val="D9D9D9"/>
-                </a:solidFill>
-                <a:prstDash val="solid"/>
-                <a:round/>
-                <a:headEnd type="none" w="med" len="med"/>
-                <a:tailEnd type="none" w="med" len="med"/>
-              </a:ln>
-            </p:spPr>
-            <p:txBody>
-              <a:bodyPr wrap="square" lIns="121900" tIns="121900" rIns="121900" bIns="121900" anchor="ctr" anchorCtr="0">
-                <a:noAutofit/>
-              </a:bodyPr>
-              <a:lstStyle/>
-              <a:p>
-                <a:endParaRPr sz="1200">
-                  <a:latin typeface="+mj-lt"/>
-                </a:endParaRPr>
-              </a:p>
-            </p:txBody>
-          </p:sp>
-          <p:sp>
-            <p:nvSpPr>
-              <p:cNvPr id="17" name="Shape 110">
-                <a:extLst>
-                  <a:ext uri="{FF2B5EF4-FFF2-40B4-BE49-F238E27FC236}">
-                    <a16:creationId xmlns:a16="http://schemas.microsoft.com/office/drawing/2014/main" id="{716A59A5-974E-45AD-BB91-C80A71363688}"/>
-                  </a:ext>
-                </a:extLst>
-              </p:cNvPr>
-              <p:cNvSpPr txBox="1"/>
-              <p:nvPr/>
-            </p:nvSpPr>
-            <p:spPr>
-              <a:xfrm>
-                <a:off x="4482044" y="2907284"/>
-                <a:ext cx="2757666" cy="459181"/>
-              </a:xfrm>
-              <a:prstGeom prst="rect">
-                <a:avLst/>
-              </a:prstGeom>
-              <a:noFill/>
-              <a:ln>
-                <a:noFill/>
-              </a:ln>
-            </p:spPr>
-            <p:txBody>
-              <a:bodyPr wrap="square" lIns="121900" tIns="121900" rIns="121900" bIns="121900" anchor="b" anchorCtr="0">
-                <a:noAutofit/>
-              </a:bodyPr>
-              <a:lstStyle/>
-              <a:p>
-                <a:pPr algn="ctr">
-                  <a:lnSpc>
-                    <a:spcPct val="115000"/>
-                  </a:lnSpc>
-                </a:pPr>
-                <a:r>
-                  <a:rPr lang="en-US" sz="1200" b="1" dirty="0">
-                    <a:solidFill>
-                      <a:srgbClr val="B7B7B7"/>
-                    </a:solidFill>
-                    <a:latin typeface="+mj-lt"/>
-                    <a:ea typeface="Roboto"/>
-                    <a:cs typeface="Roboto"/>
-                    <a:sym typeface="Roboto"/>
-                  </a:rPr>
-                  <a:t>Next Steps</a:t>
-                </a:r>
-              </a:p>
-            </p:txBody>
-          </p:sp>
-        </p:grpSp>
-        <p:sp>
-          <p:nvSpPr>
-            <p:cNvPr id="12" name="Shape 114">
-              <a:extLst>
-                <a:ext uri="{FF2B5EF4-FFF2-40B4-BE49-F238E27FC236}">
-                  <a16:creationId xmlns:a16="http://schemas.microsoft.com/office/drawing/2014/main" id="{26B06870-28C1-4F9A-A6FD-380686AA899B}"/>
-                </a:ext>
-              </a:extLst>
-            </p:cNvPr>
-            <p:cNvSpPr/>
-            <p:nvPr/>
-          </p:nvSpPr>
-          <p:spPr>
-            <a:xfrm>
-              <a:off x="5782900" y="2997483"/>
-              <a:ext cx="792300" cy="49200"/>
-            </a:xfrm>
-            <a:prstGeom prst="roundRect">
-              <a:avLst>
-                <a:gd name="adj" fmla="val 50000"/>
-              </a:avLst>
-            </a:prstGeom>
-            <a:solidFill>
-              <a:srgbClr val="D9D9D9"/>
-            </a:solidFill>
-            <a:ln>
-              <a:noFill/>
-            </a:ln>
-          </p:spPr>
-          <p:txBody>
-            <a:bodyPr wrap="square" lIns="121900" tIns="121900" rIns="121900" bIns="121900" anchor="ctr" anchorCtr="0">
-              <a:noAutofit/>
-            </a:bodyPr>
-            <a:lstStyle/>
-            <a:p>
-              <a:endParaRPr sz="1200">
-                <a:latin typeface="+mj-lt"/>
-              </a:endParaRPr>
-            </a:p>
-          </p:txBody>
-        </p:sp>
-      </p:grpSp>
-      <p:pic>
-        <p:nvPicPr>
-          <p:cNvPr id="22" name="Picture 21">
-            <a:extLst>
-              <a:ext uri="{FF2B5EF4-FFF2-40B4-BE49-F238E27FC236}">
-                <a16:creationId xmlns:a16="http://schemas.microsoft.com/office/drawing/2014/main" id="{FC9958F7-656D-4E21-A05E-14A5181DE0E4}"/>
-              </a:ext>
-            </a:extLst>
-          </p:cNvPr>
-          <p:cNvPicPr>
-            <a:picLocks noChangeAspect="1"/>
-          </p:cNvPicPr>
-          <p:nvPr/>
-        </p:nvPicPr>
-        <p:blipFill>
-          <a:blip r:embed="rId3"/>
-          <a:stretch>
-            <a:fillRect/>
-          </a:stretch>
-        </p:blipFill>
-        <p:spPr>
-          <a:xfrm>
-            <a:off x="4558959" y="4601835"/>
-            <a:ext cx="4150587" cy="687414"/>
-          </a:xfrm>
-          <a:prstGeom prst="rect">
-            <a:avLst/>
-          </a:prstGeom>
-        </p:spPr>
-      </p:pic>
-    </p:spTree>
-    <p:extLst>
-      <p:ext uri="{BB962C8B-B14F-4D97-AF65-F5344CB8AC3E}">
-        <p14:creationId xmlns:p14="http://schemas.microsoft.com/office/powerpoint/2010/main" val="2647023451"/>
-      </p:ext>
-    </p:extLst>
-  </p:cSld>
-  <p:clrMapOvr>
-    <a:masterClrMapping/>
-  </p:clrMapOvr>
-</p:sld>
-</file>
-
-<file path=ppt/slides/slide4.xml><?xml version="1.0" encoding="utf-8"?>
-<p:sld xmlns:a="http://schemas.openxmlformats.org/drawingml/2006/main" xmlns:r="http://schemas.openxmlformats.org/officeDocument/2006/relationships" xmlns:p="http://schemas.openxmlformats.org/presentationml/2006/main">
-  <p:cSld>
-    <p:spTree>
-      <p:nvGrpSpPr>
-        <p:cNvPr id="1" name=""/>
-        <p:cNvGrpSpPr/>
-        <p:nvPr/>
-      </p:nvGrpSpPr>
-      <p:grpSpPr>
-        <a:xfrm>
-          <a:off x="0" y="0"/>
-          <a:ext cx="0" cy="0"/>
-          <a:chOff x="0" y="0"/>
-          <a:chExt cx="0" cy="0"/>
-        </a:xfrm>
-      </p:grpSpPr>
-      <p:sp>
-        <p:nvSpPr>
-          <p:cNvPr id="2" name="Title 1">
-            <a:extLst>
-              <a:ext uri="{FF2B5EF4-FFF2-40B4-BE49-F238E27FC236}">
-                <a16:creationId xmlns:a16="http://schemas.microsoft.com/office/drawing/2014/main" id="{3D702872-1453-4441-9054-4B8C5FCF6CEC}"/>
-              </a:ext>
-            </a:extLst>
-          </p:cNvPr>
-          <p:cNvSpPr>
-            <a:spLocks noGrp="1"/>
-          </p:cNvSpPr>
-          <p:nvPr>
-            <p:ph type="title"/>
-          </p:nvPr>
-        </p:nvSpPr>
-        <p:spPr/>
-        <p:txBody>
-          <a:bodyPr>
-            <a:normAutofit/>
-          </a:bodyPr>
-          <a:lstStyle/>
-          <a:p>
-            <a:r>
-              <a:rPr lang="en-US" dirty="0"/>
-              <a:t>Model-free reinforcement learning: overview</a:t>
-            </a:r>
-          </a:p>
-        </p:txBody>
-      </p:sp>
-      <p:sp>
-        <p:nvSpPr>
-          <p:cNvPr id="3" name="Content Placeholder 2">
-            <a:extLst>
-              <a:ext uri="{FF2B5EF4-FFF2-40B4-BE49-F238E27FC236}">
-                <a16:creationId xmlns:a16="http://schemas.microsoft.com/office/drawing/2014/main" id="{371A94F6-9D17-40DF-B863-3D8AC763717F}"/>
-              </a:ext>
-            </a:extLst>
-          </p:cNvPr>
-          <p:cNvSpPr>
-            <a:spLocks noGrp="1"/>
-          </p:cNvSpPr>
-          <p:nvPr>
-            <p:ph idx="1"/>
-          </p:nvPr>
-        </p:nvSpPr>
-        <p:spPr>
-          <a:xfrm>
-            <a:off x="951730" y="1513821"/>
-            <a:ext cx="10515600" cy="4642007"/>
-          </a:xfrm>
-        </p:spPr>
-        <p:txBody>
-          <a:bodyPr>
-            <a:normAutofit/>
-          </a:bodyPr>
-          <a:lstStyle/>
-          <a:p>
-            <a:pPr marL="0" indent="0">
-              <a:buNone/>
-            </a:pPr>
-            <a:r>
-              <a:rPr lang="en-US" sz="2400" dirty="0"/>
-              <a:t>Summary</a:t>
-            </a:r>
-          </a:p>
-          <a:p>
-            <a:r>
-              <a:rPr lang="en-US" sz="2400" dirty="0"/>
-              <a:t>Model-free framework to obtain optimal control decisions</a:t>
-            </a:r>
-          </a:p>
-          <a:p>
-            <a:r>
-              <a:rPr lang="en-US" sz="2400" dirty="0"/>
-              <a:t>Actor interacts with environment, adapts based on stimulus reaction</a:t>
-            </a:r>
-          </a:p>
-          <a:p>
-            <a:r>
-              <a:rPr lang="en-US" sz="2400" dirty="0"/>
-              <a:t>Tradeoff of removing model dynamics vs accuracy in final solution</a:t>
-            </a:r>
-          </a:p>
-          <a:p>
-            <a:r>
-              <a:rPr lang="en-US" sz="2400" dirty="0"/>
-              <a:t>Useful when analytical methods become infeasible, e.g. finite Markov Decision Problems (MDP), multi-armed bandit problem</a:t>
-            </a:r>
-          </a:p>
-          <a:p>
-            <a:endParaRPr lang="en-US" sz="2400" dirty="0"/>
-          </a:p>
-          <a:p>
-            <a:pPr marL="0" indent="0">
-              <a:buNone/>
-            </a:pPr>
-            <a:r>
-              <a:rPr lang="en-US" sz="2400" dirty="0"/>
-              <a:t>Examples</a:t>
-            </a:r>
-          </a:p>
-          <a:p>
-            <a:r>
-              <a:rPr lang="en-US" sz="2400" dirty="0"/>
-              <a:t>Q-learning, temporal difference</a:t>
-            </a:r>
-          </a:p>
-          <a:p>
-            <a:pPr marL="0" indent="0">
-              <a:buNone/>
-            </a:pPr>
-            <a:endParaRPr lang="en-US" sz="1800" dirty="0"/>
-          </a:p>
-          <a:p>
-            <a:pPr marL="0" indent="0">
-              <a:buNone/>
-            </a:pPr>
-            <a:endParaRPr lang="en-US" sz="2400" b="1" dirty="0"/>
-          </a:p>
-          <a:p>
-            <a:pPr marL="0" indent="0">
-              <a:buNone/>
-            </a:pPr>
-            <a:endParaRPr lang="en-US" sz="2400" b="1" dirty="0"/>
-          </a:p>
-          <a:p>
-            <a:pPr marL="0" indent="0">
-              <a:buNone/>
-            </a:pPr>
-            <a:endParaRPr lang="en-US" sz="2400" b="1" dirty="0"/>
-          </a:p>
-        </p:txBody>
-      </p:sp>
-      <p:sp>
-        <p:nvSpPr>
-          <p:cNvPr id="4" name="Date Placeholder 3">
-            <a:extLst>
-              <a:ext uri="{FF2B5EF4-FFF2-40B4-BE49-F238E27FC236}">
-                <a16:creationId xmlns:a16="http://schemas.microsoft.com/office/drawing/2014/main" id="{4ECA9D10-F35C-4DA6-ADD6-D08555671B2B}"/>
-              </a:ext>
-            </a:extLst>
-          </p:cNvPr>
-          <p:cNvSpPr>
-            <a:spLocks noGrp="1"/>
-          </p:cNvSpPr>
-          <p:nvPr>
-            <p:ph type="dt" sz="half" idx="10"/>
-          </p:nvPr>
-        </p:nvSpPr>
-        <p:spPr/>
-        <p:txBody>
-          <a:bodyPr/>
-          <a:lstStyle/>
-          <a:p>
-            <a:fld id="{B8E6479D-24AA-4DDE-8765-738DB63FA2EF}" type="datetime1">
-              <a:rPr lang="en-US" smtClean="0"/>
-              <a:t>8/9/2018</a:t>
-            </a:fld>
-            <a:endParaRPr lang="en-US" dirty="0"/>
-          </a:p>
-        </p:txBody>
-      </p:sp>
-      <p:sp>
-        <p:nvSpPr>
-          <p:cNvPr id="5" name="Slide Number Placeholder 4">
-            <a:extLst>
-              <a:ext uri="{FF2B5EF4-FFF2-40B4-BE49-F238E27FC236}">
-                <a16:creationId xmlns:a16="http://schemas.microsoft.com/office/drawing/2014/main" id="{CE41504E-7348-4BCF-89E6-2153FB90B509}"/>
-              </a:ext>
-            </a:extLst>
-          </p:cNvPr>
-          <p:cNvSpPr>
-            <a:spLocks noGrp="1"/>
-          </p:cNvSpPr>
-          <p:nvPr>
-            <p:ph type="sldNum" sz="quarter" idx="12"/>
-          </p:nvPr>
-        </p:nvSpPr>
-        <p:spPr/>
-        <p:txBody>
-          <a:bodyPr/>
-          <a:lstStyle/>
-          <a:p>
-            <a:fld id="{95EE2DDF-6CB9-4330-926E-8B80970773BB}" type="slidenum">
-              <a:rPr lang="en-US" smtClean="0"/>
-              <a:t>4</a:t>
+              <a:t>15</a:t>
             </a:fld>
             <a:endParaRPr lang="en-US"/>
           </a:p>
@@ -9552,7 +8640,7 @@
 </p:sld>
 </file>
 
-<file path=ppt/slides/slide5.xml><?xml version="1.0" encoding="utf-8"?>
+<file path=ppt/slides/slide2.xml><?xml version="1.0" encoding="utf-8"?>
 <p:sld xmlns:a="http://schemas.openxmlformats.org/drawingml/2006/main" xmlns:r="http://schemas.openxmlformats.org/officeDocument/2006/relationships" xmlns:p="http://schemas.openxmlformats.org/presentationml/2006/main">
   <p:cSld>
     <p:spTree>
@@ -9585,7 +8673,12 @@
             <p:ph type="title"/>
           </p:nvPr>
         </p:nvSpPr>
-        <p:spPr/>
+        <p:spPr>
+          <a:xfrm>
+            <a:off x="838200" y="377820"/>
+            <a:ext cx="10515600" cy="1325563"/>
+          </a:xfrm>
+        </p:spPr>
         <p:txBody>
           <a:bodyPr>
             <a:normAutofit/>
@@ -9594,7 +8687,7 @@
           <a:p>
             <a:r>
               <a:rPr lang="en-US" dirty="0"/>
-              <a:t>The actor-critic algorithm: model-based RL</a:t>
+              <a:t>Dynamic programming: overview</a:t>
             </a:r>
           </a:p>
         </p:txBody>
@@ -9617,8 +8710,8 @@
         </p:nvSpPr>
         <p:spPr>
           <a:xfrm>
-            <a:off x="838199" y="1531644"/>
-            <a:ext cx="10105417" cy="4642007"/>
+            <a:off x="838199" y="1568751"/>
+            <a:ext cx="10377791" cy="4642007"/>
           </a:xfrm>
         </p:spPr>
         <p:txBody>
@@ -9638,13 +8731,27 @@
           <a:p>
             <a:r>
               <a:rPr lang="en-US" sz="2400" dirty="0"/>
-              <a:t>Adding a “critic” to assess the reward (value) associated with each action (policy)</a:t>
+              <a:t>Minimize cost/maximize benefit using discretized time steps</a:t>
             </a:r>
           </a:p>
           <a:p>
             <a:r>
               <a:rPr lang="en-US" sz="2400" dirty="0"/>
-              <a:t>Approximate dynamic programming (ADP) is a form of this real-time optimal decision-making: critic is the function approximator</a:t>
+              <a:t>Sequentially finding optimal solutions to subproblems of the larger problem: value/policy iteration</a:t>
+            </a:r>
+          </a:p>
+          <a:p>
+            <a:r>
+              <a:rPr lang="en-US" sz="2400" dirty="0"/>
+              <a:t>Creates large state and decision spaces subject to the </a:t>
+            </a:r>
+            <a:r>
+              <a:rPr lang="en-US" sz="2400" i="1" dirty="0"/>
+              <a:t>curses of dimensionality</a:t>
+            </a:r>
+            <a:r>
+              <a:rPr lang="en-US" sz="2400" dirty="0"/>
+              <a:t> </a:t>
             </a:r>
           </a:p>
           <a:p>
@@ -9658,8 +8765,12 @@
               <a:buNone/>
             </a:pPr>
             <a:r>
+              <a:rPr lang="en-US" sz="2400" b="1" dirty="0"/>
+              <a:t>Bellman principle of optimality</a:t>
+            </a:r>
+            <a:r>
               <a:rPr lang="en-US" sz="2400" dirty="0"/>
-              <a:t>Key Equation(s)</a:t>
+              <a:t>: For all k=0,1,…,N-1:</a:t>
             </a:r>
           </a:p>
           <a:p>
@@ -9672,13 +8783,16 @@
             <a:pPr marL="0" indent="0">
               <a:buNone/>
             </a:pPr>
-            <a:endParaRPr lang="en-US" sz="2400" b="1" dirty="0"/>
-          </a:p>
-          <a:p>
-            <a:pPr marL="0" indent="0">
-              <a:buNone/>
-            </a:pPr>
-            <a:endParaRPr lang="en-US" sz="2400" b="1" dirty="0"/>
+            <a:r>
+              <a:rPr lang="en-US" sz="2400" dirty="0"/>
+              <a:t>Common applications</a:t>
+            </a:r>
+          </a:p>
+          <a:p>
+            <a:r>
+              <a:rPr lang="en-US" sz="2400" dirty="0"/>
+              <a:t>Task scheduling, trajectory planning, stochastic control problems</a:t>
+            </a:r>
           </a:p>
         </p:txBody>
       </p:sp>
@@ -9703,9 +8817,9 @@
           <a:bodyPr/>
           <a:lstStyle/>
           <a:p>
-            <a:fld id="{22C1D34C-E3DB-4798-9774-B993028C2B89}" type="datetime1">
+            <a:fld id="{9F4396C5-8114-4F68-94ED-F9DCEF6D7A27}" type="datetime1">
               <a:rPr lang="en-US" smtClean="0"/>
-              <a:t>8/9/2018</a:t>
+              <a:t>8/13/2018</a:t>
             </a:fld>
             <a:endParaRPr lang="en-US" dirty="0"/>
           </a:p>
@@ -9734,7 +8848,694 @@
           <a:p>
             <a:fld id="{95EE2DDF-6CB9-4330-926E-8B80970773BB}" type="slidenum">
               <a:rPr lang="en-US" smtClean="0"/>
-              <a:t>5</a:t>
+              <a:t>2</a:t>
+            </a:fld>
+            <a:endParaRPr lang="en-US" dirty="0"/>
+          </a:p>
+        </p:txBody>
+      </p:sp>
+      <p:grpSp>
+        <p:nvGrpSpPr>
+          <p:cNvPr id="6" name="Shape 100">
+            <a:extLst>
+              <a:ext uri="{FF2B5EF4-FFF2-40B4-BE49-F238E27FC236}">
+                <a16:creationId xmlns:a16="http://schemas.microsoft.com/office/drawing/2014/main" id="{A3654314-2C57-41FB-948B-13569EE39725}"/>
+              </a:ext>
+            </a:extLst>
+          </p:cNvPr>
+          <p:cNvGrpSpPr/>
+          <p:nvPr/>
+        </p:nvGrpSpPr>
+        <p:grpSpPr>
+          <a:xfrm>
+            <a:off x="4276091" y="6219280"/>
+            <a:ext cx="3639818" cy="639267"/>
+            <a:chOff x="-230050" y="2601291"/>
+            <a:chExt cx="9882756" cy="1935414"/>
+          </a:xfrm>
+        </p:grpSpPr>
+        <p:sp>
+          <p:nvSpPr>
+            <p:cNvPr id="7" name="Shape 101">
+              <a:extLst>
+                <a:ext uri="{FF2B5EF4-FFF2-40B4-BE49-F238E27FC236}">
+                  <a16:creationId xmlns:a16="http://schemas.microsoft.com/office/drawing/2014/main" id="{CCE15430-3780-46C1-B8B7-A613CF0C10E2}"/>
+                </a:ext>
+              </a:extLst>
+            </p:cNvPr>
+            <p:cNvSpPr/>
+            <p:nvPr/>
+          </p:nvSpPr>
+          <p:spPr>
+            <a:xfrm>
+              <a:off x="2886617" y="2997483"/>
+              <a:ext cx="792300" cy="49200"/>
+            </a:xfrm>
+            <a:prstGeom prst="roundRect">
+              <a:avLst>
+                <a:gd name="adj" fmla="val 50000"/>
+              </a:avLst>
+            </a:prstGeom>
+            <a:solidFill>
+              <a:srgbClr val="D9D9D9"/>
+            </a:solidFill>
+            <a:ln w="9525" cap="flat" cmpd="sng">
+              <a:solidFill>
+                <a:srgbClr val="EFEFEF"/>
+              </a:solidFill>
+              <a:prstDash val="solid"/>
+              <a:round/>
+              <a:headEnd type="none" w="med" len="med"/>
+              <a:tailEnd type="none" w="med" len="med"/>
+            </a:ln>
+          </p:spPr>
+          <p:txBody>
+            <a:bodyPr wrap="square" lIns="121900" tIns="121900" rIns="121900" bIns="121900" anchor="ctr" anchorCtr="0">
+              <a:noAutofit/>
+            </a:bodyPr>
+            <a:lstStyle/>
+            <a:p>
+              <a:endParaRPr sz="1200">
+                <a:latin typeface="+mj-lt"/>
+              </a:endParaRPr>
+            </a:p>
+          </p:txBody>
+        </p:sp>
+        <p:grpSp>
+          <p:nvGrpSpPr>
+            <p:cNvPr id="8" name="Shape 102">
+              <a:extLst>
+                <a:ext uri="{FF2B5EF4-FFF2-40B4-BE49-F238E27FC236}">
+                  <a16:creationId xmlns:a16="http://schemas.microsoft.com/office/drawing/2014/main" id="{FA8D4B30-F506-432B-B386-F4B9AC668FC5}"/>
+                </a:ext>
+              </a:extLst>
+            </p:cNvPr>
+            <p:cNvGrpSpPr/>
+            <p:nvPr/>
+          </p:nvGrpSpPr>
+          <p:grpSpPr>
+            <a:xfrm>
+              <a:off x="-230050" y="2650491"/>
+              <a:ext cx="3361333" cy="1886214"/>
+              <a:chOff x="-172542" y="1987918"/>
+              <a:chExt cx="2521063" cy="1414696"/>
+            </a:xfrm>
+          </p:grpSpPr>
+          <p:sp>
+            <p:nvSpPr>
+              <p:cNvPr id="20" name="Shape 103">
+                <a:extLst>
+                  <a:ext uri="{FF2B5EF4-FFF2-40B4-BE49-F238E27FC236}">
+                    <a16:creationId xmlns:a16="http://schemas.microsoft.com/office/drawing/2014/main" id="{C2A73275-247F-4DAD-B9DA-F67F7A62FD4E}"/>
+                  </a:ext>
+                </a:extLst>
+              </p:cNvPr>
+              <p:cNvSpPr/>
+              <p:nvPr/>
+            </p:nvSpPr>
+            <p:spPr>
+              <a:xfrm>
+                <a:off x="790838" y="1987918"/>
+                <a:ext cx="594301" cy="594300"/>
+              </a:xfrm>
+              <a:prstGeom prst="ellipse">
+                <a:avLst/>
+              </a:prstGeom>
+              <a:solidFill>
+                <a:srgbClr val="6D9EEB"/>
+              </a:solidFill>
+              <a:ln w="38100" cap="flat" cmpd="sng">
+                <a:solidFill>
+                  <a:srgbClr val="4285F4"/>
+                </a:solidFill>
+                <a:prstDash val="solid"/>
+                <a:round/>
+                <a:headEnd type="none" w="med" len="med"/>
+                <a:tailEnd type="none" w="med" len="med"/>
+              </a:ln>
+            </p:spPr>
+            <p:txBody>
+              <a:bodyPr wrap="square" lIns="121900" tIns="121900" rIns="121900" bIns="121900" anchor="ctr" anchorCtr="0">
+                <a:noAutofit/>
+              </a:bodyPr>
+              <a:lstStyle/>
+              <a:p>
+                <a:endParaRPr sz="1200">
+                  <a:latin typeface="+mj-lt"/>
+                </a:endParaRPr>
+              </a:p>
+            </p:txBody>
+          </p:sp>
+          <p:sp>
+            <p:nvSpPr>
+              <p:cNvPr id="21" name="Shape 104">
+                <a:extLst>
+                  <a:ext uri="{FF2B5EF4-FFF2-40B4-BE49-F238E27FC236}">
+                    <a16:creationId xmlns:a16="http://schemas.microsoft.com/office/drawing/2014/main" id="{8EA0F25F-F8DB-4307-B409-DD8E9FC41B42}"/>
+                  </a:ext>
+                </a:extLst>
+              </p:cNvPr>
+              <p:cNvSpPr txBox="1"/>
+              <p:nvPr/>
+            </p:nvSpPr>
+            <p:spPr>
+              <a:xfrm>
+                <a:off x="-172542" y="2845215"/>
+                <a:ext cx="2521063" cy="557399"/>
+              </a:xfrm>
+              <a:prstGeom prst="rect">
+                <a:avLst/>
+              </a:prstGeom>
+              <a:noFill/>
+              <a:ln>
+                <a:noFill/>
+              </a:ln>
+            </p:spPr>
+            <p:txBody>
+              <a:bodyPr wrap="square" lIns="121900" tIns="121900" rIns="121900" bIns="121900" anchor="b" anchorCtr="0">
+                <a:noAutofit/>
+              </a:bodyPr>
+              <a:lstStyle/>
+              <a:p>
+                <a:pPr algn="ctr">
+                  <a:lnSpc>
+                    <a:spcPct val="115000"/>
+                  </a:lnSpc>
+                </a:pPr>
+                <a:r>
+                  <a:rPr lang="en-US" sz="1200" b="1" dirty="0">
+                    <a:solidFill>
+                      <a:srgbClr val="4285F4"/>
+                    </a:solidFill>
+                    <a:latin typeface="+mj-lt"/>
+                    <a:ea typeface="Roboto"/>
+                    <a:cs typeface="Roboto"/>
+                    <a:sym typeface="Roboto"/>
+                  </a:rPr>
+                  <a:t>Background</a:t>
+                </a:r>
+              </a:p>
+            </p:txBody>
+          </p:sp>
+        </p:grpSp>
+        <p:grpSp>
+          <p:nvGrpSpPr>
+            <p:cNvPr id="9" name="Shape 105">
+              <a:extLst>
+                <a:ext uri="{FF2B5EF4-FFF2-40B4-BE49-F238E27FC236}">
+                  <a16:creationId xmlns:a16="http://schemas.microsoft.com/office/drawing/2014/main" id="{80FD80D1-35BB-4DDF-B9FF-F3C66D46D395}"/>
+                </a:ext>
+              </a:extLst>
+            </p:cNvPr>
+            <p:cNvGrpSpPr/>
+            <p:nvPr/>
+          </p:nvGrpSpPr>
+          <p:grpSpPr>
+            <a:xfrm>
+              <a:off x="3342936" y="2638476"/>
+              <a:ext cx="2775931" cy="1824233"/>
+              <a:chOff x="2507265" y="1978906"/>
+              <a:chExt cx="2082000" cy="1368209"/>
+            </a:xfrm>
+          </p:grpSpPr>
+          <p:sp>
+            <p:nvSpPr>
+              <p:cNvPr id="18" name="Shape 106">
+                <a:extLst>
+                  <a:ext uri="{FF2B5EF4-FFF2-40B4-BE49-F238E27FC236}">
+                    <a16:creationId xmlns:a16="http://schemas.microsoft.com/office/drawing/2014/main" id="{50218841-609D-4FD2-9760-FB9345D827FE}"/>
+                  </a:ext>
+                </a:extLst>
+              </p:cNvPr>
+              <p:cNvSpPr/>
+              <p:nvPr/>
+            </p:nvSpPr>
+            <p:spPr>
+              <a:xfrm>
+                <a:off x="3251116" y="1978906"/>
+                <a:ext cx="594301" cy="594300"/>
+              </a:xfrm>
+              <a:prstGeom prst="ellipse">
+                <a:avLst/>
+              </a:prstGeom>
+              <a:noFill/>
+              <a:ln w="38100" cap="flat" cmpd="sng">
+                <a:solidFill>
+                  <a:srgbClr val="D9D9D9"/>
+                </a:solidFill>
+                <a:prstDash val="solid"/>
+                <a:round/>
+                <a:headEnd type="none" w="med" len="med"/>
+                <a:tailEnd type="none" w="med" len="med"/>
+              </a:ln>
+            </p:spPr>
+            <p:txBody>
+              <a:bodyPr wrap="square" lIns="121900" tIns="121900" rIns="121900" bIns="121900" anchor="ctr" anchorCtr="0">
+                <a:noAutofit/>
+              </a:bodyPr>
+              <a:lstStyle/>
+              <a:p>
+                <a:endParaRPr sz="1200">
+                  <a:latin typeface="+mj-lt"/>
+                </a:endParaRPr>
+              </a:p>
+            </p:txBody>
+          </p:sp>
+          <p:sp>
+            <p:nvSpPr>
+              <p:cNvPr id="19" name="Shape 107">
+                <a:extLst>
+                  <a:ext uri="{FF2B5EF4-FFF2-40B4-BE49-F238E27FC236}">
+                    <a16:creationId xmlns:a16="http://schemas.microsoft.com/office/drawing/2014/main" id="{A5004516-1758-404C-84EE-8E12D0999718}"/>
+                  </a:ext>
+                </a:extLst>
+              </p:cNvPr>
+              <p:cNvSpPr txBox="1"/>
+              <p:nvPr/>
+            </p:nvSpPr>
+            <p:spPr>
+              <a:xfrm>
+                <a:off x="2507265" y="2900714"/>
+                <a:ext cx="2082000" cy="446401"/>
+              </a:xfrm>
+              <a:prstGeom prst="rect">
+                <a:avLst/>
+              </a:prstGeom>
+              <a:noFill/>
+              <a:ln>
+                <a:noFill/>
+              </a:ln>
+            </p:spPr>
+            <p:txBody>
+              <a:bodyPr wrap="square" lIns="121900" tIns="121900" rIns="121900" bIns="121900" anchor="b" anchorCtr="0">
+                <a:noAutofit/>
+              </a:bodyPr>
+              <a:lstStyle/>
+              <a:p>
+                <a:pPr algn="ctr">
+                  <a:lnSpc>
+                    <a:spcPct val="115000"/>
+                  </a:lnSpc>
+                </a:pPr>
+                <a:r>
+                  <a:rPr lang="en-US" sz="1200" b="1" dirty="0">
+                    <a:solidFill>
+                      <a:srgbClr val="B7B7B7"/>
+                    </a:solidFill>
+                    <a:latin typeface="+mj-lt"/>
+                    <a:ea typeface="Roboto"/>
+                    <a:cs typeface="Roboto"/>
+                    <a:sym typeface="Roboto"/>
+                  </a:rPr>
+                  <a:t>Example</a:t>
+                </a:r>
+              </a:p>
+            </p:txBody>
+          </p:sp>
+        </p:grpSp>
+        <p:grpSp>
+          <p:nvGrpSpPr>
+            <p:cNvPr id="10" name="Shape 108">
+              <a:extLst>
+                <a:ext uri="{FF2B5EF4-FFF2-40B4-BE49-F238E27FC236}">
+                  <a16:creationId xmlns:a16="http://schemas.microsoft.com/office/drawing/2014/main" id="{ADA6A9A0-184D-400F-A1EB-9FBAABF4D35E}"/>
+                </a:ext>
+              </a:extLst>
+            </p:cNvPr>
+            <p:cNvGrpSpPr/>
+            <p:nvPr/>
+          </p:nvGrpSpPr>
+          <p:grpSpPr>
+            <a:xfrm>
+              <a:off x="5975910" y="2601291"/>
+              <a:ext cx="3676796" cy="1887216"/>
+              <a:chOff x="4482044" y="1951017"/>
+              <a:chExt cx="2757666" cy="1415448"/>
+            </a:xfrm>
+          </p:grpSpPr>
+          <p:sp>
+            <p:nvSpPr>
+              <p:cNvPr id="16" name="Shape 109">
+                <a:extLst>
+                  <a:ext uri="{FF2B5EF4-FFF2-40B4-BE49-F238E27FC236}">
+                    <a16:creationId xmlns:a16="http://schemas.microsoft.com/office/drawing/2014/main" id="{F9AFB04A-F4DA-4230-A8BD-174CB71E0B3E}"/>
+                  </a:ext>
+                </a:extLst>
+              </p:cNvPr>
+              <p:cNvSpPr/>
+              <p:nvPr/>
+            </p:nvSpPr>
+            <p:spPr>
+              <a:xfrm>
+                <a:off x="5563726" y="1951017"/>
+                <a:ext cx="594301" cy="594300"/>
+              </a:xfrm>
+              <a:prstGeom prst="ellipse">
+                <a:avLst/>
+              </a:prstGeom>
+              <a:noFill/>
+              <a:ln w="38100" cap="flat" cmpd="sng">
+                <a:solidFill>
+                  <a:srgbClr val="D9D9D9"/>
+                </a:solidFill>
+                <a:prstDash val="solid"/>
+                <a:round/>
+                <a:headEnd type="none" w="med" len="med"/>
+                <a:tailEnd type="none" w="med" len="med"/>
+              </a:ln>
+            </p:spPr>
+            <p:txBody>
+              <a:bodyPr wrap="square" lIns="121900" tIns="121900" rIns="121900" bIns="121900" anchor="ctr" anchorCtr="0">
+                <a:noAutofit/>
+              </a:bodyPr>
+              <a:lstStyle/>
+              <a:p>
+                <a:endParaRPr sz="1200">
+                  <a:latin typeface="+mj-lt"/>
+                </a:endParaRPr>
+              </a:p>
+            </p:txBody>
+          </p:sp>
+          <p:sp>
+            <p:nvSpPr>
+              <p:cNvPr id="17" name="Shape 110">
+                <a:extLst>
+                  <a:ext uri="{FF2B5EF4-FFF2-40B4-BE49-F238E27FC236}">
+                    <a16:creationId xmlns:a16="http://schemas.microsoft.com/office/drawing/2014/main" id="{716A59A5-974E-45AD-BB91-C80A71363688}"/>
+                  </a:ext>
+                </a:extLst>
+              </p:cNvPr>
+              <p:cNvSpPr txBox="1"/>
+              <p:nvPr/>
+            </p:nvSpPr>
+            <p:spPr>
+              <a:xfrm>
+                <a:off x="4482044" y="2907284"/>
+                <a:ext cx="2757666" cy="459181"/>
+              </a:xfrm>
+              <a:prstGeom prst="rect">
+                <a:avLst/>
+              </a:prstGeom>
+              <a:noFill/>
+              <a:ln>
+                <a:noFill/>
+              </a:ln>
+            </p:spPr>
+            <p:txBody>
+              <a:bodyPr wrap="square" lIns="121900" tIns="121900" rIns="121900" bIns="121900" anchor="b" anchorCtr="0">
+                <a:noAutofit/>
+              </a:bodyPr>
+              <a:lstStyle/>
+              <a:p>
+                <a:pPr algn="ctr">
+                  <a:lnSpc>
+                    <a:spcPct val="115000"/>
+                  </a:lnSpc>
+                </a:pPr>
+                <a:r>
+                  <a:rPr lang="en-US" sz="1200" b="1" dirty="0">
+                    <a:solidFill>
+                      <a:srgbClr val="B7B7B7"/>
+                    </a:solidFill>
+                    <a:latin typeface="+mj-lt"/>
+                    <a:ea typeface="Roboto"/>
+                    <a:cs typeface="Roboto"/>
+                    <a:sym typeface="Roboto"/>
+                  </a:rPr>
+                  <a:t>Next Steps</a:t>
+                </a:r>
+              </a:p>
+            </p:txBody>
+          </p:sp>
+        </p:grpSp>
+        <p:sp>
+          <p:nvSpPr>
+            <p:cNvPr id="12" name="Shape 114">
+              <a:extLst>
+                <a:ext uri="{FF2B5EF4-FFF2-40B4-BE49-F238E27FC236}">
+                  <a16:creationId xmlns:a16="http://schemas.microsoft.com/office/drawing/2014/main" id="{26B06870-28C1-4F9A-A6FD-380686AA899B}"/>
+                </a:ext>
+              </a:extLst>
+            </p:cNvPr>
+            <p:cNvSpPr/>
+            <p:nvPr/>
+          </p:nvSpPr>
+          <p:spPr>
+            <a:xfrm>
+              <a:off x="5782900" y="2997483"/>
+              <a:ext cx="792300" cy="49200"/>
+            </a:xfrm>
+            <a:prstGeom prst="roundRect">
+              <a:avLst>
+                <a:gd name="adj" fmla="val 50000"/>
+              </a:avLst>
+            </a:prstGeom>
+            <a:solidFill>
+              <a:srgbClr val="D9D9D9"/>
+            </a:solidFill>
+            <a:ln>
+              <a:noFill/>
+            </a:ln>
+          </p:spPr>
+          <p:txBody>
+            <a:bodyPr wrap="square" lIns="121900" tIns="121900" rIns="121900" bIns="121900" anchor="ctr" anchorCtr="0">
+              <a:noAutofit/>
+            </a:bodyPr>
+            <a:lstStyle/>
+            <a:p>
+              <a:endParaRPr sz="1200">
+                <a:latin typeface="+mj-lt"/>
+              </a:endParaRPr>
+            </a:p>
+          </p:txBody>
+        </p:sp>
+      </p:grpSp>
+      <p:pic>
+        <p:nvPicPr>
+          <p:cNvPr id="22" name="Picture 21">
+            <a:extLst>
+              <a:ext uri="{FF2B5EF4-FFF2-40B4-BE49-F238E27FC236}">
+                <a16:creationId xmlns:a16="http://schemas.microsoft.com/office/drawing/2014/main" id="{FC9958F7-656D-4E21-A05E-14A5181DE0E4}"/>
+              </a:ext>
+            </a:extLst>
+          </p:cNvPr>
+          <p:cNvPicPr>
+            <a:picLocks noChangeAspect="1"/>
+          </p:cNvPicPr>
+          <p:nvPr/>
+        </p:nvPicPr>
+        <p:blipFill>
+          <a:blip r:embed="rId3"/>
+          <a:stretch>
+            <a:fillRect/>
+          </a:stretch>
+        </p:blipFill>
+        <p:spPr>
+          <a:xfrm>
+            <a:off x="4558959" y="4601835"/>
+            <a:ext cx="4150587" cy="687414"/>
+          </a:xfrm>
+          <a:prstGeom prst="rect">
+            <a:avLst/>
+          </a:prstGeom>
+        </p:spPr>
+      </p:pic>
+    </p:spTree>
+    <p:extLst>
+      <p:ext uri="{BB962C8B-B14F-4D97-AF65-F5344CB8AC3E}">
+        <p14:creationId xmlns:p14="http://schemas.microsoft.com/office/powerpoint/2010/main" val="2647023451"/>
+      </p:ext>
+    </p:extLst>
+  </p:cSld>
+  <p:clrMapOvr>
+    <a:masterClrMapping/>
+  </p:clrMapOvr>
+</p:sld>
+</file>
+
+<file path=ppt/slides/slide3.xml><?xml version="1.0" encoding="utf-8"?>
+<p:sld xmlns:a="http://schemas.openxmlformats.org/drawingml/2006/main" xmlns:r="http://schemas.openxmlformats.org/officeDocument/2006/relationships" xmlns:p="http://schemas.openxmlformats.org/presentationml/2006/main">
+  <p:cSld>
+    <p:spTree>
+      <p:nvGrpSpPr>
+        <p:cNvPr id="1" name=""/>
+        <p:cNvGrpSpPr/>
+        <p:nvPr/>
+      </p:nvGrpSpPr>
+      <p:grpSpPr>
+        <a:xfrm>
+          <a:off x="0" y="0"/>
+          <a:ext cx="0" cy="0"/>
+          <a:chOff x="0" y="0"/>
+          <a:chExt cx="0" cy="0"/>
+        </a:xfrm>
+      </p:grpSpPr>
+      <p:sp>
+        <p:nvSpPr>
+          <p:cNvPr id="2" name="Title 1">
+            <a:extLst>
+              <a:ext uri="{FF2B5EF4-FFF2-40B4-BE49-F238E27FC236}">
+                <a16:creationId xmlns:a16="http://schemas.microsoft.com/office/drawing/2014/main" id="{3D702872-1453-4441-9054-4B8C5FCF6CEC}"/>
+              </a:ext>
+            </a:extLst>
+          </p:cNvPr>
+          <p:cNvSpPr>
+            <a:spLocks noGrp="1"/>
+          </p:cNvSpPr>
+          <p:nvPr>
+            <p:ph type="title"/>
+          </p:nvPr>
+        </p:nvSpPr>
+        <p:spPr/>
+        <p:txBody>
+          <a:bodyPr>
+            <a:normAutofit/>
+          </a:bodyPr>
+          <a:lstStyle/>
+          <a:p>
+            <a:r>
+              <a:rPr lang="en-US" dirty="0"/>
+              <a:t>The actor-critic algorithm: model-based RL</a:t>
+            </a:r>
+          </a:p>
+        </p:txBody>
+      </p:sp>
+      <p:sp>
+        <p:nvSpPr>
+          <p:cNvPr id="3" name="Content Placeholder 2">
+            <a:extLst>
+              <a:ext uri="{FF2B5EF4-FFF2-40B4-BE49-F238E27FC236}">
+                <a16:creationId xmlns:a16="http://schemas.microsoft.com/office/drawing/2014/main" id="{371A94F6-9D17-40DF-B863-3D8AC763717F}"/>
+              </a:ext>
+            </a:extLst>
+          </p:cNvPr>
+          <p:cNvSpPr>
+            <a:spLocks noGrp="1"/>
+          </p:cNvSpPr>
+          <p:nvPr>
+            <p:ph idx="1"/>
+          </p:nvPr>
+        </p:nvSpPr>
+        <p:spPr>
+          <a:xfrm>
+            <a:off x="838199" y="1531644"/>
+            <a:ext cx="10105417" cy="4642007"/>
+          </a:xfrm>
+        </p:spPr>
+        <p:txBody>
+          <a:bodyPr>
+            <a:normAutofit/>
+          </a:bodyPr>
+          <a:lstStyle/>
+          <a:p>
+            <a:pPr marL="0" indent="0">
+              <a:buNone/>
+            </a:pPr>
+            <a:r>
+              <a:rPr lang="en-US" sz="2400" dirty="0"/>
+              <a:t>Summary</a:t>
+            </a:r>
+          </a:p>
+          <a:p>
+            <a:r>
+              <a:rPr lang="en-US" sz="2400" dirty="0"/>
+              <a:t>Adding a “critic” to assess the reward (value) associated with each action (policy)</a:t>
+            </a:r>
+          </a:p>
+          <a:p>
+            <a:r>
+              <a:rPr lang="en-US" sz="2400" dirty="0"/>
+              <a:t>Approximate dynamic programming (ADP) is a form of this real-time optimal decision-making: critic is the function approximator</a:t>
+            </a:r>
+          </a:p>
+          <a:p>
+            <a:pPr marL="0" indent="0">
+              <a:buNone/>
+            </a:pPr>
+            <a:endParaRPr lang="en-US" sz="1800" dirty="0"/>
+          </a:p>
+          <a:p>
+            <a:pPr marL="0" indent="0">
+              <a:buNone/>
+            </a:pPr>
+            <a:r>
+              <a:rPr lang="en-US" sz="2400" dirty="0"/>
+              <a:t>Key Equation(s)</a:t>
+            </a:r>
+          </a:p>
+          <a:p>
+            <a:pPr marL="0" indent="0">
+              <a:buNone/>
+            </a:pPr>
+            <a:endParaRPr lang="en-US" sz="2400" b="1" dirty="0"/>
+          </a:p>
+          <a:p>
+            <a:pPr marL="0" indent="0">
+              <a:buNone/>
+            </a:pPr>
+            <a:endParaRPr lang="en-US" sz="2400" b="1" dirty="0"/>
+          </a:p>
+          <a:p>
+            <a:pPr marL="0" indent="0">
+              <a:buNone/>
+            </a:pPr>
+            <a:endParaRPr lang="en-US" sz="2400" b="1" dirty="0"/>
+          </a:p>
+        </p:txBody>
+      </p:sp>
+      <p:sp>
+        <p:nvSpPr>
+          <p:cNvPr id="4" name="Date Placeholder 3">
+            <a:extLst>
+              <a:ext uri="{FF2B5EF4-FFF2-40B4-BE49-F238E27FC236}">
+                <a16:creationId xmlns:a16="http://schemas.microsoft.com/office/drawing/2014/main" id="{4ECA9D10-F35C-4DA6-ADD6-D08555671B2B}"/>
+              </a:ext>
+            </a:extLst>
+          </p:cNvPr>
+          <p:cNvSpPr>
+            <a:spLocks noGrp="1"/>
+          </p:cNvSpPr>
+          <p:nvPr>
+            <p:ph type="dt" sz="half" idx="10"/>
+          </p:nvPr>
+        </p:nvSpPr>
+        <p:spPr/>
+        <p:txBody>
+          <a:bodyPr/>
+          <a:lstStyle/>
+          <a:p>
+            <a:fld id="{2CCFFEAE-5E58-41CC-AACC-1F1BE171ABB7}" type="datetime1">
+              <a:rPr lang="en-US" smtClean="0"/>
+              <a:t>8/13/2018</a:t>
+            </a:fld>
+            <a:endParaRPr lang="en-US" dirty="0"/>
+          </a:p>
+        </p:txBody>
+      </p:sp>
+      <p:sp>
+        <p:nvSpPr>
+          <p:cNvPr id="5" name="Slide Number Placeholder 4">
+            <a:extLst>
+              <a:ext uri="{FF2B5EF4-FFF2-40B4-BE49-F238E27FC236}">
+                <a16:creationId xmlns:a16="http://schemas.microsoft.com/office/drawing/2014/main" id="{CE41504E-7348-4BCF-89E6-2153FB90B509}"/>
+              </a:ext>
+            </a:extLst>
+          </p:cNvPr>
+          <p:cNvSpPr>
+            <a:spLocks noGrp="1"/>
+          </p:cNvSpPr>
+          <p:nvPr>
+            <p:ph type="sldNum" sz="quarter" idx="12"/>
+          </p:nvPr>
+        </p:nvSpPr>
+        <p:spPr/>
+        <p:txBody>
+          <a:bodyPr/>
+          <a:lstStyle/>
+          <a:p>
+            <a:fld id="{95EE2DDF-6CB9-4330-926E-8B80970773BB}" type="slidenum">
+              <a:rPr lang="en-US" smtClean="0"/>
+              <a:t>3</a:t>
             </a:fld>
             <a:endParaRPr lang="en-US"/>
           </a:p>
@@ -10239,7 +10040,7 @@
 </p:sld>
 </file>
 
-<file path=ppt/slides/slide6.xml><?xml version="1.0" encoding="utf-8"?>
+<file path=ppt/slides/slide4.xml><?xml version="1.0" encoding="utf-8"?>
 <p:sld xmlns:a="http://schemas.openxmlformats.org/drawingml/2006/main" xmlns:r="http://schemas.openxmlformats.org/officeDocument/2006/relationships" xmlns:p="http://schemas.openxmlformats.org/presentationml/2006/main">
   <p:cSld>
     <p:spTree>
@@ -10272,7 +10073,12 @@
             <p:ph type="title"/>
           </p:nvPr>
         </p:nvSpPr>
-        <p:spPr/>
+        <p:spPr>
+          <a:xfrm>
+            <a:off x="845408" y="44172"/>
+            <a:ext cx="10515600" cy="1325563"/>
+          </a:xfrm>
+        </p:spPr>
         <p:txBody>
           <a:bodyPr/>
           <a:lstStyle/>
@@ -10305,9 +10111,9 @@
           <a:bodyPr/>
           <a:lstStyle/>
           <a:p>
-            <a:fld id="{64108A09-45F7-4A1B-BD6F-87734500D8AB}" type="datetime1">
+            <a:fld id="{75865150-6943-4FB6-9BA2-7B1CB0B3774A}" type="datetime1">
               <a:rPr lang="en-US" smtClean="0"/>
-              <a:t>8/9/2018</a:t>
+              <a:t>8/13/2018</a:t>
             </a:fld>
             <a:endParaRPr lang="en-US"/>
           </a:p>
@@ -10336,7 +10142,7 @@
           <a:p>
             <a:fld id="{12B64F94-5F67-4FCA-BA0B-D89417276E46}" type="slidenum">
               <a:rPr lang="en-US" smtClean="0"/>
-              <a:t>6</a:t>
+              <a:t>4</a:t>
             </a:fld>
             <a:endParaRPr lang="en-US"/>
           </a:p>
@@ -10357,14 +10163,14 @@
           <p:nvPr>
             <p:extLst>
               <p:ext uri="{D42A27DB-BD31-4B8C-83A1-F6EECF244321}">
-                <p14:modId xmlns:p14="http://schemas.microsoft.com/office/powerpoint/2010/main" val="1060716497"/>
+                <p14:modId xmlns:p14="http://schemas.microsoft.com/office/powerpoint/2010/main" val="2044739276"/>
               </p:ext>
             </p:extLst>
           </p:nvPr>
         </p:nvGraphicFramePr>
         <p:xfrm>
-          <a:off x="937839" y="1512836"/>
-          <a:ext cx="9629416" cy="4119880"/>
+          <a:off x="908766" y="1161721"/>
+          <a:ext cx="9629416" cy="4485640"/>
         </p:xfrm>
         <a:graphic>
           <a:graphicData uri="http://schemas.openxmlformats.org/drawingml/2006/table">
@@ -10415,7 +10221,7 @@
                     <a:bodyPr/>
                     <a:lstStyle/>
                     <a:p>
-                      <a:endParaRPr lang="en-US" sz="1600" dirty="0"/>
+                      <a:endParaRPr lang="en-US" sz="1800" dirty="0"/>
                     </a:p>
                   </a:txBody>
                   <a:tcPr/>
@@ -10426,7 +10232,7 @@
                     <a:lstStyle/>
                     <a:p>
                       <a:r>
-                        <a:rPr lang="en-US" sz="1400" dirty="0"/>
+                        <a:rPr lang="en-US" sz="1600" dirty="0"/>
                         <a:t>Simulation</a:t>
                       </a:r>
                     </a:p>
@@ -10439,7 +10245,7 @@
                     <a:lstStyle/>
                     <a:p>
                       <a:r>
-                        <a:rPr lang="en-US" sz="1400" dirty="0"/>
+                        <a:rPr lang="en-US" sz="1600" dirty="0"/>
                         <a:t>DP</a:t>
                       </a:r>
                     </a:p>
@@ -10452,7 +10258,7 @@
                     <a:lstStyle/>
                     <a:p>
                       <a:r>
-                        <a:rPr lang="en-US" sz="1400" dirty="0"/>
+                        <a:rPr lang="en-US" sz="1600" dirty="0"/>
                         <a:t>ADP</a:t>
                       </a:r>
                     </a:p>
@@ -10465,7 +10271,7 @@
                     <a:lstStyle/>
                     <a:p>
                       <a:r>
-                        <a:rPr lang="en-US" sz="1400" dirty="0"/>
+                        <a:rPr lang="en-US" sz="1600" dirty="0"/>
                         <a:t>RL</a:t>
                       </a:r>
                     </a:p>
@@ -10485,7 +10291,7 @@
                     <a:lstStyle/>
                     <a:p>
                       <a:r>
-                        <a:rPr lang="en-US" sz="1400" dirty="0"/>
+                        <a:rPr lang="en-US" sz="1600" dirty="0"/>
                         <a:t>Temporal dependence</a:t>
                       </a:r>
                     </a:p>
@@ -10498,7 +10304,7 @@
                     <a:lstStyle/>
                     <a:p>
                       <a:r>
-                        <a:rPr lang="en-US" sz="1400" dirty="0"/>
+                        <a:rPr lang="en-US" sz="1600" dirty="0"/>
                         <a:t>Forward time-stepping</a:t>
                       </a:r>
                     </a:p>
@@ -10511,7 +10317,7 @@
                     <a:lstStyle/>
                     <a:p>
                       <a:r>
-                        <a:rPr lang="en-US" sz="1400" dirty="0"/>
+                        <a:rPr lang="en-US" sz="1600" dirty="0"/>
                         <a:t>Backward time-stepping</a:t>
                       </a:r>
                     </a:p>
@@ -10524,8 +10330,8 @@
                     <a:lstStyle/>
                     <a:p>
                       <a:r>
-                        <a:rPr lang="en-US" sz="1400" dirty="0"/>
-                        <a:t>Infinite time horizon</a:t>
+                        <a:rPr lang="en-US" sz="1600" dirty="0"/>
+                        <a:t>Infinite time horizon; requires state transition information</a:t>
                       </a:r>
                     </a:p>
                   </a:txBody>
@@ -10537,7 +10343,7 @@
                     <a:lstStyle/>
                     <a:p>
                       <a:r>
-                        <a:rPr lang="en-US" sz="1400" dirty="0"/>
+                        <a:rPr lang="en-US" sz="1600" dirty="0"/>
                         <a:t>Infinite time horizon</a:t>
                       </a:r>
                     </a:p>
@@ -10557,7 +10363,7 @@
                     <a:lstStyle/>
                     <a:p>
                       <a:r>
-                        <a:rPr lang="en-US" sz="1400" dirty="0"/>
+                        <a:rPr lang="en-US" sz="1600" dirty="0"/>
                         <a:t>Required input(s)</a:t>
                       </a:r>
                     </a:p>
@@ -10570,7 +10376,7 @@
                     <a:lstStyle/>
                     <a:p>
                       <a:r>
-                        <a:rPr lang="en-US" sz="1400" dirty="0"/>
+                        <a:rPr lang="en-US" sz="1600" dirty="0"/>
                         <a:t>Parameters, model dynamics</a:t>
                       </a:r>
                     </a:p>
@@ -10583,7 +10389,7 @@
                     <a:lstStyle/>
                     <a:p>
                       <a:r>
-                        <a:rPr lang="en-US" sz="1400" dirty="0"/>
+                        <a:rPr lang="en-US" sz="1600" dirty="0"/>
                         <a:t>Parameters, discretized state + control space, model dynamics, reward function</a:t>
                       </a:r>
                     </a:p>
@@ -10596,8 +10402,8 @@
                     <a:lstStyle/>
                     <a:p>
                       <a:r>
-                        <a:rPr lang="en-US" sz="1400" dirty="0"/>
-                        <a:t>Parameters, optimal state space, reward function</a:t>
+                        <a:rPr lang="en-US" sz="1600" dirty="0"/>
+                        <a:t>Parameters, initial weights, reward function, control objective</a:t>
                       </a:r>
                     </a:p>
                   </a:txBody>
@@ -10609,8 +10415,8 @@
                     <a:lstStyle/>
                     <a:p>
                       <a:r>
-                        <a:rPr lang="en-US" sz="1400" dirty="0"/>
-                        <a:t>Parameters, optimal state space</a:t>
+                        <a:rPr lang="en-US" sz="1600" dirty="0"/>
+                        <a:t>Parameters, control objective</a:t>
                       </a:r>
                     </a:p>
                   </a:txBody>
@@ -10628,71 +10434,8 @@
                     <a:bodyPr/>
                     <a:lstStyle/>
                     <a:p>
-                      <a:endParaRPr lang="en-US" sz="1400" dirty="0"/>
-                    </a:p>
-                  </a:txBody>
-                  <a:tcPr/>
-                </a:tc>
-                <a:tc>
-                  <a:txBody>
-                    <a:bodyPr/>
-                    <a:lstStyle/>
-                    <a:p>
                       <a:r>
-                        <a:rPr lang="en-US" sz="1400" dirty="0"/>
-                        <a:t>ADP + RL</a:t>
-                      </a:r>
-                    </a:p>
-                  </a:txBody>
-                  <a:tcPr/>
-                </a:tc>
-                <a:tc>
-                  <a:txBody>
-                    <a:bodyPr/>
-                    <a:lstStyle/>
-                    <a:p>
-                      <a:r>
-                        <a:rPr lang="en-US" sz="1400" dirty="0"/>
-                        <a:t>Primer on various RL, ADP topics</a:t>
-                      </a:r>
-                    </a:p>
-                  </a:txBody>
-                  <a:tcPr/>
-                </a:tc>
-                <a:tc>
-                  <a:txBody>
-                    <a:bodyPr/>
-                    <a:lstStyle/>
-                    <a:p>
-                      <a:endParaRPr lang="en-US" sz="1400" dirty="0"/>
-                    </a:p>
-                  </a:txBody>
-                  <a:tcPr/>
-                </a:tc>
-                <a:tc>
-                  <a:txBody>
-                    <a:bodyPr/>
-                    <a:lstStyle/>
-                    <a:p>
-                      <a:endParaRPr lang="en-US" sz="1400" dirty="0"/>
-                    </a:p>
-                  </a:txBody>
-                  <a:tcPr/>
-                </a:tc>
-                <a:extLst>
-                  <a:ext uri="{0D108BD9-81ED-4DB2-BD59-A6C34878D82A}">
-                    <a16:rowId xmlns:a16="http://schemas.microsoft.com/office/drawing/2014/main" val="2845137140"/>
-                  </a:ext>
-                </a:extLst>
-              </a:tr>
-              <a:tr h="370840">
-                <a:tc>
-                  <a:txBody>
-                    <a:bodyPr/>
-                    <a:lstStyle/>
-                    <a:p>
-                      <a:r>
-                        <a:rPr lang="en-US" sz="1400" dirty="0"/>
+                        <a:rPr lang="en-US" sz="1600" dirty="0"/>
                         <a:t>Calculated output(s)</a:t>
                       </a:r>
                     </a:p>
@@ -10705,8 +10448,8 @@
                     <a:lstStyle/>
                     <a:p>
                       <a:r>
-                        <a:rPr lang="en-US" sz="1400" dirty="0"/>
-                        <a:t>ADP</a:t>
+                        <a:rPr lang="en-US" sz="1600" dirty="0"/>
+                        <a:t>State and output profiles</a:t>
                       </a:r>
                     </a:p>
                   </a:txBody>
@@ -10717,7 +10460,10 @@
                     <a:bodyPr/>
                     <a:lstStyle/>
                     <a:p>
-                      <a:endParaRPr lang="en-US" sz="1400" dirty="0"/>
+                      <a:r>
+                        <a:rPr lang="en-US" sz="1600" dirty="0"/>
+                        <a:t>Output profiles</a:t>
+                      </a:r>
                     </a:p>
                   </a:txBody>
                   <a:tcPr/>
@@ -10727,7 +10473,10 @@
                     <a:bodyPr/>
                     <a:lstStyle/>
                     <a:p>
-                      <a:endParaRPr lang="en-US" sz="1400" dirty="0"/>
+                      <a:r>
+                        <a:rPr lang="en-US" sz="1600" dirty="0"/>
+                        <a:t>Output profiles and function approximations</a:t>
+                      </a:r>
                     </a:p>
                   </a:txBody>
                   <a:tcPr/>
@@ -10737,7 +10486,10 @@
                     <a:bodyPr/>
                     <a:lstStyle/>
                     <a:p>
-                      <a:endParaRPr lang="en-US" sz="1400" dirty="0"/>
+                      <a:r>
+                        <a:rPr lang="en-US" sz="1600" dirty="0"/>
+                        <a:t>Output profiles</a:t>
+                      </a:r>
                     </a:p>
                   </a:txBody>
                   <a:tcPr/>
@@ -10755,14 +10507,14 @@
                     <a:lstStyle/>
                     <a:p>
                       <a:r>
-                        <a:rPr lang="en-US" sz="1400" dirty="0"/>
+                        <a:rPr lang="en-US" sz="1600" dirty="0"/>
                         <a:t>Predicted solution time</a:t>
                       </a:r>
                       <a:r>
-                        <a:rPr lang="en-US" sz="1400" baseline="30000" dirty="0"/>
+                        <a:rPr lang="en-US" sz="1600" baseline="30000" dirty="0"/>
                         <a:t>1</a:t>
                       </a:r>
-                      <a:endParaRPr lang="en-US" sz="1400" dirty="0"/>
+                      <a:endParaRPr lang="en-US" sz="1600" dirty="0"/>
                     </a:p>
                   </a:txBody>
                   <a:tcPr/>
@@ -10773,7 +10525,7 @@
                     <a:lstStyle/>
                     <a:p>
                       <a:r>
-                        <a:rPr lang="en-US" sz="1400" dirty="0"/>
+                        <a:rPr lang="en-US" sz="1600" dirty="0"/>
                         <a:t>1</a:t>
                       </a:r>
                     </a:p>
@@ -10786,8 +10538,8 @@
                     <a:lstStyle/>
                     <a:p>
                       <a:r>
-                        <a:rPr lang="en-US" sz="1400" dirty="0"/>
-                        <a:t>0.8</a:t>
+                        <a:rPr lang="en-US" sz="1600" dirty="0"/>
+                        <a:t>-</a:t>
                       </a:r>
                     </a:p>
                   </a:txBody>
@@ -10799,8 +10551,8 @@
                     <a:lstStyle/>
                     <a:p>
                       <a:r>
-                        <a:rPr lang="en-US" sz="1400" dirty="0"/>
-                        <a:t>0.4</a:t>
+                        <a:rPr lang="en-US" sz="1600" dirty="0"/>
+                        <a:t>-</a:t>
                       </a:r>
                     </a:p>
                   </a:txBody>
@@ -10812,7 +10564,7 @@
                     <a:lstStyle/>
                     <a:p>
                       <a:r>
-                        <a:rPr lang="en-US" sz="1400" dirty="0"/>
+                        <a:rPr lang="en-US" sz="1600" dirty="0"/>
                         <a:t>?</a:t>
                       </a:r>
                     </a:p>
@@ -10832,7 +10584,7 @@
                     <a:lstStyle/>
                     <a:p>
                       <a:r>
-                        <a:rPr lang="en-US" sz="1400" dirty="0"/>
+                        <a:rPr lang="en-US" sz="1600" dirty="0"/>
                         <a:t>Predicted accuracy</a:t>
                       </a:r>
                     </a:p>
@@ -10845,7 +10597,7 @@
                     <a:lstStyle/>
                     <a:p>
                       <a:r>
-                        <a:rPr lang="en-US" sz="1400" dirty="0"/>
+                        <a:rPr lang="en-US" sz="1600" dirty="0"/>
                         <a:t>1</a:t>
                       </a:r>
                     </a:p>
@@ -10858,7 +10610,7 @@
                     <a:lstStyle/>
                     <a:p>
                       <a:r>
-                        <a:rPr lang="en-US" sz="1400" dirty="0"/>
+                        <a:rPr lang="en-US" sz="1600" dirty="0"/>
                         <a:t>0.99</a:t>
                       </a:r>
                     </a:p>
@@ -10871,7 +10623,7 @@
                     <a:lstStyle/>
                     <a:p>
                       <a:r>
-                        <a:rPr lang="en-US" sz="1400" dirty="0"/>
+                        <a:rPr lang="en-US" sz="1600" dirty="0"/>
                         <a:t>0.92</a:t>
                       </a:r>
                     </a:p>
@@ -10884,7 +10636,7 @@
                     <a:lstStyle/>
                     <a:p>
                       <a:r>
-                        <a:rPr lang="en-US" sz="1400" dirty="0"/>
+                        <a:rPr lang="en-US" sz="1600" dirty="0"/>
                         <a:t>?</a:t>
                       </a:r>
                     </a:p>
@@ -10917,7 +10669,7 @@
         </p:nvSpPr>
         <p:spPr>
           <a:xfrm>
-            <a:off x="838406" y="5909774"/>
+            <a:off x="838200" y="5769662"/>
             <a:ext cx="5832612" cy="338559"/>
           </a:xfrm>
           <a:prstGeom prst="rect">
@@ -11601,7 +11353,7 @@
 </p:sld>
 </file>
 
-<file path=ppt/slides/slide7.xml><?xml version="1.0" encoding="utf-8"?>
+<file path=ppt/slides/slide5.xml><?xml version="1.0" encoding="utf-8"?>
 <p:sld xmlns:a="http://schemas.openxmlformats.org/drawingml/2006/main" xmlns:r="http://schemas.openxmlformats.org/officeDocument/2006/relationships" xmlns:p="http://schemas.openxmlformats.org/presentationml/2006/main">
   <p:cSld>
     <p:spTree>
@@ -11643,7 +11395,7 @@
           <a:p>
             <a:r>
               <a:rPr lang="en-US" sz="3200" dirty="0"/>
-              <a:t>Approximate Dynamic Programming: Algorithm Block Diagram</a:t>
+              <a:t>Actor-critic: Algorithm Block Diagram</a:t>
             </a:r>
           </a:p>
         </p:txBody>
@@ -11867,49 +11619,6 @@
           </a:fontRef>
         </p:style>
       </p:cxnSp>
-      <p:sp>
-        <p:nvSpPr>
-          <p:cNvPr id="17" name="TextBox 16">
-            <a:extLst>
-              <a:ext uri="{FF2B5EF4-FFF2-40B4-BE49-F238E27FC236}">
-                <a16:creationId xmlns:a16="http://schemas.microsoft.com/office/drawing/2014/main" id="{17D491BE-FCDC-4E53-8FCB-EFE3D3ED94E6}"/>
-              </a:ext>
-            </a:extLst>
-          </p:cNvPr>
-          <p:cNvSpPr txBox="1"/>
-          <p:nvPr/>
-        </p:nvSpPr>
-        <p:spPr>
-          <a:xfrm>
-            <a:off x="5488614" y="2319904"/>
-            <a:ext cx="405880" cy="369332"/>
-          </a:xfrm>
-          <a:prstGeom prst="rect">
-            <a:avLst/>
-          </a:prstGeom>
-          <a:noFill/>
-        </p:spPr>
-        <p:txBody>
-          <a:bodyPr wrap="none" rtlCol="0">
-            <a:spAutoFit/>
-          </a:bodyPr>
-          <a:lstStyle/>
-          <a:p>
-            <a:r>
-              <a:rPr lang="en-US" dirty="0" err="1"/>
-              <a:t>J</a:t>
-            </a:r>
-            <a:r>
-              <a:rPr lang="en-US" baseline="-25000" dirty="0" err="1"/>
-              <a:t>k</a:t>
-            </a:r>
-            <a:r>
-              <a:rPr lang="en-US" baseline="30000" dirty="0"/>
-              <a:t>^</a:t>
-            </a:r>
-          </a:p>
-        </p:txBody>
-      </p:sp>
       <p:sp>
         <p:nvSpPr>
           <p:cNvPr id="21" name="Rectangle 20">
@@ -12541,19 +12250,106 @@
             <a:pPr algn="ctr"/>
             <a:r>
               <a:rPr lang="en-US" dirty="0"/>
-              <a:t>Minimize </a:t>
-            </a:r>
-            <a:r>
-              <a:rPr lang="en-US" dirty="0" err="1"/>
-              <a:t>J</a:t>
-            </a:r>
-            <a:r>
-              <a:rPr lang="en-US" baseline="-25000" dirty="0" err="1"/>
+              <a:t>Minimize error</a:t>
+            </a:r>
+          </a:p>
+          <a:p>
+            <a:pPr algn="ctr"/>
+            <a:r>
+              <a:rPr lang="en-US" sz="1400" i="1" dirty="0" err="1">
+                <a:solidFill>
+                  <a:srgbClr val="00B050"/>
+                </a:solidFill>
+              </a:rPr>
+              <a:t>e</a:t>
+            </a:r>
+            <a:r>
+              <a:rPr lang="en-US" sz="1400" i="1" baseline="-25000" dirty="0" err="1">
+                <a:solidFill>
+                  <a:srgbClr val="00B050"/>
+                </a:solidFill>
+              </a:rPr>
+              <a:t>c</a:t>
+            </a:r>
+            <a:r>
+              <a:rPr lang="en-US" sz="1400" i="1" dirty="0">
+                <a:solidFill>
+                  <a:srgbClr val="00B050"/>
+                </a:solidFill>
+              </a:rPr>
+              <a:t> = </a:t>
+            </a:r>
+            <a:r>
+              <a:rPr lang="en-US" sz="1400" i="1" dirty="0" err="1">
+                <a:solidFill>
+                  <a:srgbClr val="00B050"/>
+                </a:solidFill>
+              </a:rPr>
+              <a:t>V</a:t>
+            </a:r>
+            <a:r>
+              <a:rPr lang="en-US" sz="1400" i="1" baseline="-25000" dirty="0" err="1">
+                <a:solidFill>
+                  <a:srgbClr val="00B050"/>
+                </a:solidFill>
+              </a:rPr>
               <a:t>k</a:t>
             </a:r>
             <a:r>
-              <a:rPr lang="en-US" baseline="30000" dirty="0"/>
-              <a:t>^</a:t>
+              <a:rPr lang="en-US" sz="1400" i="1" baseline="30000" dirty="0">
+                <a:solidFill>
+                  <a:srgbClr val="00B050"/>
+                </a:solidFill>
+              </a:rPr>
+              <a:t>’</a:t>
+            </a:r>
+            <a:r>
+              <a:rPr lang="en-US" sz="1400" i="1" dirty="0">
+                <a:solidFill>
+                  <a:srgbClr val="00B050"/>
+                </a:solidFill>
+              </a:rPr>
+              <a:t>-(V</a:t>
+            </a:r>
+            <a:r>
+              <a:rPr lang="en-US" sz="1400" i="1" baseline="-25000" dirty="0">
+                <a:solidFill>
+                  <a:srgbClr val="00B050"/>
+                </a:solidFill>
+              </a:rPr>
+              <a:t>k-1</a:t>
+            </a:r>
+            <a:r>
+              <a:rPr lang="en-US" sz="1400" i="1" baseline="30000" dirty="0">
+                <a:solidFill>
+                  <a:srgbClr val="00B050"/>
+                </a:solidFill>
+              </a:rPr>
+              <a:t>’</a:t>
+            </a:r>
+            <a:r>
+              <a:rPr lang="en-US" sz="1400" i="1" dirty="0">
+                <a:solidFill>
+                  <a:srgbClr val="00B050"/>
+                </a:solidFill>
+              </a:rPr>
+              <a:t>-r</a:t>
+            </a:r>
+            <a:r>
+              <a:rPr lang="en-US" sz="1400" i="1" baseline="-25000" dirty="0">
+                <a:solidFill>
+                  <a:srgbClr val="00B050"/>
+                </a:solidFill>
+              </a:rPr>
+              <a:t>k</a:t>
+            </a:r>
+            <a:r>
+              <a:rPr lang="en-US" sz="1400" i="1" dirty="0">
+                <a:solidFill>
+                  <a:srgbClr val="00B050"/>
+                </a:solidFill>
+              </a:rPr>
+              <a:t>)</a:t>
             </a:r>
             <a:r>
               <a:rPr lang="en-US" dirty="0"/>
@@ -12655,7 +12451,7 @@
         <p:spPr>
           <a:xfrm>
             <a:off x="5772222" y="3378116"/>
-            <a:ext cx="405880" cy="369332"/>
+            <a:ext cx="425116" cy="369332"/>
           </a:xfrm>
           <a:prstGeom prst="rect">
             <a:avLst/>
@@ -12670,7 +12466,7 @@
           <a:p>
             <a:r>
               <a:rPr lang="en-US" dirty="0" err="1"/>
-              <a:t>J</a:t>
+              <a:t>V</a:t>
             </a:r>
             <a:r>
               <a:rPr lang="en-US" baseline="-25000" dirty="0" err="1"/>
@@ -12678,7 +12474,7 @@
             </a:r>
             <a:r>
               <a:rPr lang="en-US" baseline="30000" dirty="0"/>
-              <a:t>^</a:t>
+              <a:t>’</a:t>
             </a:r>
           </a:p>
         </p:txBody>
@@ -13089,9 +12885,9 @@
           <a:bodyPr/>
           <a:lstStyle/>
           <a:p>
-            <a:fld id="{AE2D23C9-5B87-4E4E-960D-91BE1A9B2159}" type="datetime1">
+            <a:fld id="{B2ED77AA-CAC3-4897-8927-59631581D9DE}" type="datetime1">
               <a:rPr lang="en-US" smtClean="0"/>
-              <a:t>8/9/2018</a:t>
+              <a:t>8/13/2018</a:t>
             </a:fld>
             <a:endParaRPr lang="en-US"/>
           </a:p>
@@ -13120,9 +12916,52 @@
           <a:p>
             <a:fld id="{12B64F94-5F67-4FCA-BA0B-D89417276E46}" type="slidenum">
               <a:rPr lang="en-US" smtClean="0"/>
-              <a:t>7</a:t>
+              <a:t>5</a:t>
             </a:fld>
             <a:endParaRPr lang="en-US"/>
+          </a:p>
+        </p:txBody>
+      </p:sp>
+      <p:sp>
+        <p:nvSpPr>
+          <p:cNvPr id="37" name="TextBox 36">
+            <a:extLst>
+              <a:ext uri="{FF2B5EF4-FFF2-40B4-BE49-F238E27FC236}">
+                <a16:creationId xmlns:a16="http://schemas.microsoft.com/office/drawing/2014/main" id="{554D4F2A-38CB-46D3-9453-2DAA3F787C96}"/>
+              </a:ext>
+            </a:extLst>
+          </p:cNvPr>
+          <p:cNvSpPr txBox="1"/>
+          <p:nvPr/>
+        </p:nvSpPr>
+        <p:spPr>
+          <a:xfrm>
+            <a:off x="5532825" y="2294792"/>
+            <a:ext cx="425116" cy="369332"/>
+          </a:xfrm>
+          <a:prstGeom prst="rect">
+            <a:avLst/>
+          </a:prstGeom>
+          <a:noFill/>
+        </p:spPr>
+        <p:txBody>
+          <a:bodyPr wrap="none" rtlCol="0">
+            <a:spAutoFit/>
+          </a:bodyPr>
+          <a:lstStyle/>
+          <a:p>
+            <a:r>
+              <a:rPr lang="en-US" dirty="0" err="1"/>
+              <a:t>V</a:t>
+            </a:r>
+            <a:r>
+              <a:rPr lang="en-US" baseline="-25000" dirty="0" err="1"/>
+              <a:t>k</a:t>
+            </a:r>
+            <a:r>
+              <a:rPr lang="en-US" baseline="30000" dirty="0"/>
+              <a:t>’</a:t>
+            </a:r>
           </a:p>
         </p:txBody>
       </p:sp>
@@ -13130,6 +12969,1627 @@
     <p:extLst>
       <p:ext uri="{BB962C8B-B14F-4D97-AF65-F5344CB8AC3E}">
         <p14:creationId xmlns:p14="http://schemas.microsoft.com/office/powerpoint/2010/main" val="826083046"/>
+      </p:ext>
+    </p:extLst>
+  </p:cSld>
+  <p:clrMapOvr>
+    <a:masterClrMapping/>
+  </p:clrMapOvr>
+</p:sld>
+</file>
+
+<file path=ppt/slides/slide6.xml><?xml version="1.0" encoding="utf-8"?>
+<p:sld xmlns:a="http://schemas.openxmlformats.org/drawingml/2006/main" xmlns:r="http://schemas.openxmlformats.org/officeDocument/2006/relationships" xmlns:p="http://schemas.openxmlformats.org/presentationml/2006/main">
+  <p:cSld>
+    <p:spTree>
+      <p:nvGrpSpPr>
+        <p:cNvPr id="1" name=""/>
+        <p:cNvGrpSpPr/>
+        <p:nvPr/>
+      </p:nvGrpSpPr>
+      <p:grpSpPr>
+        <a:xfrm>
+          <a:off x="0" y="0"/>
+          <a:ext cx="0" cy="0"/>
+          <a:chOff x="0" y="0"/>
+          <a:chExt cx="0" cy="0"/>
+        </a:xfrm>
+      </p:grpSpPr>
+      <p:sp>
+        <p:nvSpPr>
+          <p:cNvPr id="2" name="Title 1">
+            <a:extLst>
+              <a:ext uri="{FF2B5EF4-FFF2-40B4-BE49-F238E27FC236}">
+                <a16:creationId xmlns:a16="http://schemas.microsoft.com/office/drawing/2014/main" id="{C087A1F2-B26F-467C-A67B-7EDD1A74EE3A}"/>
+              </a:ext>
+            </a:extLst>
+          </p:cNvPr>
+          <p:cNvSpPr>
+            <a:spLocks noGrp="1"/>
+          </p:cNvSpPr>
+          <p:nvPr>
+            <p:ph type="title"/>
+          </p:nvPr>
+        </p:nvSpPr>
+        <p:spPr>
+          <a:xfrm>
+            <a:off x="838200" y="365125"/>
+            <a:ext cx="10515600" cy="1325563"/>
+          </a:xfrm>
+        </p:spPr>
+        <p:txBody>
+          <a:bodyPr>
+            <a:normAutofit/>
+          </a:bodyPr>
+          <a:lstStyle/>
+          <a:p>
+            <a:r>
+              <a:rPr lang="en-US" sz="3200" dirty="0"/>
+              <a:t>Actor-critic: Critic Overview</a:t>
+            </a:r>
+          </a:p>
+        </p:txBody>
+      </p:sp>
+      <p:sp>
+        <p:nvSpPr>
+          <p:cNvPr id="10" name="Rectangle 9">
+            <a:extLst>
+              <a:ext uri="{FF2B5EF4-FFF2-40B4-BE49-F238E27FC236}">
+                <a16:creationId xmlns:a16="http://schemas.microsoft.com/office/drawing/2014/main" id="{D1292D7B-B3E6-44F5-B667-93DEA84AA3D6}"/>
+              </a:ext>
+            </a:extLst>
+          </p:cNvPr>
+          <p:cNvSpPr/>
+          <p:nvPr/>
+        </p:nvSpPr>
+        <p:spPr>
+          <a:xfrm>
+            <a:off x="2459555" y="3129224"/>
+            <a:ext cx="1663429" cy="805469"/>
+          </a:xfrm>
+          <a:prstGeom prst="rect">
+            <a:avLst/>
+          </a:prstGeom>
+          <a:ln w="38100"/>
+        </p:spPr>
+        <p:style>
+          <a:lnRef idx="2">
+            <a:schemeClr val="dk1"/>
+          </a:lnRef>
+          <a:fillRef idx="1">
+            <a:schemeClr val="lt1"/>
+          </a:fillRef>
+          <a:effectRef idx="0">
+            <a:schemeClr val="dk1"/>
+          </a:effectRef>
+          <a:fontRef idx="minor">
+            <a:schemeClr val="dk1"/>
+          </a:fontRef>
+        </p:style>
+        <p:txBody>
+          <a:bodyPr rot="0" spcFirstLastPara="0" vertOverflow="overflow" horzOverflow="overflow" vert="horz" wrap="square" lIns="91440" tIns="45720" rIns="91440" bIns="45720" numCol="1" spcCol="0" rtlCol="0" fromWordArt="0" anchor="ctr" anchorCtr="0" forceAA="0" compatLnSpc="1">
+            <a:prstTxWarp prst="textNoShape">
+              <a:avLst/>
+            </a:prstTxWarp>
+            <a:noAutofit/>
+          </a:bodyPr>
+          <a:lstStyle/>
+          <a:p>
+            <a:pPr algn="ctr"/>
+            <a:r>
+              <a:rPr lang="en-US" dirty="0"/>
+              <a:t>Critic</a:t>
+            </a:r>
+          </a:p>
+          <a:p>
+            <a:pPr algn="ctr"/>
+            <a:r>
+              <a:rPr lang="en-US" sz="1400" i="1" dirty="0"/>
+              <a:t>Neural Network 1</a:t>
+            </a:r>
+          </a:p>
+        </p:txBody>
+      </p:sp>
+      <p:cxnSp>
+        <p:nvCxnSpPr>
+          <p:cNvPr id="12" name="Straight Arrow Connector 11">
+            <a:extLst>
+              <a:ext uri="{FF2B5EF4-FFF2-40B4-BE49-F238E27FC236}">
+                <a16:creationId xmlns:a16="http://schemas.microsoft.com/office/drawing/2014/main" id="{C24449E8-5CEB-410A-99C4-2627B1F112D3}"/>
+              </a:ext>
+            </a:extLst>
+          </p:cNvPr>
+          <p:cNvCxnSpPr>
+            <a:cxnSpLocks/>
+            <a:endCxn id="10" idx="1"/>
+          </p:cNvCxnSpPr>
+          <p:nvPr/>
+        </p:nvCxnSpPr>
+        <p:spPr>
+          <a:xfrm flipV="1">
+            <a:off x="1430854" y="3531959"/>
+            <a:ext cx="1028700" cy="3585"/>
+          </a:xfrm>
+          <a:prstGeom prst="straightConnector1">
+            <a:avLst/>
+          </a:prstGeom>
+          <a:ln>
+            <a:tailEnd type="triangle"/>
+          </a:ln>
+        </p:spPr>
+        <p:style>
+          <a:lnRef idx="1">
+            <a:schemeClr val="dk1"/>
+          </a:lnRef>
+          <a:fillRef idx="0">
+            <a:schemeClr val="dk1"/>
+          </a:fillRef>
+          <a:effectRef idx="0">
+            <a:schemeClr val="dk1"/>
+          </a:effectRef>
+          <a:fontRef idx="minor">
+            <a:schemeClr val="tx1"/>
+          </a:fontRef>
+        </p:style>
+      </p:cxnSp>
+      <p:sp>
+        <p:nvSpPr>
+          <p:cNvPr id="14" name="TextBox 13">
+            <a:extLst>
+              <a:ext uri="{FF2B5EF4-FFF2-40B4-BE49-F238E27FC236}">
+                <a16:creationId xmlns:a16="http://schemas.microsoft.com/office/drawing/2014/main" id="{083A2E24-89D0-4A25-94BD-6840EB9E69A0}"/>
+              </a:ext>
+            </a:extLst>
+          </p:cNvPr>
+          <p:cNvSpPr txBox="1"/>
+          <p:nvPr/>
+        </p:nvSpPr>
+        <p:spPr>
+          <a:xfrm>
+            <a:off x="1729242" y="3166211"/>
+            <a:ext cx="354584" cy="369332"/>
+          </a:xfrm>
+          <a:prstGeom prst="rect">
+            <a:avLst/>
+          </a:prstGeom>
+          <a:noFill/>
+        </p:spPr>
+        <p:txBody>
+          <a:bodyPr wrap="none" rtlCol="0">
+            <a:spAutoFit/>
+          </a:bodyPr>
+          <a:lstStyle/>
+          <a:p>
+            <a:r>
+              <a:rPr lang="en-US" dirty="0" err="1"/>
+              <a:t>x</a:t>
+            </a:r>
+            <a:r>
+              <a:rPr lang="en-US" baseline="-25000" dirty="0" err="1"/>
+              <a:t>k</a:t>
+            </a:r>
+            <a:endParaRPr lang="en-US" dirty="0"/>
+          </a:p>
+        </p:txBody>
+      </p:sp>
+      <p:sp>
+        <p:nvSpPr>
+          <p:cNvPr id="15" name="TextBox 14">
+            <a:extLst>
+              <a:ext uri="{FF2B5EF4-FFF2-40B4-BE49-F238E27FC236}">
+                <a16:creationId xmlns:a16="http://schemas.microsoft.com/office/drawing/2014/main" id="{4AB5071F-13BA-459B-9C69-7374DBAFE56F}"/>
+              </a:ext>
+            </a:extLst>
+          </p:cNvPr>
+          <p:cNvSpPr txBox="1"/>
+          <p:nvPr/>
+        </p:nvSpPr>
+        <p:spPr>
+          <a:xfrm>
+            <a:off x="553401" y="3378068"/>
+            <a:ext cx="906851" cy="307777"/>
+          </a:xfrm>
+          <a:prstGeom prst="rect">
+            <a:avLst/>
+          </a:prstGeom>
+          <a:noFill/>
+        </p:spPr>
+        <p:txBody>
+          <a:bodyPr wrap="none" rtlCol="0">
+            <a:spAutoFit/>
+          </a:bodyPr>
+          <a:lstStyle/>
+          <a:p>
+            <a:r>
+              <a:rPr lang="en-US" sz="1400" i="1" dirty="0"/>
+              <a:t>From DFN</a:t>
+            </a:r>
+          </a:p>
+        </p:txBody>
+      </p:sp>
+      <p:cxnSp>
+        <p:nvCxnSpPr>
+          <p:cNvPr id="16" name="Straight Arrow Connector 15">
+            <a:extLst>
+              <a:ext uri="{FF2B5EF4-FFF2-40B4-BE49-F238E27FC236}">
+                <a16:creationId xmlns:a16="http://schemas.microsoft.com/office/drawing/2014/main" id="{A066630F-AFCB-49B2-8C3E-77916DB21E13}"/>
+              </a:ext>
+            </a:extLst>
+          </p:cNvPr>
+          <p:cNvCxnSpPr>
+            <a:cxnSpLocks/>
+          </p:cNvCxnSpPr>
+          <p:nvPr/>
+        </p:nvCxnSpPr>
+        <p:spPr>
+          <a:xfrm flipV="1">
+            <a:off x="4122983" y="3531957"/>
+            <a:ext cx="1106040" cy="3586"/>
+          </a:xfrm>
+          <a:prstGeom prst="straightConnector1">
+            <a:avLst/>
+          </a:prstGeom>
+          <a:ln>
+            <a:tailEnd type="triangle"/>
+          </a:ln>
+        </p:spPr>
+        <p:style>
+          <a:lnRef idx="1">
+            <a:schemeClr val="dk1"/>
+          </a:lnRef>
+          <a:fillRef idx="0">
+            <a:schemeClr val="dk1"/>
+          </a:fillRef>
+          <a:effectRef idx="0">
+            <a:schemeClr val="dk1"/>
+          </a:effectRef>
+          <a:fontRef idx="minor">
+            <a:schemeClr val="tx1"/>
+          </a:fontRef>
+        </p:style>
+      </p:cxnSp>
+      <p:sp>
+        <p:nvSpPr>
+          <p:cNvPr id="17" name="TextBox 16">
+            <a:extLst>
+              <a:ext uri="{FF2B5EF4-FFF2-40B4-BE49-F238E27FC236}">
+                <a16:creationId xmlns:a16="http://schemas.microsoft.com/office/drawing/2014/main" id="{17D491BE-FCDC-4E53-8FCB-EFE3D3ED94E6}"/>
+              </a:ext>
+            </a:extLst>
+          </p:cNvPr>
+          <p:cNvSpPr txBox="1"/>
+          <p:nvPr/>
+        </p:nvSpPr>
+        <p:spPr>
+          <a:xfrm>
+            <a:off x="4399116" y="3166211"/>
+            <a:ext cx="405880" cy="369332"/>
+          </a:xfrm>
+          <a:prstGeom prst="rect">
+            <a:avLst/>
+          </a:prstGeom>
+          <a:noFill/>
+        </p:spPr>
+        <p:txBody>
+          <a:bodyPr wrap="none" rtlCol="0">
+            <a:spAutoFit/>
+          </a:bodyPr>
+          <a:lstStyle/>
+          <a:p>
+            <a:r>
+              <a:rPr lang="en-US" dirty="0" err="1"/>
+              <a:t>J</a:t>
+            </a:r>
+            <a:r>
+              <a:rPr lang="en-US" baseline="-25000" dirty="0" err="1"/>
+              <a:t>k</a:t>
+            </a:r>
+            <a:r>
+              <a:rPr lang="en-US" baseline="30000" dirty="0"/>
+              <a:t>^</a:t>
+            </a:r>
+          </a:p>
+        </p:txBody>
+      </p:sp>
+      <p:sp>
+        <p:nvSpPr>
+          <p:cNvPr id="24" name="TextBox 23">
+            <a:extLst>
+              <a:ext uri="{FF2B5EF4-FFF2-40B4-BE49-F238E27FC236}">
+                <a16:creationId xmlns:a16="http://schemas.microsoft.com/office/drawing/2014/main" id="{A27A126F-C1FA-4388-BBFE-26E556D210D6}"/>
+              </a:ext>
+            </a:extLst>
+          </p:cNvPr>
+          <p:cNvSpPr txBox="1"/>
+          <p:nvPr/>
+        </p:nvSpPr>
+        <p:spPr>
+          <a:xfrm>
+            <a:off x="3349497" y="2477319"/>
+            <a:ext cx="715260" cy="369332"/>
+          </a:xfrm>
+          <a:prstGeom prst="rect">
+            <a:avLst/>
+          </a:prstGeom>
+          <a:noFill/>
+        </p:spPr>
+        <p:txBody>
+          <a:bodyPr wrap="none" rtlCol="0">
+            <a:spAutoFit/>
+          </a:bodyPr>
+          <a:lstStyle/>
+          <a:p>
+            <a:r>
+              <a:rPr lang="en-US" dirty="0"/>
+              <a:t>w</a:t>
+            </a:r>
+            <a:r>
+              <a:rPr lang="en-US" baseline="-25000" dirty="0"/>
+              <a:t> c,k+1</a:t>
+            </a:r>
+            <a:endParaRPr lang="en-US" dirty="0"/>
+          </a:p>
+        </p:txBody>
+      </p:sp>
+      <p:sp>
+        <p:nvSpPr>
+          <p:cNvPr id="25" name="TextBox 24">
+            <a:extLst>
+              <a:ext uri="{FF2B5EF4-FFF2-40B4-BE49-F238E27FC236}">
+                <a16:creationId xmlns:a16="http://schemas.microsoft.com/office/drawing/2014/main" id="{AB9AFFB1-0B9B-4A97-AD24-E1BC472F4B55}"/>
+              </a:ext>
+            </a:extLst>
+          </p:cNvPr>
+          <p:cNvSpPr txBox="1"/>
+          <p:nvPr/>
+        </p:nvSpPr>
+        <p:spPr>
+          <a:xfrm>
+            <a:off x="2472395" y="1844118"/>
+            <a:ext cx="1722363" cy="307777"/>
+          </a:xfrm>
+          <a:prstGeom prst="rect">
+            <a:avLst/>
+          </a:prstGeom>
+          <a:noFill/>
+        </p:spPr>
+        <p:txBody>
+          <a:bodyPr wrap="square" rtlCol="0">
+            <a:spAutoFit/>
+          </a:bodyPr>
+          <a:lstStyle/>
+          <a:p>
+            <a:pPr algn="ctr"/>
+            <a:r>
+              <a:rPr lang="en-US" sz="1400" i="1" dirty="0"/>
+              <a:t>From reward update</a:t>
+            </a:r>
+          </a:p>
+        </p:txBody>
+      </p:sp>
+      <p:sp>
+        <p:nvSpPr>
+          <p:cNvPr id="36" name="TextBox 35">
+            <a:extLst>
+              <a:ext uri="{FF2B5EF4-FFF2-40B4-BE49-F238E27FC236}">
+                <a16:creationId xmlns:a16="http://schemas.microsoft.com/office/drawing/2014/main" id="{E620AB56-98C6-479C-883C-F920DC4B78A2}"/>
+              </a:ext>
+            </a:extLst>
+          </p:cNvPr>
+          <p:cNvSpPr txBox="1"/>
+          <p:nvPr/>
+        </p:nvSpPr>
+        <p:spPr>
+          <a:xfrm>
+            <a:off x="3392887" y="4217266"/>
+            <a:ext cx="377026" cy="369332"/>
+          </a:xfrm>
+          <a:prstGeom prst="rect">
+            <a:avLst/>
+          </a:prstGeom>
+          <a:noFill/>
+        </p:spPr>
+        <p:txBody>
+          <a:bodyPr wrap="square" rtlCol="0">
+            <a:spAutoFit/>
+          </a:bodyPr>
+          <a:lstStyle/>
+          <a:p>
+            <a:r>
+              <a:rPr lang="en-US" dirty="0" err="1"/>
+              <a:t>u</a:t>
+            </a:r>
+            <a:r>
+              <a:rPr lang="en-US" baseline="-25000" dirty="0" err="1"/>
+              <a:t>k</a:t>
+            </a:r>
+            <a:endParaRPr lang="en-US" dirty="0"/>
+          </a:p>
+        </p:txBody>
+      </p:sp>
+      <p:sp>
+        <p:nvSpPr>
+          <p:cNvPr id="3" name="Date Placeholder 2">
+            <a:extLst>
+              <a:ext uri="{FF2B5EF4-FFF2-40B4-BE49-F238E27FC236}">
+                <a16:creationId xmlns:a16="http://schemas.microsoft.com/office/drawing/2014/main" id="{3F447031-AFAB-4B2F-87B5-4B4F74DAEDD7}"/>
+              </a:ext>
+            </a:extLst>
+          </p:cNvPr>
+          <p:cNvSpPr>
+            <a:spLocks noGrp="1"/>
+          </p:cNvSpPr>
+          <p:nvPr>
+            <p:ph type="dt" sz="half" idx="10"/>
+          </p:nvPr>
+        </p:nvSpPr>
+        <p:spPr/>
+        <p:txBody>
+          <a:bodyPr/>
+          <a:lstStyle/>
+          <a:p>
+            <a:fld id="{FF4D4AE4-0A31-4525-A029-368095B44CA9}" type="datetime1">
+              <a:rPr lang="en-US" smtClean="0"/>
+              <a:t>8/13/2018</a:t>
+            </a:fld>
+            <a:endParaRPr lang="en-US"/>
+          </a:p>
+        </p:txBody>
+      </p:sp>
+      <p:sp>
+        <p:nvSpPr>
+          <p:cNvPr id="4" name="Slide Number Placeholder 3">
+            <a:extLst>
+              <a:ext uri="{FF2B5EF4-FFF2-40B4-BE49-F238E27FC236}">
+                <a16:creationId xmlns:a16="http://schemas.microsoft.com/office/drawing/2014/main" id="{F1767A3D-FF43-4143-B193-6A912ACCD92B}"/>
+              </a:ext>
+            </a:extLst>
+          </p:cNvPr>
+          <p:cNvSpPr>
+            <a:spLocks noGrp="1"/>
+          </p:cNvSpPr>
+          <p:nvPr>
+            <p:ph type="sldNum" sz="quarter" idx="12"/>
+          </p:nvPr>
+        </p:nvSpPr>
+        <p:spPr/>
+        <p:txBody>
+          <a:bodyPr/>
+          <a:lstStyle/>
+          <a:p>
+            <a:fld id="{12B64F94-5F67-4FCA-BA0B-D89417276E46}" type="slidenum">
+              <a:rPr lang="en-US" smtClean="0"/>
+              <a:t>6</a:t>
+            </a:fld>
+            <a:endParaRPr lang="en-US"/>
+          </a:p>
+        </p:txBody>
+      </p:sp>
+      <p:sp>
+        <p:nvSpPr>
+          <p:cNvPr id="43" name="TextBox 42">
+            <a:extLst>
+              <a:ext uri="{FF2B5EF4-FFF2-40B4-BE49-F238E27FC236}">
+                <a16:creationId xmlns:a16="http://schemas.microsoft.com/office/drawing/2014/main" id="{9AC8BB8E-E5B4-495B-9096-252BFA7186BD}"/>
+              </a:ext>
+            </a:extLst>
+          </p:cNvPr>
+          <p:cNvSpPr txBox="1"/>
+          <p:nvPr/>
+        </p:nvSpPr>
+        <p:spPr>
+          <a:xfrm>
+            <a:off x="7997243" y="1386197"/>
+            <a:ext cx="3772412" cy="4093428"/>
+          </a:xfrm>
+          <a:prstGeom prst="rect">
+            <a:avLst/>
+          </a:prstGeom>
+          <a:noFill/>
+        </p:spPr>
+        <p:txBody>
+          <a:bodyPr wrap="square" rtlCol="0">
+            <a:spAutoFit/>
+          </a:bodyPr>
+          <a:lstStyle/>
+          <a:p>
+            <a:r>
+              <a:rPr lang="en-US" sz="2800" b="1" dirty="0"/>
+              <a:t>Steps</a:t>
+            </a:r>
+            <a:endParaRPr lang="en-US" sz="2800" b="1" u="sng" dirty="0"/>
+          </a:p>
+          <a:p>
+            <a:r>
+              <a:rPr lang="en-US" dirty="0"/>
+              <a:t>0.   Iterate forward in time</a:t>
+            </a:r>
+          </a:p>
+          <a:p>
+            <a:pPr marL="342900" indent="-342900">
+              <a:buAutoNum type="arabicPeriod"/>
+            </a:pPr>
+            <a:r>
+              <a:rPr lang="en-US" dirty="0"/>
+              <a:t>Obtain state information from DFN, construct </a:t>
+            </a:r>
+            <a:r>
+              <a:rPr lang="en-US" dirty="0" err="1"/>
+              <a:t>x</a:t>
+            </a:r>
+            <a:r>
+              <a:rPr lang="en-US" baseline="-25000" dirty="0" err="1"/>
+              <a:t>k</a:t>
+            </a:r>
+            <a:r>
+              <a:rPr lang="en-US" dirty="0"/>
+              <a:t> at every time step k  </a:t>
+            </a:r>
+          </a:p>
+          <a:p>
+            <a:pPr marL="342900" indent="-342900">
+              <a:buAutoNum type="arabicPeriod"/>
+            </a:pPr>
+            <a:r>
+              <a:rPr lang="en-US" dirty="0"/>
+              <a:t>Get control values from Actor, append to </a:t>
+            </a:r>
+            <a:r>
+              <a:rPr lang="en-US" dirty="0" err="1"/>
+              <a:t>x</a:t>
+            </a:r>
+            <a:r>
+              <a:rPr lang="en-US" baseline="-25000" dirty="0" err="1"/>
+              <a:t>k</a:t>
+            </a:r>
+            <a:r>
+              <a:rPr lang="en-US" dirty="0"/>
+              <a:t> to construct {x</a:t>
+            </a:r>
+            <a:r>
+              <a:rPr lang="en-US" baseline="-25000" dirty="0"/>
+              <a:t>1..m</a:t>
+            </a:r>
+            <a:r>
+              <a:rPr lang="en-US" dirty="0"/>
+              <a:t>,u</a:t>
+            </a:r>
+            <a:r>
+              <a:rPr lang="en-US" baseline="-25000" dirty="0"/>
+              <a:t>1..n</a:t>
+            </a:r>
+            <a:r>
+              <a:rPr lang="en-US" dirty="0"/>
+              <a:t>}</a:t>
+            </a:r>
+            <a:r>
+              <a:rPr lang="en-US" baseline="-25000" dirty="0"/>
+              <a:t>k</a:t>
+            </a:r>
+          </a:p>
+          <a:p>
+            <a:pPr marL="342900" indent="-342900">
+              <a:buAutoNum type="arabicPeriod"/>
+            </a:pPr>
+            <a:r>
+              <a:rPr lang="en-US" dirty="0"/>
+              <a:t>Use neural network to predict </a:t>
+            </a:r>
+            <a:r>
+              <a:rPr lang="en-US" dirty="0" err="1"/>
+              <a:t>J</a:t>
+            </a:r>
+            <a:r>
+              <a:rPr lang="en-US" baseline="-25000" dirty="0" err="1"/>
+              <a:t>k</a:t>
+            </a:r>
+            <a:r>
+              <a:rPr lang="en-US" baseline="30000" dirty="0"/>
+              <a:t>^</a:t>
+            </a:r>
+          </a:p>
+          <a:p>
+            <a:pPr marL="342900" indent="-342900">
+              <a:buAutoNum type="arabicPeriod"/>
+            </a:pPr>
+            <a:r>
+              <a:rPr lang="en-US" dirty="0"/>
+              <a:t>Repeat 1-3 with w</a:t>
+            </a:r>
+            <a:r>
+              <a:rPr lang="en-US" baseline="-25000" dirty="0"/>
+              <a:t>c,k+1</a:t>
+            </a:r>
+            <a:r>
+              <a:rPr lang="en-US" dirty="0"/>
+              <a:t> calculated from gradient descent algorithm from Reward subroutine</a:t>
+            </a:r>
+          </a:p>
+          <a:p>
+            <a:pPr marL="342900" indent="-342900">
+              <a:buAutoNum type="arabicPeriod"/>
+            </a:pPr>
+            <a:endParaRPr lang="en-US" dirty="0"/>
+          </a:p>
+          <a:p>
+            <a:pPr marL="228600" indent="-228600">
+              <a:buAutoNum type="arabicPeriod"/>
+            </a:pPr>
+            <a:endParaRPr lang="en-US" sz="1600" dirty="0"/>
+          </a:p>
+        </p:txBody>
+      </p:sp>
+      <p:cxnSp>
+        <p:nvCxnSpPr>
+          <p:cNvPr id="46" name="Straight Arrow Connector 45">
+            <a:extLst>
+              <a:ext uri="{FF2B5EF4-FFF2-40B4-BE49-F238E27FC236}">
+                <a16:creationId xmlns:a16="http://schemas.microsoft.com/office/drawing/2014/main" id="{8B807984-9BE5-44F0-87F5-936EC8410750}"/>
+              </a:ext>
+            </a:extLst>
+          </p:cNvPr>
+          <p:cNvCxnSpPr>
+            <a:cxnSpLocks/>
+            <a:endCxn id="10" idx="0"/>
+          </p:cNvCxnSpPr>
+          <p:nvPr/>
+        </p:nvCxnSpPr>
+        <p:spPr>
+          <a:xfrm>
+            <a:off x="3291270" y="2240257"/>
+            <a:ext cx="0" cy="888967"/>
+          </a:xfrm>
+          <a:prstGeom prst="straightConnector1">
+            <a:avLst/>
+          </a:prstGeom>
+          <a:ln>
+            <a:tailEnd type="triangle"/>
+          </a:ln>
+        </p:spPr>
+        <p:style>
+          <a:lnRef idx="1">
+            <a:schemeClr val="dk1"/>
+          </a:lnRef>
+          <a:fillRef idx="0">
+            <a:schemeClr val="dk1"/>
+          </a:fillRef>
+          <a:effectRef idx="0">
+            <a:schemeClr val="dk1"/>
+          </a:effectRef>
+          <a:fontRef idx="minor">
+            <a:schemeClr val="tx1"/>
+          </a:fontRef>
+        </p:style>
+      </p:cxnSp>
+      <p:cxnSp>
+        <p:nvCxnSpPr>
+          <p:cNvPr id="47" name="Straight Arrow Connector 46">
+            <a:extLst>
+              <a:ext uri="{FF2B5EF4-FFF2-40B4-BE49-F238E27FC236}">
+                <a16:creationId xmlns:a16="http://schemas.microsoft.com/office/drawing/2014/main" id="{9DC564D7-FE60-4974-B9ED-51587D8013FF}"/>
+              </a:ext>
+            </a:extLst>
+          </p:cNvPr>
+          <p:cNvCxnSpPr>
+            <a:cxnSpLocks/>
+            <a:endCxn id="10" idx="2"/>
+          </p:cNvCxnSpPr>
+          <p:nvPr/>
+        </p:nvCxnSpPr>
+        <p:spPr>
+          <a:xfrm flipV="1">
+            <a:off x="3291270" y="3934693"/>
+            <a:ext cx="0" cy="967073"/>
+          </a:xfrm>
+          <a:prstGeom prst="straightConnector1">
+            <a:avLst/>
+          </a:prstGeom>
+          <a:ln>
+            <a:tailEnd type="triangle"/>
+          </a:ln>
+        </p:spPr>
+        <p:style>
+          <a:lnRef idx="1">
+            <a:schemeClr val="dk1"/>
+          </a:lnRef>
+          <a:fillRef idx="0">
+            <a:schemeClr val="dk1"/>
+          </a:fillRef>
+          <a:effectRef idx="0">
+            <a:schemeClr val="dk1"/>
+          </a:effectRef>
+          <a:fontRef idx="minor">
+            <a:schemeClr val="tx1"/>
+          </a:fontRef>
+        </p:style>
+      </p:cxnSp>
+      <p:sp>
+        <p:nvSpPr>
+          <p:cNvPr id="48" name="TextBox 47">
+            <a:extLst>
+              <a:ext uri="{FF2B5EF4-FFF2-40B4-BE49-F238E27FC236}">
+                <a16:creationId xmlns:a16="http://schemas.microsoft.com/office/drawing/2014/main" id="{EF8B2C33-FA6E-4A8A-A757-8F85203B0CCE}"/>
+              </a:ext>
+            </a:extLst>
+          </p:cNvPr>
+          <p:cNvSpPr txBox="1"/>
+          <p:nvPr/>
+        </p:nvSpPr>
+        <p:spPr>
+          <a:xfrm>
+            <a:off x="2430087" y="5037318"/>
+            <a:ext cx="1722363" cy="307777"/>
+          </a:xfrm>
+          <a:prstGeom prst="rect">
+            <a:avLst/>
+          </a:prstGeom>
+          <a:noFill/>
+        </p:spPr>
+        <p:txBody>
+          <a:bodyPr wrap="square" rtlCol="0">
+            <a:spAutoFit/>
+          </a:bodyPr>
+          <a:lstStyle/>
+          <a:p>
+            <a:pPr algn="ctr"/>
+            <a:r>
+              <a:rPr lang="en-US" sz="1400" i="1" dirty="0"/>
+              <a:t>From Actor</a:t>
+            </a:r>
+          </a:p>
+        </p:txBody>
+      </p:sp>
+      <p:sp>
+        <p:nvSpPr>
+          <p:cNvPr id="49" name="TextBox 48">
+            <a:extLst>
+              <a:ext uri="{FF2B5EF4-FFF2-40B4-BE49-F238E27FC236}">
+                <a16:creationId xmlns:a16="http://schemas.microsoft.com/office/drawing/2014/main" id="{F9FC29B5-3AF7-4DD7-86BD-1F99812FD85A}"/>
+              </a:ext>
+            </a:extLst>
+          </p:cNvPr>
+          <p:cNvSpPr txBox="1"/>
+          <p:nvPr/>
+        </p:nvSpPr>
+        <p:spPr>
+          <a:xfrm>
+            <a:off x="5198932" y="3378067"/>
+            <a:ext cx="1722363" cy="307777"/>
+          </a:xfrm>
+          <a:prstGeom prst="rect">
+            <a:avLst/>
+          </a:prstGeom>
+          <a:noFill/>
+        </p:spPr>
+        <p:txBody>
+          <a:bodyPr wrap="square" rtlCol="0">
+            <a:spAutoFit/>
+          </a:bodyPr>
+          <a:lstStyle/>
+          <a:p>
+            <a:pPr algn="ctr"/>
+            <a:r>
+              <a:rPr lang="en-US" sz="1400" i="1" dirty="0"/>
+              <a:t>To reward</a:t>
+            </a:r>
+          </a:p>
+        </p:txBody>
+      </p:sp>
+    </p:spTree>
+    <p:extLst>
+      <p:ext uri="{BB962C8B-B14F-4D97-AF65-F5344CB8AC3E}">
+        <p14:creationId xmlns:p14="http://schemas.microsoft.com/office/powerpoint/2010/main" val="3893279751"/>
+      </p:ext>
+    </p:extLst>
+  </p:cSld>
+  <p:clrMapOvr>
+    <a:masterClrMapping/>
+  </p:clrMapOvr>
+</p:sld>
+</file>
+
+<file path=ppt/slides/slide7.xml><?xml version="1.0" encoding="utf-8"?>
+<p:sld xmlns:a="http://schemas.openxmlformats.org/drawingml/2006/main" xmlns:r="http://schemas.openxmlformats.org/officeDocument/2006/relationships" xmlns:p="http://schemas.openxmlformats.org/presentationml/2006/main">
+  <p:cSld>
+    <p:spTree>
+      <p:nvGrpSpPr>
+        <p:cNvPr id="1" name=""/>
+        <p:cNvGrpSpPr/>
+        <p:nvPr/>
+      </p:nvGrpSpPr>
+      <p:grpSpPr>
+        <a:xfrm>
+          <a:off x="0" y="0"/>
+          <a:ext cx="0" cy="0"/>
+          <a:chOff x="0" y="0"/>
+          <a:chExt cx="0" cy="0"/>
+        </a:xfrm>
+      </p:grpSpPr>
+      <p:sp>
+        <p:nvSpPr>
+          <p:cNvPr id="2" name="Title 1">
+            <a:extLst>
+              <a:ext uri="{FF2B5EF4-FFF2-40B4-BE49-F238E27FC236}">
+                <a16:creationId xmlns:a16="http://schemas.microsoft.com/office/drawing/2014/main" id="{C087A1F2-B26F-467C-A67B-7EDD1A74EE3A}"/>
+              </a:ext>
+            </a:extLst>
+          </p:cNvPr>
+          <p:cNvSpPr>
+            <a:spLocks noGrp="1"/>
+          </p:cNvSpPr>
+          <p:nvPr>
+            <p:ph type="title"/>
+          </p:nvPr>
+        </p:nvSpPr>
+        <p:spPr>
+          <a:xfrm>
+            <a:off x="838200" y="365125"/>
+            <a:ext cx="10515600" cy="1325563"/>
+          </a:xfrm>
+        </p:spPr>
+        <p:txBody>
+          <a:bodyPr>
+            <a:normAutofit/>
+          </a:bodyPr>
+          <a:lstStyle/>
+          <a:p>
+            <a:r>
+              <a:rPr lang="en-US" sz="3200" dirty="0"/>
+              <a:t>Actor-critic: Critic Visual Representation</a:t>
+            </a:r>
+          </a:p>
+        </p:txBody>
+      </p:sp>
+      <p:sp>
+        <p:nvSpPr>
+          <p:cNvPr id="3" name="Date Placeholder 2">
+            <a:extLst>
+              <a:ext uri="{FF2B5EF4-FFF2-40B4-BE49-F238E27FC236}">
+                <a16:creationId xmlns:a16="http://schemas.microsoft.com/office/drawing/2014/main" id="{3F447031-AFAB-4B2F-87B5-4B4F74DAEDD7}"/>
+              </a:ext>
+            </a:extLst>
+          </p:cNvPr>
+          <p:cNvSpPr>
+            <a:spLocks noGrp="1"/>
+          </p:cNvSpPr>
+          <p:nvPr>
+            <p:ph type="dt" sz="half" idx="10"/>
+          </p:nvPr>
+        </p:nvSpPr>
+        <p:spPr/>
+        <p:txBody>
+          <a:bodyPr/>
+          <a:lstStyle/>
+          <a:p>
+            <a:fld id="{FF4D4AE4-0A31-4525-A029-368095B44CA9}" type="datetime1">
+              <a:rPr lang="en-US" smtClean="0"/>
+              <a:t>8/13/2018</a:t>
+            </a:fld>
+            <a:endParaRPr lang="en-US"/>
+          </a:p>
+        </p:txBody>
+      </p:sp>
+      <p:sp>
+        <p:nvSpPr>
+          <p:cNvPr id="4" name="Slide Number Placeholder 3">
+            <a:extLst>
+              <a:ext uri="{FF2B5EF4-FFF2-40B4-BE49-F238E27FC236}">
+                <a16:creationId xmlns:a16="http://schemas.microsoft.com/office/drawing/2014/main" id="{F1767A3D-FF43-4143-B193-6A912ACCD92B}"/>
+              </a:ext>
+            </a:extLst>
+          </p:cNvPr>
+          <p:cNvSpPr>
+            <a:spLocks noGrp="1"/>
+          </p:cNvSpPr>
+          <p:nvPr>
+            <p:ph type="sldNum" sz="quarter" idx="12"/>
+          </p:nvPr>
+        </p:nvSpPr>
+        <p:spPr/>
+        <p:txBody>
+          <a:bodyPr/>
+          <a:lstStyle/>
+          <a:p>
+            <a:fld id="{12B64F94-5F67-4FCA-BA0B-D89417276E46}" type="slidenum">
+              <a:rPr lang="en-US" smtClean="0"/>
+              <a:t>7</a:t>
+            </a:fld>
+            <a:endParaRPr lang="en-US"/>
+          </a:p>
+        </p:txBody>
+      </p:sp>
+      <p:sp>
+        <p:nvSpPr>
+          <p:cNvPr id="5" name="Oval 4">
+            <a:extLst>
+              <a:ext uri="{FF2B5EF4-FFF2-40B4-BE49-F238E27FC236}">
+                <a16:creationId xmlns:a16="http://schemas.microsoft.com/office/drawing/2014/main" id="{E877CDF2-E773-40CA-ABD6-3F2BC7A0C983}"/>
+              </a:ext>
+            </a:extLst>
+          </p:cNvPr>
+          <p:cNvSpPr/>
+          <p:nvPr/>
+        </p:nvSpPr>
+        <p:spPr>
+          <a:xfrm>
+            <a:off x="4396902" y="2286000"/>
+            <a:ext cx="719847" cy="719847"/>
+          </a:xfrm>
+          <a:prstGeom prst="ellipse">
+            <a:avLst/>
+          </a:prstGeom>
+        </p:spPr>
+        <p:style>
+          <a:lnRef idx="2">
+            <a:schemeClr val="accent1">
+              <a:shade val="50000"/>
+            </a:schemeClr>
+          </a:lnRef>
+          <a:fillRef idx="1">
+            <a:schemeClr val="accent1"/>
+          </a:fillRef>
+          <a:effectRef idx="0">
+            <a:schemeClr val="accent1"/>
+          </a:effectRef>
+          <a:fontRef idx="minor">
+            <a:schemeClr val="lt1"/>
+          </a:fontRef>
+        </p:style>
+        <p:txBody>
+          <a:bodyPr rtlCol="0" anchor="ctr"/>
+          <a:lstStyle/>
+          <a:p>
+            <a:pPr algn="ctr"/>
+            <a:endParaRPr lang="en-US"/>
+          </a:p>
+        </p:txBody>
+      </p:sp>
+      <p:sp>
+        <p:nvSpPr>
+          <p:cNvPr id="20" name="Oval 19">
+            <a:extLst>
+              <a:ext uri="{FF2B5EF4-FFF2-40B4-BE49-F238E27FC236}">
+                <a16:creationId xmlns:a16="http://schemas.microsoft.com/office/drawing/2014/main" id="{12A73A1C-9939-4C8F-BE20-32207DF42524}"/>
+              </a:ext>
+            </a:extLst>
+          </p:cNvPr>
+          <p:cNvSpPr/>
+          <p:nvPr/>
+        </p:nvSpPr>
+        <p:spPr>
+          <a:xfrm>
+            <a:off x="4396901" y="3369586"/>
+            <a:ext cx="719847" cy="719847"/>
+          </a:xfrm>
+          <a:prstGeom prst="ellipse">
+            <a:avLst/>
+          </a:prstGeom>
+        </p:spPr>
+        <p:style>
+          <a:lnRef idx="2">
+            <a:schemeClr val="accent1">
+              <a:shade val="50000"/>
+            </a:schemeClr>
+          </a:lnRef>
+          <a:fillRef idx="1">
+            <a:schemeClr val="accent1"/>
+          </a:fillRef>
+          <a:effectRef idx="0">
+            <a:schemeClr val="accent1"/>
+          </a:effectRef>
+          <a:fontRef idx="minor">
+            <a:schemeClr val="lt1"/>
+          </a:fontRef>
+        </p:style>
+        <p:txBody>
+          <a:bodyPr rtlCol="0" anchor="ctr"/>
+          <a:lstStyle/>
+          <a:p>
+            <a:pPr algn="ctr"/>
+            <a:endParaRPr lang="en-US"/>
+          </a:p>
+        </p:txBody>
+      </p:sp>
+      <p:sp>
+        <p:nvSpPr>
+          <p:cNvPr id="21" name="Oval 20">
+            <a:extLst>
+              <a:ext uri="{FF2B5EF4-FFF2-40B4-BE49-F238E27FC236}">
+                <a16:creationId xmlns:a16="http://schemas.microsoft.com/office/drawing/2014/main" id="{531ED4BB-0F63-49E8-8EC1-12087FD5B2BD}"/>
+              </a:ext>
+            </a:extLst>
+          </p:cNvPr>
+          <p:cNvSpPr/>
+          <p:nvPr/>
+        </p:nvSpPr>
+        <p:spPr>
+          <a:xfrm>
+            <a:off x="4396900" y="4331579"/>
+            <a:ext cx="719847" cy="719847"/>
+          </a:xfrm>
+          <a:prstGeom prst="ellipse">
+            <a:avLst/>
+          </a:prstGeom>
+        </p:spPr>
+        <p:style>
+          <a:lnRef idx="2">
+            <a:schemeClr val="accent1">
+              <a:shade val="50000"/>
+            </a:schemeClr>
+          </a:lnRef>
+          <a:fillRef idx="1">
+            <a:schemeClr val="accent1"/>
+          </a:fillRef>
+          <a:effectRef idx="0">
+            <a:schemeClr val="accent1"/>
+          </a:effectRef>
+          <a:fontRef idx="minor">
+            <a:schemeClr val="lt1"/>
+          </a:fontRef>
+        </p:style>
+        <p:txBody>
+          <a:bodyPr rtlCol="0" anchor="ctr"/>
+          <a:lstStyle/>
+          <a:p>
+            <a:pPr algn="ctr"/>
+            <a:endParaRPr lang="en-US"/>
+          </a:p>
+        </p:txBody>
+      </p:sp>
+      <p:sp>
+        <p:nvSpPr>
+          <p:cNvPr id="22" name="Oval 21">
+            <a:extLst>
+              <a:ext uri="{FF2B5EF4-FFF2-40B4-BE49-F238E27FC236}">
+                <a16:creationId xmlns:a16="http://schemas.microsoft.com/office/drawing/2014/main" id="{53071573-952A-4E2B-B815-0301B77ADD86}"/>
+              </a:ext>
+            </a:extLst>
+          </p:cNvPr>
+          <p:cNvSpPr/>
+          <p:nvPr/>
+        </p:nvSpPr>
+        <p:spPr>
+          <a:xfrm>
+            <a:off x="6485916" y="2892559"/>
+            <a:ext cx="719847" cy="719847"/>
+          </a:xfrm>
+          <a:prstGeom prst="ellipse">
+            <a:avLst/>
+          </a:prstGeom>
+        </p:spPr>
+        <p:style>
+          <a:lnRef idx="2">
+            <a:schemeClr val="accent1">
+              <a:shade val="50000"/>
+            </a:schemeClr>
+          </a:lnRef>
+          <a:fillRef idx="1">
+            <a:schemeClr val="accent1"/>
+          </a:fillRef>
+          <a:effectRef idx="0">
+            <a:schemeClr val="accent1"/>
+          </a:effectRef>
+          <a:fontRef idx="minor">
+            <a:schemeClr val="lt1"/>
+          </a:fontRef>
+        </p:style>
+        <p:txBody>
+          <a:bodyPr rtlCol="0" anchor="ctr"/>
+          <a:lstStyle/>
+          <a:p>
+            <a:pPr algn="ctr"/>
+            <a:endParaRPr lang="en-US"/>
+          </a:p>
+        </p:txBody>
+      </p:sp>
+      <p:sp>
+        <p:nvSpPr>
+          <p:cNvPr id="23" name="Oval 22">
+            <a:extLst>
+              <a:ext uri="{FF2B5EF4-FFF2-40B4-BE49-F238E27FC236}">
+                <a16:creationId xmlns:a16="http://schemas.microsoft.com/office/drawing/2014/main" id="{FA51E67B-CB28-4A3F-8F72-201B421DB0A4}"/>
+              </a:ext>
+            </a:extLst>
+          </p:cNvPr>
+          <p:cNvSpPr/>
+          <p:nvPr/>
+        </p:nvSpPr>
+        <p:spPr>
+          <a:xfrm>
+            <a:off x="6485917" y="4764479"/>
+            <a:ext cx="719847" cy="719847"/>
+          </a:xfrm>
+          <a:prstGeom prst="ellipse">
+            <a:avLst/>
+          </a:prstGeom>
+        </p:spPr>
+        <p:style>
+          <a:lnRef idx="2">
+            <a:schemeClr val="accent1">
+              <a:shade val="50000"/>
+            </a:schemeClr>
+          </a:lnRef>
+          <a:fillRef idx="1">
+            <a:schemeClr val="accent1"/>
+          </a:fillRef>
+          <a:effectRef idx="0">
+            <a:schemeClr val="accent1"/>
+          </a:effectRef>
+          <a:fontRef idx="minor">
+            <a:schemeClr val="lt1"/>
+          </a:fontRef>
+        </p:style>
+        <p:txBody>
+          <a:bodyPr rtlCol="0" anchor="ctr"/>
+          <a:lstStyle/>
+          <a:p>
+            <a:pPr algn="ctr"/>
+            <a:endParaRPr lang="en-US"/>
+          </a:p>
+        </p:txBody>
+      </p:sp>
+      <p:cxnSp>
+        <p:nvCxnSpPr>
+          <p:cNvPr id="7" name="Straight Arrow Connector 6">
+            <a:extLst>
+              <a:ext uri="{FF2B5EF4-FFF2-40B4-BE49-F238E27FC236}">
+                <a16:creationId xmlns:a16="http://schemas.microsoft.com/office/drawing/2014/main" id="{66020C4F-1D31-4E84-A54B-F05E15470DF8}"/>
+              </a:ext>
+            </a:extLst>
+          </p:cNvPr>
+          <p:cNvCxnSpPr>
+            <a:endCxn id="5" idx="2"/>
+          </p:cNvCxnSpPr>
+          <p:nvPr/>
+        </p:nvCxnSpPr>
+        <p:spPr>
+          <a:xfrm>
+            <a:off x="2811294" y="2645923"/>
+            <a:ext cx="1585608" cy="1"/>
+          </a:xfrm>
+          <a:prstGeom prst="straightConnector1">
+            <a:avLst/>
+          </a:prstGeom>
+          <a:ln>
+            <a:tailEnd type="triangle"/>
+          </a:ln>
+        </p:spPr>
+        <p:style>
+          <a:lnRef idx="1">
+            <a:schemeClr val="accent1"/>
+          </a:lnRef>
+          <a:fillRef idx="0">
+            <a:schemeClr val="accent1"/>
+          </a:fillRef>
+          <a:effectRef idx="0">
+            <a:schemeClr val="accent1"/>
+          </a:effectRef>
+          <a:fontRef idx="minor">
+            <a:schemeClr val="tx1"/>
+          </a:fontRef>
+        </p:style>
+      </p:cxnSp>
+      <p:cxnSp>
+        <p:nvCxnSpPr>
+          <p:cNvPr id="26" name="Straight Arrow Connector 25">
+            <a:extLst>
+              <a:ext uri="{FF2B5EF4-FFF2-40B4-BE49-F238E27FC236}">
+                <a16:creationId xmlns:a16="http://schemas.microsoft.com/office/drawing/2014/main" id="{823077AE-6DDE-4608-AC2D-970C829A9168}"/>
+              </a:ext>
+            </a:extLst>
+          </p:cNvPr>
+          <p:cNvCxnSpPr/>
+          <p:nvPr/>
+        </p:nvCxnSpPr>
+        <p:spPr>
+          <a:xfrm>
+            <a:off x="2811294" y="3783315"/>
+            <a:ext cx="1585608" cy="1"/>
+          </a:xfrm>
+          <a:prstGeom prst="straightConnector1">
+            <a:avLst/>
+          </a:prstGeom>
+          <a:ln>
+            <a:tailEnd type="triangle"/>
+          </a:ln>
+        </p:spPr>
+        <p:style>
+          <a:lnRef idx="1">
+            <a:schemeClr val="accent1"/>
+          </a:lnRef>
+          <a:fillRef idx="0">
+            <a:schemeClr val="accent1"/>
+          </a:fillRef>
+          <a:effectRef idx="0">
+            <a:schemeClr val="accent1"/>
+          </a:effectRef>
+          <a:fontRef idx="minor">
+            <a:schemeClr val="tx1"/>
+          </a:fontRef>
+        </p:style>
+      </p:cxnSp>
+      <p:cxnSp>
+        <p:nvCxnSpPr>
+          <p:cNvPr id="27" name="Straight Arrow Connector 26">
+            <a:extLst>
+              <a:ext uri="{FF2B5EF4-FFF2-40B4-BE49-F238E27FC236}">
+                <a16:creationId xmlns:a16="http://schemas.microsoft.com/office/drawing/2014/main" id="{5A71BA5B-ACC1-44CB-8E54-01C45130375F}"/>
+              </a:ext>
+            </a:extLst>
+          </p:cNvPr>
+          <p:cNvCxnSpPr/>
+          <p:nvPr/>
+        </p:nvCxnSpPr>
+        <p:spPr>
+          <a:xfrm>
+            <a:off x="2811294" y="4743856"/>
+            <a:ext cx="1585608" cy="1"/>
+          </a:xfrm>
+          <a:prstGeom prst="straightConnector1">
+            <a:avLst/>
+          </a:prstGeom>
+          <a:ln>
+            <a:tailEnd type="triangle"/>
+          </a:ln>
+        </p:spPr>
+        <p:style>
+          <a:lnRef idx="1">
+            <a:schemeClr val="accent1"/>
+          </a:lnRef>
+          <a:fillRef idx="0">
+            <a:schemeClr val="accent1"/>
+          </a:fillRef>
+          <a:effectRef idx="0">
+            <a:schemeClr val="accent1"/>
+          </a:effectRef>
+          <a:fontRef idx="minor">
+            <a:schemeClr val="tx1"/>
+          </a:fontRef>
+        </p:style>
+      </p:cxnSp>
+      <p:sp>
+        <p:nvSpPr>
+          <p:cNvPr id="28" name="Oval 27">
+            <a:extLst>
+              <a:ext uri="{FF2B5EF4-FFF2-40B4-BE49-F238E27FC236}">
+                <a16:creationId xmlns:a16="http://schemas.microsoft.com/office/drawing/2014/main" id="{D285A0E7-9436-4D00-8C0E-D04310328599}"/>
+              </a:ext>
+            </a:extLst>
+          </p:cNvPr>
+          <p:cNvSpPr/>
+          <p:nvPr/>
+        </p:nvSpPr>
+        <p:spPr>
+          <a:xfrm>
+            <a:off x="4396899" y="5456373"/>
+            <a:ext cx="719847" cy="719847"/>
+          </a:xfrm>
+          <a:prstGeom prst="ellipse">
+            <a:avLst/>
+          </a:prstGeom>
+        </p:spPr>
+        <p:style>
+          <a:lnRef idx="2">
+            <a:schemeClr val="accent1">
+              <a:shade val="50000"/>
+            </a:schemeClr>
+          </a:lnRef>
+          <a:fillRef idx="1">
+            <a:schemeClr val="accent1"/>
+          </a:fillRef>
+          <a:effectRef idx="0">
+            <a:schemeClr val="accent1"/>
+          </a:effectRef>
+          <a:fontRef idx="minor">
+            <a:schemeClr val="lt1"/>
+          </a:fontRef>
+        </p:style>
+        <p:txBody>
+          <a:bodyPr rtlCol="0" anchor="ctr"/>
+          <a:lstStyle/>
+          <a:p>
+            <a:pPr algn="ctr"/>
+            <a:endParaRPr lang="en-US"/>
+          </a:p>
+        </p:txBody>
+      </p:sp>
+      <p:cxnSp>
+        <p:nvCxnSpPr>
+          <p:cNvPr id="29" name="Straight Arrow Connector 28">
+            <a:extLst>
+              <a:ext uri="{FF2B5EF4-FFF2-40B4-BE49-F238E27FC236}">
+                <a16:creationId xmlns:a16="http://schemas.microsoft.com/office/drawing/2014/main" id="{5FB7D685-AFC6-45A9-A4C2-B401AF0B6A3D}"/>
+              </a:ext>
+            </a:extLst>
+          </p:cNvPr>
+          <p:cNvCxnSpPr/>
+          <p:nvPr/>
+        </p:nvCxnSpPr>
+        <p:spPr>
+          <a:xfrm>
+            <a:off x="2811294" y="5870913"/>
+            <a:ext cx="1585608" cy="1"/>
+          </a:xfrm>
+          <a:prstGeom prst="straightConnector1">
+            <a:avLst/>
+          </a:prstGeom>
+          <a:ln>
+            <a:tailEnd type="triangle"/>
+          </a:ln>
+        </p:spPr>
+        <p:style>
+          <a:lnRef idx="1">
+            <a:schemeClr val="accent1"/>
+          </a:lnRef>
+          <a:fillRef idx="0">
+            <a:schemeClr val="accent1"/>
+          </a:fillRef>
+          <a:effectRef idx="0">
+            <a:schemeClr val="accent1"/>
+          </a:effectRef>
+          <a:fontRef idx="minor">
+            <a:schemeClr val="tx1"/>
+          </a:fontRef>
+        </p:style>
+      </p:cxnSp>
+      <p:sp>
+        <p:nvSpPr>
+          <p:cNvPr id="30" name="TextBox 29">
+            <a:extLst>
+              <a:ext uri="{FF2B5EF4-FFF2-40B4-BE49-F238E27FC236}">
+                <a16:creationId xmlns:a16="http://schemas.microsoft.com/office/drawing/2014/main" id="{2D08B0B7-8E5F-4137-8C39-4D915D33B70D}"/>
+              </a:ext>
+            </a:extLst>
+          </p:cNvPr>
+          <p:cNvSpPr txBox="1"/>
+          <p:nvPr/>
+        </p:nvSpPr>
+        <p:spPr>
+          <a:xfrm>
+            <a:off x="3084594" y="2218539"/>
+            <a:ext cx="362600" cy="369332"/>
+          </a:xfrm>
+          <a:prstGeom prst="rect">
+            <a:avLst/>
+          </a:prstGeom>
+          <a:noFill/>
+        </p:spPr>
+        <p:txBody>
+          <a:bodyPr wrap="none" rtlCol="0">
+            <a:spAutoFit/>
+          </a:bodyPr>
+          <a:lstStyle/>
+          <a:p>
+            <a:r>
+              <a:rPr lang="en-US" dirty="0"/>
+              <a:t>x</a:t>
+            </a:r>
+            <a:r>
+              <a:rPr lang="en-US" baseline="-25000" dirty="0"/>
+              <a:t>1</a:t>
+            </a:r>
+            <a:endParaRPr lang="en-US" dirty="0"/>
+          </a:p>
+        </p:txBody>
+      </p:sp>
+      <p:sp>
+        <p:nvSpPr>
+          <p:cNvPr id="31" name="TextBox 30">
+            <a:extLst>
+              <a:ext uri="{FF2B5EF4-FFF2-40B4-BE49-F238E27FC236}">
+                <a16:creationId xmlns:a16="http://schemas.microsoft.com/office/drawing/2014/main" id="{797E598D-7B79-4C45-BB73-990C6EC17464}"/>
+              </a:ext>
+            </a:extLst>
+          </p:cNvPr>
+          <p:cNvSpPr txBox="1"/>
+          <p:nvPr/>
+        </p:nvSpPr>
+        <p:spPr>
+          <a:xfrm>
+            <a:off x="3084594" y="3378332"/>
+            <a:ext cx="407484" cy="369332"/>
+          </a:xfrm>
+          <a:prstGeom prst="rect">
+            <a:avLst/>
+          </a:prstGeom>
+          <a:noFill/>
+        </p:spPr>
+        <p:txBody>
+          <a:bodyPr wrap="none" rtlCol="0">
+            <a:spAutoFit/>
+          </a:bodyPr>
+          <a:lstStyle/>
+          <a:p>
+            <a:r>
+              <a:rPr lang="en-US" dirty="0" err="1"/>
+              <a:t>x</a:t>
+            </a:r>
+            <a:r>
+              <a:rPr lang="en-US" baseline="-25000" dirty="0" err="1"/>
+              <a:t>m</a:t>
+            </a:r>
+            <a:endParaRPr lang="en-US" dirty="0"/>
+          </a:p>
+        </p:txBody>
+      </p:sp>
+      <p:sp>
+        <p:nvSpPr>
+          <p:cNvPr id="32" name="TextBox 31">
+            <a:extLst>
+              <a:ext uri="{FF2B5EF4-FFF2-40B4-BE49-F238E27FC236}">
+                <a16:creationId xmlns:a16="http://schemas.microsoft.com/office/drawing/2014/main" id="{DE891179-FDE0-4D15-A5D8-A2BBDDAC3F1B}"/>
+              </a:ext>
+            </a:extLst>
+          </p:cNvPr>
+          <p:cNvSpPr txBox="1"/>
+          <p:nvPr/>
+        </p:nvSpPr>
+        <p:spPr>
+          <a:xfrm>
+            <a:off x="2871407" y="2696125"/>
+            <a:ext cx="242374" cy="923330"/>
+          </a:xfrm>
+          <a:prstGeom prst="rect">
+            <a:avLst/>
+          </a:prstGeom>
+          <a:noFill/>
+        </p:spPr>
+        <p:txBody>
+          <a:bodyPr wrap="none" rtlCol="0">
+            <a:spAutoFit/>
+          </a:bodyPr>
+          <a:lstStyle/>
+          <a:p>
+            <a:r>
+              <a:rPr lang="en-US" dirty="0"/>
+              <a:t>.</a:t>
+            </a:r>
+          </a:p>
+          <a:p>
+            <a:r>
+              <a:rPr lang="en-US" dirty="0"/>
+              <a:t>.</a:t>
+            </a:r>
+          </a:p>
+          <a:p>
+            <a:r>
+              <a:rPr lang="en-US" dirty="0"/>
+              <a:t>.</a:t>
+            </a:r>
+          </a:p>
+        </p:txBody>
+      </p:sp>
+      <p:sp>
+        <p:nvSpPr>
+          <p:cNvPr id="33" name="TextBox 32">
+            <a:extLst>
+              <a:ext uri="{FF2B5EF4-FFF2-40B4-BE49-F238E27FC236}">
+                <a16:creationId xmlns:a16="http://schemas.microsoft.com/office/drawing/2014/main" id="{76BD8205-49D8-4C65-85E5-6A7BF2C6F032}"/>
+              </a:ext>
+            </a:extLst>
+          </p:cNvPr>
+          <p:cNvSpPr txBox="1"/>
+          <p:nvPr/>
+        </p:nvSpPr>
+        <p:spPr>
+          <a:xfrm>
+            <a:off x="2811294" y="4839329"/>
+            <a:ext cx="242374" cy="923330"/>
+          </a:xfrm>
+          <a:prstGeom prst="rect">
+            <a:avLst/>
+          </a:prstGeom>
+          <a:noFill/>
+        </p:spPr>
+        <p:txBody>
+          <a:bodyPr wrap="none" rtlCol="0">
+            <a:spAutoFit/>
+          </a:bodyPr>
+          <a:lstStyle/>
+          <a:p>
+            <a:r>
+              <a:rPr lang="en-US" dirty="0"/>
+              <a:t>.</a:t>
+            </a:r>
+          </a:p>
+          <a:p>
+            <a:r>
+              <a:rPr lang="en-US" dirty="0"/>
+              <a:t>.</a:t>
+            </a:r>
+          </a:p>
+          <a:p>
+            <a:r>
+              <a:rPr lang="en-US" dirty="0"/>
+              <a:t>.</a:t>
+            </a:r>
+          </a:p>
+        </p:txBody>
+      </p:sp>
+      <p:sp>
+        <p:nvSpPr>
+          <p:cNvPr id="34" name="TextBox 33">
+            <a:extLst>
+              <a:ext uri="{FF2B5EF4-FFF2-40B4-BE49-F238E27FC236}">
+                <a16:creationId xmlns:a16="http://schemas.microsoft.com/office/drawing/2014/main" id="{B97417E6-40DC-4A79-A40E-B377A03C0C2B}"/>
+              </a:ext>
+            </a:extLst>
+          </p:cNvPr>
+          <p:cNvSpPr txBox="1"/>
+          <p:nvPr/>
+        </p:nvSpPr>
+        <p:spPr>
+          <a:xfrm>
+            <a:off x="3084594" y="4358921"/>
+            <a:ext cx="385042" cy="369332"/>
+          </a:xfrm>
+          <a:prstGeom prst="rect">
+            <a:avLst/>
+          </a:prstGeom>
+          <a:noFill/>
+        </p:spPr>
+        <p:txBody>
+          <a:bodyPr wrap="none" rtlCol="0">
+            <a:spAutoFit/>
+          </a:bodyPr>
+          <a:lstStyle/>
+          <a:p>
+            <a:r>
+              <a:rPr lang="en-US" dirty="0"/>
+              <a:t>u</a:t>
+            </a:r>
+            <a:r>
+              <a:rPr lang="en-US" baseline="-25000" dirty="0"/>
+              <a:t>1</a:t>
+            </a:r>
+            <a:endParaRPr lang="en-US" dirty="0"/>
+          </a:p>
+        </p:txBody>
+      </p:sp>
+      <p:sp>
+        <p:nvSpPr>
+          <p:cNvPr id="35" name="TextBox 34">
+            <a:extLst>
+              <a:ext uri="{FF2B5EF4-FFF2-40B4-BE49-F238E27FC236}">
+                <a16:creationId xmlns:a16="http://schemas.microsoft.com/office/drawing/2014/main" id="{493FD0E8-419D-434D-A349-0DEEAC784D29}"/>
+              </a:ext>
+            </a:extLst>
+          </p:cNvPr>
+          <p:cNvSpPr txBox="1"/>
+          <p:nvPr/>
+        </p:nvSpPr>
+        <p:spPr>
+          <a:xfrm>
+            <a:off x="3084594" y="5484326"/>
+            <a:ext cx="386644" cy="369332"/>
+          </a:xfrm>
+          <a:prstGeom prst="rect">
+            <a:avLst/>
+          </a:prstGeom>
+          <a:noFill/>
+        </p:spPr>
+        <p:txBody>
+          <a:bodyPr wrap="none" rtlCol="0">
+            <a:spAutoFit/>
+          </a:bodyPr>
+          <a:lstStyle/>
+          <a:p>
+            <a:r>
+              <a:rPr lang="en-US" dirty="0"/>
+              <a:t>u</a:t>
+            </a:r>
+            <a:r>
+              <a:rPr lang="en-US" baseline="-25000" dirty="0"/>
+              <a:t>n</a:t>
+            </a:r>
+            <a:endParaRPr lang="en-US" dirty="0"/>
+          </a:p>
+        </p:txBody>
+      </p:sp>
+    </p:spTree>
+    <p:extLst>
+      <p:ext uri="{BB962C8B-B14F-4D97-AF65-F5344CB8AC3E}">
+        <p14:creationId xmlns:p14="http://schemas.microsoft.com/office/powerpoint/2010/main" val="1597805868"/>
       </p:ext>
     </p:extLst>
   </p:cSld>
@@ -13161,7 +14621,7 @@
           <p:cNvPr id="2" name="Title 1">
             <a:extLst>
               <a:ext uri="{FF2B5EF4-FFF2-40B4-BE49-F238E27FC236}">
-                <a16:creationId xmlns:a16="http://schemas.microsoft.com/office/drawing/2014/main" id="{B93BCBD8-5A9A-4DFC-BF21-2DBD923C131E}"/>
+                <a16:creationId xmlns:a16="http://schemas.microsoft.com/office/drawing/2014/main" id="{C087A1F2-B26F-467C-A67B-7EDD1A74EE3A}"/>
               </a:ext>
             </a:extLst>
           </p:cNvPr>
@@ -13172,7 +14632,12 @@
             <p:ph type="title"/>
           </p:nvPr>
         </p:nvSpPr>
-        <p:spPr/>
+        <p:spPr>
+          <a:xfrm>
+            <a:off x="838200" y="365125"/>
+            <a:ext cx="10515600" cy="1325563"/>
+          </a:xfrm>
+        </p:spPr>
         <p:txBody>
           <a:bodyPr>
             <a:normAutofit/>
@@ -13180,194 +14645,329 @@
           <a:lstStyle/>
           <a:p>
             <a:r>
-              <a:rPr lang="en-US" dirty="0"/>
-              <a:t>References</a:t>
-            </a:r>
-          </a:p>
-        </p:txBody>
-      </p:sp>
-      <p:sp>
-        <p:nvSpPr>
-          <p:cNvPr id="5" name="Content Placeholder 4">
-            <a:extLst>
-              <a:ext uri="{FF2B5EF4-FFF2-40B4-BE49-F238E27FC236}">
-                <a16:creationId xmlns:a16="http://schemas.microsoft.com/office/drawing/2014/main" id="{8D460DD0-FD89-4365-8B7E-DB714608C90C}"/>
-              </a:ext>
-            </a:extLst>
-          </p:cNvPr>
-          <p:cNvSpPr>
-            <a:spLocks noGrp="1"/>
-          </p:cNvSpPr>
-          <p:nvPr>
-            <p:ph idx="1"/>
-          </p:nvPr>
+              <a:rPr lang="en-US" sz="3200" dirty="0"/>
+              <a:t>ADP: Reward subroutine overview</a:t>
+            </a:r>
+          </a:p>
+        </p:txBody>
+      </p:sp>
+      <p:sp>
+        <p:nvSpPr>
+          <p:cNvPr id="10" name="Rectangle 9">
+            <a:extLst>
+              <a:ext uri="{FF2B5EF4-FFF2-40B4-BE49-F238E27FC236}">
+                <a16:creationId xmlns:a16="http://schemas.microsoft.com/office/drawing/2014/main" id="{D1292D7B-B3E6-44F5-B667-93DEA84AA3D6}"/>
+              </a:ext>
+            </a:extLst>
+          </p:cNvPr>
+          <p:cNvSpPr/>
+          <p:nvPr/>
         </p:nvSpPr>
         <p:spPr>
           <a:xfrm>
-            <a:off x="838200" y="1620477"/>
-            <a:ext cx="10085962" cy="4806084"/>
+            <a:off x="2459555" y="3129224"/>
+            <a:ext cx="1663429" cy="805469"/>
           </a:xfrm>
+          <a:prstGeom prst="rect">
+            <a:avLst/>
+          </a:prstGeom>
+          <a:ln w="38100"/>
         </p:spPr>
-        <p:txBody>
-          <a:bodyPr>
-            <a:normAutofit/>
+        <p:style>
+          <a:lnRef idx="2">
+            <a:schemeClr val="dk1"/>
+          </a:lnRef>
+          <a:fillRef idx="1">
+            <a:schemeClr val="lt1"/>
+          </a:fillRef>
+          <a:effectRef idx="0">
+            <a:schemeClr val="dk1"/>
+          </a:effectRef>
+          <a:fontRef idx="minor">
+            <a:schemeClr val="dk1"/>
+          </a:fontRef>
+        </p:style>
+        <p:txBody>
+          <a:bodyPr rot="0" spcFirstLastPara="0" vertOverflow="overflow" horzOverflow="overflow" vert="horz" wrap="square" lIns="91440" tIns="45720" rIns="91440" bIns="45720" numCol="1" spcCol="0" rtlCol="0" fromWordArt="0" anchor="ctr" anchorCtr="0" forceAA="0" compatLnSpc="1">
+            <a:prstTxWarp prst="textNoShape">
+              <a:avLst/>
+            </a:prstTxWarp>
+            <a:noAutofit/>
           </a:bodyPr>
           <a:lstStyle/>
           <a:p>
-            <a:pPr marL="0" indent="0">
-              <a:buNone/>
-            </a:pPr>
-            <a:r>
-              <a:rPr lang="en-US" sz="2000" dirty="0"/>
-              <a:t>[1] Wahl et. al, 2014. IEEE ISVP. </a:t>
-            </a:r>
-            <a:r>
-              <a:rPr lang="en-US" sz="2000" dirty="0" err="1"/>
-              <a:t>doi</a:t>
-            </a:r>
-            <a:r>
-              <a:rPr lang="en-US" sz="2000" dirty="0"/>
-              <a:t>: 10.1109/IVS.2014.6856459</a:t>
-            </a:r>
-          </a:p>
-          <a:p>
-            <a:pPr marL="0" indent="0">
-              <a:buNone/>
-            </a:pPr>
-            <a:r>
-              <a:rPr lang="en-US" sz="2000" dirty="0"/>
-              <a:t>[2] Nascimento et. al, 2007. IEEE ISADPRL. </a:t>
-            </a:r>
-            <a:r>
-              <a:rPr lang="en-US" sz="2000" dirty="0" err="1"/>
-              <a:t>doi</a:t>
-            </a:r>
-            <a:r>
-              <a:rPr lang="en-US" sz="2000" dirty="0"/>
-              <a:t>: 10.1109/ADPRL.2007.368169</a:t>
-            </a:r>
-          </a:p>
-          <a:p>
-            <a:pPr marL="0" indent="0">
-              <a:buNone/>
-            </a:pPr>
-            <a:r>
-              <a:rPr lang="en-US" sz="2000" dirty="0"/>
-              <a:t>[3] Scott et. al, Operations Research. Accessed </a:t>
-            </a:r>
-            <a:r>
-              <a:rPr lang="en-US" sz="2000" dirty="0">
-                <a:hlinkClick r:id="rId2"/>
-              </a:rPr>
-              <a:t>online</a:t>
-            </a:r>
-            <a:r>
-              <a:rPr lang="en-US" sz="2000" dirty="0"/>
-              <a:t>.</a:t>
-            </a:r>
-          </a:p>
-          <a:p>
-            <a:pPr marL="0" indent="0">
-              <a:buNone/>
-            </a:pPr>
-            <a:r>
-              <a:rPr lang="en-US" sz="2000" dirty="0"/>
-              <a:t>[4] Dong et. al, 2011. ICAR. Accessed </a:t>
-            </a:r>
-            <a:r>
-              <a:rPr lang="en-US" sz="2000" dirty="0">
-                <a:hlinkClick r:id="rId3"/>
-              </a:rPr>
-              <a:t>online</a:t>
-            </a:r>
-            <a:r>
-              <a:rPr lang="en-US" sz="2000" dirty="0"/>
-              <a:t>.</a:t>
-            </a:r>
-          </a:p>
-          <a:p>
-            <a:pPr marL="0" indent="0">
-              <a:buNone/>
-            </a:pPr>
-            <a:r>
-              <a:rPr lang="en-US" sz="2000" dirty="0"/>
-              <a:t>[5] Zhang et. al, 2017. IEEE TSG.</a:t>
-            </a:r>
-            <a:r>
-              <a:rPr lang="en-US" sz="1100" dirty="0"/>
-              <a:t> </a:t>
-            </a:r>
-            <a:r>
-              <a:rPr lang="en-US" sz="2000" dirty="0" err="1"/>
-              <a:t>doi</a:t>
-            </a:r>
-            <a:r>
-              <a:rPr lang="en-US" sz="2000" dirty="0"/>
-              <a:t>: 10.1109/TSG.2015.2505298</a:t>
-            </a:r>
-          </a:p>
-          <a:p>
-            <a:pPr marL="0" indent="0">
-              <a:buNone/>
-            </a:pPr>
-            <a:r>
-              <a:rPr lang="en-US" sz="2000" dirty="0"/>
-              <a:t>[6] van der Herten et. al, 2016. </a:t>
-            </a:r>
-            <a:r>
-              <a:rPr lang="en-US" sz="2000" dirty="0" err="1"/>
-              <a:t>arXiv</a:t>
-            </a:r>
-            <a:r>
-              <a:rPr lang="en-US" sz="2000" dirty="0"/>
-              <a:t> preprint arXiv:1608.04550</a:t>
-            </a:r>
-          </a:p>
-          <a:p>
-            <a:pPr marL="0" indent="0">
-              <a:buNone/>
-            </a:pPr>
-            <a:r>
-              <a:rPr lang="en-US" sz="2000" dirty="0"/>
-              <a:t>[7] Li et. al, 2018. IEEE TITS. Advance Online Publication.</a:t>
-            </a:r>
-          </a:p>
-          <a:p>
-            <a:pPr marL="0" indent="0">
-              <a:buNone/>
-            </a:pPr>
-            <a:r>
-              <a:rPr lang="en-US" sz="2000" dirty="0"/>
-              <a:t>[8] Xu et. al, 2018. </a:t>
-            </a:r>
-            <a:r>
-              <a:rPr lang="en-US" sz="2000" dirty="0" err="1"/>
-              <a:t>AiMES</a:t>
-            </a:r>
-            <a:r>
-              <a:rPr lang="en-US" sz="2000" dirty="0"/>
-              <a:t>. Submitted abstract </a:t>
-            </a:r>
-            <a:r>
-              <a:rPr lang="en-US" sz="2000" dirty="0">
-                <a:hlinkClick r:id="rId4"/>
-              </a:rPr>
-              <a:t>online</a:t>
-            </a:r>
-            <a:r>
-              <a:rPr lang="en-US" sz="2000" dirty="0"/>
-              <a:t>.</a:t>
-            </a:r>
-            <a:endParaRPr lang="en-US" sz="700" dirty="0"/>
-          </a:p>
-        </p:txBody>
-      </p:sp>
-      <p:sp>
-        <p:nvSpPr>
-          <p:cNvPr id="6" name="Date Placeholder 5">
-            <a:extLst>
-              <a:ext uri="{FF2B5EF4-FFF2-40B4-BE49-F238E27FC236}">
-                <a16:creationId xmlns:a16="http://schemas.microsoft.com/office/drawing/2014/main" id="{6FC92DA8-A005-4D52-A692-66989D3ABF8C}"/>
+            <a:pPr algn="ctr"/>
+            <a:r>
+              <a:rPr lang="en-US" dirty="0"/>
+              <a:t>Maximize reward</a:t>
+            </a:r>
+          </a:p>
+        </p:txBody>
+      </p:sp>
+      <p:cxnSp>
+        <p:nvCxnSpPr>
+          <p:cNvPr id="12" name="Straight Arrow Connector 11">
+            <a:extLst>
+              <a:ext uri="{FF2B5EF4-FFF2-40B4-BE49-F238E27FC236}">
+                <a16:creationId xmlns:a16="http://schemas.microsoft.com/office/drawing/2014/main" id="{C24449E8-5CEB-410A-99C4-2627B1F112D3}"/>
+              </a:ext>
+            </a:extLst>
+          </p:cNvPr>
+          <p:cNvCxnSpPr>
+            <a:cxnSpLocks/>
+            <a:endCxn id="10" idx="1"/>
+          </p:cNvCxnSpPr>
+          <p:nvPr/>
+        </p:nvCxnSpPr>
+        <p:spPr>
+          <a:xfrm flipV="1">
+            <a:off x="1430854" y="3531959"/>
+            <a:ext cx="1028700" cy="3585"/>
+          </a:xfrm>
+          <a:prstGeom prst="straightConnector1">
+            <a:avLst/>
+          </a:prstGeom>
+          <a:ln>
+            <a:tailEnd type="triangle"/>
+          </a:ln>
+        </p:spPr>
+        <p:style>
+          <a:lnRef idx="1">
+            <a:schemeClr val="dk1"/>
+          </a:lnRef>
+          <a:fillRef idx="0">
+            <a:schemeClr val="dk1"/>
+          </a:fillRef>
+          <a:effectRef idx="0">
+            <a:schemeClr val="dk1"/>
+          </a:effectRef>
+          <a:fontRef idx="minor">
+            <a:schemeClr val="tx1"/>
+          </a:fontRef>
+        </p:style>
+      </p:cxnSp>
+      <p:sp>
+        <p:nvSpPr>
+          <p:cNvPr id="15" name="TextBox 14">
+            <a:extLst>
+              <a:ext uri="{FF2B5EF4-FFF2-40B4-BE49-F238E27FC236}">
+                <a16:creationId xmlns:a16="http://schemas.microsoft.com/office/drawing/2014/main" id="{4AB5071F-13BA-459B-9C69-7374DBAFE56F}"/>
+              </a:ext>
+            </a:extLst>
+          </p:cNvPr>
+          <p:cNvSpPr txBox="1"/>
+          <p:nvPr/>
+        </p:nvSpPr>
+        <p:spPr>
+          <a:xfrm>
+            <a:off x="553401" y="3378068"/>
+            <a:ext cx="974177" cy="307777"/>
+          </a:xfrm>
+          <a:prstGeom prst="rect">
+            <a:avLst/>
+          </a:prstGeom>
+          <a:noFill/>
+        </p:spPr>
+        <p:txBody>
+          <a:bodyPr wrap="none" rtlCol="0">
+            <a:spAutoFit/>
+          </a:bodyPr>
+          <a:lstStyle/>
+          <a:p>
+            <a:r>
+              <a:rPr lang="en-US" sz="1400" i="1" dirty="0"/>
+              <a:t>From Critic</a:t>
+            </a:r>
+          </a:p>
+        </p:txBody>
+      </p:sp>
+      <p:cxnSp>
+        <p:nvCxnSpPr>
+          <p:cNvPr id="16" name="Straight Arrow Connector 15">
+            <a:extLst>
+              <a:ext uri="{FF2B5EF4-FFF2-40B4-BE49-F238E27FC236}">
+                <a16:creationId xmlns:a16="http://schemas.microsoft.com/office/drawing/2014/main" id="{A066630F-AFCB-49B2-8C3E-77916DB21E13}"/>
+              </a:ext>
+            </a:extLst>
+          </p:cNvPr>
+          <p:cNvCxnSpPr>
+            <a:cxnSpLocks/>
+          </p:cNvCxnSpPr>
+          <p:nvPr/>
+        </p:nvCxnSpPr>
+        <p:spPr>
+          <a:xfrm flipV="1">
+            <a:off x="4122983" y="3531957"/>
+            <a:ext cx="1106040" cy="3586"/>
+          </a:xfrm>
+          <a:prstGeom prst="straightConnector1">
+            <a:avLst/>
+          </a:prstGeom>
+          <a:ln>
+            <a:tailEnd type="triangle"/>
+          </a:ln>
+        </p:spPr>
+        <p:style>
+          <a:lnRef idx="1">
+            <a:schemeClr val="dk1"/>
+          </a:lnRef>
+          <a:fillRef idx="0">
+            <a:schemeClr val="dk1"/>
+          </a:fillRef>
+          <a:effectRef idx="0">
+            <a:schemeClr val="dk1"/>
+          </a:effectRef>
+          <a:fontRef idx="minor">
+            <a:schemeClr val="tx1"/>
+          </a:fontRef>
+        </p:style>
+      </p:cxnSp>
+      <p:sp>
+        <p:nvSpPr>
+          <p:cNvPr id="17" name="TextBox 16">
+            <a:extLst>
+              <a:ext uri="{FF2B5EF4-FFF2-40B4-BE49-F238E27FC236}">
+                <a16:creationId xmlns:a16="http://schemas.microsoft.com/office/drawing/2014/main" id="{17D491BE-FCDC-4E53-8FCB-EFE3D3ED94E6}"/>
+              </a:ext>
+            </a:extLst>
+          </p:cNvPr>
+          <p:cNvSpPr txBox="1"/>
+          <p:nvPr/>
+        </p:nvSpPr>
+        <p:spPr>
+          <a:xfrm>
+            <a:off x="4399116" y="3166211"/>
+            <a:ext cx="715260" cy="369332"/>
+          </a:xfrm>
+          <a:prstGeom prst="rect">
+            <a:avLst/>
+          </a:prstGeom>
+          <a:noFill/>
+        </p:spPr>
+        <p:txBody>
+          <a:bodyPr wrap="none" rtlCol="0">
+            <a:spAutoFit/>
+          </a:bodyPr>
+          <a:lstStyle/>
+          <a:p>
+            <a:r>
+              <a:rPr lang="en-US" dirty="0"/>
+              <a:t>w</a:t>
+            </a:r>
+            <a:r>
+              <a:rPr lang="en-US" baseline="-25000" dirty="0"/>
+              <a:t> c,k+1</a:t>
+            </a:r>
+            <a:endParaRPr lang="en-US" dirty="0"/>
+          </a:p>
+        </p:txBody>
+      </p:sp>
+      <p:sp>
+        <p:nvSpPr>
+          <p:cNvPr id="25" name="TextBox 24">
+            <a:extLst>
+              <a:ext uri="{FF2B5EF4-FFF2-40B4-BE49-F238E27FC236}">
+                <a16:creationId xmlns:a16="http://schemas.microsoft.com/office/drawing/2014/main" id="{AB9AFFB1-0B9B-4A97-AD24-E1BC472F4B55}"/>
+              </a:ext>
+            </a:extLst>
+          </p:cNvPr>
+          <p:cNvSpPr txBox="1"/>
+          <p:nvPr/>
+        </p:nvSpPr>
+        <p:spPr>
+          <a:xfrm>
+            <a:off x="2472395" y="1844118"/>
+            <a:ext cx="1722363" cy="523220"/>
+          </a:xfrm>
+          <a:prstGeom prst="rect">
+            <a:avLst/>
+          </a:prstGeom>
+          <a:noFill/>
+        </p:spPr>
+        <p:txBody>
+          <a:bodyPr wrap="square" rtlCol="0">
+            <a:spAutoFit/>
+          </a:bodyPr>
+          <a:lstStyle/>
+          <a:p>
+            <a:pPr algn="ctr"/>
+            <a:r>
+              <a:rPr lang="en-US" sz="1400" i="1" dirty="0"/>
+              <a:t>From previous </a:t>
+            </a:r>
+            <a:r>
+              <a:rPr lang="en-US" sz="1400" i="1" dirty="0" err="1"/>
+              <a:t>fn</a:t>
+            </a:r>
+            <a:r>
+              <a:rPr lang="en-US" sz="1400" i="1" dirty="0"/>
+              <a:t> approximation</a:t>
+            </a:r>
+          </a:p>
+        </p:txBody>
+      </p:sp>
+      <p:sp>
+        <p:nvSpPr>
+          <p:cNvPr id="36" name="TextBox 35">
+            <a:extLst>
+              <a:ext uri="{FF2B5EF4-FFF2-40B4-BE49-F238E27FC236}">
+                <a16:creationId xmlns:a16="http://schemas.microsoft.com/office/drawing/2014/main" id="{E620AB56-98C6-479C-883C-F920DC4B78A2}"/>
+              </a:ext>
+            </a:extLst>
+          </p:cNvPr>
+          <p:cNvSpPr txBox="1"/>
+          <p:nvPr/>
+        </p:nvSpPr>
+        <p:spPr>
+          <a:xfrm>
+            <a:off x="3142185" y="4300439"/>
+            <a:ext cx="1188837" cy="369332"/>
+          </a:xfrm>
+          <a:prstGeom prst="rect">
+            <a:avLst/>
+          </a:prstGeom>
+          <a:noFill/>
+        </p:spPr>
+        <p:txBody>
+          <a:bodyPr wrap="square" rtlCol="0">
+            <a:spAutoFit/>
+          </a:bodyPr>
+          <a:lstStyle/>
+          <a:p>
+            <a:pPr algn="ctr"/>
+            <a:r>
+              <a:rPr lang="en-US" i="1" dirty="0"/>
+              <a:t>r(</a:t>
+            </a:r>
+            <a:r>
+              <a:rPr lang="en-US" i="1" dirty="0" err="1"/>
+              <a:t>x</a:t>
+            </a:r>
+            <a:r>
+              <a:rPr lang="en-US" i="1" baseline="-25000" dirty="0" err="1"/>
+              <a:t>k</a:t>
+            </a:r>
+            <a:r>
+              <a:rPr lang="en-US" i="1" dirty="0" err="1"/>
+              <a:t>,u</a:t>
+            </a:r>
+            <a:r>
+              <a:rPr lang="en-US" i="1" baseline="-25000" dirty="0" err="1"/>
+              <a:t>k</a:t>
+            </a:r>
+            <a:r>
+              <a:rPr lang="en-US" i="1" dirty="0"/>
+              <a:t>)</a:t>
+            </a:r>
+          </a:p>
+        </p:txBody>
+      </p:sp>
+      <p:sp>
+        <p:nvSpPr>
+          <p:cNvPr id="3" name="Date Placeholder 2">
+            <a:extLst>
+              <a:ext uri="{FF2B5EF4-FFF2-40B4-BE49-F238E27FC236}">
+                <a16:creationId xmlns:a16="http://schemas.microsoft.com/office/drawing/2014/main" id="{3F447031-AFAB-4B2F-87B5-4B4F74DAEDD7}"/>
               </a:ext>
             </a:extLst>
           </p:cNvPr>
@@ -13383,9 +14983,9 @@
           <a:bodyPr/>
           <a:lstStyle/>
           <a:p>
-            <a:fld id="{0923A298-BA61-4A8F-B747-DF8048993B7C}" type="datetime1">
+            <a:fld id="{C9316BDA-1F90-4FAD-8DF4-121180AAD2E4}" type="datetime1">
               <a:rPr lang="en-US" smtClean="0"/>
-              <a:t>8/9/2018</a:t>
+              <a:t>8/13/2018</a:t>
             </a:fld>
             <a:endParaRPr lang="en-US"/>
           </a:p>
@@ -13393,10 +14993,10 @@
       </p:sp>
       <p:sp>
         <p:nvSpPr>
-          <p:cNvPr id="7" name="Slide Number Placeholder 6">
-            <a:extLst>
-              <a:ext uri="{FF2B5EF4-FFF2-40B4-BE49-F238E27FC236}">
-                <a16:creationId xmlns:a16="http://schemas.microsoft.com/office/drawing/2014/main" id="{3C44DE87-B212-4D3D-BBB7-2B42BE0EE4BD}"/>
+          <p:cNvPr id="4" name="Slide Number Placeholder 3">
+            <a:extLst>
+              <a:ext uri="{FF2B5EF4-FFF2-40B4-BE49-F238E27FC236}">
+                <a16:creationId xmlns:a16="http://schemas.microsoft.com/office/drawing/2014/main" id="{F1767A3D-FF43-4143-B193-6A912ACCD92B}"/>
               </a:ext>
             </a:extLst>
           </p:cNvPr>
@@ -13412,7 +15012,7 @@
           <a:bodyPr/>
           <a:lstStyle/>
           <a:p>
-            <a:fld id="{95EE2DDF-6CB9-4330-926E-8B80970773BB}" type="slidenum">
+            <a:fld id="{12B64F94-5F67-4FCA-BA0B-D89417276E46}" type="slidenum">
               <a:rPr lang="en-US" smtClean="0"/>
               <a:t>8</a:t>
             </a:fld>
@@ -13420,10 +15020,410 @@
           </a:p>
         </p:txBody>
       </p:sp>
+      <p:sp>
+        <p:nvSpPr>
+          <p:cNvPr id="43" name="TextBox 42">
+            <a:extLst>
+              <a:ext uri="{FF2B5EF4-FFF2-40B4-BE49-F238E27FC236}">
+                <a16:creationId xmlns:a16="http://schemas.microsoft.com/office/drawing/2014/main" id="{9AC8BB8E-E5B4-495B-9096-252BFA7186BD}"/>
+              </a:ext>
+            </a:extLst>
+          </p:cNvPr>
+          <p:cNvSpPr txBox="1"/>
+          <p:nvPr/>
+        </p:nvSpPr>
+        <p:spPr>
+          <a:xfrm>
+            <a:off x="7997243" y="1386197"/>
+            <a:ext cx="3772412" cy="3693319"/>
+          </a:xfrm>
+          <a:prstGeom prst="rect">
+            <a:avLst/>
+          </a:prstGeom>
+          <a:noFill/>
+        </p:spPr>
+        <p:txBody>
+          <a:bodyPr wrap="square" rtlCol="0">
+            <a:spAutoFit/>
+          </a:bodyPr>
+          <a:lstStyle/>
+          <a:p>
+            <a:r>
+              <a:rPr lang="en-US" sz="2800" b="1" u="sng" dirty="0"/>
+              <a:t>Steps</a:t>
+            </a:r>
+          </a:p>
+          <a:p>
+            <a:endParaRPr lang="en-US" sz="2800" b="1" u="sng" dirty="0"/>
+          </a:p>
+          <a:p>
+            <a:r>
+              <a:rPr lang="en-US" dirty="0"/>
+              <a:t>0. Iterate forward in time</a:t>
+            </a:r>
+          </a:p>
+          <a:p>
+            <a:pPr marL="342900" indent="-342900">
+              <a:buAutoNum type="arabicPeriod"/>
+            </a:pPr>
+            <a:r>
+              <a:rPr lang="en-US" dirty="0"/>
+              <a:t>Obtain </a:t>
+            </a:r>
+            <a:r>
+              <a:rPr lang="en-US" dirty="0" err="1"/>
+              <a:t>J</a:t>
+            </a:r>
+            <a:r>
+              <a:rPr lang="en-US" baseline="-25000" dirty="0" err="1"/>
+              <a:t>k</a:t>
+            </a:r>
+            <a:r>
+              <a:rPr lang="en-US" baseline="30000" dirty="0"/>
+              <a:t>^</a:t>
+            </a:r>
+            <a:r>
+              <a:rPr lang="en-US" dirty="0"/>
+              <a:t> from critic</a:t>
+            </a:r>
+          </a:p>
+          <a:p>
+            <a:pPr marL="342900" indent="-342900">
+              <a:buAutoNum type="arabicPeriod"/>
+            </a:pPr>
+            <a:r>
+              <a:rPr lang="en-US" dirty="0"/>
+              <a:t>Combine with reward and previous </a:t>
+            </a:r>
+            <a:r>
+              <a:rPr lang="en-US" dirty="0" err="1"/>
+              <a:t>fn</a:t>
+            </a:r>
+            <a:r>
+              <a:rPr lang="en-US" dirty="0"/>
+              <a:t> approximation to create </a:t>
+            </a:r>
+            <a:r>
+              <a:rPr lang="en-US" dirty="0" err="1"/>
+              <a:t>e</a:t>
+            </a:r>
+            <a:r>
+              <a:rPr lang="en-US" baseline="-25000" dirty="0" err="1"/>
+              <a:t>c</a:t>
+            </a:r>
+            <a:endParaRPr lang="en-US" baseline="-25000" dirty="0"/>
+          </a:p>
+          <a:p>
+            <a:pPr marL="342900" indent="-342900">
+              <a:buAutoNum type="arabicPeriod"/>
+            </a:pPr>
+            <a:r>
+              <a:rPr lang="en-US" dirty="0"/>
+              <a:t>Minimize 0.5 e</a:t>
+            </a:r>
+            <a:r>
+              <a:rPr lang="en-US" baseline="-25000" dirty="0"/>
+              <a:t>c</a:t>
+            </a:r>
+            <a:r>
+              <a:rPr lang="en-US" baseline="30000" dirty="0"/>
+              <a:t>2 </a:t>
+            </a:r>
+            <a:r>
+              <a:rPr lang="en-US" dirty="0"/>
+              <a:t>over all weights </a:t>
+            </a:r>
+            <a:r>
+              <a:rPr lang="en-US" dirty="0" err="1"/>
+              <a:t>w</a:t>
+            </a:r>
+            <a:r>
+              <a:rPr lang="en-US" baseline="-25000" dirty="0" err="1"/>
+              <a:t>c</a:t>
+            </a:r>
+            <a:endParaRPr lang="en-US" baseline="30000" dirty="0"/>
+          </a:p>
+          <a:p>
+            <a:pPr marL="342900" indent="-342900">
+              <a:buAutoNum type="arabicPeriod"/>
+            </a:pPr>
+            <a:r>
+              <a:rPr lang="en-US" dirty="0"/>
+              <a:t>Yield </a:t>
+            </a:r>
+            <a:r>
+              <a:rPr lang="en-US" dirty="0" err="1"/>
+              <a:t>w</a:t>
+            </a:r>
+            <a:r>
+              <a:rPr lang="en-US" baseline="-25000" dirty="0" err="1"/>
+              <a:t>c</a:t>
+            </a:r>
+            <a:r>
+              <a:rPr lang="en-US" dirty="0"/>
+              <a:t>, send to Critic</a:t>
+            </a:r>
+          </a:p>
+          <a:p>
+            <a:pPr marL="342900" indent="-342900">
+              <a:buAutoNum type="arabicPeriod"/>
+            </a:pPr>
+            <a:endParaRPr lang="en-US" dirty="0"/>
+          </a:p>
+          <a:p>
+            <a:pPr marL="228600" indent="-228600">
+              <a:buAutoNum type="arabicPeriod"/>
+            </a:pPr>
+            <a:endParaRPr lang="en-US" sz="1600" dirty="0"/>
+          </a:p>
+        </p:txBody>
+      </p:sp>
+      <p:cxnSp>
+        <p:nvCxnSpPr>
+          <p:cNvPr id="46" name="Straight Arrow Connector 45">
+            <a:extLst>
+              <a:ext uri="{FF2B5EF4-FFF2-40B4-BE49-F238E27FC236}">
+                <a16:creationId xmlns:a16="http://schemas.microsoft.com/office/drawing/2014/main" id="{8B807984-9BE5-44F0-87F5-936EC8410750}"/>
+              </a:ext>
+            </a:extLst>
+          </p:cNvPr>
+          <p:cNvCxnSpPr>
+            <a:cxnSpLocks/>
+            <a:endCxn id="10" idx="0"/>
+          </p:cNvCxnSpPr>
+          <p:nvPr/>
+        </p:nvCxnSpPr>
+        <p:spPr>
+          <a:xfrm>
+            <a:off x="3291270" y="2240257"/>
+            <a:ext cx="0" cy="888967"/>
+          </a:xfrm>
+          <a:prstGeom prst="straightConnector1">
+            <a:avLst/>
+          </a:prstGeom>
+          <a:ln>
+            <a:tailEnd type="triangle"/>
+          </a:ln>
+        </p:spPr>
+        <p:style>
+          <a:lnRef idx="1">
+            <a:schemeClr val="dk1"/>
+          </a:lnRef>
+          <a:fillRef idx="0">
+            <a:schemeClr val="dk1"/>
+          </a:fillRef>
+          <a:effectRef idx="0">
+            <a:schemeClr val="dk1"/>
+          </a:effectRef>
+          <a:fontRef idx="minor">
+            <a:schemeClr val="tx1"/>
+          </a:fontRef>
+        </p:style>
+      </p:cxnSp>
+      <p:cxnSp>
+        <p:nvCxnSpPr>
+          <p:cNvPr id="47" name="Straight Arrow Connector 46">
+            <a:extLst>
+              <a:ext uri="{FF2B5EF4-FFF2-40B4-BE49-F238E27FC236}">
+                <a16:creationId xmlns:a16="http://schemas.microsoft.com/office/drawing/2014/main" id="{9DC564D7-FE60-4974-B9ED-51587D8013FF}"/>
+              </a:ext>
+            </a:extLst>
+          </p:cNvPr>
+          <p:cNvCxnSpPr>
+            <a:cxnSpLocks/>
+            <a:endCxn id="10" idx="2"/>
+          </p:cNvCxnSpPr>
+          <p:nvPr/>
+        </p:nvCxnSpPr>
+        <p:spPr>
+          <a:xfrm flipV="1">
+            <a:off x="3291270" y="3934693"/>
+            <a:ext cx="0" cy="967073"/>
+          </a:xfrm>
+          <a:prstGeom prst="straightConnector1">
+            <a:avLst/>
+          </a:prstGeom>
+          <a:ln>
+            <a:tailEnd type="triangle"/>
+          </a:ln>
+        </p:spPr>
+        <p:style>
+          <a:lnRef idx="1">
+            <a:schemeClr val="dk1"/>
+          </a:lnRef>
+          <a:fillRef idx="0">
+            <a:schemeClr val="dk1"/>
+          </a:fillRef>
+          <a:effectRef idx="0">
+            <a:schemeClr val="dk1"/>
+          </a:effectRef>
+          <a:fontRef idx="minor">
+            <a:schemeClr val="tx1"/>
+          </a:fontRef>
+        </p:style>
+      </p:cxnSp>
+      <p:sp>
+        <p:nvSpPr>
+          <p:cNvPr id="48" name="TextBox 47">
+            <a:extLst>
+              <a:ext uri="{FF2B5EF4-FFF2-40B4-BE49-F238E27FC236}">
+                <a16:creationId xmlns:a16="http://schemas.microsoft.com/office/drawing/2014/main" id="{EF8B2C33-FA6E-4A8A-A757-8F85203B0CCE}"/>
+              </a:ext>
+            </a:extLst>
+          </p:cNvPr>
+          <p:cNvSpPr txBox="1"/>
+          <p:nvPr/>
+        </p:nvSpPr>
+        <p:spPr>
+          <a:xfrm>
+            <a:off x="2430087" y="5037318"/>
+            <a:ext cx="1722363" cy="307777"/>
+          </a:xfrm>
+          <a:prstGeom prst="rect">
+            <a:avLst/>
+          </a:prstGeom>
+          <a:noFill/>
+        </p:spPr>
+        <p:txBody>
+          <a:bodyPr wrap="square" rtlCol="0">
+            <a:spAutoFit/>
+          </a:bodyPr>
+          <a:lstStyle/>
+          <a:p>
+            <a:pPr algn="ctr"/>
+            <a:r>
+              <a:rPr lang="en-US" sz="1400" i="1" dirty="0"/>
+              <a:t>Reward function</a:t>
+            </a:r>
+          </a:p>
+        </p:txBody>
+      </p:sp>
+      <p:sp>
+        <p:nvSpPr>
+          <p:cNvPr id="49" name="TextBox 48">
+            <a:extLst>
+              <a:ext uri="{FF2B5EF4-FFF2-40B4-BE49-F238E27FC236}">
+                <a16:creationId xmlns:a16="http://schemas.microsoft.com/office/drawing/2014/main" id="{F9FC29B5-3AF7-4DD7-86BD-1F99812FD85A}"/>
+              </a:ext>
+            </a:extLst>
+          </p:cNvPr>
+          <p:cNvSpPr txBox="1"/>
+          <p:nvPr/>
+        </p:nvSpPr>
+        <p:spPr>
+          <a:xfrm>
+            <a:off x="5198932" y="3378067"/>
+            <a:ext cx="1722363" cy="307777"/>
+          </a:xfrm>
+          <a:prstGeom prst="rect">
+            <a:avLst/>
+          </a:prstGeom>
+          <a:noFill/>
+        </p:spPr>
+        <p:txBody>
+          <a:bodyPr wrap="square" rtlCol="0">
+            <a:spAutoFit/>
+          </a:bodyPr>
+          <a:lstStyle/>
+          <a:p>
+            <a:pPr algn="ctr"/>
+            <a:r>
+              <a:rPr lang="en-US" sz="1400" i="1" dirty="0"/>
+              <a:t>To Critic</a:t>
+            </a:r>
+          </a:p>
+        </p:txBody>
+      </p:sp>
+      <p:sp>
+        <p:nvSpPr>
+          <p:cNvPr id="19" name="TextBox 18">
+            <a:extLst>
+              <a:ext uri="{FF2B5EF4-FFF2-40B4-BE49-F238E27FC236}">
+                <a16:creationId xmlns:a16="http://schemas.microsoft.com/office/drawing/2014/main" id="{7B5344DE-5D91-4A01-AC49-D333C5E44D24}"/>
+              </a:ext>
+            </a:extLst>
+          </p:cNvPr>
+          <p:cNvSpPr txBox="1"/>
+          <p:nvPr/>
+        </p:nvSpPr>
+        <p:spPr>
+          <a:xfrm>
+            <a:off x="1756963" y="3179337"/>
+            <a:ext cx="405880" cy="369332"/>
+          </a:xfrm>
+          <a:prstGeom prst="rect">
+            <a:avLst/>
+          </a:prstGeom>
+          <a:noFill/>
+        </p:spPr>
+        <p:txBody>
+          <a:bodyPr wrap="none" rtlCol="0">
+            <a:spAutoFit/>
+          </a:bodyPr>
+          <a:lstStyle/>
+          <a:p>
+            <a:r>
+              <a:rPr lang="en-US" dirty="0" err="1"/>
+              <a:t>J</a:t>
+            </a:r>
+            <a:r>
+              <a:rPr lang="en-US" baseline="-25000" dirty="0" err="1"/>
+              <a:t>k</a:t>
+            </a:r>
+            <a:r>
+              <a:rPr lang="en-US" baseline="30000" dirty="0"/>
+              <a:t>^</a:t>
+            </a:r>
+          </a:p>
+        </p:txBody>
+      </p:sp>
+      <p:sp>
+        <p:nvSpPr>
+          <p:cNvPr id="20" name="TextBox 19">
+            <a:extLst>
+              <a:ext uri="{FF2B5EF4-FFF2-40B4-BE49-F238E27FC236}">
+                <a16:creationId xmlns:a16="http://schemas.microsoft.com/office/drawing/2014/main" id="{A49BD356-90AB-40F7-B36E-E567A6A7BD14}"/>
+              </a:ext>
+            </a:extLst>
+          </p:cNvPr>
+          <p:cNvSpPr txBox="1"/>
+          <p:nvPr/>
+        </p:nvSpPr>
+        <p:spPr>
+          <a:xfrm>
+            <a:off x="3333576" y="2426656"/>
+            <a:ext cx="530915" cy="369332"/>
+          </a:xfrm>
+          <a:prstGeom prst="rect">
+            <a:avLst/>
+          </a:prstGeom>
+          <a:noFill/>
+        </p:spPr>
+        <p:txBody>
+          <a:bodyPr wrap="none" rtlCol="0">
+            <a:spAutoFit/>
+          </a:bodyPr>
+          <a:lstStyle/>
+          <a:p>
+            <a:r>
+              <a:rPr lang="en-US" dirty="0"/>
+              <a:t>J</a:t>
+            </a:r>
+            <a:r>
+              <a:rPr lang="en-US" baseline="-25000" dirty="0"/>
+              <a:t>k-1</a:t>
+            </a:r>
+            <a:r>
+              <a:rPr lang="en-US" baseline="30000" dirty="0"/>
+              <a:t>^</a:t>
+            </a:r>
+          </a:p>
+        </p:txBody>
+      </p:sp>
     </p:spTree>
     <p:extLst>
       <p:ext uri="{BB962C8B-B14F-4D97-AF65-F5344CB8AC3E}">
-        <p14:creationId xmlns:p14="http://schemas.microsoft.com/office/powerpoint/2010/main" val="81947362"/>
+        <p14:creationId xmlns:p14="http://schemas.microsoft.com/office/powerpoint/2010/main" val="377546847"/>
       </p:ext>
     </p:extLst>
   </p:cSld>
@@ -13455,7 +15455,7 @@
           <p:cNvPr id="2" name="Title 1">
             <a:extLst>
               <a:ext uri="{FF2B5EF4-FFF2-40B4-BE49-F238E27FC236}">
-                <a16:creationId xmlns:a16="http://schemas.microsoft.com/office/drawing/2014/main" id="{3BFF6538-6F7A-4E93-A778-ED3F0D1B7F55}"/>
+                <a16:creationId xmlns:a16="http://schemas.microsoft.com/office/drawing/2014/main" id="{C087A1F2-B26F-467C-A67B-7EDD1A74EE3A}"/>
               </a:ext>
             </a:extLst>
           </p:cNvPr>
@@ -13466,49 +15466,409 @@
             <p:ph type="title"/>
           </p:nvPr>
         </p:nvSpPr>
-        <p:spPr/>
-        <p:txBody>
-          <a:bodyPr/>
-          <a:lstStyle/>
-          <a:p>
+        <p:spPr>
+          <a:xfrm>
+            <a:off x="838200" y="365125"/>
+            <a:ext cx="10515600" cy="1325563"/>
+          </a:xfrm>
+        </p:spPr>
+        <p:txBody>
+          <a:bodyPr>
+            <a:normAutofit/>
+          </a:bodyPr>
+          <a:lstStyle/>
+          <a:p>
+            <a:r>
+              <a:rPr lang="en-US" sz="3200" dirty="0"/>
+              <a:t>Actor-critic: Actor overview</a:t>
+            </a:r>
+          </a:p>
+        </p:txBody>
+      </p:sp>
+      <p:sp>
+        <p:nvSpPr>
+          <p:cNvPr id="10" name="Rectangle 9">
+            <a:extLst>
+              <a:ext uri="{FF2B5EF4-FFF2-40B4-BE49-F238E27FC236}">
+                <a16:creationId xmlns:a16="http://schemas.microsoft.com/office/drawing/2014/main" id="{D1292D7B-B3E6-44F5-B667-93DEA84AA3D6}"/>
+              </a:ext>
+            </a:extLst>
+          </p:cNvPr>
+          <p:cNvSpPr/>
+          <p:nvPr/>
+        </p:nvSpPr>
+        <p:spPr>
+          <a:xfrm>
+            <a:off x="2744354" y="3180155"/>
+            <a:ext cx="1663429" cy="805469"/>
+          </a:xfrm>
+          <a:prstGeom prst="rect">
+            <a:avLst/>
+          </a:prstGeom>
+          <a:ln w="38100"/>
+        </p:spPr>
+        <p:style>
+          <a:lnRef idx="2">
+            <a:schemeClr val="dk1"/>
+          </a:lnRef>
+          <a:fillRef idx="1">
+            <a:schemeClr val="lt1"/>
+          </a:fillRef>
+          <a:effectRef idx="0">
+            <a:schemeClr val="dk1"/>
+          </a:effectRef>
+          <a:fontRef idx="minor">
+            <a:schemeClr val="dk1"/>
+          </a:fontRef>
+        </p:style>
+        <p:txBody>
+          <a:bodyPr rot="0" spcFirstLastPara="0" vertOverflow="overflow" horzOverflow="overflow" vert="horz" wrap="square" lIns="91440" tIns="45720" rIns="91440" bIns="45720" numCol="1" spcCol="0" rtlCol="0" fromWordArt="0" anchor="ctr" anchorCtr="0" forceAA="0" compatLnSpc="1">
+            <a:prstTxWarp prst="textNoShape">
+              <a:avLst/>
+            </a:prstTxWarp>
+            <a:noAutofit/>
+          </a:bodyPr>
+          <a:lstStyle/>
+          <a:p>
+            <a:pPr algn="ctr"/>
             <a:r>
               <a:rPr lang="en-US" dirty="0"/>
-              <a:t>Backup</a:t>
-            </a:r>
-          </a:p>
-        </p:txBody>
-      </p:sp>
-      <p:sp>
-        <p:nvSpPr>
-          <p:cNvPr id="3" name="Content Placeholder 2">
-            <a:extLst>
-              <a:ext uri="{FF2B5EF4-FFF2-40B4-BE49-F238E27FC236}">
-                <a16:creationId xmlns:a16="http://schemas.microsoft.com/office/drawing/2014/main" id="{D55C1EA0-393A-4694-9A3D-E1B4A40C4E99}"/>
-              </a:ext>
-            </a:extLst>
-          </p:cNvPr>
-          <p:cNvSpPr>
-            <a:spLocks noGrp="1"/>
-          </p:cNvSpPr>
-          <p:nvPr>
-            <p:ph idx="1"/>
-          </p:nvPr>
-        </p:nvSpPr>
-        <p:spPr/>
-        <p:txBody>
-          <a:bodyPr/>
-          <a:lstStyle/>
-          <a:p>
-            <a:endParaRPr lang="en-US"/>
-          </a:p>
-        </p:txBody>
-      </p:sp>
-      <p:sp>
-        <p:nvSpPr>
-          <p:cNvPr id="4" name="Date Placeholder 3">
-            <a:extLst>
-              <a:ext uri="{FF2B5EF4-FFF2-40B4-BE49-F238E27FC236}">
-                <a16:creationId xmlns:a16="http://schemas.microsoft.com/office/drawing/2014/main" id="{8C7103F4-CEE1-4DF6-9AF5-FB6B10697BAC}"/>
+              <a:t>Actor</a:t>
+            </a:r>
+          </a:p>
+          <a:p>
+            <a:pPr algn="ctr"/>
+            <a:r>
+              <a:rPr lang="en-US" sz="1400" i="1" dirty="0"/>
+              <a:t>Neural Network 1</a:t>
+            </a:r>
+          </a:p>
+        </p:txBody>
+      </p:sp>
+      <p:cxnSp>
+        <p:nvCxnSpPr>
+          <p:cNvPr id="12" name="Straight Arrow Connector 11">
+            <a:extLst>
+              <a:ext uri="{FF2B5EF4-FFF2-40B4-BE49-F238E27FC236}">
+                <a16:creationId xmlns:a16="http://schemas.microsoft.com/office/drawing/2014/main" id="{C24449E8-5CEB-410A-99C4-2627B1F112D3}"/>
+              </a:ext>
+            </a:extLst>
+          </p:cNvPr>
+          <p:cNvCxnSpPr>
+            <a:cxnSpLocks/>
+            <a:endCxn id="10" idx="1"/>
+          </p:cNvCxnSpPr>
+          <p:nvPr/>
+        </p:nvCxnSpPr>
+        <p:spPr>
+          <a:xfrm flipV="1">
+            <a:off x="1715653" y="3582890"/>
+            <a:ext cx="1028700" cy="3585"/>
+          </a:xfrm>
+          <a:prstGeom prst="straightConnector1">
+            <a:avLst/>
+          </a:prstGeom>
+          <a:ln>
+            <a:tailEnd type="triangle"/>
+          </a:ln>
+        </p:spPr>
+        <p:style>
+          <a:lnRef idx="1">
+            <a:schemeClr val="dk1"/>
+          </a:lnRef>
+          <a:fillRef idx="0">
+            <a:schemeClr val="dk1"/>
+          </a:fillRef>
+          <a:effectRef idx="0">
+            <a:schemeClr val="dk1"/>
+          </a:effectRef>
+          <a:fontRef idx="minor">
+            <a:schemeClr val="tx1"/>
+          </a:fontRef>
+        </p:style>
+      </p:cxnSp>
+      <p:sp>
+        <p:nvSpPr>
+          <p:cNvPr id="14" name="TextBox 13">
+            <a:extLst>
+              <a:ext uri="{FF2B5EF4-FFF2-40B4-BE49-F238E27FC236}">
+                <a16:creationId xmlns:a16="http://schemas.microsoft.com/office/drawing/2014/main" id="{083A2E24-89D0-4A25-94BD-6840EB9E69A0}"/>
+              </a:ext>
+            </a:extLst>
+          </p:cNvPr>
+          <p:cNvSpPr txBox="1"/>
+          <p:nvPr/>
+        </p:nvSpPr>
+        <p:spPr>
+          <a:xfrm>
+            <a:off x="2014041" y="3217142"/>
+            <a:ext cx="354584" cy="369332"/>
+          </a:xfrm>
+          <a:prstGeom prst="rect">
+            <a:avLst/>
+          </a:prstGeom>
+          <a:noFill/>
+        </p:spPr>
+        <p:txBody>
+          <a:bodyPr wrap="none" rtlCol="0">
+            <a:spAutoFit/>
+          </a:bodyPr>
+          <a:lstStyle/>
+          <a:p>
+            <a:r>
+              <a:rPr lang="en-US" dirty="0" err="1"/>
+              <a:t>x</a:t>
+            </a:r>
+            <a:r>
+              <a:rPr lang="en-US" baseline="-25000" dirty="0" err="1"/>
+              <a:t>k</a:t>
+            </a:r>
+            <a:endParaRPr lang="en-US" dirty="0"/>
+          </a:p>
+        </p:txBody>
+      </p:sp>
+      <p:sp>
+        <p:nvSpPr>
+          <p:cNvPr id="15" name="TextBox 14">
+            <a:extLst>
+              <a:ext uri="{FF2B5EF4-FFF2-40B4-BE49-F238E27FC236}">
+                <a16:creationId xmlns:a16="http://schemas.microsoft.com/office/drawing/2014/main" id="{4AB5071F-13BA-459B-9C69-7374DBAFE56F}"/>
+              </a:ext>
+            </a:extLst>
+          </p:cNvPr>
+          <p:cNvSpPr txBox="1"/>
+          <p:nvPr/>
+        </p:nvSpPr>
+        <p:spPr>
+          <a:xfrm>
+            <a:off x="838200" y="3429000"/>
+            <a:ext cx="1074224" cy="523220"/>
+          </a:xfrm>
+          <a:prstGeom prst="rect">
+            <a:avLst/>
+          </a:prstGeom>
+          <a:noFill/>
+        </p:spPr>
+        <p:txBody>
+          <a:bodyPr wrap="square" rtlCol="0">
+            <a:spAutoFit/>
+          </a:bodyPr>
+          <a:lstStyle/>
+          <a:p>
+            <a:r>
+              <a:rPr lang="en-US" sz="1400" i="1" dirty="0"/>
+              <a:t>From      state space</a:t>
+            </a:r>
+          </a:p>
+        </p:txBody>
+      </p:sp>
+      <p:cxnSp>
+        <p:nvCxnSpPr>
+          <p:cNvPr id="16" name="Straight Arrow Connector 15">
+            <a:extLst>
+              <a:ext uri="{FF2B5EF4-FFF2-40B4-BE49-F238E27FC236}">
+                <a16:creationId xmlns:a16="http://schemas.microsoft.com/office/drawing/2014/main" id="{A066630F-AFCB-49B2-8C3E-77916DB21E13}"/>
+              </a:ext>
+            </a:extLst>
+          </p:cNvPr>
+          <p:cNvCxnSpPr>
+            <a:cxnSpLocks/>
+          </p:cNvCxnSpPr>
+          <p:nvPr/>
+        </p:nvCxnSpPr>
+        <p:spPr>
+          <a:xfrm flipV="1">
+            <a:off x="4407782" y="3582888"/>
+            <a:ext cx="1106040" cy="3586"/>
+          </a:xfrm>
+          <a:prstGeom prst="straightConnector1">
+            <a:avLst/>
+          </a:prstGeom>
+          <a:ln>
+            <a:tailEnd type="triangle"/>
+          </a:ln>
+        </p:spPr>
+        <p:style>
+          <a:lnRef idx="1">
+            <a:schemeClr val="dk1"/>
+          </a:lnRef>
+          <a:fillRef idx="0">
+            <a:schemeClr val="dk1"/>
+          </a:fillRef>
+          <a:effectRef idx="0">
+            <a:schemeClr val="dk1"/>
+          </a:effectRef>
+          <a:fontRef idx="minor">
+            <a:schemeClr val="tx1"/>
+          </a:fontRef>
+        </p:style>
+      </p:cxnSp>
+      <p:sp>
+        <p:nvSpPr>
+          <p:cNvPr id="17" name="TextBox 16">
+            <a:extLst>
+              <a:ext uri="{FF2B5EF4-FFF2-40B4-BE49-F238E27FC236}">
+                <a16:creationId xmlns:a16="http://schemas.microsoft.com/office/drawing/2014/main" id="{17D491BE-FCDC-4E53-8FCB-EFE3D3ED94E6}"/>
+              </a:ext>
+            </a:extLst>
+          </p:cNvPr>
+          <p:cNvSpPr txBox="1"/>
+          <p:nvPr/>
+        </p:nvSpPr>
+        <p:spPr>
+          <a:xfrm>
+            <a:off x="4683915" y="3217142"/>
+            <a:ext cx="377026" cy="369332"/>
+          </a:xfrm>
+          <a:prstGeom prst="rect">
+            <a:avLst/>
+          </a:prstGeom>
+          <a:noFill/>
+        </p:spPr>
+        <p:txBody>
+          <a:bodyPr wrap="none" rtlCol="0">
+            <a:spAutoFit/>
+          </a:bodyPr>
+          <a:lstStyle/>
+          <a:p>
+            <a:r>
+              <a:rPr lang="en-US" dirty="0" err="1"/>
+              <a:t>u</a:t>
+            </a:r>
+            <a:r>
+              <a:rPr lang="en-US" baseline="-25000" dirty="0" err="1"/>
+              <a:t>k</a:t>
+            </a:r>
+            <a:endParaRPr lang="en-US" baseline="30000" dirty="0"/>
+          </a:p>
+        </p:txBody>
+      </p:sp>
+      <p:sp>
+        <p:nvSpPr>
+          <p:cNvPr id="24" name="TextBox 23">
+            <a:extLst>
+              <a:ext uri="{FF2B5EF4-FFF2-40B4-BE49-F238E27FC236}">
+                <a16:creationId xmlns:a16="http://schemas.microsoft.com/office/drawing/2014/main" id="{A27A126F-C1FA-4388-BBFE-26E556D210D6}"/>
+              </a:ext>
+            </a:extLst>
+          </p:cNvPr>
+          <p:cNvSpPr txBox="1"/>
+          <p:nvPr/>
+        </p:nvSpPr>
+        <p:spPr>
+          <a:xfrm>
+            <a:off x="3634296" y="2528250"/>
+            <a:ext cx="723275" cy="369332"/>
+          </a:xfrm>
+          <a:prstGeom prst="rect">
+            <a:avLst/>
+          </a:prstGeom>
+          <a:noFill/>
+        </p:spPr>
+        <p:txBody>
+          <a:bodyPr wrap="none" rtlCol="0">
+            <a:spAutoFit/>
+          </a:bodyPr>
+          <a:lstStyle/>
+          <a:p>
+            <a:r>
+              <a:rPr lang="en-US" dirty="0"/>
+              <a:t>w</a:t>
+            </a:r>
+            <a:r>
+              <a:rPr lang="en-US" baseline="-25000" dirty="0"/>
+              <a:t> a,k+1</a:t>
+            </a:r>
+            <a:endParaRPr lang="en-US" dirty="0"/>
+          </a:p>
+        </p:txBody>
+      </p:sp>
+      <p:sp>
+        <p:nvSpPr>
+          <p:cNvPr id="25" name="TextBox 24">
+            <a:extLst>
+              <a:ext uri="{FF2B5EF4-FFF2-40B4-BE49-F238E27FC236}">
+                <a16:creationId xmlns:a16="http://schemas.microsoft.com/office/drawing/2014/main" id="{AB9AFFB1-0B9B-4A97-AD24-E1BC472F4B55}"/>
+              </a:ext>
+            </a:extLst>
+          </p:cNvPr>
+          <p:cNvSpPr txBox="1"/>
+          <p:nvPr/>
+        </p:nvSpPr>
+        <p:spPr>
+          <a:xfrm>
+            <a:off x="2757194" y="1895049"/>
+            <a:ext cx="1722363" cy="307777"/>
+          </a:xfrm>
+          <a:prstGeom prst="rect">
+            <a:avLst/>
+          </a:prstGeom>
+          <a:noFill/>
+        </p:spPr>
+        <p:txBody>
+          <a:bodyPr wrap="square" rtlCol="0">
+            <a:spAutoFit/>
+          </a:bodyPr>
+          <a:lstStyle/>
+          <a:p>
+            <a:pPr algn="ctr"/>
+            <a:r>
+              <a:rPr lang="en-US" sz="1400" i="1" dirty="0"/>
+              <a:t>From reward update</a:t>
+            </a:r>
+          </a:p>
+        </p:txBody>
+      </p:sp>
+      <p:sp>
+        <p:nvSpPr>
+          <p:cNvPr id="36" name="TextBox 35">
+            <a:extLst>
+              <a:ext uri="{FF2B5EF4-FFF2-40B4-BE49-F238E27FC236}">
+                <a16:creationId xmlns:a16="http://schemas.microsoft.com/office/drawing/2014/main" id="{E620AB56-98C6-479C-883C-F920DC4B78A2}"/>
+              </a:ext>
+            </a:extLst>
+          </p:cNvPr>
+          <p:cNvSpPr txBox="1"/>
+          <p:nvPr/>
+        </p:nvSpPr>
+        <p:spPr>
+          <a:xfrm>
+            <a:off x="3677685" y="4268197"/>
+            <a:ext cx="546809" cy="369332"/>
+          </a:xfrm>
+          <a:prstGeom prst="rect">
+            <a:avLst/>
+          </a:prstGeom>
+          <a:noFill/>
+        </p:spPr>
+        <p:txBody>
+          <a:bodyPr wrap="square" rtlCol="0">
+            <a:spAutoFit/>
+          </a:bodyPr>
+          <a:lstStyle/>
+          <a:p>
+            <a:r>
+              <a:rPr lang="en-US" dirty="0" err="1"/>
+              <a:t>J</a:t>
+            </a:r>
+            <a:r>
+              <a:rPr lang="en-US" baseline="-25000" dirty="0" err="1"/>
+              <a:t>k</a:t>
+            </a:r>
+            <a:r>
+              <a:rPr lang="en-US" baseline="30000" dirty="0"/>
+              <a:t>^</a:t>
+            </a:r>
+            <a:endParaRPr lang="en-US" dirty="0"/>
+          </a:p>
+        </p:txBody>
+      </p:sp>
+      <p:sp>
+        <p:nvSpPr>
+          <p:cNvPr id="3" name="Date Placeholder 2">
+            <a:extLst>
+              <a:ext uri="{FF2B5EF4-FFF2-40B4-BE49-F238E27FC236}">
+                <a16:creationId xmlns:a16="http://schemas.microsoft.com/office/drawing/2014/main" id="{3F447031-AFAB-4B2F-87B5-4B4F74DAEDD7}"/>
               </a:ext>
             </a:extLst>
           </p:cNvPr>
@@ -13524,9 +15884,9 @@
           <a:bodyPr/>
           <a:lstStyle/>
           <a:p>
-            <a:fld id="{E486524B-152A-4A70-958E-A0A39EBD30CF}" type="datetime1">
+            <a:fld id="{5EE6049F-6334-4AE5-B71A-02715821578A}" type="datetime1">
               <a:rPr lang="en-US" smtClean="0"/>
-              <a:t>8/9/2018</a:t>
+              <a:t>8/13/2018</a:t>
             </a:fld>
             <a:endParaRPr lang="en-US"/>
           </a:p>
@@ -13534,10 +15894,10 @@
       </p:sp>
       <p:sp>
         <p:nvSpPr>
-          <p:cNvPr id="5" name="Slide Number Placeholder 4">
-            <a:extLst>
-              <a:ext uri="{FF2B5EF4-FFF2-40B4-BE49-F238E27FC236}">
-                <a16:creationId xmlns:a16="http://schemas.microsoft.com/office/drawing/2014/main" id="{916CF9DB-55F0-4172-AA14-D6A6BA61C499}"/>
+          <p:cNvPr id="4" name="Slide Number Placeholder 3">
+            <a:extLst>
+              <a:ext uri="{FF2B5EF4-FFF2-40B4-BE49-F238E27FC236}">
+                <a16:creationId xmlns:a16="http://schemas.microsoft.com/office/drawing/2014/main" id="{F1767A3D-FF43-4143-B193-6A912ACCD92B}"/>
               </a:ext>
             </a:extLst>
           </p:cNvPr>
@@ -13561,10 +15921,322 @@
           </a:p>
         </p:txBody>
       </p:sp>
+      <p:sp>
+        <p:nvSpPr>
+          <p:cNvPr id="43" name="TextBox 42">
+            <a:extLst>
+              <a:ext uri="{FF2B5EF4-FFF2-40B4-BE49-F238E27FC236}">
+                <a16:creationId xmlns:a16="http://schemas.microsoft.com/office/drawing/2014/main" id="{9AC8BB8E-E5B4-495B-9096-252BFA7186BD}"/>
+              </a:ext>
+            </a:extLst>
+          </p:cNvPr>
+          <p:cNvSpPr txBox="1"/>
+          <p:nvPr/>
+        </p:nvSpPr>
+        <p:spPr>
+          <a:xfrm>
+            <a:off x="7092570" y="1469854"/>
+            <a:ext cx="4357439" cy="2923877"/>
+          </a:xfrm>
+          <a:prstGeom prst="rect">
+            <a:avLst/>
+          </a:prstGeom>
+          <a:noFill/>
+        </p:spPr>
+        <p:txBody>
+          <a:bodyPr wrap="square" rtlCol="0">
+            <a:spAutoFit/>
+          </a:bodyPr>
+          <a:lstStyle/>
+          <a:p>
+            <a:r>
+              <a:rPr lang="en-US" sz="2400" b="1" dirty="0"/>
+              <a:t>Steps</a:t>
+            </a:r>
+          </a:p>
+          <a:p>
+            <a:pPr marL="342900" indent="-342900">
+              <a:buAutoNum type="arabicPeriod"/>
+            </a:pPr>
+            <a:r>
+              <a:rPr lang="en-US" dirty="0"/>
+              <a:t>Obtain state information from DFN, construct </a:t>
+            </a:r>
+            <a:r>
+              <a:rPr lang="en-US" i="1" dirty="0" err="1"/>
+              <a:t>x</a:t>
+            </a:r>
+            <a:r>
+              <a:rPr lang="en-US" i="1" baseline="-25000" dirty="0" err="1"/>
+              <a:t>k</a:t>
+            </a:r>
+            <a:r>
+              <a:rPr lang="en-US" dirty="0"/>
+              <a:t> at every time step </a:t>
+            </a:r>
+            <a:r>
+              <a:rPr lang="en-US" i="1" dirty="0"/>
+              <a:t>k</a:t>
+            </a:r>
+            <a:r>
+              <a:rPr lang="en-US" dirty="0"/>
+              <a:t>  </a:t>
+            </a:r>
+          </a:p>
+          <a:p>
+            <a:pPr marL="342900" indent="-342900">
+              <a:buAutoNum type="arabicPeriod"/>
+            </a:pPr>
+            <a:r>
+              <a:rPr lang="en-US" dirty="0"/>
+              <a:t>Initialize weights: </a:t>
+            </a:r>
+            <a:r>
+              <a:rPr lang="en-US" i="1" dirty="0" err="1"/>
+              <a:t>w</a:t>
+            </a:r>
+            <a:r>
+              <a:rPr lang="en-US" i="1" baseline="-25000" dirty="0" err="1"/>
+              <a:t>a</a:t>
+            </a:r>
+            <a:r>
+              <a:rPr lang="en-US" i="1" baseline="30000" dirty="0"/>
+              <a:t>(1</a:t>
+            </a:r>
+            <a:r>
+              <a:rPr lang="en-US" baseline="30000" dirty="0"/>
+              <a:t>)</a:t>
+            </a:r>
+            <a:r>
+              <a:rPr lang="en-US" dirty="0"/>
+              <a:t> and </a:t>
+            </a:r>
+            <a:r>
+              <a:rPr lang="en-US" i="1" dirty="0" err="1"/>
+              <a:t>w</a:t>
+            </a:r>
+            <a:r>
+              <a:rPr lang="en-US" i="1" baseline="-25000" dirty="0" err="1"/>
+              <a:t>a</a:t>
+            </a:r>
+            <a:r>
+              <a:rPr lang="en-US" i="1" baseline="30000" dirty="0"/>
+              <a:t>(2) </a:t>
+            </a:r>
+            <a:endParaRPr lang="en-US" baseline="-25000" dirty="0"/>
+          </a:p>
+          <a:p>
+            <a:pPr marL="342900" indent="-342900">
+              <a:buAutoNum type="arabicPeriod"/>
+            </a:pPr>
+            <a:r>
+              <a:rPr lang="en-US" dirty="0"/>
+              <a:t>Use neural network to predict </a:t>
+            </a:r>
+            <a:r>
+              <a:rPr lang="en-US" dirty="0" err="1"/>
+              <a:t>J</a:t>
+            </a:r>
+            <a:r>
+              <a:rPr lang="en-US" baseline="-25000" dirty="0" err="1"/>
+              <a:t>k</a:t>
+            </a:r>
+            <a:r>
+              <a:rPr lang="en-US" baseline="30000" dirty="0"/>
+              <a:t>^</a:t>
+            </a:r>
+          </a:p>
+          <a:p>
+            <a:pPr marL="342900" indent="-342900">
+              <a:buAutoNum type="arabicPeriod"/>
+            </a:pPr>
+            <a:r>
+              <a:rPr lang="en-US" dirty="0"/>
+              <a:t>Repeat 1-3 with w</a:t>
+            </a:r>
+            <a:r>
+              <a:rPr lang="en-US" baseline="-25000" dirty="0"/>
+              <a:t>c,k+1</a:t>
+            </a:r>
+            <a:r>
+              <a:rPr lang="en-US" dirty="0"/>
+              <a:t> calculated from gradient descent algorithm from Reward subroutine</a:t>
+            </a:r>
+          </a:p>
+          <a:p>
+            <a:pPr marL="342900" indent="-342900">
+              <a:buAutoNum type="arabicPeriod"/>
+            </a:pPr>
+            <a:endParaRPr lang="en-US" dirty="0"/>
+          </a:p>
+          <a:p>
+            <a:pPr marL="228600" indent="-228600">
+              <a:buAutoNum type="arabicPeriod"/>
+            </a:pPr>
+            <a:endParaRPr lang="en-US" sz="1600" dirty="0"/>
+          </a:p>
+        </p:txBody>
+      </p:sp>
+      <p:cxnSp>
+        <p:nvCxnSpPr>
+          <p:cNvPr id="46" name="Straight Arrow Connector 45">
+            <a:extLst>
+              <a:ext uri="{FF2B5EF4-FFF2-40B4-BE49-F238E27FC236}">
+                <a16:creationId xmlns:a16="http://schemas.microsoft.com/office/drawing/2014/main" id="{8B807984-9BE5-44F0-87F5-936EC8410750}"/>
+              </a:ext>
+            </a:extLst>
+          </p:cNvPr>
+          <p:cNvCxnSpPr>
+            <a:cxnSpLocks/>
+            <a:endCxn id="10" idx="0"/>
+          </p:cNvCxnSpPr>
+          <p:nvPr/>
+        </p:nvCxnSpPr>
+        <p:spPr>
+          <a:xfrm>
+            <a:off x="3576069" y="2291188"/>
+            <a:ext cx="0" cy="888967"/>
+          </a:xfrm>
+          <a:prstGeom prst="straightConnector1">
+            <a:avLst/>
+          </a:prstGeom>
+          <a:ln>
+            <a:tailEnd type="triangle"/>
+          </a:ln>
+        </p:spPr>
+        <p:style>
+          <a:lnRef idx="1">
+            <a:schemeClr val="dk1"/>
+          </a:lnRef>
+          <a:fillRef idx="0">
+            <a:schemeClr val="dk1"/>
+          </a:fillRef>
+          <a:effectRef idx="0">
+            <a:schemeClr val="dk1"/>
+          </a:effectRef>
+          <a:fontRef idx="minor">
+            <a:schemeClr val="tx1"/>
+          </a:fontRef>
+        </p:style>
+      </p:cxnSp>
+      <p:cxnSp>
+        <p:nvCxnSpPr>
+          <p:cNvPr id="47" name="Straight Arrow Connector 46">
+            <a:extLst>
+              <a:ext uri="{FF2B5EF4-FFF2-40B4-BE49-F238E27FC236}">
+                <a16:creationId xmlns:a16="http://schemas.microsoft.com/office/drawing/2014/main" id="{9DC564D7-FE60-4974-B9ED-51587D8013FF}"/>
+              </a:ext>
+            </a:extLst>
+          </p:cNvPr>
+          <p:cNvCxnSpPr>
+            <a:cxnSpLocks/>
+            <a:endCxn id="10" idx="2"/>
+          </p:cNvCxnSpPr>
+          <p:nvPr/>
+        </p:nvCxnSpPr>
+        <p:spPr>
+          <a:xfrm flipV="1">
+            <a:off x="3576069" y="3985624"/>
+            <a:ext cx="0" cy="967073"/>
+          </a:xfrm>
+          <a:prstGeom prst="straightConnector1">
+            <a:avLst/>
+          </a:prstGeom>
+          <a:ln>
+            <a:tailEnd type="triangle"/>
+          </a:ln>
+        </p:spPr>
+        <p:style>
+          <a:lnRef idx="1">
+            <a:schemeClr val="dk1"/>
+          </a:lnRef>
+          <a:fillRef idx="0">
+            <a:schemeClr val="dk1"/>
+          </a:fillRef>
+          <a:effectRef idx="0">
+            <a:schemeClr val="dk1"/>
+          </a:effectRef>
+          <a:fontRef idx="minor">
+            <a:schemeClr val="tx1"/>
+          </a:fontRef>
+        </p:style>
+      </p:cxnSp>
+      <p:sp>
+        <p:nvSpPr>
+          <p:cNvPr id="48" name="TextBox 47">
+            <a:extLst>
+              <a:ext uri="{FF2B5EF4-FFF2-40B4-BE49-F238E27FC236}">
+                <a16:creationId xmlns:a16="http://schemas.microsoft.com/office/drawing/2014/main" id="{EF8B2C33-FA6E-4A8A-A757-8F85203B0CCE}"/>
+              </a:ext>
+            </a:extLst>
+          </p:cNvPr>
+          <p:cNvSpPr txBox="1"/>
+          <p:nvPr/>
+        </p:nvSpPr>
+        <p:spPr>
+          <a:xfrm>
+            <a:off x="2714886" y="5088249"/>
+            <a:ext cx="1722363" cy="307777"/>
+          </a:xfrm>
+          <a:prstGeom prst="rect">
+            <a:avLst/>
+          </a:prstGeom>
+          <a:noFill/>
+        </p:spPr>
+        <p:txBody>
+          <a:bodyPr wrap="square" rtlCol="0">
+            <a:spAutoFit/>
+          </a:bodyPr>
+          <a:lstStyle/>
+          <a:p>
+            <a:pPr algn="ctr"/>
+            <a:r>
+              <a:rPr lang="en-US" sz="1400" i="1" dirty="0"/>
+              <a:t>From Critic</a:t>
+            </a:r>
+          </a:p>
+        </p:txBody>
+      </p:sp>
+      <p:sp>
+        <p:nvSpPr>
+          <p:cNvPr id="49" name="TextBox 48">
+            <a:extLst>
+              <a:ext uri="{FF2B5EF4-FFF2-40B4-BE49-F238E27FC236}">
+                <a16:creationId xmlns:a16="http://schemas.microsoft.com/office/drawing/2014/main" id="{F9FC29B5-3AF7-4DD7-86BD-1F99812FD85A}"/>
+              </a:ext>
+            </a:extLst>
+          </p:cNvPr>
+          <p:cNvSpPr txBox="1"/>
+          <p:nvPr/>
+        </p:nvSpPr>
+        <p:spPr>
+          <a:xfrm>
+            <a:off x="5157152" y="3429000"/>
+            <a:ext cx="1722363" cy="307777"/>
+          </a:xfrm>
+          <a:prstGeom prst="rect">
+            <a:avLst/>
+          </a:prstGeom>
+          <a:noFill/>
+        </p:spPr>
+        <p:txBody>
+          <a:bodyPr wrap="square" rtlCol="0">
+            <a:spAutoFit/>
+          </a:bodyPr>
+          <a:lstStyle/>
+          <a:p>
+            <a:pPr algn="ctr"/>
+            <a:r>
+              <a:rPr lang="en-US" sz="1400" i="1" dirty="0"/>
+              <a:t>To reward</a:t>
+            </a:r>
+          </a:p>
+        </p:txBody>
+      </p:sp>
     </p:spTree>
     <p:extLst>
       <p:ext uri="{BB962C8B-B14F-4D97-AF65-F5344CB8AC3E}">
-        <p14:creationId xmlns:p14="http://schemas.microsoft.com/office/powerpoint/2010/main" val="2631628806"/>
+        <p14:creationId xmlns:p14="http://schemas.microsoft.com/office/powerpoint/2010/main" val="3494666088"/>
       </p:ext>
     </p:extLst>
   </p:cSld>
